--- a/Talk/Shading & Lightning.pptx
+++ b/Talk/Shading & Lightning.pptx
@@ -30,6 +30,7 @@
     <p:sldId id="280" r:id="rId24"/>
     <p:sldId id="277" r:id="rId25"/>
     <p:sldId id="278" r:id="rId26"/>
+    <p:sldId id="281" r:id="rId27"/>
   </p:sldIdLst>
   <p:sldSz cx="12192000" cy="6858000"/>
   <p:notesSz cx="6858000" cy="9144000"/>
@@ -158,9 +159,13 @@
             <p14:sldId id="280"/>
             <p14:sldId id="277"/>
             <p14:sldId id="278"/>
+            <p14:sldId id="281"/>
           </p14:sldIdLst>
         </p14:section>
       </p14:sectionLst>
+    </p:ext>
+    <p:ext uri="{EFAFB233-063F-42B5-8137-9DF3F51BA10A}">
+      <p15:sldGuideLst xmlns:p15="http://schemas.microsoft.com/office/powerpoint/2012/main"/>
     </p:ext>
   </p:extLst>
 </p:presentation>
@@ -1192,6 +1197,13 @@
         </dgm:presLayoutVars>
       </dgm:prSet>
       <dgm:spPr/>
+      <dgm:t>
+        <a:bodyPr/>
+        <a:lstStyle/>
+        <a:p>
+          <a:endParaRPr lang="de-DE"/>
+        </a:p>
+      </dgm:t>
     </dgm:pt>
     <dgm:pt modelId="{35DF42A1-8403-496A-9729-B7FFADD7C65C}" type="pres">
       <dgm:prSet presAssocID="{FA050496-4FDA-4BB7-8F5C-49182AF1BED1}" presName="vertFlow" presStyleCnt="0"/>
@@ -1200,10 +1212,24 @@
     <dgm:pt modelId="{52FC016A-B4AE-4347-AA88-D89D3DCA07AD}" type="pres">
       <dgm:prSet presAssocID="{FA050496-4FDA-4BB7-8F5C-49182AF1BED1}" presName="header" presStyleLbl="node1" presStyleIdx="0" presStyleCnt="2"/>
       <dgm:spPr/>
+      <dgm:t>
+        <a:bodyPr/>
+        <a:lstStyle/>
+        <a:p>
+          <a:endParaRPr lang="de-DE"/>
+        </a:p>
+      </dgm:t>
     </dgm:pt>
     <dgm:pt modelId="{A37C163D-F833-4A20-B744-E085315ED804}" type="pres">
       <dgm:prSet presAssocID="{4DA69B6E-6FD4-414E-82E0-BCA11D7BA747}" presName="parTrans" presStyleLbl="sibTrans2D1" presStyleIdx="0" presStyleCnt="4"/>
       <dgm:spPr/>
+      <dgm:t>
+        <a:bodyPr/>
+        <a:lstStyle/>
+        <a:p>
+          <a:endParaRPr lang="de-DE"/>
+        </a:p>
+      </dgm:t>
     </dgm:pt>
     <dgm:pt modelId="{3B1A675A-0B2B-4156-8C44-79E68A2A3893}" type="pres">
       <dgm:prSet presAssocID="{D2E2B16E-CDF2-47E7-B6B8-8BDB3C8A37B1}" presName="child" presStyleLbl="alignAccFollowNode1" presStyleIdx="0" presStyleCnt="4">
@@ -1213,10 +1239,24 @@
         </dgm:presLayoutVars>
       </dgm:prSet>
       <dgm:spPr/>
+      <dgm:t>
+        <a:bodyPr/>
+        <a:lstStyle/>
+        <a:p>
+          <a:endParaRPr lang="de-DE"/>
+        </a:p>
+      </dgm:t>
     </dgm:pt>
     <dgm:pt modelId="{938331B0-C459-49AE-A25A-C7A20F8CC49C}" type="pres">
       <dgm:prSet presAssocID="{670DCD92-47D4-4981-995A-E95518E2C52C}" presName="sibTrans" presStyleLbl="sibTrans2D1" presStyleIdx="1" presStyleCnt="4"/>
       <dgm:spPr/>
+      <dgm:t>
+        <a:bodyPr/>
+        <a:lstStyle/>
+        <a:p>
+          <a:endParaRPr lang="de-DE"/>
+        </a:p>
+      </dgm:t>
     </dgm:pt>
     <dgm:pt modelId="{ADE13DD1-9DD7-4843-B322-ED18E53A868A}" type="pres">
       <dgm:prSet presAssocID="{2F777CBD-45C6-497B-BE0D-94237747261B}" presName="child" presStyleLbl="alignAccFollowNode1" presStyleIdx="1" presStyleCnt="4">
@@ -1245,10 +1285,24 @@
     <dgm:pt modelId="{F77F33D4-3C44-4DEA-B4D2-AEF98CA47908}" type="pres">
       <dgm:prSet presAssocID="{57CD01A1-F1FF-4E17-B8AE-AA932AD4ED4F}" presName="header" presStyleLbl="node1" presStyleIdx="1" presStyleCnt="2"/>
       <dgm:spPr/>
+      <dgm:t>
+        <a:bodyPr/>
+        <a:lstStyle/>
+        <a:p>
+          <a:endParaRPr lang="de-DE"/>
+        </a:p>
+      </dgm:t>
     </dgm:pt>
     <dgm:pt modelId="{2867A9FE-FF8A-4E27-A8E5-CB1A0A56F081}" type="pres">
       <dgm:prSet presAssocID="{984BBF9A-E325-4809-8C41-C12C2AB1B24F}" presName="parTrans" presStyleLbl="sibTrans2D1" presStyleIdx="2" presStyleCnt="4"/>
       <dgm:spPr/>
+      <dgm:t>
+        <a:bodyPr/>
+        <a:lstStyle/>
+        <a:p>
+          <a:endParaRPr lang="de-DE"/>
+        </a:p>
+      </dgm:t>
     </dgm:pt>
     <dgm:pt modelId="{6F36FF42-2D98-4874-8148-53F0648E31CA}" type="pres">
       <dgm:prSet presAssocID="{2FD1135C-CD6D-4C93-8D19-41E0B111F860}" presName="child" presStyleLbl="alignAccFollowNode1" presStyleIdx="2" presStyleCnt="4">
@@ -1258,10 +1312,24 @@
         </dgm:presLayoutVars>
       </dgm:prSet>
       <dgm:spPr/>
+      <dgm:t>
+        <a:bodyPr/>
+        <a:lstStyle/>
+        <a:p>
+          <a:endParaRPr lang="de-DE"/>
+        </a:p>
+      </dgm:t>
     </dgm:pt>
     <dgm:pt modelId="{19559425-F742-4927-AC69-6CB1E3345327}" type="pres">
       <dgm:prSet presAssocID="{E068A075-ADAE-416E-B3F0-7A458361654E}" presName="sibTrans" presStyleLbl="sibTrans2D1" presStyleIdx="3" presStyleCnt="4"/>
       <dgm:spPr/>
+      <dgm:t>
+        <a:bodyPr/>
+        <a:lstStyle/>
+        <a:p>
+          <a:endParaRPr lang="de-DE"/>
+        </a:p>
+      </dgm:t>
     </dgm:pt>
     <dgm:pt modelId="{DC9E1B48-B852-4A26-A78A-0476CCBCB922}" type="pres">
       <dgm:prSet presAssocID="{946264CE-5507-495A-A0CB-ED8F0753118A}" presName="child" presStyleLbl="alignAccFollowNode1" presStyleIdx="3" presStyleCnt="4">
@@ -3532,7 +3600,7 @@
           <a:p>
             <a:fld id="{28C1DA9B-C2C1-4415-8F90-1515AC91E8D9}" type="datetimeFigureOut">
               <a:rPr lang="de-DE" smtClean="0"/>
-              <a:t>22.05.2016</a:t>
+              <a:t>23.05.2016</a:t>
             </a:fld>
             <a:endParaRPr lang="de-DE"/>
           </a:p>
@@ -3628,6 +3696,9 @@
   <p:clrMapOvr>
     <a:masterClrMapping/>
   </p:clrMapOvr>
+  <p:transition spd="slow">
+    <p:push/>
+  </p:transition>
   <p:timing>
     <p:tnLst>
       <p:par>
@@ -3747,7 +3818,7 @@
           <a:p>
             <a:fld id="{28C1DA9B-C2C1-4415-8F90-1515AC91E8D9}" type="datetimeFigureOut">
               <a:rPr lang="de-DE" smtClean="0"/>
-              <a:t>22.05.2016</a:t>
+              <a:t>23.05.2016</a:t>
             </a:fld>
             <a:endParaRPr lang="de-DE"/>
           </a:p>
@@ -3805,6 +3876,9 @@
   <p:clrMapOvr>
     <a:masterClrMapping/>
   </p:clrMapOvr>
+  <p:transition spd="slow">
+    <p:push/>
+  </p:transition>
   <p:timing>
     <p:tnLst>
       <p:par>
@@ -4010,7 +4084,7 @@
           <a:p>
             <a:fld id="{28C1DA9B-C2C1-4415-8F90-1515AC91E8D9}" type="datetimeFigureOut">
               <a:rPr lang="de-DE" smtClean="0"/>
-              <a:t>22.05.2016</a:t>
+              <a:t>23.05.2016</a:t>
             </a:fld>
             <a:endParaRPr lang="de-DE"/>
           </a:p>
@@ -4068,6 +4142,9 @@
   <p:clrMapOvr>
     <a:masterClrMapping/>
   </p:clrMapOvr>
+  <p:transition spd="slow">
+    <p:push/>
+  </p:transition>
 </p:sldLayout>
 </file>
 
@@ -4202,7 +4279,7 @@
           <a:p>
             <a:fld id="{28C1DA9B-C2C1-4415-8F90-1515AC91E8D9}" type="datetimeFigureOut">
               <a:rPr lang="de-DE" smtClean="0"/>
-              <a:t>22.05.2016</a:t>
+              <a:t>23.05.2016</a:t>
             </a:fld>
             <a:endParaRPr lang="de-DE"/>
           </a:p>
@@ -4338,6 +4415,9 @@
   <p:clrMapOvr>
     <a:masterClrMapping/>
   </p:clrMapOvr>
+  <p:transition spd="slow">
+    <p:push/>
+  </p:transition>
   <p:timing>
     <p:tnLst>
       <p:par>
@@ -4630,7 +4710,7 @@
           <a:p>
             <a:fld id="{28C1DA9B-C2C1-4415-8F90-1515AC91E8D9}" type="datetimeFigureOut">
               <a:rPr lang="de-DE" smtClean="0"/>
-              <a:t>22.05.2016</a:t>
+              <a:t>23.05.2016</a:t>
             </a:fld>
             <a:endParaRPr lang="de-DE"/>
           </a:p>
@@ -4726,6 +4806,9 @@
   <p:clrMapOvr>
     <a:masterClrMapping/>
   </p:clrMapOvr>
+  <p:transition spd="slow">
+    <p:push/>
+  </p:transition>
   <p:timing>
     <p:tnLst>
       <p:par>
@@ -4912,7 +4995,7 @@
           <a:p>
             <a:fld id="{28C1DA9B-C2C1-4415-8F90-1515AC91E8D9}" type="datetimeFigureOut">
               <a:rPr lang="de-DE" smtClean="0"/>
-              <a:t>22.05.2016</a:t>
+              <a:t>23.05.2016</a:t>
             </a:fld>
             <a:endParaRPr lang="de-DE"/>
           </a:p>
@@ -4970,6 +5053,9 @@
   <p:clrMapOvr>
     <a:masterClrMapping/>
   </p:clrMapOvr>
+  <p:transition spd="slow">
+    <p:push/>
+  </p:transition>
   <p:timing>
     <p:tnLst>
       <p:par>
@@ -5298,7 +5384,7 @@
           <a:p>
             <a:fld id="{28C1DA9B-C2C1-4415-8F90-1515AC91E8D9}" type="datetimeFigureOut">
               <a:rPr lang="de-DE" smtClean="0"/>
-              <a:t>22.05.2016</a:t>
+              <a:t>23.05.2016</a:t>
             </a:fld>
             <a:endParaRPr lang="de-DE"/>
           </a:p>
@@ -5356,6 +5442,9 @@
   <p:clrMapOvr>
     <a:masterClrMapping/>
   </p:clrMapOvr>
+  <p:transition spd="slow">
+    <p:push/>
+  </p:transition>
   <p:timing>
     <p:tnLst>
       <p:par>
@@ -5423,7 +5512,7 @@
           <a:p>
             <a:fld id="{28C1DA9B-C2C1-4415-8F90-1515AC91E8D9}" type="datetimeFigureOut">
               <a:rPr lang="de-DE" smtClean="0"/>
-              <a:t>22.05.2016</a:t>
+              <a:t>23.05.2016</a:t>
             </a:fld>
             <a:endParaRPr lang="de-DE"/>
           </a:p>
@@ -5481,6 +5570,9 @@
   <p:clrMapOvr>
     <a:masterClrMapping/>
   </p:clrMapOvr>
+  <p:transition spd="slow">
+    <p:push/>
+  </p:transition>
   <p:timing>
     <p:tnLst>
       <p:par>
@@ -5601,7 +5693,7 @@
           <a:p>
             <a:fld id="{28C1DA9B-C2C1-4415-8F90-1515AC91E8D9}" type="datetimeFigureOut">
               <a:rPr lang="de-DE" smtClean="0"/>
-              <a:t>22.05.2016</a:t>
+              <a:t>23.05.2016</a:t>
             </a:fld>
             <a:endParaRPr lang="de-DE"/>
           </a:p>
@@ -5667,6 +5759,9 @@
   <p:clrMapOvr>
     <a:masterClrMapping/>
   </p:clrMapOvr>
+  <p:transition spd="slow">
+    <p:push/>
+  </p:transition>
 </p:sldLayout>
 </file>
 
@@ -5955,7 +6050,7 @@
           <a:p>
             <a:fld id="{28C1DA9B-C2C1-4415-8F90-1515AC91E8D9}" type="datetimeFigureOut">
               <a:rPr lang="de-DE" smtClean="0"/>
-              <a:t>22.05.2016</a:t>
+              <a:t>23.05.2016</a:t>
             </a:fld>
             <a:endParaRPr lang="de-DE"/>
           </a:p>
@@ -6034,6 +6129,9 @@
   <p:clrMapOvr>
     <a:masterClrMapping/>
   </p:clrMapOvr>
+  <p:transition spd="slow">
+    <p:push/>
+  </p:transition>
 </p:sldLayout>
 </file>
 
@@ -6337,7 +6435,7 @@
           <a:p>
             <a:fld id="{28C1DA9B-C2C1-4415-8F90-1515AC91E8D9}" type="datetimeFigureOut">
               <a:rPr lang="de-DE" smtClean="0"/>
-              <a:t>22.05.2016</a:t>
+              <a:t>23.05.2016</a:t>
             </a:fld>
             <a:endParaRPr lang="de-DE"/>
           </a:p>
@@ -6395,6 +6493,9 @@
   <p:clrMapOvr>
     <a:masterClrMapping/>
   </p:clrMapOvr>
+  <p:transition spd="slow">
+    <p:push/>
+  </p:transition>
 </p:sldLayout>
 </file>
 
@@ -6624,7 +6725,7 @@
           <a:p>
             <a:fld id="{28C1DA9B-C2C1-4415-8F90-1515AC91E8D9}" type="datetimeFigureOut">
               <a:rPr lang="de-DE" smtClean="0"/>
-              <a:t>22.05.2016</a:t>
+              <a:t>23.05.2016</a:t>
             </a:fld>
             <a:endParaRPr lang="de-DE"/>
           </a:p>
@@ -6763,6 +6864,9 @@
     <p:sldLayoutId id="2147483670" r:id="rId10"/>
     <p:sldLayoutId id="2147483671" r:id="rId11"/>
   </p:sldLayoutIdLst>
+  <p:transition spd="slow">
+    <p:push/>
+  </p:transition>
   <p:timing>
     <p:tnLst>
       <p:par>
@@ -7215,6 +7319,9 @@
   <p:clrMapOvr>
     <a:masterClrMapping/>
   </p:clrMapOvr>
+  <p:transition spd="slow">
+    <p:push/>
+  </p:transition>
   <p:timing>
     <p:tnLst>
       <p:par>
@@ -7255,7 +7362,7 @@
         <p:spPr/>
         <p:txBody>
           <a:bodyPr>
-            <a:normAutofit fontScale="90000"/>
+            <a:normAutofit/>
           </a:bodyPr>
           <a:lstStyle/>
           <a:p>
@@ -7638,10 +7745,201 @@
   <p:clrMapOvr>
     <a:masterClrMapping/>
   </p:clrMapOvr>
+  <p:transition spd="slow">
+    <p:push/>
+  </p:transition>
   <p:timing>
     <p:tnLst>
       <p:par>
-        <p:cTn id="1" dur="indefinite" restart="never" nodeType="tmRoot"/>
+        <p:cTn id="1" dur="indefinite" restart="never" nodeType="tmRoot">
+          <p:childTnLst>
+            <p:seq concurrent="1" nextAc="seek">
+              <p:cTn id="2" dur="indefinite" nodeType="mainSeq">
+                <p:childTnLst>
+                  <p:par>
+                    <p:cTn id="3" fill="hold">
+                      <p:stCondLst>
+                        <p:cond delay="indefinite"/>
+                      </p:stCondLst>
+                      <p:childTnLst>
+                        <p:par>
+                          <p:cTn id="4" fill="hold">
+                            <p:stCondLst>
+                              <p:cond delay="0"/>
+                            </p:stCondLst>
+                            <p:childTnLst>
+                              <p:par>
+                                <p:cTn id="5" presetID="10" presetClass="entr" presetSubtype="0" fill="hold" nodeType="clickEffect">
+                                  <p:stCondLst>
+                                    <p:cond delay="0"/>
+                                  </p:stCondLst>
+                                  <p:childTnLst>
+                                    <p:set>
+                                      <p:cBhvr>
+                                        <p:cTn id="6" dur="1" fill="hold">
+                                          <p:stCondLst>
+                                            <p:cond delay="0"/>
+                                          </p:stCondLst>
+                                        </p:cTn>
+                                        <p:tgtEl>
+                                          <p:spTgt spid="3">
+                                            <p:txEl>
+                                              <p:pRg st="1" end="1"/>
+                                            </p:txEl>
+                                          </p:spTgt>
+                                        </p:tgtEl>
+                                        <p:attrNameLst>
+                                          <p:attrName>style.visibility</p:attrName>
+                                        </p:attrNameLst>
+                                      </p:cBhvr>
+                                      <p:to>
+                                        <p:strVal val="visible"/>
+                                      </p:to>
+                                    </p:set>
+                                    <p:animEffect transition="in" filter="fade">
+                                      <p:cBhvr>
+                                        <p:cTn id="7" dur="500"/>
+                                        <p:tgtEl>
+                                          <p:spTgt spid="3">
+                                            <p:txEl>
+                                              <p:pRg st="1" end="1"/>
+                                            </p:txEl>
+                                          </p:spTgt>
+                                        </p:tgtEl>
+                                      </p:cBhvr>
+                                    </p:animEffect>
+                                  </p:childTnLst>
+                                </p:cTn>
+                              </p:par>
+                              <p:par>
+                                <p:cTn id="8" presetID="10" presetClass="entr" presetSubtype="0" fill="hold" nodeType="withEffect">
+                                  <p:stCondLst>
+                                    <p:cond delay="0"/>
+                                  </p:stCondLst>
+                                  <p:childTnLst>
+                                    <p:set>
+                                      <p:cBhvr>
+                                        <p:cTn id="9" dur="1" fill="hold">
+                                          <p:stCondLst>
+                                            <p:cond delay="0"/>
+                                          </p:stCondLst>
+                                        </p:cTn>
+                                        <p:tgtEl>
+                                          <p:spTgt spid="3">
+                                            <p:txEl>
+                                              <p:pRg st="2" end="2"/>
+                                            </p:txEl>
+                                          </p:spTgt>
+                                        </p:tgtEl>
+                                        <p:attrNameLst>
+                                          <p:attrName>style.visibility</p:attrName>
+                                        </p:attrNameLst>
+                                      </p:cBhvr>
+                                      <p:to>
+                                        <p:strVal val="visible"/>
+                                      </p:to>
+                                    </p:set>
+                                    <p:animEffect transition="in" filter="fade">
+                                      <p:cBhvr>
+                                        <p:cTn id="10" dur="500"/>
+                                        <p:tgtEl>
+                                          <p:spTgt spid="3">
+                                            <p:txEl>
+                                              <p:pRg st="2" end="2"/>
+                                            </p:txEl>
+                                          </p:spTgt>
+                                        </p:tgtEl>
+                                      </p:cBhvr>
+                                    </p:animEffect>
+                                  </p:childTnLst>
+                                </p:cTn>
+                              </p:par>
+                            </p:childTnLst>
+                          </p:cTn>
+                        </p:par>
+                      </p:childTnLst>
+                    </p:cTn>
+                  </p:par>
+                  <p:par>
+                    <p:cTn id="11" fill="hold">
+                      <p:stCondLst>
+                        <p:cond delay="indefinite"/>
+                      </p:stCondLst>
+                      <p:childTnLst>
+                        <p:par>
+                          <p:cTn id="12" fill="hold">
+                            <p:stCondLst>
+                              <p:cond delay="0"/>
+                            </p:stCondLst>
+                            <p:childTnLst>
+                              <p:par>
+                                <p:cTn id="13" presetID="10" presetClass="entr" presetSubtype="0" fill="hold" nodeType="clickEffect">
+                                  <p:stCondLst>
+                                    <p:cond delay="0"/>
+                                  </p:stCondLst>
+                                  <p:childTnLst>
+                                    <p:set>
+                                      <p:cBhvr>
+                                        <p:cTn id="14" dur="1" fill="hold">
+                                          <p:stCondLst>
+                                            <p:cond delay="0"/>
+                                          </p:stCondLst>
+                                        </p:cTn>
+                                        <p:tgtEl>
+                                          <p:spTgt spid="3">
+                                            <p:txEl>
+                                              <p:pRg st="5" end="5"/>
+                                            </p:txEl>
+                                          </p:spTgt>
+                                        </p:tgtEl>
+                                        <p:attrNameLst>
+                                          <p:attrName>style.visibility</p:attrName>
+                                        </p:attrNameLst>
+                                      </p:cBhvr>
+                                      <p:to>
+                                        <p:strVal val="visible"/>
+                                      </p:to>
+                                    </p:set>
+                                    <p:animEffect transition="in" filter="fade">
+                                      <p:cBhvr>
+                                        <p:cTn id="15" dur="500"/>
+                                        <p:tgtEl>
+                                          <p:spTgt spid="3">
+                                            <p:txEl>
+                                              <p:pRg st="5" end="5"/>
+                                            </p:txEl>
+                                          </p:spTgt>
+                                        </p:tgtEl>
+                                      </p:cBhvr>
+                                    </p:animEffect>
+                                  </p:childTnLst>
+                                </p:cTn>
+                              </p:par>
+                            </p:childTnLst>
+                          </p:cTn>
+                        </p:par>
+                      </p:childTnLst>
+                    </p:cTn>
+                  </p:par>
+                </p:childTnLst>
+              </p:cTn>
+              <p:prevCondLst>
+                <p:cond evt="onPrev" delay="0">
+                  <p:tgtEl>
+                    <p:sldTgt/>
+                  </p:tgtEl>
+                </p:cond>
+              </p:prevCondLst>
+              <p:nextCondLst>
+                <p:cond evt="onNext" delay="0">
+                  <p:tgtEl>
+                    <p:sldTgt/>
+                  </p:tgtEl>
+                </p:cond>
+              </p:nextCondLst>
+            </p:seq>
+          </p:childTnLst>
+        </p:cTn>
       </p:par>
     </p:tnLst>
   </p:timing>
@@ -8159,10 +8457,287 @@
   <p:clrMapOvr>
     <a:masterClrMapping/>
   </p:clrMapOvr>
+  <p:transition spd="slow">
+    <p:push/>
+  </p:transition>
   <p:timing>
     <p:tnLst>
       <p:par>
-        <p:cTn id="1" dur="indefinite" restart="never" nodeType="tmRoot"/>
+        <p:cTn id="1" dur="indefinite" restart="never" nodeType="tmRoot">
+          <p:childTnLst>
+            <p:seq concurrent="1" nextAc="seek">
+              <p:cTn id="2" dur="indefinite" nodeType="mainSeq">
+                <p:childTnLst>
+                  <p:par>
+                    <p:cTn id="3" fill="hold">
+                      <p:stCondLst>
+                        <p:cond delay="indefinite"/>
+                      </p:stCondLst>
+                      <p:childTnLst>
+                        <p:par>
+                          <p:cTn id="4" fill="hold">
+                            <p:stCondLst>
+                              <p:cond delay="0"/>
+                            </p:stCondLst>
+                            <p:childTnLst>
+                              <p:par>
+                                <p:cTn id="5" presetID="10" presetClass="entr" presetSubtype="0" fill="hold" nodeType="clickEffect">
+                                  <p:stCondLst>
+                                    <p:cond delay="0"/>
+                                  </p:stCondLst>
+                                  <p:childTnLst>
+                                    <p:set>
+                                      <p:cBhvr>
+                                        <p:cTn id="6" dur="1" fill="hold">
+                                          <p:stCondLst>
+                                            <p:cond delay="0"/>
+                                          </p:stCondLst>
+                                        </p:cTn>
+                                        <p:tgtEl>
+                                          <p:spTgt spid="3">
+                                            <p:txEl>
+                                              <p:pRg st="1" end="1"/>
+                                            </p:txEl>
+                                          </p:spTgt>
+                                        </p:tgtEl>
+                                        <p:attrNameLst>
+                                          <p:attrName>style.visibility</p:attrName>
+                                        </p:attrNameLst>
+                                      </p:cBhvr>
+                                      <p:to>
+                                        <p:strVal val="visible"/>
+                                      </p:to>
+                                    </p:set>
+                                    <p:animEffect transition="in" filter="fade">
+                                      <p:cBhvr>
+                                        <p:cTn id="7" dur="500"/>
+                                        <p:tgtEl>
+                                          <p:spTgt spid="3">
+                                            <p:txEl>
+                                              <p:pRg st="1" end="1"/>
+                                            </p:txEl>
+                                          </p:spTgt>
+                                        </p:tgtEl>
+                                      </p:cBhvr>
+                                    </p:animEffect>
+                                  </p:childTnLst>
+                                </p:cTn>
+                              </p:par>
+                              <p:par>
+                                <p:cTn id="8" presetID="10" presetClass="entr" presetSubtype="0" fill="hold" nodeType="withEffect">
+                                  <p:stCondLst>
+                                    <p:cond delay="0"/>
+                                  </p:stCondLst>
+                                  <p:childTnLst>
+                                    <p:set>
+                                      <p:cBhvr>
+                                        <p:cTn id="9" dur="1" fill="hold">
+                                          <p:stCondLst>
+                                            <p:cond delay="0"/>
+                                          </p:stCondLst>
+                                        </p:cTn>
+                                        <p:tgtEl>
+                                          <p:spTgt spid="3">
+                                            <p:txEl>
+                                              <p:pRg st="2" end="2"/>
+                                            </p:txEl>
+                                          </p:spTgt>
+                                        </p:tgtEl>
+                                        <p:attrNameLst>
+                                          <p:attrName>style.visibility</p:attrName>
+                                        </p:attrNameLst>
+                                      </p:cBhvr>
+                                      <p:to>
+                                        <p:strVal val="visible"/>
+                                      </p:to>
+                                    </p:set>
+                                    <p:animEffect transition="in" filter="fade">
+                                      <p:cBhvr>
+                                        <p:cTn id="10" dur="500"/>
+                                        <p:tgtEl>
+                                          <p:spTgt spid="3">
+                                            <p:txEl>
+                                              <p:pRg st="2" end="2"/>
+                                            </p:txEl>
+                                          </p:spTgt>
+                                        </p:tgtEl>
+                                      </p:cBhvr>
+                                    </p:animEffect>
+                                  </p:childTnLst>
+                                </p:cTn>
+                              </p:par>
+                              <p:par>
+                                <p:cTn id="11" presetID="10" presetClass="entr" presetSubtype="0" fill="hold" nodeType="withEffect">
+                                  <p:stCondLst>
+                                    <p:cond delay="0"/>
+                                  </p:stCondLst>
+                                  <p:childTnLst>
+                                    <p:set>
+                                      <p:cBhvr>
+                                        <p:cTn id="12" dur="1" fill="hold">
+                                          <p:stCondLst>
+                                            <p:cond delay="0"/>
+                                          </p:stCondLst>
+                                        </p:cTn>
+                                        <p:tgtEl>
+                                          <p:spTgt spid="3">
+                                            <p:txEl>
+                                              <p:pRg st="3" end="3"/>
+                                            </p:txEl>
+                                          </p:spTgt>
+                                        </p:tgtEl>
+                                        <p:attrNameLst>
+                                          <p:attrName>style.visibility</p:attrName>
+                                        </p:attrNameLst>
+                                      </p:cBhvr>
+                                      <p:to>
+                                        <p:strVal val="visible"/>
+                                      </p:to>
+                                    </p:set>
+                                    <p:animEffect transition="in" filter="fade">
+                                      <p:cBhvr>
+                                        <p:cTn id="13" dur="500"/>
+                                        <p:tgtEl>
+                                          <p:spTgt spid="3">
+                                            <p:txEl>
+                                              <p:pRg st="3" end="3"/>
+                                            </p:txEl>
+                                          </p:spTgt>
+                                        </p:tgtEl>
+                                      </p:cBhvr>
+                                    </p:animEffect>
+                                  </p:childTnLst>
+                                </p:cTn>
+                              </p:par>
+                              <p:par>
+                                <p:cTn id="14" presetID="10" presetClass="entr" presetSubtype="0" fill="hold" nodeType="withEffect">
+                                  <p:stCondLst>
+                                    <p:cond delay="0"/>
+                                  </p:stCondLst>
+                                  <p:childTnLst>
+                                    <p:set>
+                                      <p:cBhvr>
+                                        <p:cTn id="15" dur="1" fill="hold">
+                                          <p:stCondLst>
+                                            <p:cond delay="0"/>
+                                          </p:stCondLst>
+                                        </p:cTn>
+                                        <p:tgtEl>
+                                          <p:spTgt spid="3">
+                                            <p:txEl>
+                                              <p:pRg st="4" end="4"/>
+                                            </p:txEl>
+                                          </p:spTgt>
+                                        </p:tgtEl>
+                                        <p:attrNameLst>
+                                          <p:attrName>style.visibility</p:attrName>
+                                        </p:attrNameLst>
+                                      </p:cBhvr>
+                                      <p:to>
+                                        <p:strVal val="visible"/>
+                                      </p:to>
+                                    </p:set>
+                                    <p:animEffect transition="in" filter="fade">
+                                      <p:cBhvr>
+                                        <p:cTn id="16" dur="500"/>
+                                        <p:tgtEl>
+                                          <p:spTgt spid="3">
+                                            <p:txEl>
+                                              <p:pRg st="4" end="4"/>
+                                            </p:txEl>
+                                          </p:spTgt>
+                                        </p:tgtEl>
+                                      </p:cBhvr>
+                                    </p:animEffect>
+                                  </p:childTnLst>
+                                </p:cTn>
+                              </p:par>
+                            </p:childTnLst>
+                          </p:cTn>
+                        </p:par>
+                      </p:childTnLst>
+                    </p:cTn>
+                  </p:par>
+                  <p:par>
+                    <p:cTn id="17" fill="hold">
+                      <p:stCondLst>
+                        <p:cond delay="indefinite"/>
+                      </p:stCondLst>
+                      <p:childTnLst>
+                        <p:par>
+                          <p:cTn id="18" fill="hold">
+                            <p:stCondLst>
+                              <p:cond delay="0"/>
+                            </p:stCondLst>
+                            <p:childTnLst>
+                              <p:par>
+                                <p:cTn id="19" presetID="10" presetClass="entr" presetSubtype="0" fill="hold" nodeType="clickEffect">
+                                  <p:stCondLst>
+                                    <p:cond delay="0"/>
+                                  </p:stCondLst>
+                                  <p:childTnLst>
+                                    <p:set>
+                                      <p:cBhvr>
+                                        <p:cTn id="20" dur="1" fill="hold">
+                                          <p:stCondLst>
+                                            <p:cond delay="0"/>
+                                          </p:stCondLst>
+                                        </p:cTn>
+                                        <p:tgtEl>
+                                          <p:spTgt spid="3">
+                                            <p:txEl>
+                                              <p:pRg st="9" end="9"/>
+                                            </p:txEl>
+                                          </p:spTgt>
+                                        </p:tgtEl>
+                                        <p:attrNameLst>
+                                          <p:attrName>style.visibility</p:attrName>
+                                        </p:attrNameLst>
+                                      </p:cBhvr>
+                                      <p:to>
+                                        <p:strVal val="visible"/>
+                                      </p:to>
+                                    </p:set>
+                                    <p:animEffect transition="in" filter="fade">
+                                      <p:cBhvr>
+                                        <p:cTn id="21" dur="500"/>
+                                        <p:tgtEl>
+                                          <p:spTgt spid="3">
+                                            <p:txEl>
+                                              <p:pRg st="9" end="9"/>
+                                            </p:txEl>
+                                          </p:spTgt>
+                                        </p:tgtEl>
+                                      </p:cBhvr>
+                                    </p:animEffect>
+                                  </p:childTnLst>
+                                </p:cTn>
+                              </p:par>
+                            </p:childTnLst>
+                          </p:cTn>
+                        </p:par>
+                      </p:childTnLst>
+                    </p:cTn>
+                  </p:par>
+                </p:childTnLst>
+              </p:cTn>
+              <p:prevCondLst>
+                <p:cond evt="onPrev" delay="0">
+                  <p:tgtEl>
+                    <p:sldTgt/>
+                  </p:tgtEl>
+                </p:cond>
+              </p:prevCondLst>
+              <p:nextCondLst>
+                <p:cond evt="onNext" delay="0">
+                  <p:tgtEl>
+                    <p:sldTgt/>
+                  </p:tgtEl>
+                </p:cond>
+              </p:nextCondLst>
+            </p:seq>
+          </p:childTnLst>
+        </p:cTn>
       </p:par>
     </p:tnLst>
   </p:timing>
@@ -8705,10 +9280,287 @@
   <p:clrMapOvr>
     <a:masterClrMapping/>
   </p:clrMapOvr>
+  <p:transition spd="slow">
+    <p:push/>
+  </p:transition>
   <p:timing>
     <p:tnLst>
       <p:par>
-        <p:cTn id="1" dur="indefinite" restart="never" nodeType="tmRoot"/>
+        <p:cTn id="1" dur="indefinite" restart="never" nodeType="tmRoot">
+          <p:childTnLst>
+            <p:seq concurrent="1" nextAc="seek">
+              <p:cTn id="2" dur="indefinite" nodeType="mainSeq">
+                <p:childTnLst>
+                  <p:par>
+                    <p:cTn id="3" fill="hold">
+                      <p:stCondLst>
+                        <p:cond delay="indefinite"/>
+                      </p:stCondLst>
+                      <p:childTnLst>
+                        <p:par>
+                          <p:cTn id="4" fill="hold">
+                            <p:stCondLst>
+                              <p:cond delay="0"/>
+                            </p:stCondLst>
+                            <p:childTnLst>
+                              <p:par>
+                                <p:cTn id="5" presetID="10" presetClass="entr" presetSubtype="0" fill="hold" nodeType="clickEffect">
+                                  <p:stCondLst>
+                                    <p:cond delay="0"/>
+                                  </p:stCondLst>
+                                  <p:childTnLst>
+                                    <p:set>
+                                      <p:cBhvr>
+                                        <p:cTn id="6" dur="1" fill="hold">
+                                          <p:stCondLst>
+                                            <p:cond delay="0"/>
+                                          </p:stCondLst>
+                                        </p:cTn>
+                                        <p:tgtEl>
+                                          <p:spTgt spid="3">
+                                            <p:txEl>
+                                              <p:pRg st="1" end="1"/>
+                                            </p:txEl>
+                                          </p:spTgt>
+                                        </p:tgtEl>
+                                        <p:attrNameLst>
+                                          <p:attrName>style.visibility</p:attrName>
+                                        </p:attrNameLst>
+                                      </p:cBhvr>
+                                      <p:to>
+                                        <p:strVal val="visible"/>
+                                      </p:to>
+                                    </p:set>
+                                    <p:animEffect transition="in" filter="fade">
+                                      <p:cBhvr>
+                                        <p:cTn id="7" dur="500"/>
+                                        <p:tgtEl>
+                                          <p:spTgt spid="3">
+                                            <p:txEl>
+                                              <p:pRg st="1" end="1"/>
+                                            </p:txEl>
+                                          </p:spTgt>
+                                        </p:tgtEl>
+                                      </p:cBhvr>
+                                    </p:animEffect>
+                                  </p:childTnLst>
+                                </p:cTn>
+                              </p:par>
+                              <p:par>
+                                <p:cTn id="8" presetID="10" presetClass="entr" presetSubtype="0" fill="hold" nodeType="withEffect">
+                                  <p:stCondLst>
+                                    <p:cond delay="0"/>
+                                  </p:stCondLst>
+                                  <p:childTnLst>
+                                    <p:set>
+                                      <p:cBhvr>
+                                        <p:cTn id="9" dur="1" fill="hold">
+                                          <p:stCondLst>
+                                            <p:cond delay="0"/>
+                                          </p:stCondLst>
+                                        </p:cTn>
+                                        <p:tgtEl>
+                                          <p:spTgt spid="3">
+                                            <p:txEl>
+                                              <p:pRg st="2" end="2"/>
+                                            </p:txEl>
+                                          </p:spTgt>
+                                        </p:tgtEl>
+                                        <p:attrNameLst>
+                                          <p:attrName>style.visibility</p:attrName>
+                                        </p:attrNameLst>
+                                      </p:cBhvr>
+                                      <p:to>
+                                        <p:strVal val="visible"/>
+                                      </p:to>
+                                    </p:set>
+                                    <p:animEffect transition="in" filter="fade">
+                                      <p:cBhvr>
+                                        <p:cTn id="10" dur="500"/>
+                                        <p:tgtEl>
+                                          <p:spTgt spid="3">
+                                            <p:txEl>
+                                              <p:pRg st="2" end="2"/>
+                                            </p:txEl>
+                                          </p:spTgt>
+                                        </p:tgtEl>
+                                      </p:cBhvr>
+                                    </p:animEffect>
+                                  </p:childTnLst>
+                                </p:cTn>
+                              </p:par>
+                              <p:par>
+                                <p:cTn id="11" presetID="10" presetClass="entr" presetSubtype="0" fill="hold" nodeType="withEffect">
+                                  <p:stCondLst>
+                                    <p:cond delay="0"/>
+                                  </p:stCondLst>
+                                  <p:childTnLst>
+                                    <p:set>
+                                      <p:cBhvr>
+                                        <p:cTn id="12" dur="1" fill="hold">
+                                          <p:stCondLst>
+                                            <p:cond delay="0"/>
+                                          </p:stCondLst>
+                                        </p:cTn>
+                                        <p:tgtEl>
+                                          <p:spTgt spid="3">
+                                            <p:txEl>
+                                              <p:pRg st="3" end="3"/>
+                                            </p:txEl>
+                                          </p:spTgt>
+                                        </p:tgtEl>
+                                        <p:attrNameLst>
+                                          <p:attrName>style.visibility</p:attrName>
+                                        </p:attrNameLst>
+                                      </p:cBhvr>
+                                      <p:to>
+                                        <p:strVal val="visible"/>
+                                      </p:to>
+                                    </p:set>
+                                    <p:animEffect transition="in" filter="fade">
+                                      <p:cBhvr>
+                                        <p:cTn id="13" dur="500"/>
+                                        <p:tgtEl>
+                                          <p:spTgt spid="3">
+                                            <p:txEl>
+                                              <p:pRg st="3" end="3"/>
+                                            </p:txEl>
+                                          </p:spTgt>
+                                        </p:tgtEl>
+                                      </p:cBhvr>
+                                    </p:animEffect>
+                                  </p:childTnLst>
+                                </p:cTn>
+                              </p:par>
+                              <p:par>
+                                <p:cTn id="14" presetID="10" presetClass="entr" presetSubtype="0" fill="hold" nodeType="withEffect">
+                                  <p:stCondLst>
+                                    <p:cond delay="0"/>
+                                  </p:stCondLst>
+                                  <p:childTnLst>
+                                    <p:set>
+                                      <p:cBhvr>
+                                        <p:cTn id="15" dur="1" fill="hold">
+                                          <p:stCondLst>
+                                            <p:cond delay="0"/>
+                                          </p:stCondLst>
+                                        </p:cTn>
+                                        <p:tgtEl>
+                                          <p:spTgt spid="3">
+                                            <p:txEl>
+                                              <p:pRg st="4" end="4"/>
+                                            </p:txEl>
+                                          </p:spTgt>
+                                        </p:tgtEl>
+                                        <p:attrNameLst>
+                                          <p:attrName>style.visibility</p:attrName>
+                                        </p:attrNameLst>
+                                      </p:cBhvr>
+                                      <p:to>
+                                        <p:strVal val="visible"/>
+                                      </p:to>
+                                    </p:set>
+                                    <p:animEffect transition="in" filter="fade">
+                                      <p:cBhvr>
+                                        <p:cTn id="16" dur="500"/>
+                                        <p:tgtEl>
+                                          <p:spTgt spid="3">
+                                            <p:txEl>
+                                              <p:pRg st="4" end="4"/>
+                                            </p:txEl>
+                                          </p:spTgt>
+                                        </p:tgtEl>
+                                      </p:cBhvr>
+                                    </p:animEffect>
+                                  </p:childTnLst>
+                                </p:cTn>
+                              </p:par>
+                            </p:childTnLst>
+                          </p:cTn>
+                        </p:par>
+                      </p:childTnLst>
+                    </p:cTn>
+                  </p:par>
+                  <p:par>
+                    <p:cTn id="17" fill="hold">
+                      <p:stCondLst>
+                        <p:cond delay="indefinite"/>
+                      </p:stCondLst>
+                      <p:childTnLst>
+                        <p:par>
+                          <p:cTn id="18" fill="hold">
+                            <p:stCondLst>
+                              <p:cond delay="0"/>
+                            </p:stCondLst>
+                            <p:childTnLst>
+                              <p:par>
+                                <p:cTn id="19" presetID="10" presetClass="entr" presetSubtype="0" fill="hold" nodeType="clickEffect">
+                                  <p:stCondLst>
+                                    <p:cond delay="0"/>
+                                  </p:stCondLst>
+                                  <p:childTnLst>
+                                    <p:set>
+                                      <p:cBhvr>
+                                        <p:cTn id="20" dur="1" fill="hold">
+                                          <p:stCondLst>
+                                            <p:cond delay="0"/>
+                                          </p:stCondLst>
+                                        </p:cTn>
+                                        <p:tgtEl>
+                                          <p:spTgt spid="3">
+                                            <p:txEl>
+                                              <p:pRg st="8" end="8"/>
+                                            </p:txEl>
+                                          </p:spTgt>
+                                        </p:tgtEl>
+                                        <p:attrNameLst>
+                                          <p:attrName>style.visibility</p:attrName>
+                                        </p:attrNameLst>
+                                      </p:cBhvr>
+                                      <p:to>
+                                        <p:strVal val="visible"/>
+                                      </p:to>
+                                    </p:set>
+                                    <p:animEffect transition="in" filter="fade">
+                                      <p:cBhvr>
+                                        <p:cTn id="21" dur="500"/>
+                                        <p:tgtEl>
+                                          <p:spTgt spid="3">
+                                            <p:txEl>
+                                              <p:pRg st="8" end="8"/>
+                                            </p:txEl>
+                                          </p:spTgt>
+                                        </p:tgtEl>
+                                      </p:cBhvr>
+                                    </p:animEffect>
+                                  </p:childTnLst>
+                                </p:cTn>
+                              </p:par>
+                            </p:childTnLst>
+                          </p:cTn>
+                        </p:par>
+                      </p:childTnLst>
+                    </p:cTn>
+                  </p:par>
+                </p:childTnLst>
+              </p:cTn>
+              <p:prevCondLst>
+                <p:cond evt="onPrev" delay="0">
+                  <p:tgtEl>
+                    <p:sldTgt/>
+                  </p:tgtEl>
+                </p:cond>
+              </p:prevCondLst>
+              <p:nextCondLst>
+                <p:cond evt="onNext" delay="0">
+                  <p:tgtEl>
+                    <p:sldTgt/>
+                  </p:tgtEl>
+                </p:cond>
+              </p:nextCondLst>
+            </p:seq>
+          </p:childTnLst>
+        </p:cTn>
       </p:par>
     </p:tnLst>
   </p:timing>
@@ -8800,6 +9652,9 @@
   <p:clrMapOvr>
     <a:masterClrMapping/>
   </p:clrMapOvr>
+  <p:transition spd="slow">
+    <p:push/>
+  </p:transition>
   <p:timing>
     <p:tnLst>
       <p:par>
@@ -9297,10 +10152,287 @@
   <p:clrMapOvr>
     <a:masterClrMapping/>
   </p:clrMapOvr>
+  <p:transition spd="slow">
+    <p:push/>
+  </p:transition>
   <p:timing>
     <p:tnLst>
       <p:par>
-        <p:cTn id="1" dur="indefinite" restart="never" nodeType="tmRoot"/>
+        <p:cTn id="1" dur="indefinite" restart="never" nodeType="tmRoot">
+          <p:childTnLst>
+            <p:seq concurrent="1" nextAc="seek">
+              <p:cTn id="2" dur="indefinite" nodeType="mainSeq">
+                <p:childTnLst>
+                  <p:par>
+                    <p:cTn id="3" fill="hold">
+                      <p:stCondLst>
+                        <p:cond delay="indefinite"/>
+                      </p:stCondLst>
+                      <p:childTnLst>
+                        <p:par>
+                          <p:cTn id="4" fill="hold">
+                            <p:stCondLst>
+                              <p:cond delay="0"/>
+                            </p:stCondLst>
+                            <p:childTnLst>
+                              <p:par>
+                                <p:cTn id="5" presetID="10" presetClass="entr" presetSubtype="0" fill="hold" nodeType="clickEffect">
+                                  <p:stCondLst>
+                                    <p:cond delay="0"/>
+                                  </p:stCondLst>
+                                  <p:childTnLst>
+                                    <p:set>
+                                      <p:cBhvr>
+                                        <p:cTn id="6" dur="1" fill="hold">
+                                          <p:stCondLst>
+                                            <p:cond delay="0"/>
+                                          </p:stCondLst>
+                                        </p:cTn>
+                                        <p:tgtEl>
+                                          <p:spTgt spid="3">
+                                            <p:txEl>
+                                              <p:pRg st="1" end="1"/>
+                                            </p:txEl>
+                                          </p:spTgt>
+                                        </p:tgtEl>
+                                        <p:attrNameLst>
+                                          <p:attrName>style.visibility</p:attrName>
+                                        </p:attrNameLst>
+                                      </p:cBhvr>
+                                      <p:to>
+                                        <p:strVal val="visible"/>
+                                      </p:to>
+                                    </p:set>
+                                    <p:animEffect transition="in" filter="fade">
+                                      <p:cBhvr>
+                                        <p:cTn id="7" dur="500"/>
+                                        <p:tgtEl>
+                                          <p:spTgt spid="3">
+                                            <p:txEl>
+                                              <p:pRg st="1" end="1"/>
+                                            </p:txEl>
+                                          </p:spTgt>
+                                        </p:tgtEl>
+                                      </p:cBhvr>
+                                    </p:animEffect>
+                                  </p:childTnLst>
+                                </p:cTn>
+                              </p:par>
+                              <p:par>
+                                <p:cTn id="8" presetID="10" presetClass="entr" presetSubtype="0" fill="hold" nodeType="withEffect">
+                                  <p:stCondLst>
+                                    <p:cond delay="0"/>
+                                  </p:stCondLst>
+                                  <p:childTnLst>
+                                    <p:set>
+                                      <p:cBhvr>
+                                        <p:cTn id="9" dur="1" fill="hold">
+                                          <p:stCondLst>
+                                            <p:cond delay="0"/>
+                                          </p:stCondLst>
+                                        </p:cTn>
+                                        <p:tgtEl>
+                                          <p:spTgt spid="3">
+                                            <p:txEl>
+                                              <p:pRg st="2" end="2"/>
+                                            </p:txEl>
+                                          </p:spTgt>
+                                        </p:tgtEl>
+                                        <p:attrNameLst>
+                                          <p:attrName>style.visibility</p:attrName>
+                                        </p:attrNameLst>
+                                      </p:cBhvr>
+                                      <p:to>
+                                        <p:strVal val="visible"/>
+                                      </p:to>
+                                    </p:set>
+                                    <p:animEffect transition="in" filter="fade">
+                                      <p:cBhvr>
+                                        <p:cTn id="10" dur="500"/>
+                                        <p:tgtEl>
+                                          <p:spTgt spid="3">
+                                            <p:txEl>
+                                              <p:pRg st="2" end="2"/>
+                                            </p:txEl>
+                                          </p:spTgt>
+                                        </p:tgtEl>
+                                      </p:cBhvr>
+                                    </p:animEffect>
+                                  </p:childTnLst>
+                                </p:cTn>
+                              </p:par>
+                              <p:par>
+                                <p:cTn id="11" presetID="10" presetClass="entr" presetSubtype="0" fill="hold" nodeType="withEffect">
+                                  <p:stCondLst>
+                                    <p:cond delay="0"/>
+                                  </p:stCondLst>
+                                  <p:childTnLst>
+                                    <p:set>
+                                      <p:cBhvr>
+                                        <p:cTn id="12" dur="1" fill="hold">
+                                          <p:stCondLst>
+                                            <p:cond delay="0"/>
+                                          </p:stCondLst>
+                                        </p:cTn>
+                                        <p:tgtEl>
+                                          <p:spTgt spid="3">
+                                            <p:txEl>
+                                              <p:pRg st="3" end="3"/>
+                                            </p:txEl>
+                                          </p:spTgt>
+                                        </p:tgtEl>
+                                        <p:attrNameLst>
+                                          <p:attrName>style.visibility</p:attrName>
+                                        </p:attrNameLst>
+                                      </p:cBhvr>
+                                      <p:to>
+                                        <p:strVal val="visible"/>
+                                      </p:to>
+                                    </p:set>
+                                    <p:animEffect transition="in" filter="fade">
+                                      <p:cBhvr>
+                                        <p:cTn id="13" dur="500"/>
+                                        <p:tgtEl>
+                                          <p:spTgt spid="3">
+                                            <p:txEl>
+                                              <p:pRg st="3" end="3"/>
+                                            </p:txEl>
+                                          </p:spTgt>
+                                        </p:tgtEl>
+                                      </p:cBhvr>
+                                    </p:animEffect>
+                                  </p:childTnLst>
+                                </p:cTn>
+                              </p:par>
+                              <p:par>
+                                <p:cTn id="14" presetID="10" presetClass="entr" presetSubtype="0" fill="hold" nodeType="withEffect">
+                                  <p:stCondLst>
+                                    <p:cond delay="0"/>
+                                  </p:stCondLst>
+                                  <p:childTnLst>
+                                    <p:set>
+                                      <p:cBhvr>
+                                        <p:cTn id="15" dur="1" fill="hold">
+                                          <p:stCondLst>
+                                            <p:cond delay="0"/>
+                                          </p:stCondLst>
+                                        </p:cTn>
+                                        <p:tgtEl>
+                                          <p:spTgt spid="3">
+                                            <p:txEl>
+                                              <p:pRg st="4" end="4"/>
+                                            </p:txEl>
+                                          </p:spTgt>
+                                        </p:tgtEl>
+                                        <p:attrNameLst>
+                                          <p:attrName>style.visibility</p:attrName>
+                                        </p:attrNameLst>
+                                      </p:cBhvr>
+                                      <p:to>
+                                        <p:strVal val="visible"/>
+                                      </p:to>
+                                    </p:set>
+                                    <p:animEffect transition="in" filter="fade">
+                                      <p:cBhvr>
+                                        <p:cTn id="16" dur="500"/>
+                                        <p:tgtEl>
+                                          <p:spTgt spid="3">
+                                            <p:txEl>
+                                              <p:pRg st="4" end="4"/>
+                                            </p:txEl>
+                                          </p:spTgt>
+                                        </p:tgtEl>
+                                      </p:cBhvr>
+                                    </p:animEffect>
+                                  </p:childTnLst>
+                                </p:cTn>
+                              </p:par>
+                            </p:childTnLst>
+                          </p:cTn>
+                        </p:par>
+                      </p:childTnLst>
+                    </p:cTn>
+                  </p:par>
+                  <p:par>
+                    <p:cTn id="17" fill="hold">
+                      <p:stCondLst>
+                        <p:cond delay="indefinite"/>
+                      </p:stCondLst>
+                      <p:childTnLst>
+                        <p:par>
+                          <p:cTn id="18" fill="hold">
+                            <p:stCondLst>
+                              <p:cond delay="0"/>
+                            </p:stCondLst>
+                            <p:childTnLst>
+                              <p:par>
+                                <p:cTn id="19" presetID="10" presetClass="entr" presetSubtype="0" fill="hold" nodeType="clickEffect">
+                                  <p:stCondLst>
+                                    <p:cond delay="0"/>
+                                  </p:stCondLst>
+                                  <p:childTnLst>
+                                    <p:set>
+                                      <p:cBhvr>
+                                        <p:cTn id="20" dur="1" fill="hold">
+                                          <p:stCondLst>
+                                            <p:cond delay="0"/>
+                                          </p:stCondLst>
+                                        </p:cTn>
+                                        <p:tgtEl>
+                                          <p:spTgt spid="3">
+                                            <p:txEl>
+                                              <p:pRg st="9" end="9"/>
+                                            </p:txEl>
+                                          </p:spTgt>
+                                        </p:tgtEl>
+                                        <p:attrNameLst>
+                                          <p:attrName>style.visibility</p:attrName>
+                                        </p:attrNameLst>
+                                      </p:cBhvr>
+                                      <p:to>
+                                        <p:strVal val="visible"/>
+                                      </p:to>
+                                    </p:set>
+                                    <p:animEffect transition="in" filter="fade">
+                                      <p:cBhvr>
+                                        <p:cTn id="21" dur="500"/>
+                                        <p:tgtEl>
+                                          <p:spTgt spid="3">
+                                            <p:txEl>
+                                              <p:pRg st="9" end="9"/>
+                                            </p:txEl>
+                                          </p:spTgt>
+                                        </p:tgtEl>
+                                      </p:cBhvr>
+                                    </p:animEffect>
+                                  </p:childTnLst>
+                                </p:cTn>
+                              </p:par>
+                            </p:childTnLst>
+                          </p:cTn>
+                        </p:par>
+                      </p:childTnLst>
+                    </p:cTn>
+                  </p:par>
+                </p:childTnLst>
+              </p:cTn>
+              <p:prevCondLst>
+                <p:cond evt="onPrev" delay="0">
+                  <p:tgtEl>
+                    <p:sldTgt/>
+                  </p:tgtEl>
+                </p:cond>
+              </p:prevCondLst>
+              <p:nextCondLst>
+                <p:cond evt="onNext" delay="0">
+                  <p:tgtEl>
+                    <p:sldTgt/>
+                  </p:tgtEl>
+                </p:cond>
+              </p:nextCondLst>
+            </p:seq>
+          </p:childTnLst>
+        </p:cTn>
       </p:par>
     </p:tnLst>
   </p:timing>
@@ -9337,7 +10469,7 @@
         <p:spPr/>
         <p:txBody>
           <a:bodyPr>
-            <a:normAutofit fontScale="90000"/>
+            <a:normAutofit/>
           </a:bodyPr>
           <a:lstStyle/>
           <a:p>
@@ -10100,10 +11232,391 @@
   <p:clrMapOvr>
     <a:masterClrMapping/>
   </p:clrMapOvr>
+  <p:transition spd="slow">
+    <p:push/>
+  </p:transition>
   <p:timing>
     <p:tnLst>
       <p:par>
-        <p:cTn id="1" dur="indefinite" restart="never" nodeType="tmRoot"/>
+        <p:cTn id="1" dur="indefinite" restart="never" nodeType="tmRoot">
+          <p:childTnLst>
+            <p:seq concurrent="1" nextAc="seek">
+              <p:cTn id="2" dur="indefinite" nodeType="mainSeq">
+                <p:childTnLst>
+                  <p:par>
+                    <p:cTn id="3" fill="hold">
+                      <p:stCondLst>
+                        <p:cond delay="indefinite"/>
+                      </p:stCondLst>
+                      <p:childTnLst>
+                        <p:par>
+                          <p:cTn id="4" fill="hold">
+                            <p:stCondLst>
+                              <p:cond delay="0"/>
+                            </p:stCondLst>
+                            <p:childTnLst>
+                              <p:par>
+                                <p:cTn id="5" presetID="10" presetClass="entr" presetSubtype="0" fill="hold" nodeType="clickEffect">
+                                  <p:stCondLst>
+                                    <p:cond delay="0"/>
+                                  </p:stCondLst>
+                                  <p:childTnLst>
+                                    <p:set>
+                                      <p:cBhvr>
+                                        <p:cTn id="6" dur="1" fill="hold">
+                                          <p:stCondLst>
+                                            <p:cond delay="0"/>
+                                          </p:stCondLst>
+                                        </p:cTn>
+                                        <p:tgtEl>
+                                          <p:spTgt spid="3">
+                                            <p:txEl>
+                                              <p:pRg st="1" end="1"/>
+                                            </p:txEl>
+                                          </p:spTgt>
+                                        </p:tgtEl>
+                                        <p:attrNameLst>
+                                          <p:attrName>style.visibility</p:attrName>
+                                        </p:attrNameLst>
+                                      </p:cBhvr>
+                                      <p:to>
+                                        <p:strVal val="visible"/>
+                                      </p:to>
+                                    </p:set>
+                                    <p:animEffect transition="in" filter="fade">
+                                      <p:cBhvr>
+                                        <p:cTn id="7" dur="500"/>
+                                        <p:tgtEl>
+                                          <p:spTgt spid="3">
+                                            <p:txEl>
+                                              <p:pRg st="1" end="1"/>
+                                            </p:txEl>
+                                          </p:spTgt>
+                                        </p:tgtEl>
+                                      </p:cBhvr>
+                                    </p:animEffect>
+                                  </p:childTnLst>
+                                </p:cTn>
+                              </p:par>
+                              <p:par>
+                                <p:cTn id="8" presetID="10" presetClass="entr" presetSubtype="0" fill="hold" nodeType="withEffect">
+                                  <p:stCondLst>
+                                    <p:cond delay="0"/>
+                                  </p:stCondLst>
+                                  <p:childTnLst>
+                                    <p:set>
+                                      <p:cBhvr>
+                                        <p:cTn id="9" dur="1" fill="hold">
+                                          <p:stCondLst>
+                                            <p:cond delay="0"/>
+                                          </p:stCondLst>
+                                        </p:cTn>
+                                        <p:tgtEl>
+                                          <p:spTgt spid="3">
+                                            <p:txEl>
+                                              <p:pRg st="2" end="2"/>
+                                            </p:txEl>
+                                          </p:spTgt>
+                                        </p:tgtEl>
+                                        <p:attrNameLst>
+                                          <p:attrName>style.visibility</p:attrName>
+                                        </p:attrNameLst>
+                                      </p:cBhvr>
+                                      <p:to>
+                                        <p:strVal val="visible"/>
+                                      </p:to>
+                                    </p:set>
+                                    <p:animEffect transition="in" filter="fade">
+                                      <p:cBhvr>
+                                        <p:cTn id="10" dur="500"/>
+                                        <p:tgtEl>
+                                          <p:spTgt spid="3">
+                                            <p:txEl>
+                                              <p:pRg st="2" end="2"/>
+                                            </p:txEl>
+                                          </p:spTgt>
+                                        </p:tgtEl>
+                                      </p:cBhvr>
+                                    </p:animEffect>
+                                  </p:childTnLst>
+                                </p:cTn>
+                              </p:par>
+                              <p:par>
+                                <p:cTn id="11" presetID="10" presetClass="entr" presetSubtype="0" fill="hold" nodeType="withEffect">
+                                  <p:stCondLst>
+                                    <p:cond delay="0"/>
+                                  </p:stCondLst>
+                                  <p:childTnLst>
+                                    <p:set>
+                                      <p:cBhvr>
+                                        <p:cTn id="12" dur="1" fill="hold">
+                                          <p:stCondLst>
+                                            <p:cond delay="0"/>
+                                          </p:stCondLst>
+                                        </p:cTn>
+                                        <p:tgtEl>
+                                          <p:spTgt spid="3">
+                                            <p:txEl>
+                                              <p:pRg st="3" end="3"/>
+                                            </p:txEl>
+                                          </p:spTgt>
+                                        </p:tgtEl>
+                                        <p:attrNameLst>
+                                          <p:attrName>style.visibility</p:attrName>
+                                        </p:attrNameLst>
+                                      </p:cBhvr>
+                                      <p:to>
+                                        <p:strVal val="visible"/>
+                                      </p:to>
+                                    </p:set>
+                                    <p:animEffect transition="in" filter="fade">
+                                      <p:cBhvr>
+                                        <p:cTn id="13" dur="500"/>
+                                        <p:tgtEl>
+                                          <p:spTgt spid="3">
+                                            <p:txEl>
+                                              <p:pRg st="3" end="3"/>
+                                            </p:txEl>
+                                          </p:spTgt>
+                                        </p:tgtEl>
+                                      </p:cBhvr>
+                                    </p:animEffect>
+                                  </p:childTnLst>
+                                </p:cTn>
+                              </p:par>
+                              <p:par>
+                                <p:cTn id="14" presetID="10" presetClass="entr" presetSubtype="0" fill="hold" nodeType="withEffect">
+                                  <p:stCondLst>
+                                    <p:cond delay="0"/>
+                                  </p:stCondLst>
+                                  <p:childTnLst>
+                                    <p:set>
+                                      <p:cBhvr>
+                                        <p:cTn id="15" dur="1" fill="hold">
+                                          <p:stCondLst>
+                                            <p:cond delay="0"/>
+                                          </p:stCondLst>
+                                        </p:cTn>
+                                        <p:tgtEl>
+                                          <p:spTgt spid="3">
+                                            <p:txEl>
+                                              <p:pRg st="4" end="4"/>
+                                            </p:txEl>
+                                          </p:spTgt>
+                                        </p:tgtEl>
+                                        <p:attrNameLst>
+                                          <p:attrName>style.visibility</p:attrName>
+                                        </p:attrNameLst>
+                                      </p:cBhvr>
+                                      <p:to>
+                                        <p:strVal val="visible"/>
+                                      </p:to>
+                                    </p:set>
+                                    <p:animEffect transition="in" filter="fade">
+                                      <p:cBhvr>
+                                        <p:cTn id="16" dur="500"/>
+                                        <p:tgtEl>
+                                          <p:spTgt spid="3">
+                                            <p:txEl>
+                                              <p:pRg st="4" end="4"/>
+                                            </p:txEl>
+                                          </p:spTgt>
+                                        </p:tgtEl>
+                                      </p:cBhvr>
+                                    </p:animEffect>
+                                  </p:childTnLst>
+                                </p:cTn>
+                              </p:par>
+                            </p:childTnLst>
+                          </p:cTn>
+                        </p:par>
+                      </p:childTnLst>
+                    </p:cTn>
+                  </p:par>
+                  <p:par>
+                    <p:cTn id="17" fill="hold">
+                      <p:stCondLst>
+                        <p:cond delay="indefinite"/>
+                      </p:stCondLst>
+                      <p:childTnLst>
+                        <p:par>
+                          <p:cTn id="18" fill="hold">
+                            <p:stCondLst>
+                              <p:cond delay="0"/>
+                            </p:stCondLst>
+                            <p:childTnLst>
+                              <p:par>
+                                <p:cTn id="19" presetID="10" presetClass="entr" presetSubtype="0" fill="hold" nodeType="clickEffect">
+                                  <p:stCondLst>
+                                    <p:cond delay="0"/>
+                                  </p:stCondLst>
+                                  <p:childTnLst>
+                                    <p:set>
+                                      <p:cBhvr>
+                                        <p:cTn id="20" dur="1" fill="hold">
+                                          <p:stCondLst>
+                                            <p:cond delay="0"/>
+                                          </p:stCondLst>
+                                        </p:cTn>
+                                        <p:tgtEl>
+                                          <p:spTgt spid="3">
+                                            <p:txEl>
+                                              <p:pRg st="8" end="8"/>
+                                            </p:txEl>
+                                          </p:spTgt>
+                                        </p:tgtEl>
+                                        <p:attrNameLst>
+                                          <p:attrName>style.visibility</p:attrName>
+                                        </p:attrNameLst>
+                                      </p:cBhvr>
+                                      <p:to>
+                                        <p:strVal val="visible"/>
+                                      </p:to>
+                                    </p:set>
+                                    <p:animEffect transition="in" filter="fade">
+                                      <p:cBhvr>
+                                        <p:cTn id="21" dur="500"/>
+                                        <p:tgtEl>
+                                          <p:spTgt spid="3">
+                                            <p:txEl>
+                                              <p:pRg st="8" end="8"/>
+                                            </p:txEl>
+                                          </p:spTgt>
+                                        </p:tgtEl>
+                                      </p:cBhvr>
+                                    </p:animEffect>
+                                  </p:childTnLst>
+                                </p:cTn>
+                              </p:par>
+                              <p:par>
+                                <p:cTn id="22" presetID="10" presetClass="entr" presetSubtype="0" fill="hold" nodeType="withEffect">
+                                  <p:stCondLst>
+                                    <p:cond delay="0"/>
+                                  </p:stCondLst>
+                                  <p:childTnLst>
+                                    <p:set>
+                                      <p:cBhvr>
+                                        <p:cTn id="23" dur="1" fill="hold">
+                                          <p:stCondLst>
+                                            <p:cond delay="0"/>
+                                          </p:stCondLst>
+                                        </p:cTn>
+                                        <p:tgtEl>
+                                          <p:spTgt spid="3">
+                                            <p:txEl>
+                                              <p:pRg st="9" end="9"/>
+                                            </p:txEl>
+                                          </p:spTgt>
+                                        </p:tgtEl>
+                                        <p:attrNameLst>
+                                          <p:attrName>style.visibility</p:attrName>
+                                        </p:attrNameLst>
+                                      </p:cBhvr>
+                                      <p:to>
+                                        <p:strVal val="visible"/>
+                                      </p:to>
+                                    </p:set>
+                                    <p:animEffect transition="in" filter="fade">
+                                      <p:cBhvr>
+                                        <p:cTn id="24" dur="500"/>
+                                        <p:tgtEl>
+                                          <p:spTgt spid="3">
+                                            <p:txEl>
+                                              <p:pRg st="9" end="9"/>
+                                            </p:txEl>
+                                          </p:spTgt>
+                                        </p:tgtEl>
+                                      </p:cBhvr>
+                                    </p:animEffect>
+                                  </p:childTnLst>
+                                </p:cTn>
+                              </p:par>
+                            </p:childTnLst>
+                          </p:cTn>
+                        </p:par>
+                      </p:childTnLst>
+                    </p:cTn>
+                  </p:par>
+                  <p:par>
+                    <p:cTn id="25" fill="hold">
+                      <p:stCondLst>
+                        <p:cond delay="indefinite"/>
+                      </p:stCondLst>
+                      <p:childTnLst>
+                        <p:par>
+                          <p:cTn id="26" fill="hold">
+                            <p:stCondLst>
+                              <p:cond delay="0"/>
+                            </p:stCondLst>
+                            <p:childTnLst>
+                              <p:par>
+                                <p:cTn id="27" presetID="10" presetClass="entr" presetSubtype="0" fill="hold" nodeType="clickEffect">
+                                  <p:stCondLst>
+                                    <p:cond delay="0"/>
+                                  </p:stCondLst>
+                                  <p:childTnLst>
+                                    <p:set>
+                                      <p:cBhvr>
+                                        <p:cTn id="28" dur="1" fill="hold">
+                                          <p:stCondLst>
+                                            <p:cond delay="0"/>
+                                          </p:stCondLst>
+                                        </p:cTn>
+                                        <p:tgtEl>
+                                          <p:spTgt spid="3">
+                                            <p:txEl>
+                                              <p:pRg st="10" end="10"/>
+                                            </p:txEl>
+                                          </p:spTgt>
+                                        </p:tgtEl>
+                                        <p:attrNameLst>
+                                          <p:attrName>style.visibility</p:attrName>
+                                        </p:attrNameLst>
+                                      </p:cBhvr>
+                                      <p:to>
+                                        <p:strVal val="visible"/>
+                                      </p:to>
+                                    </p:set>
+                                    <p:animEffect transition="in" filter="fade">
+                                      <p:cBhvr>
+                                        <p:cTn id="29" dur="500"/>
+                                        <p:tgtEl>
+                                          <p:spTgt spid="3">
+                                            <p:txEl>
+                                              <p:pRg st="10" end="10"/>
+                                            </p:txEl>
+                                          </p:spTgt>
+                                        </p:tgtEl>
+                                      </p:cBhvr>
+                                    </p:animEffect>
+                                  </p:childTnLst>
+                                </p:cTn>
+                              </p:par>
+                            </p:childTnLst>
+                          </p:cTn>
+                        </p:par>
+                      </p:childTnLst>
+                    </p:cTn>
+                  </p:par>
+                </p:childTnLst>
+              </p:cTn>
+              <p:prevCondLst>
+                <p:cond evt="onPrev" delay="0">
+                  <p:tgtEl>
+                    <p:sldTgt/>
+                  </p:tgtEl>
+                </p:cond>
+              </p:prevCondLst>
+              <p:nextCondLst>
+                <p:cond evt="onNext" delay="0">
+                  <p:tgtEl>
+                    <p:sldTgt/>
+                  </p:tgtEl>
+                </p:cond>
+              </p:nextCondLst>
+            </p:seq>
+          </p:childTnLst>
+        </p:cTn>
       </p:par>
     </p:tnLst>
   </p:timing>
@@ -10221,6 +11734,9 @@
   <p:clrMapOvr>
     <a:masterClrMapping/>
   </p:clrMapOvr>
+  <p:transition spd="slow">
+    <p:push/>
+  </p:transition>
   <p:timing>
     <p:tnLst>
       <p:par>
@@ -10971,10 +12487,416 @@
   <p:clrMapOvr>
     <a:masterClrMapping/>
   </p:clrMapOvr>
+  <p:transition spd="slow">
+    <p:push/>
+  </p:transition>
   <p:timing>
     <p:tnLst>
       <p:par>
-        <p:cTn id="1" dur="indefinite" restart="never" nodeType="tmRoot"/>
+        <p:cTn id="1" dur="indefinite" restart="never" nodeType="tmRoot">
+          <p:childTnLst>
+            <p:seq concurrent="1" nextAc="seek">
+              <p:cTn id="2" dur="indefinite" nodeType="mainSeq">
+                <p:childTnLst>
+                  <p:par>
+                    <p:cTn id="3" fill="hold">
+                      <p:stCondLst>
+                        <p:cond delay="indefinite"/>
+                      </p:stCondLst>
+                      <p:childTnLst>
+                        <p:par>
+                          <p:cTn id="4" fill="hold">
+                            <p:stCondLst>
+                              <p:cond delay="0"/>
+                            </p:stCondLst>
+                            <p:childTnLst>
+                              <p:par>
+                                <p:cTn id="5" presetID="10" presetClass="entr" presetSubtype="0" fill="hold" nodeType="clickEffect">
+                                  <p:stCondLst>
+                                    <p:cond delay="0"/>
+                                  </p:stCondLst>
+                                  <p:childTnLst>
+                                    <p:set>
+                                      <p:cBhvr>
+                                        <p:cTn id="6" dur="1" fill="hold">
+                                          <p:stCondLst>
+                                            <p:cond delay="0"/>
+                                          </p:stCondLst>
+                                        </p:cTn>
+                                        <p:tgtEl>
+                                          <p:spTgt spid="3">
+                                            <p:txEl>
+                                              <p:pRg st="1" end="1"/>
+                                            </p:txEl>
+                                          </p:spTgt>
+                                        </p:tgtEl>
+                                        <p:attrNameLst>
+                                          <p:attrName>style.visibility</p:attrName>
+                                        </p:attrNameLst>
+                                      </p:cBhvr>
+                                      <p:to>
+                                        <p:strVal val="visible"/>
+                                      </p:to>
+                                    </p:set>
+                                    <p:animEffect transition="in" filter="fade">
+                                      <p:cBhvr>
+                                        <p:cTn id="7" dur="500"/>
+                                        <p:tgtEl>
+                                          <p:spTgt spid="3">
+                                            <p:txEl>
+                                              <p:pRg st="1" end="1"/>
+                                            </p:txEl>
+                                          </p:spTgt>
+                                        </p:tgtEl>
+                                      </p:cBhvr>
+                                    </p:animEffect>
+                                  </p:childTnLst>
+                                </p:cTn>
+                              </p:par>
+                              <p:par>
+                                <p:cTn id="8" presetID="10" presetClass="entr" presetSubtype="0" fill="hold" nodeType="withEffect">
+                                  <p:stCondLst>
+                                    <p:cond delay="0"/>
+                                  </p:stCondLst>
+                                  <p:childTnLst>
+                                    <p:set>
+                                      <p:cBhvr>
+                                        <p:cTn id="9" dur="1" fill="hold">
+                                          <p:stCondLst>
+                                            <p:cond delay="0"/>
+                                          </p:stCondLst>
+                                        </p:cTn>
+                                        <p:tgtEl>
+                                          <p:spTgt spid="3">
+                                            <p:txEl>
+                                              <p:pRg st="2" end="2"/>
+                                            </p:txEl>
+                                          </p:spTgt>
+                                        </p:tgtEl>
+                                        <p:attrNameLst>
+                                          <p:attrName>style.visibility</p:attrName>
+                                        </p:attrNameLst>
+                                      </p:cBhvr>
+                                      <p:to>
+                                        <p:strVal val="visible"/>
+                                      </p:to>
+                                    </p:set>
+                                    <p:animEffect transition="in" filter="fade">
+                                      <p:cBhvr>
+                                        <p:cTn id="10" dur="500"/>
+                                        <p:tgtEl>
+                                          <p:spTgt spid="3">
+                                            <p:txEl>
+                                              <p:pRg st="2" end="2"/>
+                                            </p:txEl>
+                                          </p:spTgt>
+                                        </p:tgtEl>
+                                      </p:cBhvr>
+                                    </p:animEffect>
+                                  </p:childTnLst>
+                                </p:cTn>
+                              </p:par>
+                              <p:par>
+                                <p:cTn id="11" presetID="10" presetClass="entr" presetSubtype="0" fill="hold" nodeType="withEffect">
+                                  <p:stCondLst>
+                                    <p:cond delay="0"/>
+                                  </p:stCondLst>
+                                  <p:childTnLst>
+                                    <p:set>
+                                      <p:cBhvr>
+                                        <p:cTn id="12" dur="1" fill="hold">
+                                          <p:stCondLst>
+                                            <p:cond delay="0"/>
+                                          </p:stCondLst>
+                                        </p:cTn>
+                                        <p:tgtEl>
+                                          <p:spTgt spid="3">
+                                            <p:txEl>
+                                              <p:pRg st="3" end="3"/>
+                                            </p:txEl>
+                                          </p:spTgt>
+                                        </p:tgtEl>
+                                        <p:attrNameLst>
+                                          <p:attrName>style.visibility</p:attrName>
+                                        </p:attrNameLst>
+                                      </p:cBhvr>
+                                      <p:to>
+                                        <p:strVal val="visible"/>
+                                      </p:to>
+                                    </p:set>
+                                    <p:animEffect transition="in" filter="fade">
+                                      <p:cBhvr>
+                                        <p:cTn id="13" dur="500"/>
+                                        <p:tgtEl>
+                                          <p:spTgt spid="3">
+                                            <p:txEl>
+                                              <p:pRg st="3" end="3"/>
+                                            </p:txEl>
+                                          </p:spTgt>
+                                        </p:tgtEl>
+                                      </p:cBhvr>
+                                    </p:animEffect>
+                                  </p:childTnLst>
+                                </p:cTn>
+                              </p:par>
+                              <p:par>
+                                <p:cTn id="14" presetID="10" presetClass="entr" presetSubtype="0" fill="hold" nodeType="withEffect">
+                                  <p:stCondLst>
+                                    <p:cond delay="0"/>
+                                  </p:stCondLst>
+                                  <p:childTnLst>
+                                    <p:set>
+                                      <p:cBhvr>
+                                        <p:cTn id="15" dur="1" fill="hold">
+                                          <p:stCondLst>
+                                            <p:cond delay="0"/>
+                                          </p:stCondLst>
+                                        </p:cTn>
+                                        <p:tgtEl>
+                                          <p:spTgt spid="3">
+                                            <p:txEl>
+                                              <p:pRg st="4" end="4"/>
+                                            </p:txEl>
+                                          </p:spTgt>
+                                        </p:tgtEl>
+                                        <p:attrNameLst>
+                                          <p:attrName>style.visibility</p:attrName>
+                                        </p:attrNameLst>
+                                      </p:cBhvr>
+                                      <p:to>
+                                        <p:strVal val="visible"/>
+                                      </p:to>
+                                    </p:set>
+                                    <p:animEffect transition="in" filter="fade">
+                                      <p:cBhvr>
+                                        <p:cTn id="16" dur="500"/>
+                                        <p:tgtEl>
+                                          <p:spTgt spid="3">
+                                            <p:txEl>
+                                              <p:pRg st="4" end="4"/>
+                                            </p:txEl>
+                                          </p:spTgt>
+                                        </p:tgtEl>
+                                      </p:cBhvr>
+                                    </p:animEffect>
+                                  </p:childTnLst>
+                                </p:cTn>
+                              </p:par>
+                              <p:par>
+                                <p:cTn id="17" presetID="10" presetClass="entr" presetSubtype="0" fill="hold" nodeType="withEffect">
+                                  <p:stCondLst>
+                                    <p:cond delay="0"/>
+                                  </p:stCondLst>
+                                  <p:childTnLst>
+                                    <p:set>
+                                      <p:cBhvr>
+                                        <p:cTn id="18" dur="1" fill="hold">
+                                          <p:stCondLst>
+                                            <p:cond delay="0"/>
+                                          </p:stCondLst>
+                                        </p:cTn>
+                                        <p:tgtEl>
+                                          <p:spTgt spid="3">
+                                            <p:txEl>
+                                              <p:pRg st="5" end="5"/>
+                                            </p:txEl>
+                                          </p:spTgt>
+                                        </p:tgtEl>
+                                        <p:attrNameLst>
+                                          <p:attrName>style.visibility</p:attrName>
+                                        </p:attrNameLst>
+                                      </p:cBhvr>
+                                      <p:to>
+                                        <p:strVal val="visible"/>
+                                      </p:to>
+                                    </p:set>
+                                    <p:animEffect transition="in" filter="fade">
+                                      <p:cBhvr>
+                                        <p:cTn id="19" dur="500"/>
+                                        <p:tgtEl>
+                                          <p:spTgt spid="3">
+                                            <p:txEl>
+                                              <p:pRg st="5" end="5"/>
+                                            </p:txEl>
+                                          </p:spTgt>
+                                        </p:tgtEl>
+                                      </p:cBhvr>
+                                    </p:animEffect>
+                                  </p:childTnLst>
+                                </p:cTn>
+                              </p:par>
+                              <p:par>
+                                <p:cTn id="20" presetID="10" presetClass="entr" presetSubtype="0" fill="hold" nodeType="withEffect">
+                                  <p:stCondLst>
+                                    <p:cond delay="0"/>
+                                  </p:stCondLst>
+                                  <p:childTnLst>
+                                    <p:set>
+                                      <p:cBhvr>
+                                        <p:cTn id="21" dur="1" fill="hold">
+                                          <p:stCondLst>
+                                            <p:cond delay="0"/>
+                                          </p:stCondLst>
+                                        </p:cTn>
+                                        <p:tgtEl>
+                                          <p:spTgt spid="3">
+                                            <p:txEl>
+                                              <p:pRg st="6" end="6"/>
+                                            </p:txEl>
+                                          </p:spTgt>
+                                        </p:tgtEl>
+                                        <p:attrNameLst>
+                                          <p:attrName>style.visibility</p:attrName>
+                                        </p:attrNameLst>
+                                      </p:cBhvr>
+                                      <p:to>
+                                        <p:strVal val="visible"/>
+                                      </p:to>
+                                    </p:set>
+                                    <p:animEffect transition="in" filter="fade">
+                                      <p:cBhvr>
+                                        <p:cTn id="22" dur="500"/>
+                                        <p:tgtEl>
+                                          <p:spTgt spid="3">
+                                            <p:txEl>
+                                              <p:pRg st="6" end="6"/>
+                                            </p:txEl>
+                                          </p:spTgt>
+                                        </p:tgtEl>
+                                      </p:cBhvr>
+                                    </p:animEffect>
+                                  </p:childTnLst>
+                                </p:cTn>
+                              </p:par>
+                            </p:childTnLst>
+                          </p:cTn>
+                        </p:par>
+                      </p:childTnLst>
+                    </p:cTn>
+                  </p:par>
+                  <p:par>
+                    <p:cTn id="23" fill="hold">
+                      <p:stCondLst>
+                        <p:cond delay="indefinite"/>
+                      </p:stCondLst>
+                      <p:childTnLst>
+                        <p:par>
+                          <p:cTn id="24" fill="hold">
+                            <p:stCondLst>
+                              <p:cond delay="0"/>
+                            </p:stCondLst>
+                            <p:childTnLst>
+                              <p:par>
+                                <p:cTn id="25" presetID="10" presetClass="entr" presetSubtype="0" fill="hold" nodeType="clickEffect">
+                                  <p:stCondLst>
+                                    <p:cond delay="0"/>
+                                  </p:stCondLst>
+                                  <p:childTnLst>
+                                    <p:set>
+                                      <p:cBhvr>
+                                        <p:cTn id="26" dur="1" fill="hold">
+                                          <p:stCondLst>
+                                            <p:cond delay="0"/>
+                                          </p:stCondLst>
+                                        </p:cTn>
+                                        <p:tgtEl>
+                                          <p:spTgt spid="3">
+                                            <p:txEl>
+                                              <p:pRg st="11" end="11"/>
+                                            </p:txEl>
+                                          </p:spTgt>
+                                        </p:tgtEl>
+                                        <p:attrNameLst>
+                                          <p:attrName>style.visibility</p:attrName>
+                                        </p:attrNameLst>
+                                      </p:cBhvr>
+                                      <p:to>
+                                        <p:strVal val="visible"/>
+                                      </p:to>
+                                    </p:set>
+                                    <p:animEffect transition="in" filter="fade">
+                                      <p:cBhvr>
+                                        <p:cTn id="27" dur="500"/>
+                                        <p:tgtEl>
+                                          <p:spTgt spid="3">
+                                            <p:txEl>
+                                              <p:pRg st="11" end="11"/>
+                                            </p:txEl>
+                                          </p:spTgt>
+                                        </p:tgtEl>
+                                      </p:cBhvr>
+                                    </p:animEffect>
+                                  </p:childTnLst>
+                                </p:cTn>
+                              </p:par>
+                              <p:par>
+                                <p:cTn id="28" presetID="10" presetClass="entr" presetSubtype="0" fill="hold" nodeType="withEffect">
+                                  <p:stCondLst>
+                                    <p:cond delay="0"/>
+                                  </p:stCondLst>
+                                  <p:childTnLst>
+                                    <p:set>
+                                      <p:cBhvr>
+                                        <p:cTn id="29" dur="1" fill="hold">
+                                          <p:stCondLst>
+                                            <p:cond delay="0"/>
+                                          </p:stCondLst>
+                                        </p:cTn>
+                                        <p:tgtEl>
+                                          <p:spTgt spid="3">
+                                            <p:txEl>
+                                              <p:pRg st="12" end="12"/>
+                                            </p:txEl>
+                                          </p:spTgt>
+                                        </p:tgtEl>
+                                        <p:attrNameLst>
+                                          <p:attrName>style.visibility</p:attrName>
+                                        </p:attrNameLst>
+                                      </p:cBhvr>
+                                      <p:to>
+                                        <p:strVal val="visible"/>
+                                      </p:to>
+                                    </p:set>
+                                    <p:animEffect transition="in" filter="fade">
+                                      <p:cBhvr>
+                                        <p:cTn id="30" dur="500"/>
+                                        <p:tgtEl>
+                                          <p:spTgt spid="3">
+                                            <p:txEl>
+                                              <p:pRg st="12" end="12"/>
+                                            </p:txEl>
+                                          </p:spTgt>
+                                        </p:tgtEl>
+                                      </p:cBhvr>
+                                    </p:animEffect>
+                                  </p:childTnLst>
+                                </p:cTn>
+                              </p:par>
+                            </p:childTnLst>
+                          </p:cTn>
+                        </p:par>
+                      </p:childTnLst>
+                    </p:cTn>
+                  </p:par>
+                </p:childTnLst>
+              </p:cTn>
+              <p:prevCondLst>
+                <p:cond evt="onPrev" delay="0">
+                  <p:tgtEl>
+                    <p:sldTgt/>
+                  </p:tgtEl>
+                </p:cond>
+              </p:prevCondLst>
+              <p:nextCondLst>
+                <p:cond evt="onNext" delay="0">
+                  <p:tgtEl>
+                    <p:sldTgt/>
+                  </p:tgtEl>
+                </p:cond>
+              </p:nextCondLst>
+            </p:seq>
+          </p:childTnLst>
+        </p:cTn>
       </p:par>
     </p:tnLst>
   </p:timing>
@@ -11443,10 +13365,269 @@
   <p:clrMapOvr>
     <a:masterClrMapping/>
   </p:clrMapOvr>
+  <p:transition spd="slow">
+    <p:push/>
+  </p:transition>
   <p:timing>
     <p:tnLst>
       <p:par>
-        <p:cTn id="1" dur="indefinite" restart="never" nodeType="tmRoot"/>
+        <p:cTn id="1" dur="indefinite" restart="never" nodeType="tmRoot">
+          <p:childTnLst>
+            <p:seq concurrent="1" nextAc="seek">
+              <p:cTn id="2" dur="indefinite" nodeType="mainSeq">
+                <p:childTnLst>
+                  <p:par>
+                    <p:cTn id="3" fill="hold">
+                      <p:stCondLst>
+                        <p:cond delay="indefinite"/>
+                      </p:stCondLst>
+                      <p:childTnLst>
+                        <p:par>
+                          <p:cTn id="4" fill="hold">
+                            <p:stCondLst>
+                              <p:cond delay="0"/>
+                            </p:stCondLst>
+                            <p:childTnLst>
+                              <p:par>
+                                <p:cTn id="5" presetID="10" presetClass="entr" presetSubtype="0" fill="hold" nodeType="clickEffect">
+                                  <p:stCondLst>
+                                    <p:cond delay="0"/>
+                                  </p:stCondLst>
+                                  <p:childTnLst>
+                                    <p:set>
+                                      <p:cBhvr>
+                                        <p:cTn id="6" dur="1" fill="hold">
+                                          <p:stCondLst>
+                                            <p:cond delay="0"/>
+                                          </p:stCondLst>
+                                        </p:cTn>
+                                        <p:tgtEl>
+                                          <p:spTgt spid="3">
+                                            <p:txEl>
+                                              <p:pRg st="1" end="1"/>
+                                            </p:txEl>
+                                          </p:spTgt>
+                                        </p:tgtEl>
+                                        <p:attrNameLst>
+                                          <p:attrName>style.visibility</p:attrName>
+                                        </p:attrNameLst>
+                                      </p:cBhvr>
+                                      <p:to>
+                                        <p:strVal val="visible"/>
+                                      </p:to>
+                                    </p:set>
+                                    <p:animEffect transition="in" filter="fade">
+                                      <p:cBhvr>
+                                        <p:cTn id="7" dur="500"/>
+                                        <p:tgtEl>
+                                          <p:spTgt spid="3">
+                                            <p:txEl>
+                                              <p:pRg st="1" end="1"/>
+                                            </p:txEl>
+                                          </p:spTgt>
+                                        </p:tgtEl>
+                                      </p:cBhvr>
+                                    </p:animEffect>
+                                  </p:childTnLst>
+                                </p:cTn>
+                              </p:par>
+                              <p:par>
+                                <p:cTn id="8" presetID="10" presetClass="entr" presetSubtype="0" fill="hold" nodeType="withEffect">
+                                  <p:stCondLst>
+                                    <p:cond delay="0"/>
+                                  </p:stCondLst>
+                                  <p:childTnLst>
+                                    <p:set>
+                                      <p:cBhvr>
+                                        <p:cTn id="9" dur="1" fill="hold">
+                                          <p:stCondLst>
+                                            <p:cond delay="0"/>
+                                          </p:stCondLst>
+                                        </p:cTn>
+                                        <p:tgtEl>
+                                          <p:spTgt spid="3">
+                                            <p:txEl>
+                                              <p:pRg st="2" end="2"/>
+                                            </p:txEl>
+                                          </p:spTgt>
+                                        </p:tgtEl>
+                                        <p:attrNameLst>
+                                          <p:attrName>style.visibility</p:attrName>
+                                        </p:attrNameLst>
+                                      </p:cBhvr>
+                                      <p:to>
+                                        <p:strVal val="visible"/>
+                                      </p:to>
+                                    </p:set>
+                                    <p:animEffect transition="in" filter="fade">
+                                      <p:cBhvr>
+                                        <p:cTn id="10" dur="500"/>
+                                        <p:tgtEl>
+                                          <p:spTgt spid="3">
+                                            <p:txEl>
+                                              <p:pRg st="2" end="2"/>
+                                            </p:txEl>
+                                          </p:spTgt>
+                                        </p:tgtEl>
+                                      </p:cBhvr>
+                                    </p:animEffect>
+                                  </p:childTnLst>
+                                </p:cTn>
+                              </p:par>
+                              <p:par>
+                                <p:cTn id="11" presetID="10" presetClass="entr" presetSubtype="0" fill="hold" nodeType="withEffect">
+                                  <p:stCondLst>
+                                    <p:cond delay="0"/>
+                                  </p:stCondLst>
+                                  <p:childTnLst>
+                                    <p:set>
+                                      <p:cBhvr>
+                                        <p:cTn id="12" dur="1" fill="hold">
+                                          <p:stCondLst>
+                                            <p:cond delay="0"/>
+                                          </p:stCondLst>
+                                        </p:cTn>
+                                        <p:tgtEl>
+                                          <p:spTgt spid="3">
+                                            <p:txEl>
+                                              <p:pRg st="3" end="3"/>
+                                            </p:txEl>
+                                          </p:spTgt>
+                                        </p:tgtEl>
+                                        <p:attrNameLst>
+                                          <p:attrName>style.visibility</p:attrName>
+                                        </p:attrNameLst>
+                                      </p:cBhvr>
+                                      <p:to>
+                                        <p:strVal val="visible"/>
+                                      </p:to>
+                                    </p:set>
+                                    <p:animEffect transition="in" filter="fade">
+                                      <p:cBhvr>
+                                        <p:cTn id="13" dur="500"/>
+                                        <p:tgtEl>
+                                          <p:spTgt spid="3">
+                                            <p:txEl>
+                                              <p:pRg st="3" end="3"/>
+                                            </p:txEl>
+                                          </p:spTgt>
+                                        </p:tgtEl>
+                                      </p:cBhvr>
+                                    </p:animEffect>
+                                  </p:childTnLst>
+                                </p:cTn>
+                              </p:par>
+                              <p:par>
+                                <p:cTn id="14" presetID="10" presetClass="entr" presetSubtype="0" fill="hold" nodeType="withEffect">
+                                  <p:stCondLst>
+                                    <p:cond delay="0"/>
+                                  </p:stCondLst>
+                                  <p:childTnLst>
+                                    <p:set>
+                                      <p:cBhvr>
+                                        <p:cTn id="15" dur="1" fill="hold">
+                                          <p:stCondLst>
+                                            <p:cond delay="0"/>
+                                          </p:stCondLst>
+                                        </p:cTn>
+                                        <p:tgtEl>
+                                          <p:spTgt spid="3">
+                                            <p:txEl>
+                                              <p:pRg st="4" end="4"/>
+                                            </p:txEl>
+                                          </p:spTgt>
+                                        </p:tgtEl>
+                                        <p:attrNameLst>
+                                          <p:attrName>style.visibility</p:attrName>
+                                        </p:attrNameLst>
+                                      </p:cBhvr>
+                                      <p:to>
+                                        <p:strVal val="visible"/>
+                                      </p:to>
+                                    </p:set>
+                                    <p:animEffect transition="in" filter="fade">
+                                      <p:cBhvr>
+                                        <p:cTn id="16" dur="500"/>
+                                        <p:tgtEl>
+                                          <p:spTgt spid="3">
+                                            <p:txEl>
+                                              <p:pRg st="4" end="4"/>
+                                            </p:txEl>
+                                          </p:spTgt>
+                                        </p:tgtEl>
+                                      </p:cBhvr>
+                                    </p:animEffect>
+                                  </p:childTnLst>
+                                </p:cTn>
+                              </p:par>
+                              <p:par>
+                                <p:cTn id="17" presetID="10" presetClass="entr" presetSubtype="0" fill="hold" nodeType="withEffect">
+                                  <p:stCondLst>
+                                    <p:cond delay="0"/>
+                                  </p:stCondLst>
+                                  <p:childTnLst>
+                                    <p:set>
+                                      <p:cBhvr>
+                                        <p:cTn id="18" dur="1" fill="hold">
+                                          <p:stCondLst>
+                                            <p:cond delay="0"/>
+                                          </p:stCondLst>
+                                        </p:cTn>
+                                        <p:tgtEl>
+                                          <p:spTgt spid="3">
+                                            <p:txEl>
+                                              <p:pRg st="5" end="5"/>
+                                            </p:txEl>
+                                          </p:spTgt>
+                                        </p:tgtEl>
+                                        <p:attrNameLst>
+                                          <p:attrName>style.visibility</p:attrName>
+                                        </p:attrNameLst>
+                                      </p:cBhvr>
+                                      <p:to>
+                                        <p:strVal val="visible"/>
+                                      </p:to>
+                                    </p:set>
+                                    <p:animEffect transition="in" filter="fade">
+                                      <p:cBhvr>
+                                        <p:cTn id="19" dur="500"/>
+                                        <p:tgtEl>
+                                          <p:spTgt spid="3">
+                                            <p:txEl>
+                                              <p:pRg st="5" end="5"/>
+                                            </p:txEl>
+                                          </p:spTgt>
+                                        </p:tgtEl>
+                                      </p:cBhvr>
+                                    </p:animEffect>
+                                  </p:childTnLst>
+                                </p:cTn>
+                              </p:par>
+                            </p:childTnLst>
+                          </p:cTn>
+                        </p:par>
+                      </p:childTnLst>
+                    </p:cTn>
+                  </p:par>
+                </p:childTnLst>
+              </p:cTn>
+              <p:prevCondLst>
+                <p:cond evt="onPrev" delay="0">
+                  <p:tgtEl>
+                    <p:sldTgt/>
+                  </p:tgtEl>
+                </p:cond>
+              </p:prevCondLst>
+              <p:nextCondLst>
+                <p:cond evt="onNext" delay="0">
+                  <p:tgtEl>
+                    <p:sldTgt/>
+                  </p:tgtEl>
+                </p:cond>
+              </p:nextCondLst>
+            </p:seq>
+          </p:childTnLst>
+        </p:cTn>
       </p:par>
     </p:tnLst>
   </p:timing>
@@ -12180,10 +14361,183 @@
   <p:clrMapOvr>
     <a:masterClrMapping/>
   </p:clrMapOvr>
+  <p:transition spd="slow">
+    <p:push/>
+  </p:transition>
   <p:timing>
     <p:tnLst>
       <p:par>
-        <p:cTn id="1" dur="indefinite" restart="never" nodeType="tmRoot"/>
+        <p:cTn id="1" dur="indefinite" restart="never" nodeType="tmRoot">
+          <p:childTnLst>
+            <p:seq concurrent="1" nextAc="seek">
+              <p:cTn id="2" dur="indefinite" nodeType="mainSeq">
+                <p:childTnLst>
+                  <p:par>
+                    <p:cTn id="3" fill="hold">
+                      <p:stCondLst>
+                        <p:cond delay="indefinite"/>
+                      </p:stCondLst>
+                      <p:childTnLst>
+                        <p:par>
+                          <p:cTn id="4" fill="hold">
+                            <p:stCondLst>
+                              <p:cond delay="0"/>
+                            </p:stCondLst>
+                            <p:childTnLst>
+                              <p:par>
+                                <p:cTn id="5" presetID="10" presetClass="entr" presetSubtype="0" fill="hold" nodeType="clickEffect">
+                                  <p:stCondLst>
+                                    <p:cond delay="0"/>
+                                  </p:stCondLst>
+                                  <p:childTnLst>
+                                    <p:set>
+                                      <p:cBhvr>
+                                        <p:cTn id="6" dur="1" fill="hold">
+                                          <p:stCondLst>
+                                            <p:cond delay="0"/>
+                                          </p:stCondLst>
+                                        </p:cTn>
+                                        <p:tgtEl>
+                                          <p:spTgt spid="3">
+                                            <p:txEl>
+                                              <p:pRg st="3" end="3"/>
+                                            </p:txEl>
+                                          </p:spTgt>
+                                        </p:tgtEl>
+                                        <p:attrNameLst>
+                                          <p:attrName>style.visibility</p:attrName>
+                                        </p:attrNameLst>
+                                      </p:cBhvr>
+                                      <p:to>
+                                        <p:strVal val="visible"/>
+                                      </p:to>
+                                    </p:set>
+                                    <p:animEffect transition="in" filter="fade">
+                                      <p:cBhvr>
+                                        <p:cTn id="7" dur="500"/>
+                                        <p:tgtEl>
+                                          <p:spTgt spid="3">
+                                            <p:txEl>
+                                              <p:pRg st="3" end="3"/>
+                                            </p:txEl>
+                                          </p:spTgt>
+                                        </p:tgtEl>
+                                      </p:cBhvr>
+                                    </p:animEffect>
+                                  </p:childTnLst>
+                                </p:cTn>
+                              </p:par>
+                              <p:par>
+                                <p:cTn id="8" presetID="10" presetClass="entr" presetSubtype="0" fill="hold" nodeType="withEffect">
+                                  <p:stCondLst>
+                                    <p:cond delay="0"/>
+                                  </p:stCondLst>
+                                  <p:childTnLst>
+                                    <p:set>
+                                      <p:cBhvr>
+                                        <p:cTn id="9" dur="1" fill="hold">
+                                          <p:stCondLst>
+                                            <p:cond delay="0"/>
+                                          </p:stCondLst>
+                                        </p:cTn>
+                                        <p:tgtEl>
+                                          <p:spTgt spid="3">
+                                            <p:txEl>
+                                              <p:pRg st="4" end="4"/>
+                                            </p:txEl>
+                                          </p:spTgt>
+                                        </p:tgtEl>
+                                        <p:attrNameLst>
+                                          <p:attrName>style.visibility</p:attrName>
+                                        </p:attrNameLst>
+                                      </p:cBhvr>
+                                      <p:to>
+                                        <p:strVal val="visible"/>
+                                      </p:to>
+                                    </p:set>
+                                    <p:animEffect transition="in" filter="fade">
+                                      <p:cBhvr>
+                                        <p:cTn id="10" dur="500"/>
+                                        <p:tgtEl>
+                                          <p:spTgt spid="3">
+                                            <p:txEl>
+                                              <p:pRg st="4" end="4"/>
+                                            </p:txEl>
+                                          </p:spTgt>
+                                        </p:tgtEl>
+                                      </p:cBhvr>
+                                    </p:animEffect>
+                                  </p:childTnLst>
+                                </p:cTn>
+                              </p:par>
+                              <p:par>
+                                <p:cTn id="11" presetID="10" presetClass="entr" presetSubtype="0" fill="hold" nodeType="withEffect">
+                                  <p:stCondLst>
+                                    <p:cond delay="0"/>
+                                  </p:stCondLst>
+                                  <p:childTnLst>
+                                    <p:set>
+                                      <p:cBhvr>
+                                        <p:cTn id="12" dur="1" fill="hold">
+                                          <p:stCondLst>
+                                            <p:cond delay="0"/>
+                                          </p:stCondLst>
+                                        </p:cTn>
+                                        <p:tgtEl>
+                                          <p:spTgt spid="3">
+                                            <p:txEl>
+                                              <p:pRg st="5" end="5"/>
+                                            </p:txEl>
+                                          </p:spTgt>
+                                        </p:tgtEl>
+                                        <p:attrNameLst>
+                                          <p:attrName>style.visibility</p:attrName>
+                                        </p:attrNameLst>
+                                      </p:cBhvr>
+                                      <p:to>
+                                        <p:strVal val="visible"/>
+                                      </p:to>
+                                    </p:set>
+                                    <p:animEffect transition="in" filter="fade">
+                                      <p:cBhvr>
+                                        <p:cTn id="13" dur="500"/>
+                                        <p:tgtEl>
+                                          <p:spTgt spid="3">
+                                            <p:txEl>
+                                              <p:pRg st="5" end="5"/>
+                                            </p:txEl>
+                                          </p:spTgt>
+                                        </p:tgtEl>
+                                      </p:cBhvr>
+                                    </p:animEffect>
+                                  </p:childTnLst>
+                                </p:cTn>
+                              </p:par>
+                            </p:childTnLst>
+                          </p:cTn>
+                        </p:par>
+                      </p:childTnLst>
+                    </p:cTn>
+                  </p:par>
+                </p:childTnLst>
+              </p:cTn>
+              <p:prevCondLst>
+                <p:cond evt="onPrev" delay="0">
+                  <p:tgtEl>
+                    <p:sldTgt/>
+                  </p:tgtEl>
+                </p:cond>
+              </p:prevCondLst>
+              <p:nextCondLst>
+                <p:cond evt="onNext" delay="0">
+                  <p:tgtEl>
+                    <p:sldTgt/>
+                  </p:tgtEl>
+                </p:cond>
+              </p:nextCondLst>
+            </p:seq>
+          </p:childTnLst>
+        </p:cTn>
       </p:par>
     </p:tnLst>
   </p:timing>
@@ -12275,12 +14629,511 @@
   <p:clrMapOvr>
     <a:masterClrMapping/>
   </p:clrMapOvr>
+  <p:transition spd="slow">
+    <p:push/>
+  </p:transition>
   <p:timing>
     <p:tnLst>
       <p:par>
-        <p:cTn id="1" dur="indefinite" restart="never" nodeType="tmRoot"/>
+        <p:cTn id="1" dur="indefinite" restart="never" nodeType="tmRoot">
+          <p:childTnLst>
+            <p:seq concurrent="1" nextAc="seek">
+              <p:cTn id="2" dur="indefinite" nodeType="mainSeq">
+                <p:childTnLst>
+                  <p:par>
+                    <p:cTn id="3" fill="hold">
+                      <p:stCondLst>
+                        <p:cond delay="indefinite"/>
+                      </p:stCondLst>
+                      <p:childTnLst>
+                        <p:par>
+                          <p:cTn id="4" fill="hold">
+                            <p:stCondLst>
+                              <p:cond delay="0"/>
+                            </p:stCondLst>
+                            <p:childTnLst>
+                              <p:par>
+                                <p:cTn id="5" presetID="10" presetClass="entr" presetSubtype="0" fill="hold" grpId="0" nodeType="clickEffect">
+                                  <p:stCondLst>
+                                    <p:cond delay="0"/>
+                                  </p:stCondLst>
+                                  <p:childTnLst>
+                                    <p:set>
+                                      <p:cBhvr>
+                                        <p:cTn id="6" dur="1" fill="hold">
+                                          <p:stCondLst>
+                                            <p:cond delay="0"/>
+                                          </p:stCondLst>
+                                        </p:cTn>
+                                        <p:tgtEl>
+                                          <p:spTgt spid="4">
+                                            <p:graphicEl>
+                                              <a:dgm id="{52FC016A-B4AE-4347-AA88-D89D3DCA07AD}"/>
+                                            </p:graphicEl>
+                                          </p:spTgt>
+                                        </p:tgtEl>
+                                        <p:attrNameLst>
+                                          <p:attrName>style.visibility</p:attrName>
+                                        </p:attrNameLst>
+                                      </p:cBhvr>
+                                      <p:to>
+                                        <p:strVal val="visible"/>
+                                      </p:to>
+                                    </p:set>
+                                    <p:animEffect transition="in" filter="fade">
+                                      <p:cBhvr>
+                                        <p:cTn id="7" dur="500"/>
+                                        <p:tgtEl>
+                                          <p:spTgt spid="4">
+                                            <p:graphicEl>
+                                              <a:dgm id="{52FC016A-B4AE-4347-AA88-D89D3DCA07AD}"/>
+                                            </p:graphicEl>
+                                          </p:spTgt>
+                                        </p:tgtEl>
+                                      </p:cBhvr>
+                                    </p:animEffect>
+                                  </p:childTnLst>
+                                </p:cTn>
+                              </p:par>
+                              <p:par>
+                                <p:cTn id="8" presetID="10" presetClass="entr" presetSubtype="0" fill="hold" grpId="0" nodeType="withEffect">
+                                  <p:stCondLst>
+                                    <p:cond delay="0"/>
+                                  </p:stCondLst>
+                                  <p:childTnLst>
+                                    <p:set>
+                                      <p:cBhvr>
+                                        <p:cTn id="9" dur="1" fill="hold">
+                                          <p:stCondLst>
+                                            <p:cond delay="0"/>
+                                          </p:stCondLst>
+                                        </p:cTn>
+                                        <p:tgtEl>
+                                          <p:spTgt spid="4">
+                                            <p:graphicEl>
+                                              <a:dgm id="{F77F33D4-3C44-4DEA-B4D2-AEF98CA47908}"/>
+                                            </p:graphicEl>
+                                          </p:spTgt>
+                                        </p:tgtEl>
+                                        <p:attrNameLst>
+                                          <p:attrName>style.visibility</p:attrName>
+                                        </p:attrNameLst>
+                                      </p:cBhvr>
+                                      <p:to>
+                                        <p:strVal val="visible"/>
+                                      </p:to>
+                                    </p:set>
+                                    <p:animEffect transition="in" filter="fade">
+                                      <p:cBhvr>
+                                        <p:cTn id="10" dur="500"/>
+                                        <p:tgtEl>
+                                          <p:spTgt spid="4">
+                                            <p:graphicEl>
+                                              <a:dgm id="{F77F33D4-3C44-4DEA-B4D2-AEF98CA47908}"/>
+                                            </p:graphicEl>
+                                          </p:spTgt>
+                                        </p:tgtEl>
+                                      </p:cBhvr>
+                                    </p:animEffect>
+                                  </p:childTnLst>
+                                </p:cTn>
+                              </p:par>
+                            </p:childTnLst>
+                          </p:cTn>
+                        </p:par>
+                      </p:childTnLst>
+                    </p:cTn>
+                  </p:par>
+                  <p:par>
+                    <p:cTn id="11" fill="hold">
+                      <p:stCondLst>
+                        <p:cond delay="indefinite"/>
+                      </p:stCondLst>
+                      <p:childTnLst>
+                        <p:par>
+                          <p:cTn id="12" fill="hold">
+                            <p:stCondLst>
+                              <p:cond delay="0"/>
+                            </p:stCondLst>
+                            <p:childTnLst>
+                              <p:par>
+                                <p:cTn id="13" presetID="10" presetClass="entr" presetSubtype="0" fill="hold" grpId="0" nodeType="clickEffect">
+                                  <p:stCondLst>
+                                    <p:cond delay="0"/>
+                                  </p:stCondLst>
+                                  <p:childTnLst>
+                                    <p:set>
+                                      <p:cBhvr>
+                                        <p:cTn id="14" dur="1" fill="hold">
+                                          <p:stCondLst>
+                                            <p:cond delay="0"/>
+                                          </p:stCondLst>
+                                        </p:cTn>
+                                        <p:tgtEl>
+                                          <p:spTgt spid="4">
+                                            <p:graphicEl>
+                                              <a:dgm id="{A37C163D-F833-4A20-B744-E085315ED804}"/>
+                                            </p:graphicEl>
+                                          </p:spTgt>
+                                        </p:tgtEl>
+                                        <p:attrNameLst>
+                                          <p:attrName>style.visibility</p:attrName>
+                                        </p:attrNameLst>
+                                      </p:cBhvr>
+                                      <p:to>
+                                        <p:strVal val="visible"/>
+                                      </p:to>
+                                    </p:set>
+                                    <p:animEffect transition="in" filter="fade">
+                                      <p:cBhvr>
+                                        <p:cTn id="15" dur="500"/>
+                                        <p:tgtEl>
+                                          <p:spTgt spid="4">
+                                            <p:graphicEl>
+                                              <a:dgm id="{A37C163D-F833-4A20-B744-E085315ED804}"/>
+                                            </p:graphicEl>
+                                          </p:spTgt>
+                                        </p:tgtEl>
+                                      </p:cBhvr>
+                                    </p:animEffect>
+                                  </p:childTnLst>
+                                </p:cTn>
+                              </p:par>
+                              <p:par>
+                                <p:cTn id="16" presetID="10" presetClass="entr" presetSubtype="0" fill="hold" grpId="0" nodeType="withEffect">
+                                  <p:stCondLst>
+                                    <p:cond delay="0"/>
+                                  </p:stCondLst>
+                                  <p:childTnLst>
+                                    <p:set>
+                                      <p:cBhvr>
+                                        <p:cTn id="17" dur="1" fill="hold">
+                                          <p:stCondLst>
+                                            <p:cond delay="0"/>
+                                          </p:stCondLst>
+                                        </p:cTn>
+                                        <p:tgtEl>
+                                          <p:spTgt spid="4">
+                                            <p:graphicEl>
+                                              <a:dgm id="{3B1A675A-0B2B-4156-8C44-79E68A2A3893}"/>
+                                            </p:graphicEl>
+                                          </p:spTgt>
+                                        </p:tgtEl>
+                                        <p:attrNameLst>
+                                          <p:attrName>style.visibility</p:attrName>
+                                        </p:attrNameLst>
+                                      </p:cBhvr>
+                                      <p:to>
+                                        <p:strVal val="visible"/>
+                                      </p:to>
+                                    </p:set>
+                                    <p:animEffect transition="in" filter="fade">
+                                      <p:cBhvr>
+                                        <p:cTn id="18" dur="500"/>
+                                        <p:tgtEl>
+                                          <p:spTgt spid="4">
+                                            <p:graphicEl>
+                                              <a:dgm id="{3B1A675A-0B2B-4156-8C44-79E68A2A3893}"/>
+                                            </p:graphicEl>
+                                          </p:spTgt>
+                                        </p:tgtEl>
+                                      </p:cBhvr>
+                                    </p:animEffect>
+                                  </p:childTnLst>
+                                </p:cTn>
+                              </p:par>
+                              <p:par>
+                                <p:cTn id="19" presetID="10" presetClass="entr" presetSubtype="0" fill="hold" grpId="0" nodeType="withEffect">
+                                  <p:stCondLst>
+                                    <p:cond delay="0"/>
+                                  </p:stCondLst>
+                                  <p:childTnLst>
+                                    <p:set>
+                                      <p:cBhvr>
+                                        <p:cTn id="20" dur="1" fill="hold">
+                                          <p:stCondLst>
+                                            <p:cond delay="0"/>
+                                          </p:stCondLst>
+                                        </p:cTn>
+                                        <p:tgtEl>
+                                          <p:spTgt spid="4">
+                                            <p:graphicEl>
+                                              <a:dgm id="{938331B0-C459-49AE-A25A-C7A20F8CC49C}"/>
+                                            </p:graphicEl>
+                                          </p:spTgt>
+                                        </p:tgtEl>
+                                        <p:attrNameLst>
+                                          <p:attrName>style.visibility</p:attrName>
+                                        </p:attrNameLst>
+                                      </p:cBhvr>
+                                      <p:to>
+                                        <p:strVal val="visible"/>
+                                      </p:to>
+                                    </p:set>
+                                    <p:animEffect transition="in" filter="fade">
+                                      <p:cBhvr>
+                                        <p:cTn id="21" dur="500"/>
+                                        <p:tgtEl>
+                                          <p:spTgt spid="4">
+                                            <p:graphicEl>
+                                              <a:dgm id="{938331B0-C459-49AE-A25A-C7A20F8CC49C}"/>
+                                            </p:graphicEl>
+                                          </p:spTgt>
+                                        </p:tgtEl>
+                                      </p:cBhvr>
+                                    </p:animEffect>
+                                  </p:childTnLst>
+                                </p:cTn>
+                              </p:par>
+                              <p:par>
+                                <p:cTn id="22" presetID="10" presetClass="entr" presetSubtype="0" fill="hold" grpId="0" nodeType="withEffect">
+                                  <p:stCondLst>
+                                    <p:cond delay="0"/>
+                                  </p:stCondLst>
+                                  <p:childTnLst>
+                                    <p:set>
+                                      <p:cBhvr>
+                                        <p:cTn id="23" dur="1" fill="hold">
+                                          <p:stCondLst>
+                                            <p:cond delay="0"/>
+                                          </p:stCondLst>
+                                        </p:cTn>
+                                        <p:tgtEl>
+                                          <p:spTgt spid="4">
+                                            <p:graphicEl>
+                                              <a:dgm id="{ADE13DD1-9DD7-4843-B322-ED18E53A868A}"/>
+                                            </p:graphicEl>
+                                          </p:spTgt>
+                                        </p:tgtEl>
+                                        <p:attrNameLst>
+                                          <p:attrName>style.visibility</p:attrName>
+                                        </p:attrNameLst>
+                                      </p:cBhvr>
+                                      <p:to>
+                                        <p:strVal val="visible"/>
+                                      </p:to>
+                                    </p:set>
+                                    <p:animEffect transition="in" filter="fade">
+                                      <p:cBhvr>
+                                        <p:cTn id="24" dur="500"/>
+                                        <p:tgtEl>
+                                          <p:spTgt spid="4">
+                                            <p:graphicEl>
+                                              <a:dgm id="{ADE13DD1-9DD7-4843-B322-ED18E53A868A}"/>
+                                            </p:graphicEl>
+                                          </p:spTgt>
+                                        </p:tgtEl>
+                                      </p:cBhvr>
+                                    </p:animEffect>
+                                  </p:childTnLst>
+                                </p:cTn>
+                              </p:par>
+                              <p:par>
+                                <p:cTn id="25" presetID="10" presetClass="entr" presetSubtype="0" fill="hold" grpId="0" nodeType="withEffect">
+                                  <p:stCondLst>
+                                    <p:cond delay="0"/>
+                                  </p:stCondLst>
+                                  <p:childTnLst>
+                                    <p:set>
+                                      <p:cBhvr>
+                                        <p:cTn id="26" dur="1" fill="hold">
+                                          <p:stCondLst>
+                                            <p:cond delay="0"/>
+                                          </p:stCondLst>
+                                        </p:cTn>
+                                        <p:tgtEl>
+                                          <p:spTgt spid="4">
+                                            <p:graphicEl>
+                                              <a:dgm id="{2867A9FE-FF8A-4E27-A8E5-CB1A0A56F081}"/>
+                                            </p:graphicEl>
+                                          </p:spTgt>
+                                        </p:tgtEl>
+                                        <p:attrNameLst>
+                                          <p:attrName>style.visibility</p:attrName>
+                                        </p:attrNameLst>
+                                      </p:cBhvr>
+                                      <p:to>
+                                        <p:strVal val="visible"/>
+                                      </p:to>
+                                    </p:set>
+                                    <p:animEffect transition="in" filter="fade">
+                                      <p:cBhvr>
+                                        <p:cTn id="27" dur="500"/>
+                                        <p:tgtEl>
+                                          <p:spTgt spid="4">
+                                            <p:graphicEl>
+                                              <a:dgm id="{2867A9FE-FF8A-4E27-A8E5-CB1A0A56F081}"/>
+                                            </p:graphicEl>
+                                          </p:spTgt>
+                                        </p:tgtEl>
+                                      </p:cBhvr>
+                                    </p:animEffect>
+                                  </p:childTnLst>
+                                </p:cTn>
+                              </p:par>
+                              <p:par>
+                                <p:cTn id="28" presetID="10" presetClass="entr" presetSubtype="0" fill="hold" grpId="0" nodeType="withEffect">
+                                  <p:stCondLst>
+                                    <p:cond delay="0"/>
+                                  </p:stCondLst>
+                                  <p:childTnLst>
+                                    <p:set>
+                                      <p:cBhvr>
+                                        <p:cTn id="29" dur="1" fill="hold">
+                                          <p:stCondLst>
+                                            <p:cond delay="0"/>
+                                          </p:stCondLst>
+                                        </p:cTn>
+                                        <p:tgtEl>
+                                          <p:spTgt spid="4">
+                                            <p:graphicEl>
+                                              <a:dgm id="{6F36FF42-2D98-4874-8148-53F0648E31CA}"/>
+                                            </p:graphicEl>
+                                          </p:spTgt>
+                                        </p:tgtEl>
+                                        <p:attrNameLst>
+                                          <p:attrName>style.visibility</p:attrName>
+                                        </p:attrNameLst>
+                                      </p:cBhvr>
+                                      <p:to>
+                                        <p:strVal val="visible"/>
+                                      </p:to>
+                                    </p:set>
+                                    <p:animEffect transition="in" filter="fade">
+                                      <p:cBhvr>
+                                        <p:cTn id="30" dur="500"/>
+                                        <p:tgtEl>
+                                          <p:spTgt spid="4">
+                                            <p:graphicEl>
+                                              <a:dgm id="{6F36FF42-2D98-4874-8148-53F0648E31CA}"/>
+                                            </p:graphicEl>
+                                          </p:spTgt>
+                                        </p:tgtEl>
+                                      </p:cBhvr>
+                                    </p:animEffect>
+                                  </p:childTnLst>
+                                </p:cTn>
+                              </p:par>
+                              <p:par>
+                                <p:cTn id="31" presetID="10" presetClass="entr" presetSubtype="0" fill="hold" grpId="0" nodeType="withEffect">
+                                  <p:stCondLst>
+                                    <p:cond delay="0"/>
+                                  </p:stCondLst>
+                                  <p:childTnLst>
+                                    <p:set>
+                                      <p:cBhvr>
+                                        <p:cTn id="32" dur="1" fill="hold">
+                                          <p:stCondLst>
+                                            <p:cond delay="0"/>
+                                          </p:stCondLst>
+                                        </p:cTn>
+                                        <p:tgtEl>
+                                          <p:spTgt spid="4">
+                                            <p:graphicEl>
+                                              <a:dgm id="{19559425-F742-4927-AC69-6CB1E3345327}"/>
+                                            </p:graphicEl>
+                                          </p:spTgt>
+                                        </p:tgtEl>
+                                        <p:attrNameLst>
+                                          <p:attrName>style.visibility</p:attrName>
+                                        </p:attrNameLst>
+                                      </p:cBhvr>
+                                      <p:to>
+                                        <p:strVal val="visible"/>
+                                      </p:to>
+                                    </p:set>
+                                    <p:animEffect transition="in" filter="fade">
+                                      <p:cBhvr>
+                                        <p:cTn id="33" dur="500"/>
+                                        <p:tgtEl>
+                                          <p:spTgt spid="4">
+                                            <p:graphicEl>
+                                              <a:dgm id="{19559425-F742-4927-AC69-6CB1E3345327}"/>
+                                            </p:graphicEl>
+                                          </p:spTgt>
+                                        </p:tgtEl>
+                                      </p:cBhvr>
+                                    </p:animEffect>
+                                  </p:childTnLst>
+                                </p:cTn>
+                              </p:par>
+                              <p:par>
+                                <p:cTn id="34" presetID="10" presetClass="entr" presetSubtype="0" fill="hold" grpId="0" nodeType="withEffect">
+                                  <p:stCondLst>
+                                    <p:cond delay="0"/>
+                                  </p:stCondLst>
+                                  <p:childTnLst>
+                                    <p:set>
+                                      <p:cBhvr>
+                                        <p:cTn id="35" dur="1" fill="hold">
+                                          <p:stCondLst>
+                                            <p:cond delay="0"/>
+                                          </p:stCondLst>
+                                        </p:cTn>
+                                        <p:tgtEl>
+                                          <p:spTgt spid="4">
+                                            <p:graphicEl>
+                                              <a:dgm id="{DC9E1B48-B852-4A26-A78A-0476CCBCB922}"/>
+                                            </p:graphicEl>
+                                          </p:spTgt>
+                                        </p:tgtEl>
+                                        <p:attrNameLst>
+                                          <p:attrName>style.visibility</p:attrName>
+                                        </p:attrNameLst>
+                                      </p:cBhvr>
+                                      <p:to>
+                                        <p:strVal val="visible"/>
+                                      </p:to>
+                                    </p:set>
+                                    <p:animEffect transition="in" filter="fade">
+                                      <p:cBhvr>
+                                        <p:cTn id="36" dur="500"/>
+                                        <p:tgtEl>
+                                          <p:spTgt spid="4">
+                                            <p:graphicEl>
+                                              <a:dgm id="{DC9E1B48-B852-4A26-A78A-0476CCBCB922}"/>
+                                            </p:graphicEl>
+                                          </p:spTgt>
+                                        </p:tgtEl>
+                                      </p:cBhvr>
+                                    </p:animEffect>
+                                  </p:childTnLst>
+                                </p:cTn>
+                              </p:par>
+                            </p:childTnLst>
+                          </p:cTn>
+                        </p:par>
+                      </p:childTnLst>
+                    </p:cTn>
+                  </p:par>
+                </p:childTnLst>
+              </p:cTn>
+              <p:prevCondLst>
+                <p:cond evt="onPrev" delay="0">
+                  <p:tgtEl>
+                    <p:sldTgt/>
+                  </p:tgtEl>
+                </p:cond>
+              </p:prevCondLst>
+              <p:nextCondLst>
+                <p:cond evt="onNext" delay="0">
+                  <p:tgtEl>
+                    <p:sldTgt/>
+                  </p:tgtEl>
+                </p:cond>
+              </p:nextCondLst>
+            </p:seq>
+          </p:childTnLst>
+        </p:cTn>
       </p:par>
     </p:tnLst>
+    <p:bldLst>
+      <p:bldGraphic spid="4" grpId="0">
+        <p:bldSub>
+          <a:bldDgm bld="lvlAtOnce"/>
+        </p:bldSub>
+      </p:bldGraphic>
+    </p:bldLst>
   </p:timing>
 </p:sld>
 </file>
@@ -12852,10 +15705,140 @@
   <p:clrMapOvr>
     <a:masterClrMapping/>
   </p:clrMapOvr>
+  <p:transition spd="slow">
+    <p:push/>
+  </p:transition>
   <p:timing>
     <p:tnLst>
       <p:par>
-        <p:cTn id="1" dur="indefinite" restart="never" nodeType="tmRoot"/>
+        <p:cTn id="1" dur="indefinite" restart="never" nodeType="tmRoot">
+          <p:childTnLst>
+            <p:seq concurrent="1" nextAc="seek">
+              <p:cTn id="2" dur="indefinite" nodeType="mainSeq">
+                <p:childTnLst>
+                  <p:par>
+                    <p:cTn id="3" fill="hold">
+                      <p:stCondLst>
+                        <p:cond delay="indefinite"/>
+                      </p:stCondLst>
+                      <p:childTnLst>
+                        <p:par>
+                          <p:cTn id="4" fill="hold">
+                            <p:stCondLst>
+                              <p:cond delay="0"/>
+                            </p:stCondLst>
+                            <p:childTnLst>
+                              <p:par>
+                                <p:cTn id="5" presetID="10" presetClass="entr" presetSubtype="0" fill="hold" nodeType="clickEffect">
+                                  <p:stCondLst>
+                                    <p:cond delay="0"/>
+                                  </p:stCondLst>
+                                  <p:childTnLst>
+                                    <p:set>
+                                      <p:cBhvr>
+                                        <p:cTn id="6" dur="1" fill="hold">
+                                          <p:stCondLst>
+                                            <p:cond delay="0"/>
+                                          </p:stCondLst>
+                                        </p:cTn>
+                                        <p:tgtEl>
+                                          <p:spTgt spid="3">
+                                            <p:txEl>
+                                              <p:pRg st="4" end="4"/>
+                                            </p:txEl>
+                                          </p:spTgt>
+                                        </p:tgtEl>
+                                        <p:attrNameLst>
+                                          <p:attrName>style.visibility</p:attrName>
+                                        </p:attrNameLst>
+                                      </p:cBhvr>
+                                      <p:to>
+                                        <p:strVal val="visible"/>
+                                      </p:to>
+                                    </p:set>
+                                    <p:animEffect transition="in" filter="fade">
+                                      <p:cBhvr>
+                                        <p:cTn id="7" dur="500"/>
+                                        <p:tgtEl>
+                                          <p:spTgt spid="3">
+                                            <p:txEl>
+                                              <p:pRg st="4" end="4"/>
+                                            </p:txEl>
+                                          </p:spTgt>
+                                        </p:tgtEl>
+                                      </p:cBhvr>
+                                    </p:animEffect>
+                                  </p:childTnLst>
+                                </p:cTn>
+                              </p:par>
+                              <p:par>
+                                <p:cTn id="8" presetID="10" presetClass="entr" presetSubtype="0" fill="hold" nodeType="withEffect">
+                                  <p:stCondLst>
+                                    <p:cond delay="0"/>
+                                  </p:stCondLst>
+                                  <p:childTnLst>
+                                    <p:set>
+                                      <p:cBhvr>
+                                        <p:cTn id="9" dur="1" fill="hold">
+                                          <p:stCondLst>
+                                            <p:cond delay="0"/>
+                                          </p:stCondLst>
+                                        </p:cTn>
+                                        <p:tgtEl>
+                                          <p:spTgt spid="3">
+                                            <p:txEl>
+                                              <p:pRg st="5" end="5"/>
+                                            </p:txEl>
+                                          </p:spTgt>
+                                        </p:tgtEl>
+                                        <p:attrNameLst>
+                                          <p:attrName>style.visibility</p:attrName>
+                                        </p:attrNameLst>
+                                      </p:cBhvr>
+                                      <p:to>
+                                        <p:strVal val="visible"/>
+                                      </p:to>
+                                    </p:set>
+                                    <p:animEffect transition="in" filter="fade">
+                                      <p:cBhvr>
+                                        <p:cTn id="10" dur="500"/>
+                                        <p:tgtEl>
+                                          <p:spTgt spid="3">
+                                            <p:txEl>
+                                              <p:pRg st="5" end="5"/>
+                                            </p:txEl>
+                                          </p:spTgt>
+                                        </p:tgtEl>
+                                      </p:cBhvr>
+                                    </p:animEffect>
+                                  </p:childTnLst>
+                                </p:cTn>
+                              </p:par>
+                            </p:childTnLst>
+                          </p:cTn>
+                        </p:par>
+                      </p:childTnLst>
+                    </p:cTn>
+                  </p:par>
+                </p:childTnLst>
+              </p:cTn>
+              <p:prevCondLst>
+                <p:cond evt="onPrev" delay="0">
+                  <p:tgtEl>
+                    <p:sldTgt/>
+                  </p:tgtEl>
+                </p:cond>
+              </p:prevCondLst>
+              <p:nextCondLst>
+                <p:cond evt="onNext" delay="0">
+                  <p:tgtEl>
+                    <p:sldTgt/>
+                  </p:tgtEl>
+                </p:cond>
+              </p:nextCondLst>
+            </p:seq>
+          </p:childTnLst>
+        </p:cTn>
       </p:par>
     </p:tnLst>
   </p:timing>
@@ -12892,7 +15875,7 @@
         <p:spPr/>
         <p:txBody>
           <a:bodyPr>
-            <a:normAutofit fontScale="90000"/>
+            <a:normAutofit/>
           </a:bodyPr>
           <a:lstStyle/>
           <a:p>
@@ -13571,10 +16554,201 @@
   <p:clrMapOvr>
     <a:masterClrMapping/>
   </p:clrMapOvr>
+  <p:transition spd="slow">
+    <p:push/>
+  </p:transition>
   <p:timing>
     <p:tnLst>
       <p:par>
-        <p:cTn id="1" dur="indefinite" restart="never" nodeType="tmRoot"/>
+        <p:cTn id="1" dur="indefinite" restart="never" nodeType="tmRoot">
+          <p:childTnLst>
+            <p:seq concurrent="1" nextAc="seek">
+              <p:cTn id="2" dur="indefinite" nodeType="mainSeq">
+                <p:childTnLst>
+                  <p:par>
+                    <p:cTn id="3" fill="hold">
+                      <p:stCondLst>
+                        <p:cond delay="indefinite"/>
+                      </p:stCondLst>
+                      <p:childTnLst>
+                        <p:par>
+                          <p:cTn id="4" fill="hold">
+                            <p:stCondLst>
+                              <p:cond delay="0"/>
+                            </p:stCondLst>
+                            <p:childTnLst>
+                              <p:par>
+                                <p:cTn id="5" presetID="10" presetClass="entr" presetSubtype="0" fill="hold" nodeType="clickEffect">
+                                  <p:stCondLst>
+                                    <p:cond delay="0"/>
+                                  </p:stCondLst>
+                                  <p:childTnLst>
+                                    <p:set>
+                                      <p:cBhvr>
+                                        <p:cTn id="6" dur="1" fill="hold">
+                                          <p:stCondLst>
+                                            <p:cond delay="0"/>
+                                          </p:stCondLst>
+                                        </p:cTn>
+                                        <p:tgtEl>
+                                          <p:spTgt spid="3">
+                                            <p:txEl>
+                                              <p:pRg st="4" end="4"/>
+                                            </p:txEl>
+                                          </p:spTgt>
+                                        </p:tgtEl>
+                                        <p:attrNameLst>
+                                          <p:attrName>style.visibility</p:attrName>
+                                        </p:attrNameLst>
+                                      </p:cBhvr>
+                                      <p:to>
+                                        <p:strVal val="visible"/>
+                                      </p:to>
+                                    </p:set>
+                                    <p:animEffect transition="in" filter="fade">
+                                      <p:cBhvr>
+                                        <p:cTn id="7" dur="500"/>
+                                        <p:tgtEl>
+                                          <p:spTgt spid="3">
+                                            <p:txEl>
+                                              <p:pRg st="4" end="4"/>
+                                            </p:txEl>
+                                          </p:spTgt>
+                                        </p:tgtEl>
+                                      </p:cBhvr>
+                                    </p:animEffect>
+                                  </p:childTnLst>
+                                </p:cTn>
+                              </p:par>
+                              <p:par>
+                                <p:cTn id="8" presetID="10" presetClass="entr" presetSubtype="0" fill="hold" nodeType="withEffect">
+                                  <p:stCondLst>
+                                    <p:cond delay="0"/>
+                                  </p:stCondLst>
+                                  <p:childTnLst>
+                                    <p:set>
+                                      <p:cBhvr>
+                                        <p:cTn id="9" dur="1" fill="hold">
+                                          <p:stCondLst>
+                                            <p:cond delay="0"/>
+                                          </p:stCondLst>
+                                        </p:cTn>
+                                        <p:tgtEl>
+                                          <p:spTgt spid="3">
+                                            <p:txEl>
+                                              <p:pRg st="5" end="5"/>
+                                            </p:txEl>
+                                          </p:spTgt>
+                                        </p:tgtEl>
+                                        <p:attrNameLst>
+                                          <p:attrName>style.visibility</p:attrName>
+                                        </p:attrNameLst>
+                                      </p:cBhvr>
+                                      <p:to>
+                                        <p:strVal val="visible"/>
+                                      </p:to>
+                                    </p:set>
+                                    <p:animEffect transition="in" filter="fade">
+                                      <p:cBhvr>
+                                        <p:cTn id="10" dur="500"/>
+                                        <p:tgtEl>
+                                          <p:spTgt spid="3">
+                                            <p:txEl>
+                                              <p:pRg st="5" end="5"/>
+                                            </p:txEl>
+                                          </p:spTgt>
+                                        </p:tgtEl>
+                                      </p:cBhvr>
+                                    </p:animEffect>
+                                  </p:childTnLst>
+                                </p:cTn>
+                              </p:par>
+                            </p:childTnLst>
+                          </p:cTn>
+                        </p:par>
+                      </p:childTnLst>
+                    </p:cTn>
+                  </p:par>
+                  <p:par>
+                    <p:cTn id="11" fill="hold">
+                      <p:stCondLst>
+                        <p:cond delay="indefinite"/>
+                      </p:stCondLst>
+                      <p:childTnLst>
+                        <p:par>
+                          <p:cTn id="12" fill="hold">
+                            <p:stCondLst>
+                              <p:cond delay="0"/>
+                            </p:stCondLst>
+                            <p:childTnLst>
+                              <p:par>
+                                <p:cTn id="13" presetID="10" presetClass="entr" presetSubtype="0" fill="hold" nodeType="clickEffect">
+                                  <p:stCondLst>
+                                    <p:cond delay="0"/>
+                                  </p:stCondLst>
+                                  <p:childTnLst>
+                                    <p:set>
+                                      <p:cBhvr>
+                                        <p:cTn id="14" dur="1" fill="hold">
+                                          <p:stCondLst>
+                                            <p:cond delay="0"/>
+                                          </p:stCondLst>
+                                        </p:cTn>
+                                        <p:tgtEl>
+                                          <p:spTgt spid="3">
+                                            <p:txEl>
+                                              <p:pRg st="6" end="6"/>
+                                            </p:txEl>
+                                          </p:spTgt>
+                                        </p:tgtEl>
+                                        <p:attrNameLst>
+                                          <p:attrName>style.visibility</p:attrName>
+                                        </p:attrNameLst>
+                                      </p:cBhvr>
+                                      <p:to>
+                                        <p:strVal val="visible"/>
+                                      </p:to>
+                                    </p:set>
+                                    <p:animEffect transition="in" filter="fade">
+                                      <p:cBhvr>
+                                        <p:cTn id="15" dur="500"/>
+                                        <p:tgtEl>
+                                          <p:spTgt spid="3">
+                                            <p:txEl>
+                                              <p:pRg st="6" end="6"/>
+                                            </p:txEl>
+                                          </p:spTgt>
+                                        </p:tgtEl>
+                                      </p:cBhvr>
+                                    </p:animEffect>
+                                  </p:childTnLst>
+                                </p:cTn>
+                              </p:par>
+                            </p:childTnLst>
+                          </p:cTn>
+                        </p:par>
+                      </p:childTnLst>
+                    </p:cTn>
+                  </p:par>
+                </p:childTnLst>
+              </p:cTn>
+              <p:prevCondLst>
+                <p:cond evt="onPrev" delay="0">
+                  <p:tgtEl>
+                    <p:sldTgt/>
+                  </p:tgtEl>
+                </p:cond>
+              </p:prevCondLst>
+              <p:nextCondLst>
+                <p:cond evt="onNext" delay="0">
+                  <p:tgtEl>
+                    <p:sldTgt/>
+                  </p:tgtEl>
+                </p:cond>
+              </p:nextCondLst>
+            </p:seq>
+          </p:childTnLst>
+        </p:cTn>
       </p:par>
     </p:tnLst>
   </p:timing>
@@ -14206,10 +17380,416 @@
   <p:clrMapOvr>
     <a:masterClrMapping/>
   </p:clrMapOvr>
+  <p:transition spd="slow">
+    <p:push/>
+  </p:transition>
   <p:timing>
     <p:tnLst>
       <p:par>
-        <p:cTn id="1" dur="indefinite" restart="never" nodeType="tmRoot"/>
+        <p:cTn id="1" dur="indefinite" restart="never" nodeType="tmRoot">
+          <p:childTnLst>
+            <p:seq concurrent="1" nextAc="seek">
+              <p:cTn id="2" dur="indefinite" nodeType="mainSeq">
+                <p:childTnLst>
+                  <p:par>
+                    <p:cTn id="3" fill="hold">
+                      <p:stCondLst>
+                        <p:cond delay="indefinite"/>
+                      </p:stCondLst>
+                      <p:childTnLst>
+                        <p:par>
+                          <p:cTn id="4" fill="hold">
+                            <p:stCondLst>
+                              <p:cond delay="0"/>
+                            </p:stCondLst>
+                            <p:childTnLst>
+                              <p:par>
+                                <p:cTn id="5" presetID="10" presetClass="entr" presetSubtype="0" fill="hold" nodeType="clickEffect">
+                                  <p:stCondLst>
+                                    <p:cond delay="0"/>
+                                  </p:stCondLst>
+                                  <p:childTnLst>
+                                    <p:set>
+                                      <p:cBhvr>
+                                        <p:cTn id="6" dur="1" fill="hold">
+                                          <p:stCondLst>
+                                            <p:cond delay="0"/>
+                                          </p:stCondLst>
+                                        </p:cTn>
+                                        <p:tgtEl>
+                                          <p:spTgt spid="3">
+                                            <p:txEl>
+                                              <p:pRg st="1" end="1"/>
+                                            </p:txEl>
+                                          </p:spTgt>
+                                        </p:tgtEl>
+                                        <p:attrNameLst>
+                                          <p:attrName>style.visibility</p:attrName>
+                                        </p:attrNameLst>
+                                      </p:cBhvr>
+                                      <p:to>
+                                        <p:strVal val="visible"/>
+                                      </p:to>
+                                    </p:set>
+                                    <p:animEffect transition="in" filter="fade">
+                                      <p:cBhvr>
+                                        <p:cTn id="7" dur="500"/>
+                                        <p:tgtEl>
+                                          <p:spTgt spid="3">
+                                            <p:txEl>
+                                              <p:pRg st="1" end="1"/>
+                                            </p:txEl>
+                                          </p:spTgt>
+                                        </p:tgtEl>
+                                      </p:cBhvr>
+                                    </p:animEffect>
+                                  </p:childTnLst>
+                                </p:cTn>
+                              </p:par>
+                              <p:par>
+                                <p:cTn id="8" presetID="10" presetClass="entr" presetSubtype="0" fill="hold" nodeType="withEffect">
+                                  <p:stCondLst>
+                                    <p:cond delay="0"/>
+                                  </p:stCondLst>
+                                  <p:childTnLst>
+                                    <p:set>
+                                      <p:cBhvr>
+                                        <p:cTn id="9" dur="1" fill="hold">
+                                          <p:stCondLst>
+                                            <p:cond delay="0"/>
+                                          </p:stCondLst>
+                                        </p:cTn>
+                                        <p:tgtEl>
+                                          <p:spTgt spid="3">
+                                            <p:txEl>
+                                              <p:pRg st="2" end="2"/>
+                                            </p:txEl>
+                                          </p:spTgt>
+                                        </p:tgtEl>
+                                        <p:attrNameLst>
+                                          <p:attrName>style.visibility</p:attrName>
+                                        </p:attrNameLst>
+                                      </p:cBhvr>
+                                      <p:to>
+                                        <p:strVal val="visible"/>
+                                      </p:to>
+                                    </p:set>
+                                    <p:animEffect transition="in" filter="fade">
+                                      <p:cBhvr>
+                                        <p:cTn id="10" dur="500"/>
+                                        <p:tgtEl>
+                                          <p:spTgt spid="3">
+                                            <p:txEl>
+                                              <p:pRg st="2" end="2"/>
+                                            </p:txEl>
+                                          </p:spTgt>
+                                        </p:tgtEl>
+                                      </p:cBhvr>
+                                    </p:animEffect>
+                                  </p:childTnLst>
+                                </p:cTn>
+                              </p:par>
+                              <p:par>
+                                <p:cTn id="11" presetID="10" presetClass="entr" presetSubtype="0" fill="hold" nodeType="withEffect">
+                                  <p:stCondLst>
+                                    <p:cond delay="0"/>
+                                  </p:stCondLst>
+                                  <p:childTnLst>
+                                    <p:set>
+                                      <p:cBhvr>
+                                        <p:cTn id="12" dur="1" fill="hold">
+                                          <p:stCondLst>
+                                            <p:cond delay="0"/>
+                                          </p:stCondLst>
+                                        </p:cTn>
+                                        <p:tgtEl>
+                                          <p:spTgt spid="3">
+                                            <p:txEl>
+                                              <p:pRg st="3" end="3"/>
+                                            </p:txEl>
+                                          </p:spTgt>
+                                        </p:tgtEl>
+                                        <p:attrNameLst>
+                                          <p:attrName>style.visibility</p:attrName>
+                                        </p:attrNameLst>
+                                      </p:cBhvr>
+                                      <p:to>
+                                        <p:strVal val="visible"/>
+                                      </p:to>
+                                    </p:set>
+                                    <p:animEffect transition="in" filter="fade">
+                                      <p:cBhvr>
+                                        <p:cTn id="13" dur="500"/>
+                                        <p:tgtEl>
+                                          <p:spTgt spid="3">
+                                            <p:txEl>
+                                              <p:pRg st="3" end="3"/>
+                                            </p:txEl>
+                                          </p:spTgt>
+                                        </p:tgtEl>
+                                      </p:cBhvr>
+                                    </p:animEffect>
+                                  </p:childTnLst>
+                                </p:cTn>
+                              </p:par>
+                              <p:par>
+                                <p:cTn id="14" presetID="10" presetClass="entr" presetSubtype="0" fill="hold" nodeType="withEffect">
+                                  <p:stCondLst>
+                                    <p:cond delay="0"/>
+                                  </p:stCondLst>
+                                  <p:childTnLst>
+                                    <p:set>
+                                      <p:cBhvr>
+                                        <p:cTn id="15" dur="1" fill="hold">
+                                          <p:stCondLst>
+                                            <p:cond delay="0"/>
+                                          </p:stCondLst>
+                                        </p:cTn>
+                                        <p:tgtEl>
+                                          <p:spTgt spid="3">
+                                            <p:txEl>
+                                              <p:pRg st="4" end="4"/>
+                                            </p:txEl>
+                                          </p:spTgt>
+                                        </p:tgtEl>
+                                        <p:attrNameLst>
+                                          <p:attrName>style.visibility</p:attrName>
+                                        </p:attrNameLst>
+                                      </p:cBhvr>
+                                      <p:to>
+                                        <p:strVal val="visible"/>
+                                      </p:to>
+                                    </p:set>
+                                    <p:animEffect transition="in" filter="fade">
+                                      <p:cBhvr>
+                                        <p:cTn id="16" dur="500"/>
+                                        <p:tgtEl>
+                                          <p:spTgt spid="3">
+                                            <p:txEl>
+                                              <p:pRg st="4" end="4"/>
+                                            </p:txEl>
+                                          </p:spTgt>
+                                        </p:tgtEl>
+                                      </p:cBhvr>
+                                    </p:animEffect>
+                                  </p:childTnLst>
+                                </p:cTn>
+                              </p:par>
+                              <p:par>
+                                <p:cTn id="17" presetID="10" presetClass="entr" presetSubtype="0" fill="hold" nodeType="withEffect">
+                                  <p:stCondLst>
+                                    <p:cond delay="0"/>
+                                  </p:stCondLst>
+                                  <p:childTnLst>
+                                    <p:set>
+                                      <p:cBhvr>
+                                        <p:cTn id="18" dur="1" fill="hold">
+                                          <p:stCondLst>
+                                            <p:cond delay="0"/>
+                                          </p:stCondLst>
+                                        </p:cTn>
+                                        <p:tgtEl>
+                                          <p:spTgt spid="3">
+                                            <p:txEl>
+                                              <p:pRg st="5" end="5"/>
+                                            </p:txEl>
+                                          </p:spTgt>
+                                        </p:tgtEl>
+                                        <p:attrNameLst>
+                                          <p:attrName>style.visibility</p:attrName>
+                                        </p:attrNameLst>
+                                      </p:cBhvr>
+                                      <p:to>
+                                        <p:strVal val="visible"/>
+                                      </p:to>
+                                    </p:set>
+                                    <p:animEffect transition="in" filter="fade">
+                                      <p:cBhvr>
+                                        <p:cTn id="19" dur="500"/>
+                                        <p:tgtEl>
+                                          <p:spTgt spid="3">
+                                            <p:txEl>
+                                              <p:pRg st="5" end="5"/>
+                                            </p:txEl>
+                                          </p:spTgt>
+                                        </p:tgtEl>
+                                      </p:cBhvr>
+                                    </p:animEffect>
+                                  </p:childTnLst>
+                                </p:cTn>
+                              </p:par>
+                              <p:par>
+                                <p:cTn id="20" presetID="10" presetClass="entr" presetSubtype="0" fill="hold" nodeType="withEffect">
+                                  <p:stCondLst>
+                                    <p:cond delay="0"/>
+                                  </p:stCondLst>
+                                  <p:childTnLst>
+                                    <p:set>
+                                      <p:cBhvr>
+                                        <p:cTn id="21" dur="1" fill="hold">
+                                          <p:stCondLst>
+                                            <p:cond delay="0"/>
+                                          </p:stCondLst>
+                                        </p:cTn>
+                                        <p:tgtEl>
+                                          <p:spTgt spid="3">
+                                            <p:txEl>
+                                              <p:pRg st="6" end="6"/>
+                                            </p:txEl>
+                                          </p:spTgt>
+                                        </p:tgtEl>
+                                        <p:attrNameLst>
+                                          <p:attrName>style.visibility</p:attrName>
+                                        </p:attrNameLst>
+                                      </p:cBhvr>
+                                      <p:to>
+                                        <p:strVal val="visible"/>
+                                      </p:to>
+                                    </p:set>
+                                    <p:animEffect transition="in" filter="fade">
+                                      <p:cBhvr>
+                                        <p:cTn id="22" dur="500"/>
+                                        <p:tgtEl>
+                                          <p:spTgt spid="3">
+                                            <p:txEl>
+                                              <p:pRg st="6" end="6"/>
+                                            </p:txEl>
+                                          </p:spTgt>
+                                        </p:tgtEl>
+                                      </p:cBhvr>
+                                    </p:animEffect>
+                                  </p:childTnLst>
+                                </p:cTn>
+                              </p:par>
+                            </p:childTnLst>
+                          </p:cTn>
+                        </p:par>
+                      </p:childTnLst>
+                    </p:cTn>
+                  </p:par>
+                  <p:par>
+                    <p:cTn id="23" fill="hold">
+                      <p:stCondLst>
+                        <p:cond delay="indefinite"/>
+                      </p:stCondLst>
+                      <p:childTnLst>
+                        <p:par>
+                          <p:cTn id="24" fill="hold">
+                            <p:stCondLst>
+                              <p:cond delay="0"/>
+                            </p:stCondLst>
+                            <p:childTnLst>
+                              <p:par>
+                                <p:cTn id="25" presetID="10" presetClass="entr" presetSubtype="0" fill="hold" nodeType="clickEffect">
+                                  <p:stCondLst>
+                                    <p:cond delay="0"/>
+                                  </p:stCondLst>
+                                  <p:childTnLst>
+                                    <p:set>
+                                      <p:cBhvr>
+                                        <p:cTn id="26" dur="1" fill="hold">
+                                          <p:stCondLst>
+                                            <p:cond delay="0"/>
+                                          </p:stCondLst>
+                                        </p:cTn>
+                                        <p:tgtEl>
+                                          <p:spTgt spid="3">
+                                            <p:txEl>
+                                              <p:pRg st="9" end="9"/>
+                                            </p:txEl>
+                                          </p:spTgt>
+                                        </p:tgtEl>
+                                        <p:attrNameLst>
+                                          <p:attrName>style.visibility</p:attrName>
+                                        </p:attrNameLst>
+                                      </p:cBhvr>
+                                      <p:to>
+                                        <p:strVal val="visible"/>
+                                      </p:to>
+                                    </p:set>
+                                    <p:animEffect transition="in" filter="fade">
+                                      <p:cBhvr>
+                                        <p:cTn id="27" dur="500"/>
+                                        <p:tgtEl>
+                                          <p:spTgt spid="3">
+                                            <p:txEl>
+                                              <p:pRg st="9" end="9"/>
+                                            </p:txEl>
+                                          </p:spTgt>
+                                        </p:tgtEl>
+                                      </p:cBhvr>
+                                    </p:animEffect>
+                                  </p:childTnLst>
+                                </p:cTn>
+                              </p:par>
+                              <p:par>
+                                <p:cTn id="28" presetID="10" presetClass="entr" presetSubtype="0" fill="hold" nodeType="withEffect">
+                                  <p:stCondLst>
+                                    <p:cond delay="0"/>
+                                  </p:stCondLst>
+                                  <p:childTnLst>
+                                    <p:set>
+                                      <p:cBhvr>
+                                        <p:cTn id="29" dur="1" fill="hold">
+                                          <p:stCondLst>
+                                            <p:cond delay="0"/>
+                                          </p:stCondLst>
+                                        </p:cTn>
+                                        <p:tgtEl>
+                                          <p:spTgt spid="3">
+                                            <p:txEl>
+                                              <p:pRg st="10" end="10"/>
+                                            </p:txEl>
+                                          </p:spTgt>
+                                        </p:tgtEl>
+                                        <p:attrNameLst>
+                                          <p:attrName>style.visibility</p:attrName>
+                                        </p:attrNameLst>
+                                      </p:cBhvr>
+                                      <p:to>
+                                        <p:strVal val="visible"/>
+                                      </p:to>
+                                    </p:set>
+                                    <p:animEffect transition="in" filter="fade">
+                                      <p:cBhvr>
+                                        <p:cTn id="30" dur="500"/>
+                                        <p:tgtEl>
+                                          <p:spTgt spid="3">
+                                            <p:txEl>
+                                              <p:pRg st="10" end="10"/>
+                                            </p:txEl>
+                                          </p:spTgt>
+                                        </p:tgtEl>
+                                      </p:cBhvr>
+                                    </p:animEffect>
+                                  </p:childTnLst>
+                                </p:cTn>
+                              </p:par>
+                            </p:childTnLst>
+                          </p:cTn>
+                        </p:par>
+                      </p:childTnLst>
+                    </p:cTn>
+                  </p:par>
+                </p:childTnLst>
+              </p:cTn>
+              <p:prevCondLst>
+                <p:cond evt="onPrev" delay="0">
+                  <p:tgtEl>
+                    <p:sldTgt/>
+                  </p:tgtEl>
+                </p:cond>
+              </p:prevCondLst>
+              <p:nextCondLst>
+                <p:cond evt="onNext" delay="0">
+                  <p:tgtEl>
+                    <p:sldTgt/>
+                  </p:tgtEl>
+                </p:cond>
+              </p:nextCondLst>
+            </p:seq>
+          </p:childTnLst>
+        </p:cTn>
       </p:par>
     </p:tnLst>
   </p:timing>
@@ -14749,10 +18329,287 @@
   <p:clrMapOvr>
     <a:masterClrMapping/>
   </p:clrMapOvr>
+  <p:transition spd="slow">
+    <p:push/>
+  </p:transition>
   <p:timing>
     <p:tnLst>
       <p:par>
-        <p:cTn id="1" dur="indefinite" restart="never" nodeType="tmRoot"/>
+        <p:cTn id="1" dur="indefinite" restart="never" nodeType="tmRoot">
+          <p:childTnLst>
+            <p:seq concurrent="1" nextAc="seek">
+              <p:cTn id="2" dur="indefinite" nodeType="mainSeq">
+                <p:childTnLst>
+                  <p:par>
+                    <p:cTn id="3" fill="hold">
+                      <p:stCondLst>
+                        <p:cond delay="indefinite"/>
+                      </p:stCondLst>
+                      <p:childTnLst>
+                        <p:par>
+                          <p:cTn id="4" fill="hold">
+                            <p:stCondLst>
+                              <p:cond delay="0"/>
+                            </p:stCondLst>
+                            <p:childTnLst>
+                              <p:par>
+                                <p:cTn id="5" presetID="10" presetClass="entr" presetSubtype="0" fill="hold" nodeType="clickEffect">
+                                  <p:stCondLst>
+                                    <p:cond delay="0"/>
+                                  </p:stCondLst>
+                                  <p:childTnLst>
+                                    <p:set>
+                                      <p:cBhvr>
+                                        <p:cTn id="6" dur="1" fill="hold">
+                                          <p:stCondLst>
+                                            <p:cond delay="0"/>
+                                          </p:stCondLst>
+                                        </p:cTn>
+                                        <p:tgtEl>
+                                          <p:spTgt spid="3">
+                                            <p:txEl>
+                                              <p:pRg st="1" end="1"/>
+                                            </p:txEl>
+                                          </p:spTgt>
+                                        </p:tgtEl>
+                                        <p:attrNameLst>
+                                          <p:attrName>style.visibility</p:attrName>
+                                        </p:attrNameLst>
+                                      </p:cBhvr>
+                                      <p:to>
+                                        <p:strVal val="visible"/>
+                                      </p:to>
+                                    </p:set>
+                                    <p:animEffect transition="in" filter="fade">
+                                      <p:cBhvr>
+                                        <p:cTn id="7" dur="500"/>
+                                        <p:tgtEl>
+                                          <p:spTgt spid="3">
+                                            <p:txEl>
+                                              <p:pRg st="1" end="1"/>
+                                            </p:txEl>
+                                          </p:spTgt>
+                                        </p:tgtEl>
+                                      </p:cBhvr>
+                                    </p:animEffect>
+                                  </p:childTnLst>
+                                </p:cTn>
+                              </p:par>
+                              <p:par>
+                                <p:cTn id="8" presetID="10" presetClass="entr" presetSubtype="0" fill="hold" nodeType="withEffect">
+                                  <p:stCondLst>
+                                    <p:cond delay="0"/>
+                                  </p:stCondLst>
+                                  <p:childTnLst>
+                                    <p:set>
+                                      <p:cBhvr>
+                                        <p:cTn id="9" dur="1" fill="hold">
+                                          <p:stCondLst>
+                                            <p:cond delay="0"/>
+                                          </p:stCondLst>
+                                        </p:cTn>
+                                        <p:tgtEl>
+                                          <p:spTgt spid="3">
+                                            <p:txEl>
+                                              <p:pRg st="2" end="2"/>
+                                            </p:txEl>
+                                          </p:spTgt>
+                                        </p:tgtEl>
+                                        <p:attrNameLst>
+                                          <p:attrName>style.visibility</p:attrName>
+                                        </p:attrNameLst>
+                                      </p:cBhvr>
+                                      <p:to>
+                                        <p:strVal val="visible"/>
+                                      </p:to>
+                                    </p:set>
+                                    <p:animEffect transition="in" filter="fade">
+                                      <p:cBhvr>
+                                        <p:cTn id="10" dur="500"/>
+                                        <p:tgtEl>
+                                          <p:spTgt spid="3">
+                                            <p:txEl>
+                                              <p:pRg st="2" end="2"/>
+                                            </p:txEl>
+                                          </p:spTgt>
+                                        </p:tgtEl>
+                                      </p:cBhvr>
+                                    </p:animEffect>
+                                  </p:childTnLst>
+                                </p:cTn>
+                              </p:par>
+                              <p:par>
+                                <p:cTn id="11" presetID="10" presetClass="entr" presetSubtype="0" fill="hold" nodeType="withEffect">
+                                  <p:stCondLst>
+                                    <p:cond delay="0"/>
+                                  </p:stCondLst>
+                                  <p:childTnLst>
+                                    <p:set>
+                                      <p:cBhvr>
+                                        <p:cTn id="12" dur="1" fill="hold">
+                                          <p:stCondLst>
+                                            <p:cond delay="0"/>
+                                          </p:stCondLst>
+                                        </p:cTn>
+                                        <p:tgtEl>
+                                          <p:spTgt spid="3">
+                                            <p:txEl>
+                                              <p:pRg st="3" end="3"/>
+                                            </p:txEl>
+                                          </p:spTgt>
+                                        </p:tgtEl>
+                                        <p:attrNameLst>
+                                          <p:attrName>style.visibility</p:attrName>
+                                        </p:attrNameLst>
+                                      </p:cBhvr>
+                                      <p:to>
+                                        <p:strVal val="visible"/>
+                                      </p:to>
+                                    </p:set>
+                                    <p:animEffect transition="in" filter="fade">
+                                      <p:cBhvr>
+                                        <p:cTn id="13" dur="500"/>
+                                        <p:tgtEl>
+                                          <p:spTgt spid="3">
+                                            <p:txEl>
+                                              <p:pRg st="3" end="3"/>
+                                            </p:txEl>
+                                          </p:spTgt>
+                                        </p:tgtEl>
+                                      </p:cBhvr>
+                                    </p:animEffect>
+                                  </p:childTnLst>
+                                </p:cTn>
+                              </p:par>
+                              <p:par>
+                                <p:cTn id="14" presetID="10" presetClass="entr" presetSubtype="0" fill="hold" nodeType="withEffect">
+                                  <p:stCondLst>
+                                    <p:cond delay="0"/>
+                                  </p:stCondLst>
+                                  <p:childTnLst>
+                                    <p:set>
+                                      <p:cBhvr>
+                                        <p:cTn id="15" dur="1" fill="hold">
+                                          <p:stCondLst>
+                                            <p:cond delay="0"/>
+                                          </p:stCondLst>
+                                        </p:cTn>
+                                        <p:tgtEl>
+                                          <p:spTgt spid="3">
+                                            <p:txEl>
+                                              <p:pRg st="4" end="4"/>
+                                            </p:txEl>
+                                          </p:spTgt>
+                                        </p:tgtEl>
+                                        <p:attrNameLst>
+                                          <p:attrName>style.visibility</p:attrName>
+                                        </p:attrNameLst>
+                                      </p:cBhvr>
+                                      <p:to>
+                                        <p:strVal val="visible"/>
+                                      </p:to>
+                                    </p:set>
+                                    <p:animEffect transition="in" filter="fade">
+                                      <p:cBhvr>
+                                        <p:cTn id="16" dur="500"/>
+                                        <p:tgtEl>
+                                          <p:spTgt spid="3">
+                                            <p:txEl>
+                                              <p:pRg st="4" end="4"/>
+                                            </p:txEl>
+                                          </p:spTgt>
+                                        </p:tgtEl>
+                                      </p:cBhvr>
+                                    </p:animEffect>
+                                  </p:childTnLst>
+                                </p:cTn>
+                              </p:par>
+                            </p:childTnLst>
+                          </p:cTn>
+                        </p:par>
+                      </p:childTnLst>
+                    </p:cTn>
+                  </p:par>
+                  <p:par>
+                    <p:cTn id="17" fill="hold">
+                      <p:stCondLst>
+                        <p:cond delay="indefinite"/>
+                      </p:stCondLst>
+                      <p:childTnLst>
+                        <p:par>
+                          <p:cTn id="18" fill="hold">
+                            <p:stCondLst>
+                              <p:cond delay="0"/>
+                            </p:stCondLst>
+                            <p:childTnLst>
+                              <p:par>
+                                <p:cTn id="19" presetID="10" presetClass="entr" presetSubtype="0" fill="hold" nodeType="clickEffect">
+                                  <p:stCondLst>
+                                    <p:cond delay="0"/>
+                                  </p:stCondLst>
+                                  <p:childTnLst>
+                                    <p:set>
+                                      <p:cBhvr>
+                                        <p:cTn id="20" dur="1" fill="hold">
+                                          <p:stCondLst>
+                                            <p:cond delay="0"/>
+                                          </p:stCondLst>
+                                        </p:cTn>
+                                        <p:tgtEl>
+                                          <p:spTgt spid="3">
+                                            <p:txEl>
+                                              <p:pRg st="7" end="7"/>
+                                            </p:txEl>
+                                          </p:spTgt>
+                                        </p:tgtEl>
+                                        <p:attrNameLst>
+                                          <p:attrName>style.visibility</p:attrName>
+                                        </p:attrNameLst>
+                                      </p:cBhvr>
+                                      <p:to>
+                                        <p:strVal val="visible"/>
+                                      </p:to>
+                                    </p:set>
+                                    <p:animEffect transition="in" filter="fade">
+                                      <p:cBhvr>
+                                        <p:cTn id="21" dur="500"/>
+                                        <p:tgtEl>
+                                          <p:spTgt spid="3">
+                                            <p:txEl>
+                                              <p:pRg st="7" end="7"/>
+                                            </p:txEl>
+                                          </p:spTgt>
+                                        </p:tgtEl>
+                                      </p:cBhvr>
+                                    </p:animEffect>
+                                  </p:childTnLst>
+                                </p:cTn>
+                              </p:par>
+                            </p:childTnLst>
+                          </p:cTn>
+                        </p:par>
+                      </p:childTnLst>
+                    </p:cTn>
+                  </p:par>
+                </p:childTnLst>
+              </p:cTn>
+              <p:prevCondLst>
+                <p:cond evt="onPrev" delay="0">
+                  <p:tgtEl>
+                    <p:sldTgt/>
+                  </p:tgtEl>
+                </p:cond>
+              </p:prevCondLst>
+              <p:nextCondLst>
+                <p:cond evt="onNext" delay="0">
+                  <p:tgtEl>
+                    <p:sldTgt/>
+                  </p:tgtEl>
+                </p:cond>
+              </p:nextCondLst>
+            </p:seq>
+          </p:childTnLst>
+        </p:cTn>
       </p:par>
     </p:tnLst>
   </p:timing>
@@ -14789,7 +18646,7 @@
         <p:spPr/>
         <p:txBody>
           <a:bodyPr>
-            <a:normAutofit fontScale="90000"/>
+            <a:normAutofit/>
           </a:bodyPr>
           <a:lstStyle/>
           <a:p>
@@ -15315,10 +19172,287 @@
   <p:clrMapOvr>
     <a:masterClrMapping/>
   </p:clrMapOvr>
+  <p:transition spd="slow">
+    <p:push/>
+  </p:transition>
   <p:timing>
     <p:tnLst>
       <p:par>
-        <p:cTn id="1" dur="indefinite" restart="never" nodeType="tmRoot"/>
+        <p:cTn id="1" dur="indefinite" restart="never" nodeType="tmRoot">
+          <p:childTnLst>
+            <p:seq concurrent="1" nextAc="seek">
+              <p:cTn id="2" dur="indefinite" nodeType="mainSeq">
+                <p:childTnLst>
+                  <p:par>
+                    <p:cTn id="3" fill="hold">
+                      <p:stCondLst>
+                        <p:cond delay="indefinite"/>
+                      </p:stCondLst>
+                      <p:childTnLst>
+                        <p:par>
+                          <p:cTn id="4" fill="hold">
+                            <p:stCondLst>
+                              <p:cond delay="0"/>
+                            </p:stCondLst>
+                            <p:childTnLst>
+                              <p:par>
+                                <p:cTn id="5" presetID="10" presetClass="entr" presetSubtype="0" fill="hold" nodeType="clickEffect">
+                                  <p:stCondLst>
+                                    <p:cond delay="0"/>
+                                  </p:stCondLst>
+                                  <p:childTnLst>
+                                    <p:set>
+                                      <p:cBhvr>
+                                        <p:cTn id="6" dur="1" fill="hold">
+                                          <p:stCondLst>
+                                            <p:cond delay="0"/>
+                                          </p:stCondLst>
+                                        </p:cTn>
+                                        <p:tgtEl>
+                                          <p:spTgt spid="3">
+                                            <p:txEl>
+                                              <p:pRg st="0" end="0"/>
+                                            </p:txEl>
+                                          </p:spTgt>
+                                        </p:tgtEl>
+                                        <p:attrNameLst>
+                                          <p:attrName>style.visibility</p:attrName>
+                                        </p:attrNameLst>
+                                      </p:cBhvr>
+                                      <p:to>
+                                        <p:strVal val="visible"/>
+                                      </p:to>
+                                    </p:set>
+                                    <p:animEffect transition="in" filter="fade">
+                                      <p:cBhvr>
+                                        <p:cTn id="7" dur="500"/>
+                                        <p:tgtEl>
+                                          <p:spTgt spid="3">
+                                            <p:txEl>
+                                              <p:pRg st="0" end="0"/>
+                                            </p:txEl>
+                                          </p:spTgt>
+                                        </p:tgtEl>
+                                      </p:cBhvr>
+                                    </p:animEffect>
+                                  </p:childTnLst>
+                                </p:cTn>
+                              </p:par>
+                              <p:par>
+                                <p:cTn id="8" presetID="10" presetClass="entr" presetSubtype="0" fill="hold" nodeType="withEffect">
+                                  <p:stCondLst>
+                                    <p:cond delay="0"/>
+                                  </p:stCondLst>
+                                  <p:childTnLst>
+                                    <p:set>
+                                      <p:cBhvr>
+                                        <p:cTn id="9" dur="1" fill="hold">
+                                          <p:stCondLst>
+                                            <p:cond delay="0"/>
+                                          </p:stCondLst>
+                                        </p:cTn>
+                                        <p:tgtEl>
+                                          <p:spTgt spid="3">
+                                            <p:txEl>
+                                              <p:pRg st="1" end="1"/>
+                                            </p:txEl>
+                                          </p:spTgt>
+                                        </p:tgtEl>
+                                        <p:attrNameLst>
+                                          <p:attrName>style.visibility</p:attrName>
+                                        </p:attrNameLst>
+                                      </p:cBhvr>
+                                      <p:to>
+                                        <p:strVal val="visible"/>
+                                      </p:to>
+                                    </p:set>
+                                    <p:animEffect transition="in" filter="fade">
+                                      <p:cBhvr>
+                                        <p:cTn id="10" dur="500"/>
+                                        <p:tgtEl>
+                                          <p:spTgt spid="3">
+                                            <p:txEl>
+                                              <p:pRg st="1" end="1"/>
+                                            </p:txEl>
+                                          </p:spTgt>
+                                        </p:tgtEl>
+                                      </p:cBhvr>
+                                    </p:animEffect>
+                                  </p:childTnLst>
+                                </p:cTn>
+                              </p:par>
+                              <p:par>
+                                <p:cTn id="11" presetID="10" presetClass="entr" presetSubtype="0" fill="hold" nodeType="withEffect">
+                                  <p:stCondLst>
+                                    <p:cond delay="0"/>
+                                  </p:stCondLst>
+                                  <p:childTnLst>
+                                    <p:set>
+                                      <p:cBhvr>
+                                        <p:cTn id="12" dur="1" fill="hold">
+                                          <p:stCondLst>
+                                            <p:cond delay="0"/>
+                                          </p:stCondLst>
+                                        </p:cTn>
+                                        <p:tgtEl>
+                                          <p:spTgt spid="3">
+                                            <p:txEl>
+                                              <p:pRg st="2" end="2"/>
+                                            </p:txEl>
+                                          </p:spTgt>
+                                        </p:tgtEl>
+                                        <p:attrNameLst>
+                                          <p:attrName>style.visibility</p:attrName>
+                                        </p:attrNameLst>
+                                      </p:cBhvr>
+                                      <p:to>
+                                        <p:strVal val="visible"/>
+                                      </p:to>
+                                    </p:set>
+                                    <p:animEffect transition="in" filter="fade">
+                                      <p:cBhvr>
+                                        <p:cTn id="13" dur="500"/>
+                                        <p:tgtEl>
+                                          <p:spTgt spid="3">
+                                            <p:txEl>
+                                              <p:pRg st="2" end="2"/>
+                                            </p:txEl>
+                                          </p:spTgt>
+                                        </p:tgtEl>
+                                      </p:cBhvr>
+                                    </p:animEffect>
+                                  </p:childTnLst>
+                                </p:cTn>
+                              </p:par>
+                              <p:par>
+                                <p:cTn id="14" presetID="10" presetClass="entr" presetSubtype="0" fill="hold" nodeType="withEffect">
+                                  <p:stCondLst>
+                                    <p:cond delay="0"/>
+                                  </p:stCondLst>
+                                  <p:childTnLst>
+                                    <p:set>
+                                      <p:cBhvr>
+                                        <p:cTn id="15" dur="1" fill="hold">
+                                          <p:stCondLst>
+                                            <p:cond delay="0"/>
+                                          </p:stCondLst>
+                                        </p:cTn>
+                                        <p:tgtEl>
+                                          <p:spTgt spid="3">
+                                            <p:txEl>
+                                              <p:pRg st="3" end="3"/>
+                                            </p:txEl>
+                                          </p:spTgt>
+                                        </p:tgtEl>
+                                        <p:attrNameLst>
+                                          <p:attrName>style.visibility</p:attrName>
+                                        </p:attrNameLst>
+                                      </p:cBhvr>
+                                      <p:to>
+                                        <p:strVal val="visible"/>
+                                      </p:to>
+                                    </p:set>
+                                    <p:animEffect transition="in" filter="fade">
+                                      <p:cBhvr>
+                                        <p:cTn id="16" dur="500"/>
+                                        <p:tgtEl>
+                                          <p:spTgt spid="3">
+                                            <p:txEl>
+                                              <p:pRg st="3" end="3"/>
+                                            </p:txEl>
+                                          </p:spTgt>
+                                        </p:tgtEl>
+                                      </p:cBhvr>
+                                    </p:animEffect>
+                                  </p:childTnLst>
+                                </p:cTn>
+                              </p:par>
+                            </p:childTnLst>
+                          </p:cTn>
+                        </p:par>
+                      </p:childTnLst>
+                    </p:cTn>
+                  </p:par>
+                  <p:par>
+                    <p:cTn id="17" fill="hold">
+                      <p:stCondLst>
+                        <p:cond delay="indefinite"/>
+                      </p:stCondLst>
+                      <p:childTnLst>
+                        <p:par>
+                          <p:cTn id="18" fill="hold">
+                            <p:stCondLst>
+                              <p:cond delay="0"/>
+                            </p:stCondLst>
+                            <p:childTnLst>
+                              <p:par>
+                                <p:cTn id="19" presetID="10" presetClass="entr" presetSubtype="0" fill="hold" nodeType="clickEffect">
+                                  <p:stCondLst>
+                                    <p:cond delay="0"/>
+                                  </p:stCondLst>
+                                  <p:childTnLst>
+                                    <p:set>
+                                      <p:cBhvr>
+                                        <p:cTn id="20" dur="1" fill="hold">
+                                          <p:stCondLst>
+                                            <p:cond delay="0"/>
+                                          </p:stCondLst>
+                                        </p:cTn>
+                                        <p:tgtEl>
+                                          <p:spTgt spid="3">
+                                            <p:txEl>
+                                              <p:pRg st="8" end="8"/>
+                                            </p:txEl>
+                                          </p:spTgt>
+                                        </p:tgtEl>
+                                        <p:attrNameLst>
+                                          <p:attrName>style.visibility</p:attrName>
+                                        </p:attrNameLst>
+                                      </p:cBhvr>
+                                      <p:to>
+                                        <p:strVal val="visible"/>
+                                      </p:to>
+                                    </p:set>
+                                    <p:animEffect transition="in" filter="fade">
+                                      <p:cBhvr>
+                                        <p:cTn id="21" dur="500"/>
+                                        <p:tgtEl>
+                                          <p:spTgt spid="3">
+                                            <p:txEl>
+                                              <p:pRg st="8" end="8"/>
+                                            </p:txEl>
+                                          </p:spTgt>
+                                        </p:tgtEl>
+                                      </p:cBhvr>
+                                    </p:animEffect>
+                                  </p:childTnLst>
+                                </p:cTn>
+                              </p:par>
+                            </p:childTnLst>
+                          </p:cTn>
+                        </p:par>
+                      </p:childTnLst>
+                    </p:cTn>
+                  </p:par>
+                </p:childTnLst>
+              </p:cTn>
+              <p:prevCondLst>
+                <p:cond evt="onPrev" delay="0">
+                  <p:tgtEl>
+                    <p:sldTgt/>
+                  </p:tgtEl>
+                </p:cond>
+              </p:prevCondLst>
+              <p:nextCondLst>
+                <p:cond evt="onNext" delay="0">
+                  <p:tgtEl>
+                    <p:sldTgt/>
+                  </p:tgtEl>
+                </p:cond>
+              </p:nextCondLst>
+            </p:seq>
+          </p:childTnLst>
+        </p:cTn>
       </p:par>
     </p:tnLst>
   </p:timing>
@@ -15369,11 +19503,19 @@
             </a:r>
             <a:r>
               <a:rPr lang="de-DE" dirty="0" smtClean="0"/>
-              <a:t> - </a:t>
+              <a:t> </a:t>
+            </a:r>
+            <a:r>
+              <a:rPr lang="de-DE" dirty="0" smtClean="0"/>
+              <a:t>– </a:t>
             </a:r>
             <a:r>
               <a:rPr lang="de-DE" dirty="0" err="1" smtClean="0"/>
               <a:t>Fragmentshader</a:t>
+            </a:r>
+            <a:r>
+              <a:rPr lang="de-DE" dirty="0" smtClean="0"/>
+              <a:t> (Header)</a:t>
             </a:r>
             <a:endParaRPr lang="de-DE" dirty="0"/>
           </a:p>
@@ -15397,7 +19539,7 @@
         </p:spPr>
         <p:txBody>
           <a:bodyPr>
-            <a:normAutofit fontScale="70000" lnSpcReduction="20000"/>
+            <a:noAutofit/>
           </a:bodyPr>
           <a:lstStyle/>
           <a:p>
@@ -15644,7 +19786,7 @@
               <a:t>shadowMap</a:t>
             </a:r>
             <a:r>
-              <a:rPr lang="de-DE" dirty="0">
+              <a:rPr lang="de-DE" dirty="0" smtClean="0">
                 <a:solidFill>
                   <a:srgbClr val="000000"/>
                 </a:solidFill>
@@ -15655,1039 +19797,6 @@
               </a:rPr>
               <a:t>;</a:t>
             </a:r>
-          </a:p>
-          <a:p>
-            <a:r>
-              <a:rPr lang="de-DE" dirty="0" err="1">
-                <a:solidFill>
-                  <a:srgbClr val="008000"/>
-                </a:solidFill>
-                <a:highlight>
-                  <a:srgbClr val="FFFFFF"/>
-                </a:highlight>
-                <a:latin typeface="Consolas" panose="020B0609020204030204" pitchFamily="49" charset="0"/>
-              </a:rPr>
-              <a:t>void</a:t>
-            </a:r>
-            <a:r>
-              <a:rPr lang="de-DE" dirty="0">
-                <a:solidFill>
-                  <a:srgbClr val="000000"/>
-                </a:solidFill>
-                <a:highlight>
-                  <a:srgbClr val="FFFFFF"/>
-                </a:highlight>
-                <a:latin typeface="Consolas" panose="020B0609020204030204" pitchFamily="49" charset="0"/>
-              </a:rPr>
-              <a:t> </a:t>
-            </a:r>
-            <a:r>
-              <a:rPr lang="de-DE" dirty="0" err="1">
-                <a:solidFill>
-                  <a:srgbClr val="000000"/>
-                </a:solidFill>
-                <a:highlight>
-                  <a:srgbClr val="FFFFFF"/>
-                </a:highlight>
-                <a:latin typeface="Consolas" panose="020B0609020204030204" pitchFamily="49" charset="0"/>
-              </a:rPr>
-              <a:t>main</a:t>
-            </a:r>
-            <a:r>
-              <a:rPr lang="de-DE" dirty="0">
-                <a:solidFill>
-                  <a:srgbClr val="000000"/>
-                </a:solidFill>
-                <a:highlight>
-                  <a:srgbClr val="FFFFFF"/>
-                </a:highlight>
-                <a:latin typeface="Consolas" panose="020B0609020204030204" pitchFamily="49" charset="0"/>
-              </a:rPr>
-              <a:t>()</a:t>
-            </a:r>
-          </a:p>
-          <a:p>
-            <a:r>
-              <a:rPr lang="de-DE" dirty="0">
-                <a:solidFill>
-                  <a:srgbClr val="000000"/>
-                </a:solidFill>
-                <a:highlight>
-                  <a:srgbClr val="FFFFFF"/>
-                </a:highlight>
-                <a:latin typeface="Consolas" panose="020B0609020204030204" pitchFamily="49" charset="0"/>
-              </a:rPr>
-              <a:t>{</a:t>
-            </a:r>
-          </a:p>
-          <a:p>
-            <a:pPr marL="0" indent="0">
-              <a:buNone/>
-            </a:pPr>
-            <a:r>
-              <a:rPr lang="de-DE" dirty="0">
-                <a:solidFill>
-                  <a:srgbClr val="000000"/>
-                </a:solidFill>
-                <a:highlight>
-                  <a:srgbClr val="FFFFFF"/>
-                </a:highlight>
-                <a:latin typeface="Consolas" panose="020B0609020204030204" pitchFamily="49" charset="0"/>
-              </a:rPr>
-              <a:t>	</a:t>
-            </a:r>
-            <a:r>
-              <a:rPr lang="de-DE" dirty="0" err="1" smtClean="0">
-                <a:solidFill>
-                  <a:srgbClr val="008000"/>
-                </a:solidFill>
-                <a:highlight>
-                  <a:srgbClr val="FFFFFF"/>
-                </a:highlight>
-                <a:latin typeface="Consolas" panose="020B0609020204030204" pitchFamily="49" charset="0"/>
-              </a:rPr>
-              <a:t>float</a:t>
-            </a:r>
-            <a:r>
-              <a:rPr lang="de-DE" dirty="0" smtClean="0">
-                <a:solidFill>
-                  <a:srgbClr val="000000"/>
-                </a:solidFill>
-                <a:highlight>
-                  <a:srgbClr val="FFFFFF"/>
-                </a:highlight>
-                <a:latin typeface="Consolas" panose="020B0609020204030204" pitchFamily="49" charset="0"/>
-              </a:rPr>
-              <a:t> </a:t>
-            </a:r>
-            <a:r>
-              <a:rPr lang="de-DE" dirty="0" err="1">
-                <a:solidFill>
-                  <a:srgbClr val="000000"/>
-                </a:solidFill>
-                <a:highlight>
-                  <a:srgbClr val="FFFFFF"/>
-                </a:highlight>
-                <a:latin typeface="Consolas" panose="020B0609020204030204" pitchFamily="49" charset="0"/>
-              </a:rPr>
-              <a:t>storedDistance</a:t>
-            </a:r>
-            <a:r>
-              <a:rPr lang="de-DE" dirty="0">
-                <a:solidFill>
-                  <a:srgbClr val="000000"/>
-                </a:solidFill>
-                <a:highlight>
-                  <a:srgbClr val="FFFFFF"/>
-                </a:highlight>
-                <a:latin typeface="Consolas" panose="020B0609020204030204" pitchFamily="49" charset="0"/>
-              </a:rPr>
-              <a:t> = </a:t>
-            </a:r>
-            <a:r>
-              <a:rPr lang="de-DE" dirty="0" err="1">
-                <a:solidFill>
-                  <a:srgbClr val="000000"/>
-                </a:solidFill>
-                <a:highlight>
-                  <a:srgbClr val="FFFFFF"/>
-                </a:highlight>
-                <a:latin typeface="Consolas" panose="020B0609020204030204" pitchFamily="49" charset="0"/>
-              </a:rPr>
-              <a:t>texture</a:t>
-            </a:r>
-            <a:r>
-              <a:rPr lang="de-DE" dirty="0">
-                <a:solidFill>
-                  <a:srgbClr val="000000"/>
-                </a:solidFill>
-                <a:highlight>
-                  <a:srgbClr val="FFFFFF"/>
-                </a:highlight>
-                <a:latin typeface="Consolas" panose="020B0609020204030204" pitchFamily="49" charset="0"/>
-              </a:rPr>
-              <a:t>(</a:t>
-            </a:r>
-            <a:r>
-              <a:rPr lang="de-DE" dirty="0" err="1">
-                <a:solidFill>
-                  <a:srgbClr val="000000"/>
-                </a:solidFill>
-                <a:highlight>
-                  <a:srgbClr val="FFFFFF"/>
-                </a:highlight>
-                <a:latin typeface="Consolas" panose="020B0609020204030204" pitchFamily="49" charset="0"/>
-              </a:rPr>
-              <a:t>shadowMap</a:t>
-            </a:r>
-            <a:r>
-              <a:rPr lang="de-DE" dirty="0">
-                <a:solidFill>
-                  <a:srgbClr val="000000"/>
-                </a:solidFill>
-                <a:highlight>
-                  <a:srgbClr val="FFFFFF"/>
-                </a:highlight>
-                <a:latin typeface="Consolas" panose="020B0609020204030204" pitchFamily="49" charset="0"/>
-              </a:rPr>
-              <a:t>, </a:t>
-            </a:r>
-            <a:r>
-              <a:rPr lang="de-DE" dirty="0" err="1">
-                <a:solidFill>
-                  <a:srgbClr val="000000"/>
-                </a:solidFill>
-                <a:highlight>
-                  <a:srgbClr val="FFFFFF"/>
-                </a:highlight>
-                <a:latin typeface="Consolas" panose="020B0609020204030204" pitchFamily="49" charset="0"/>
-              </a:rPr>
-              <a:t>posInLightSpace.xy</a:t>
-            </a:r>
-            <a:r>
-              <a:rPr lang="de-DE" dirty="0">
-                <a:solidFill>
-                  <a:srgbClr val="000000"/>
-                </a:solidFill>
-                <a:highlight>
-                  <a:srgbClr val="FFFFFF"/>
-                </a:highlight>
-                <a:latin typeface="Consolas" panose="020B0609020204030204" pitchFamily="49" charset="0"/>
-              </a:rPr>
-              <a:t> / </a:t>
-            </a:r>
-            <a:r>
-              <a:rPr lang="de-DE" dirty="0" err="1">
-                <a:solidFill>
-                  <a:srgbClr val="000000"/>
-                </a:solidFill>
-                <a:highlight>
-                  <a:srgbClr val="FFFFFF"/>
-                </a:highlight>
-                <a:latin typeface="Consolas" panose="020B0609020204030204" pitchFamily="49" charset="0"/>
-              </a:rPr>
-              <a:t>posInLightSpace.w</a:t>
-            </a:r>
-            <a:r>
-              <a:rPr lang="de-DE" dirty="0">
-                <a:solidFill>
-                  <a:srgbClr val="000000"/>
-                </a:solidFill>
-                <a:highlight>
-                  <a:srgbClr val="FFFFFF"/>
-                </a:highlight>
-                <a:latin typeface="Consolas" panose="020B0609020204030204" pitchFamily="49" charset="0"/>
-              </a:rPr>
-              <a:t> / </a:t>
-            </a:r>
-            <a:r>
-              <a:rPr lang="de-DE" dirty="0">
-                <a:solidFill>
-                  <a:srgbClr val="00FFFF"/>
-                </a:solidFill>
-                <a:highlight>
-                  <a:srgbClr val="FFFFFF"/>
-                </a:highlight>
-                <a:latin typeface="Consolas" panose="020B0609020204030204" pitchFamily="49" charset="0"/>
-              </a:rPr>
-              <a:t>2.0</a:t>
-            </a:r>
-            <a:r>
-              <a:rPr lang="de-DE" dirty="0">
-                <a:solidFill>
-                  <a:srgbClr val="000000"/>
-                </a:solidFill>
-                <a:highlight>
-                  <a:srgbClr val="FFFFFF"/>
-                </a:highlight>
-                <a:latin typeface="Consolas" panose="020B0609020204030204" pitchFamily="49" charset="0"/>
-              </a:rPr>
-              <a:t> + </a:t>
-            </a:r>
-            <a:r>
-              <a:rPr lang="de-DE" dirty="0">
-                <a:solidFill>
-                  <a:srgbClr val="00FFFF"/>
-                </a:solidFill>
-                <a:highlight>
-                  <a:srgbClr val="FFFFFF"/>
-                </a:highlight>
-                <a:latin typeface="Consolas" panose="020B0609020204030204" pitchFamily="49" charset="0"/>
-              </a:rPr>
-              <a:t>0.5</a:t>
-            </a:r>
-            <a:r>
-              <a:rPr lang="de-DE" dirty="0">
-                <a:solidFill>
-                  <a:srgbClr val="000000"/>
-                </a:solidFill>
-                <a:highlight>
-                  <a:srgbClr val="FFFFFF"/>
-                </a:highlight>
-                <a:latin typeface="Consolas" panose="020B0609020204030204" pitchFamily="49" charset="0"/>
-              </a:rPr>
-              <a:t>).x;</a:t>
-            </a:r>
-          </a:p>
-          <a:p>
-            <a:pPr marL="0" indent="0">
-              <a:buNone/>
-            </a:pPr>
-            <a:r>
-              <a:rPr lang="de-DE" dirty="0" smtClean="0">
-                <a:solidFill>
-                  <a:srgbClr val="008000"/>
-                </a:solidFill>
-                <a:highlight>
-                  <a:srgbClr val="FFFFFF"/>
-                </a:highlight>
-                <a:latin typeface="Consolas" panose="020B0609020204030204" pitchFamily="49" charset="0"/>
-              </a:rPr>
-              <a:t>	</a:t>
-            </a:r>
-            <a:r>
-              <a:rPr lang="de-DE" dirty="0" err="1" smtClean="0">
-                <a:solidFill>
-                  <a:srgbClr val="008000"/>
-                </a:solidFill>
-                <a:highlight>
-                  <a:srgbClr val="FFFFFF"/>
-                </a:highlight>
-                <a:latin typeface="Consolas" panose="020B0609020204030204" pitchFamily="49" charset="0"/>
-              </a:rPr>
-              <a:t>float</a:t>
-            </a:r>
-            <a:r>
-              <a:rPr lang="de-DE" dirty="0" smtClean="0">
-                <a:solidFill>
-                  <a:srgbClr val="000000"/>
-                </a:solidFill>
-                <a:highlight>
-                  <a:srgbClr val="FFFFFF"/>
-                </a:highlight>
-                <a:latin typeface="Consolas" panose="020B0609020204030204" pitchFamily="49" charset="0"/>
-              </a:rPr>
-              <a:t> </a:t>
-            </a:r>
-            <a:r>
-              <a:rPr lang="de-DE" dirty="0" err="1">
-                <a:solidFill>
-                  <a:srgbClr val="000000"/>
-                </a:solidFill>
-                <a:highlight>
-                  <a:srgbClr val="FFFFFF"/>
-                </a:highlight>
-                <a:latin typeface="Consolas" panose="020B0609020204030204" pitchFamily="49" charset="0"/>
-              </a:rPr>
-              <a:t>realDistance</a:t>
-            </a:r>
-            <a:r>
-              <a:rPr lang="de-DE" dirty="0">
-                <a:solidFill>
-                  <a:srgbClr val="000000"/>
-                </a:solidFill>
-                <a:highlight>
-                  <a:srgbClr val="FFFFFF"/>
-                </a:highlight>
-                <a:latin typeface="Consolas" panose="020B0609020204030204" pitchFamily="49" charset="0"/>
-              </a:rPr>
-              <a:t> = </a:t>
-            </a:r>
-            <a:r>
-              <a:rPr lang="de-DE" dirty="0" err="1">
-                <a:solidFill>
-                  <a:srgbClr val="000000"/>
-                </a:solidFill>
-                <a:highlight>
-                  <a:srgbClr val="FFFFFF"/>
-                </a:highlight>
-                <a:latin typeface="Consolas" panose="020B0609020204030204" pitchFamily="49" charset="0"/>
-              </a:rPr>
-              <a:t>posInLightSpace.z</a:t>
-            </a:r>
-            <a:r>
-              <a:rPr lang="de-DE" dirty="0">
-                <a:solidFill>
-                  <a:srgbClr val="000000"/>
-                </a:solidFill>
-                <a:highlight>
-                  <a:srgbClr val="FFFFFF"/>
-                </a:highlight>
-                <a:latin typeface="Consolas" panose="020B0609020204030204" pitchFamily="49" charset="0"/>
-              </a:rPr>
-              <a:t> / </a:t>
-            </a:r>
-            <a:r>
-              <a:rPr lang="de-DE" dirty="0">
-                <a:solidFill>
-                  <a:srgbClr val="00FFFF"/>
-                </a:solidFill>
-                <a:highlight>
-                  <a:srgbClr val="FFFFFF"/>
-                </a:highlight>
-                <a:latin typeface="Consolas" panose="020B0609020204030204" pitchFamily="49" charset="0"/>
-              </a:rPr>
-              <a:t>50</a:t>
-            </a:r>
-            <a:r>
-              <a:rPr lang="de-DE" dirty="0">
-                <a:solidFill>
-                  <a:srgbClr val="000000"/>
-                </a:solidFill>
-                <a:highlight>
-                  <a:srgbClr val="FFFFFF"/>
-                </a:highlight>
-                <a:latin typeface="Consolas" panose="020B0609020204030204" pitchFamily="49" charset="0"/>
-              </a:rPr>
-              <a:t>;</a:t>
-            </a:r>
-          </a:p>
-          <a:p>
-            <a:pPr marL="0" indent="0">
-              <a:buNone/>
-            </a:pPr>
-            <a:r>
-              <a:rPr lang="de-DE" dirty="0" smtClean="0">
-                <a:solidFill>
-                  <a:srgbClr val="008000"/>
-                </a:solidFill>
-                <a:highlight>
-                  <a:srgbClr val="FFFFFF"/>
-                </a:highlight>
-                <a:latin typeface="Consolas" panose="020B0609020204030204" pitchFamily="49" charset="0"/>
-              </a:rPr>
-              <a:t>	</a:t>
-            </a:r>
-            <a:r>
-              <a:rPr lang="de-DE" dirty="0" err="1" smtClean="0">
-                <a:solidFill>
-                  <a:srgbClr val="008000"/>
-                </a:solidFill>
-                <a:highlight>
-                  <a:srgbClr val="FFFFFF"/>
-                </a:highlight>
-                <a:latin typeface="Consolas" panose="020B0609020204030204" pitchFamily="49" charset="0"/>
-              </a:rPr>
-              <a:t>float</a:t>
-            </a:r>
-            <a:r>
-              <a:rPr lang="de-DE" dirty="0" smtClean="0">
-                <a:solidFill>
-                  <a:srgbClr val="000000"/>
-                </a:solidFill>
-                <a:highlight>
-                  <a:srgbClr val="FFFFFF"/>
-                </a:highlight>
-                <a:latin typeface="Consolas" panose="020B0609020204030204" pitchFamily="49" charset="0"/>
-              </a:rPr>
-              <a:t> </a:t>
-            </a:r>
-            <a:r>
-              <a:rPr lang="de-DE" dirty="0" err="1">
-                <a:solidFill>
-                  <a:srgbClr val="000000"/>
-                </a:solidFill>
-                <a:highlight>
-                  <a:srgbClr val="FFFFFF"/>
-                </a:highlight>
-                <a:latin typeface="Consolas" panose="020B0609020204030204" pitchFamily="49" charset="0"/>
-              </a:rPr>
-              <a:t>visibility</a:t>
-            </a:r>
-            <a:r>
-              <a:rPr lang="de-DE" dirty="0">
-                <a:solidFill>
-                  <a:srgbClr val="000000"/>
-                </a:solidFill>
-                <a:highlight>
-                  <a:srgbClr val="FFFFFF"/>
-                </a:highlight>
-                <a:latin typeface="Consolas" panose="020B0609020204030204" pitchFamily="49" charset="0"/>
-              </a:rPr>
-              <a:t> = </a:t>
-            </a:r>
-            <a:r>
-              <a:rPr lang="de-DE" dirty="0">
-                <a:solidFill>
-                  <a:srgbClr val="00FFFF"/>
-                </a:solidFill>
-                <a:highlight>
-                  <a:srgbClr val="FFFFFF"/>
-                </a:highlight>
-                <a:latin typeface="Consolas" panose="020B0609020204030204" pitchFamily="49" charset="0"/>
-              </a:rPr>
-              <a:t>1.0</a:t>
-            </a:r>
-            <a:r>
-              <a:rPr lang="de-DE" dirty="0">
-                <a:solidFill>
-                  <a:srgbClr val="000000"/>
-                </a:solidFill>
-                <a:highlight>
-                  <a:srgbClr val="FFFFFF"/>
-                </a:highlight>
-                <a:latin typeface="Consolas" panose="020B0609020204030204" pitchFamily="49" charset="0"/>
-              </a:rPr>
-              <a:t>;</a:t>
-            </a:r>
-          </a:p>
-          <a:p>
-            <a:pPr marL="0" indent="0">
-              <a:buNone/>
-            </a:pPr>
-            <a:r>
-              <a:rPr lang="de-DE" dirty="0" smtClean="0">
-                <a:solidFill>
-                  <a:srgbClr val="008000"/>
-                </a:solidFill>
-                <a:highlight>
-                  <a:srgbClr val="FFFFFF"/>
-                </a:highlight>
-                <a:latin typeface="Consolas" panose="020B0609020204030204" pitchFamily="49" charset="0"/>
-              </a:rPr>
-              <a:t>	</a:t>
-            </a:r>
-            <a:r>
-              <a:rPr lang="de-DE" dirty="0" err="1" smtClean="0">
-                <a:solidFill>
-                  <a:srgbClr val="008000"/>
-                </a:solidFill>
-                <a:highlight>
-                  <a:srgbClr val="FFFFFF"/>
-                </a:highlight>
-                <a:latin typeface="Consolas" panose="020B0609020204030204" pitchFamily="49" charset="0"/>
-              </a:rPr>
-              <a:t>float</a:t>
-            </a:r>
-            <a:r>
-              <a:rPr lang="de-DE" dirty="0" smtClean="0">
-                <a:solidFill>
-                  <a:srgbClr val="000000"/>
-                </a:solidFill>
-                <a:highlight>
-                  <a:srgbClr val="FFFFFF"/>
-                </a:highlight>
-                <a:latin typeface="Consolas" panose="020B0609020204030204" pitchFamily="49" charset="0"/>
-              </a:rPr>
-              <a:t> </a:t>
-            </a:r>
-            <a:r>
-              <a:rPr lang="de-DE" dirty="0" err="1">
-                <a:solidFill>
-                  <a:srgbClr val="000000"/>
-                </a:solidFill>
-                <a:highlight>
-                  <a:srgbClr val="FFFFFF"/>
-                </a:highlight>
-                <a:latin typeface="Consolas" panose="020B0609020204030204" pitchFamily="49" charset="0"/>
-              </a:rPr>
-              <a:t>bias</a:t>
-            </a:r>
-            <a:r>
-              <a:rPr lang="de-DE" dirty="0">
-                <a:solidFill>
-                  <a:srgbClr val="000000"/>
-                </a:solidFill>
-                <a:highlight>
-                  <a:srgbClr val="FFFFFF"/>
-                </a:highlight>
-                <a:latin typeface="Consolas" panose="020B0609020204030204" pitchFamily="49" charset="0"/>
-              </a:rPr>
-              <a:t> = </a:t>
-            </a:r>
-            <a:r>
-              <a:rPr lang="de-DE" dirty="0">
-                <a:solidFill>
-                  <a:srgbClr val="00FFFF"/>
-                </a:solidFill>
-                <a:highlight>
-                  <a:srgbClr val="FFFFFF"/>
-                </a:highlight>
-                <a:latin typeface="Consolas" panose="020B0609020204030204" pitchFamily="49" charset="0"/>
-              </a:rPr>
-              <a:t>0.005</a:t>
-            </a:r>
-            <a:r>
-              <a:rPr lang="de-DE" dirty="0">
-                <a:solidFill>
-                  <a:srgbClr val="000000"/>
-                </a:solidFill>
-                <a:highlight>
-                  <a:srgbClr val="FFFFFF"/>
-                </a:highlight>
-                <a:latin typeface="Consolas" panose="020B0609020204030204" pitchFamily="49" charset="0"/>
-              </a:rPr>
-              <a:t>;</a:t>
-            </a:r>
-          </a:p>
-          <a:p>
-            <a:pPr marL="0" indent="0">
-              <a:buNone/>
-            </a:pPr>
-            <a:r>
-              <a:rPr lang="de-DE" dirty="0" smtClean="0">
-                <a:solidFill>
-                  <a:srgbClr val="1E90FF"/>
-                </a:solidFill>
-                <a:highlight>
-                  <a:srgbClr val="FFFFFF"/>
-                </a:highlight>
-                <a:latin typeface="Consolas" panose="020B0609020204030204" pitchFamily="49" charset="0"/>
-              </a:rPr>
-              <a:t>	</a:t>
-            </a:r>
-            <a:r>
-              <a:rPr lang="de-DE" dirty="0" err="1" smtClean="0">
-                <a:solidFill>
-                  <a:srgbClr val="1E90FF"/>
-                </a:solidFill>
-                <a:highlight>
-                  <a:srgbClr val="FFFFFF"/>
-                </a:highlight>
-                <a:latin typeface="Consolas" panose="020B0609020204030204" pitchFamily="49" charset="0"/>
-              </a:rPr>
-              <a:t>if</a:t>
-            </a:r>
-            <a:r>
-              <a:rPr lang="de-DE" dirty="0" smtClean="0">
-                <a:solidFill>
-                  <a:srgbClr val="000000"/>
-                </a:solidFill>
-                <a:highlight>
-                  <a:srgbClr val="FFFFFF"/>
-                </a:highlight>
-                <a:latin typeface="Consolas" panose="020B0609020204030204" pitchFamily="49" charset="0"/>
-              </a:rPr>
-              <a:t> </a:t>
-            </a:r>
-            <a:r>
-              <a:rPr lang="de-DE" dirty="0">
-                <a:solidFill>
-                  <a:srgbClr val="000000"/>
-                </a:solidFill>
-                <a:highlight>
-                  <a:srgbClr val="FFFFFF"/>
-                </a:highlight>
-                <a:latin typeface="Consolas" panose="020B0609020204030204" pitchFamily="49" charset="0"/>
-              </a:rPr>
-              <a:t>(</a:t>
-            </a:r>
-            <a:r>
-              <a:rPr lang="de-DE" dirty="0" err="1">
-                <a:solidFill>
-                  <a:srgbClr val="000000"/>
-                </a:solidFill>
-                <a:highlight>
-                  <a:srgbClr val="FFFFFF"/>
-                </a:highlight>
-                <a:latin typeface="Consolas" panose="020B0609020204030204" pitchFamily="49" charset="0"/>
-              </a:rPr>
-              <a:t>storedDistance</a:t>
-            </a:r>
-            <a:r>
-              <a:rPr lang="de-DE" dirty="0">
-                <a:solidFill>
-                  <a:srgbClr val="000000"/>
-                </a:solidFill>
-                <a:highlight>
-                  <a:srgbClr val="FFFFFF"/>
-                </a:highlight>
-                <a:latin typeface="Consolas" panose="020B0609020204030204" pitchFamily="49" charset="0"/>
-              </a:rPr>
-              <a:t> &lt; </a:t>
-            </a:r>
-            <a:r>
-              <a:rPr lang="de-DE" dirty="0" err="1">
-                <a:solidFill>
-                  <a:srgbClr val="000000"/>
-                </a:solidFill>
-                <a:highlight>
-                  <a:srgbClr val="FFFFFF"/>
-                </a:highlight>
-                <a:latin typeface="Consolas" panose="020B0609020204030204" pitchFamily="49" charset="0"/>
-              </a:rPr>
-              <a:t>realDistance</a:t>
-            </a:r>
-            <a:r>
-              <a:rPr lang="de-DE" dirty="0">
-                <a:solidFill>
-                  <a:srgbClr val="000000"/>
-                </a:solidFill>
-                <a:highlight>
-                  <a:srgbClr val="FFFFFF"/>
-                </a:highlight>
-                <a:latin typeface="Consolas" panose="020B0609020204030204" pitchFamily="49" charset="0"/>
-              </a:rPr>
-              <a:t> - </a:t>
-            </a:r>
-            <a:r>
-              <a:rPr lang="de-DE" dirty="0" err="1">
-                <a:solidFill>
-                  <a:srgbClr val="000000"/>
-                </a:solidFill>
-                <a:highlight>
-                  <a:srgbClr val="FFFFFF"/>
-                </a:highlight>
-                <a:latin typeface="Consolas" panose="020B0609020204030204" pitchFamily="49" charset="0"/>
-              </a:rPr>
-              <a:t>bias</a:t>
-            </a:r>
-            <a:r>
-              <a:rPr lang="de-DE" dirty="0">
-                <a:solidFill>
-                  <a:srgbClr val="000000"/>
-                </a:solidFill>
-                <a:highlight>
-                  <a:srgbClr val="FFFFFF"/>
-                </a:highlight>
-                <a:latin typeface="Consolas" panose="020B0609020204030204" pitchFamily="49" charset="0"/>
-              </a:rPr>
-              <a:t>)</a:t>
-            </a:r>
-          </a:p>
-          <a:p>
-            <a:pPr marL="0" indent="0">
-              <a:buNone/>
-            </a:pPr>
-            <a:r>
-              <a:rPr lang="de-DE" dirty="0" smtClean="0">
-                <a:solidFill>
-                  <a:srgbClr val="000000"/>
-                </a:solidFill>
-                <a:highlight>
-                  <a:srgbClr val="FFFFFF"/>
-                </a:highlight>
-                <a:latin typeface="Consolas" panose="020B0609020204030204" pitchFamily="49" charset="0"/>
-              </a:rPr>
-              <a:t>		</a:t>
-            </a:r>
-            <a:r>
-              <a:rPr lang="de-DE" dirty="0" err="1" smtClean="0">
-                <a:solidFill>
-                  <a:srgbClr val="000000"/>
-                </a:solidFill>
-                <a:highlight>
-                  <a:srgbClr val="FFFFFF"/>
-                </a:highlight>
-                <a:latin typeface="Consolas" panose="020B0609020204030204" pitchFamily="49" charset="0"/>
-              </a:rPr>
-              <a:t>visibility</a:t>
-            </a:r>
-            <a:r>
-              <a:rPr lang="de-DE" dirty="0" smtClean="0">
-                <a:solidFill>
-                  <a:srgbClr val="000000"/>
-                </a:solidFill>
-                <a:highlight>
-                  <a:srgbClr val="FFFFFF"/>
-                </a:highlight>
-                <a:latin typeface="Consolas" panose="020B0609020204030204" pitchFamily="49" charset="0"/>
-              </a:rPr>
-              <a:t> </a:t>
-            </a:r>
-            <a:r>
-              <a:rPr lang="de-DE" dirty="0">
-                <a:solidFill>
-                  <a:srgbClr val="000000"/>
-                </a:solidFill>
-                <a:highlight>
-                  <a:srgbClr val="FFFFFF"/>
-                </a:highlight>
-                <a:latin typeface="Consolas" panose="020B0609020204030204" pitchFamily="49" charset="0"/>
-              </a:rPr>
-              <a:t>= </a:t>
-            </a:r>
-            <a:r>
-              <a:rPr lang="de-DE" dirty="0">
-                <a:solidFill>
-                  <a:srgbClr val="00FFFF"/>
-                </a:solidFill>
-                <a:highlight>
-                  <a:srgbClr val="FFFFFF"/>
-                </a:highlight>
-                <a:latin typeface="Consolas" panose="020B0609020204030204" pitchFamily="49" charset="0"/>
-              </a:rPr>
-              <a:t>0.4</a:t>
-            </a:r>
-            <a:r>
-              <a:rPr lang="de-DE" dirty="0" smtClean="0">
-                <a:solidFill>
-                  <a:srgbClr val="000000"/>
-                </a:solidFill>
-                <a:highlight>
-                  <a:srgbClr val="FFFFFF"/>
-                </a:highlight>
-                <a:latin typeface="Consolas" panose="020B0609020204030204" pitchFamily="49" charset="0"/>
-              </a:rPr>
-              <a:t>;</a:t>
-            </a:r>
-          </a:p>
-          <a:p>
-            <a:r>
-              <a:rPr lang="de-DE" dirty="0" smtClean="0">
-                <a:solidFill>
-                  <a:srgbClr val="008000"/>
-                </a:solidFill>
-                <a:highlight>
-                  <a:srgbClr val="FFFFFF"/>
-                </a:highlight>
-                <a:latin typeface="Consolas" panose="020B0609020204030204" pitchFamily="49" charset="0"/>
-              </a:rPr>
-              <a:t>	vec4</a:t>
-            </a:r>
-            <a:r>
-              <a:rPr lang="de-DE" dirty="0" smtClean="0">
-                <a:solidFill>
-                  <a:srgbClr val="000000"/>
-                </a:solidFill>
-                <a:highlight>
-                  <a:srgbClr val="FFFFFF"/>
-                </a:highlight>
-                <a:latin typeface="Consolas" panose="020B0609020204030204" pitchFamily="49" charset="0"/>
-              </a:rPr>
-              <a:t> </a:t>
-            </a:r>
-            <a:r>
-              <a:rPr lang="de-DE" dirty="0" err="1" smtClean="0">
-                <a:solidFill>
-                  <a:srgbClr val="000000"/>
-                </a:solidFill>
-                <a:highlight>
-                  <a:srgbClr val="FFFFFF"/>
-                </a:highlight>
-                <a:latin typeface="Consolas" panose="020B0609020204030204" pitchFamily="49" charset="0"/>
-              </a:rPr>
-              <a:t>ambient</a:t>
-            </a:r>
-            <a:r>
-              <a:rPr lang="de-DE" dirty="0" smtClean="0">
-                <a:solidFill>
-                  <a:srgbClr val="000000"/>
-                </a:solidFill>
-                <a:highlight>
-                  <a:srgbClr val="FFFFFF"/>
-                </a:highlight>
-                <a:latin typeface="Consolas" panose="020B0609020204030204" pitchFamily="49" charset="0"/>
-              </a:rPr>
-              <a:t> = </a:t>
-            </a:r>
-            <a:r>
-              <a:rPr lang="de-DE" dirty="0" err="1" smtClean="0">
-                <a:solidFill>
-                  <a:srgbClr val="000000"/>
-                </a:solidFill>
-                <a:highlight>
-                  <a:srgbClr val="FFFFFF"/>
-                </a:highlight>
-                <a:latin typeface="Consolas" panose="020B0609020204030204" pitchFamily="49" charset="0"/>
-              </a:rPr>
-              <a:t>texture</a:t>
-            </a:r>
-            <a:r>
-              <a:rPr lang="de-DE" dirty="0" smtClean="0">
-                <a:solidFill>
-                  <a:srgbClr val="000000"/>
-                </a:solidFill>
-                <a:highlight>
-                  <a:srgbClr val="FFFFFF"/>
-                </a:highlight>
-                <a:latin typeface="Consolas" panose="020B0609020204030204" pitchFamily="49" charset="0"/>
-              </a:rPr>
-              <a:t>(tex0, </a:t>
-            </a:r>
-            <a:r>
-              <a:rPr lang="de-DE" dirty="0" err="1" smtClean="0">
-                <a:solidFill>
-                  <a:srgbClr val="000000"/>
-                </a:solidFill>
-                <a:highlight>
-                  <a:srgbClr val="FFFFFF"/>
-                </a:highlight>
-                <a:latin typeface="Consolas" panose="020B0609020204030204" pitchFamily="49" charset="0"/>
-              </a:rPr>
-              <a:t>TexCoord.xy</a:t>
-            </a:r>
-            <a:r>
-              <a:rPr lang="de-DE" dirty="0" smtClean="0">
-                <a:solidFill>
-                  <a:srgbClr val="000000"/>
-                </a:solidFill>
-                <a:highlight>
-                  <a:srgbClr val="FFFFFF"/>
-                </a:highlight>
-                <a:latin typeface="Consolas" panose="020B0609020204030204" pitchFamily="49" charset="0"/>
-              </a:rPr>
-              <a:t>) * </a:t>
-            </a:r>
-            <a:r>
-              <a:rPr lang="de-DE" dirty="0" smtClean="0">
-                <a:solidFill>
-                  <a:srgbClr val="00FFFF"/>
-                </a:solidFill>
-                <a:highlight>
-                  <a:srgbClr val="FFFFFF"/>
-                </a:highlight>
-                <a:latin typeface="Consolas" panose="020B0609020204030204" pitchFamily="49" charset="0"/>
-              </a:rPr>
-              <a:t>0.15</a:t>
-            </a:r>
-            <a:r>
-              <a:rPr lang="de-DE" dirty="0" smtClean="0">
-                <a:solidFill>
-                  <a:srgbClr val="000000"/>
-                </a:solidFill>
-                <a:highlight>
-                  <a:srgbClr val="FFFFFF"/>
-                </a:highlight>
-                <a:latin typeface="Consolas" panose="020B0609020204030204" pitchFamily="49" charset="0"/>
-              </a:rPr>
-              <a:t>;</a:t>
-            </a:r>
-          </a:p>
-          <a:p>
-            <a:pPr marL="0" indent="0">
-              <a:buNone/>
-            </a:pPr>
-            <a:r>
-              <a:rPr lang="de-DE" dirty="0">
-                <a:solidFill>
-                  <a:srgbClr val="0000CD"/>
-                </a:solidFill>
-                <a:highlight>
-                  <a:srgbClr val="FFFFFF"/>
-                </a:highlight>
-                <a:latin typeface="Consolas" panose="020B0609020204030204" pitchFamily="49" charset="0"/>
-              </a:rPr>
-              <a:t>	</a:t>
-            </a:r>
-            <a:r>
-              <a:rPr lang="de-DE" dirty="0" err="1">
-                <a:solidFill>
-                  <a:srgbClr val="000000"/>
-                </a:solidFill>
-                <a:highlight>
-                  <a:srgbClr val="FFFFFF"/>
-                </a:highlight>
-                <a:latin typeface="Consolas" panose="020B0609020204030204" pitchFamily="49" charset="0"/>
-              </a:rPr>
-              <a:t>Out_Color</a:t>
-            </a:r>
-            <a:r>
-              <a:rPr lang="de-DE" dirty="0">
-                <a:solidFill>
-                  <a:srgbClr val="000000"/>
-                </a:solidFill>
-                <a:highlight>
-                  <a:srgbClr val="FFFFFF"/>
-                </a:highlight>
-                <a:latin typeface="Consolas" panose="020B0609020204030204" pitchFamily="49" charset="0"/>
-              </a:rPr>
-              <a:t> = </a:t>
-            </a:r>
-            <a:r>
-              <a:rPr lang="de-DE" dirty="0" err="1">
-                <a:solidFill>
-                  <a:srgbClr val="800000"/>
-                </a:solidFill>
-                <a:highlight>
-                  <a:srgbClr val="FFFFFF"/>
-                </a:highlight>
-                <a:latin typeface="Consolas" panose="020B0609020204030204" pitchFamily="49" charset="0"/>
-              </a:rPr>
-              <a:t>max</a:t>
-            </a:r>
-            <a:r>
-              <a:rPr lang="de-DE" dirty="0" smtClean="0">
-                <a:solidFill>
-                  <a:srgbClr val="000000"/>
-                </a:solidFill>
-                <a:highlight>
-                  <a:srgbClr val="FFFFFF"/>
-                </a:highlight>
-                <a:latin typeface="Consolas" panose="020B0609020204030204" pitchFamily="49" charset="0"/>
-              </a:rPr>
-              <a:t>(</a:t>
-            </a:r>
-            <a:r>
-              <a:rPr lang="de-DE" dirty="0" smtClean="0">
-                <a:solidFill>
-                  <a:schemeClr val="tx1"/>
-                </a:solidFill>
-                <a:highlight>
-                  <a:srgbClr val="FFFFFF"/>
-                </a:highlight>
-                <a:latin typeface="Consolas" panose="020B0609020204030204" pitchFamily="49" charset="0"/>
-              </a:rPr>
-              <a:t>(...) * </a:t>
-            </a:r>
-            <a:r>
-              <a:rPr lang="de-DE" dirty="0" err="1" smtClean="0">
-                <a:solidFill>
-                  <a:srgbClr val="000000"/>
-                </a:solidFill>
-                <a:highlight>
-                  <a:srgbClr val="FFFFFF"/>
-                </a:highlight>
-                <a:latin typeface="Consolas" panose="020B0609020204030204" pitchFamily="49" charset="0"/>
-              </a:rPr>
-              <a:t>visibility</a:t>
-            </a:r>
-            <a:r>
-              <a:rPr lang="de-DE" dirty="0" smtClean="0">
-                <a:solidFill>
-                  <a:srgbClr val="000000"/>
-                </a:solidFill>
-                <a:highlight>
-                  <a:srgbClr val="FFFFFF"/>
-                </a:highlight>
-                <a:latin typeface="Consolas" panose="020B0609020204030204" pitchFamily="49" charset="0"/>
-              </a:rPr>
-              <a:t>, </a:t>
-            </a:r>
-            <a:r>
-              <a:rPr lang="de-DE" dirty="0" err="1">
-                <a:solidFill>
-                  <a:srgbClr val="000000"/>
-                </a:solidFill>
-                <a:highlight>
-                  <a:srgbClr val="FFFFFF"/>
-                </a:highlight>
-                <a:latin typeface="Consolas" panose="020B0609020204030204" pitchFamily="49" charset="0"/>
-              </a:rPr>
-              <a:t>ambient</a:t>
-            </a:r>
-            <a:r>
-              <a:rPr lang="de-DE" dirty="0">
-                <a:solidFill>
-                  <a:srgbClr val="000000"/>
-                </a:solidFill>
-                <a:highlight>
-                  <a:srgbClr val="FFFFFF"/>
-                </a:highlight>
-                <a:latin typeface="Consolas" panose="020B0609020204030204" pitchFamily="49" charset="0"/>
-              </a:rPr>
-              <a:t>);</a:t>
-            </a:r>
-          </a:p>
-          <a:p>
-            <a:pPr marL="0" indent="0">
-              <a:buNone/>
-            </a:pPr>
-            <a:r>
-              <a:rPr lang="de-DE" dirty="0">
-                <a:solidFill>
-                  <a:srgbClr val="000000"/>
-                </a:solidFill>
-                <a:highlight>
-                  <a:srgbClr val="FFFFFF"/>
-                </a:highlight>
-                <a:latin typeface="Consolas" panose="020B0609020204030204" pitchFamily="49" charset="0"/>
-              </a:rPr>
-              <a:t> }</a:t>
-            </a:r>
-            <a:endParaRPr lang="de-DE" dirty="0"/>
-          </a:p>
-          <a:p>
             <a:endParaRPr lang="de-DE" dirty="0"/>
           </a:p>
         </p:txBody>
@@ -16702,10 +19811,1600 @@
   <p:clrMapOvr>
     <a:masterClrMapping/>
   </p:clrMapOvr>
+  <p:transition spd="slow">
+    <p:push/>
+  </p:transition>
   <p:timing>
     <p:tnLst>
       <p:par>
-        <p:cTn id="1" dur="indefinite" restart="never" nodeType="tmRoot"/>
+        <p:cTn id="1" dur="indefinite" restart="never" nodeType="tmRoot">
+          <p:childTnLst>
+            <p:seq concurrent="1" nextAc="seek">
+              <p:cTn id="2" dur="indefinite" nodeType="mainSeq">
+                <p:childTnLst>
+                  <p:par>
+                    <p:cTn id="3" fill="hold">
+                      <p:stCondLst>
+                        <p:cond delay="indefinite"/>
+                      </p:stCondLst>
+                      <p:childTnLst>
+                        <p:par>
+                          <p:cTn id="4" fill="hold">
+                            <p:stCondLst>
+                              <p:cond delay="0"/>
+                            </p:stCondLst>
+                            <p:childTnLst>
+                              <p:par>
+                                <p:cTn id="5" presetID="10" presetClass="entr" presetSubtype="0" fill="hold" nodeType="clickEffect">
+                                  <p:stCondLst>
+                                    <p:cond delay="0"/>
+                                  </p:stCondLst>
+                                  <p:childTnLst>
+                                    <p:set>
+                                      <p:cBhvr>
+                                        <p:cTn id="6" dur="1" fill="hold">
+                                          <p:stCondLst>
+                                            <p:cond delay="0"/>
+                                          </p:stCondLst>
+                                        </p:cTn>
+                                        <p:tgtEl>
+                                          <p:spTgt spid="3">
+                                            <p:txEl>
+                                              <p:pRg st="1" end="1"/>
+                                            </p:txEl>
+                                          </p:spTgt>
+                                        </p:tgtEl>
+                                        <p:attrNameLst>
+                                          <p:attrName>style.visibility</p:attrName>
+                                        </p:attrNameLst>
+                                      </p:cBhvr>
+                                      <p:to>
+                                        <p:strVal val="visible"/>
+                                      </p:to>
+                                    </p:set>
+                                    <p:animEffect transition="in" filter="fade">
+                                      <p:cBhvr>
+                                        <p:cTn id="7" dur="500"/>
+                                        <p:tgtEl>
+                                          <p:spTgt spid="3">
+                                            <p:txEl>
+                                              <p:pRg st="1" end="1"/>
+                                            </p:txEl>
+                                          </p:spTgt>
+                                        </p:tgtEl>
+                                      </p:cBhvr>
+                                    </p:animEffect>
+                                  </p:childTnLst>
+                                </p:cTn>
+                              </p:par>
+                              <p:par>
+                                <p:cTn id="8" presetID="10" presetClass="entr" presetSubtype="0" fill="hold" nodeType="withEffect">
+                                  <p:stCondLst>
+                                    <p:cond delay="0"/>
+                                  </p:stCondLst>
+                                  <p:childTnLst>
+                                    <p:set>
+                                      <p:cBhvr>
+                                        <p:cTn id="9" dur="1" fill="hold">
+                                          <p:stCondLst>
+                                            <p:cond delay="0"/>
+                                          </p:stCondLst>
+                                        </p:cTn>
+                                        <p:tgtEl>
+                                          <p:spTgt spid="3">
+                                            <p:txEl>
+                                              <p:pRg st="2" end="2"/>
+                                            </p:txEl>
+                                          </p:spTgt>
+                                        </p:tgtEl>
+                                        <p:attrNameLst>
+                                          <p:attrName>style.visibility</p:attrName>
+                                        </p:attrNameLst>
+                                      </p:cBhvr>
+                                      <p:to>
+                                        <p:strVal val="visible"/>
+                                      </p:to>
+                                    </p:set>
+                                    <p:animEffect transition="in" filter="fade">
+                                      <p:cBhvr>
+                                        <p:cTn id="10" dur="500"/>
+                                        <p:tgtEl>
+                                          <p:spTgt spid="3">
+                                            <p:txEl>
+                                              <p:pRg st="2" end="2"/>
+                                            </p:txEl>
+                                          </p:spTgt>
+                                        </p:tgtEl>
+                                      </p:cBhvr>
+                                    </p:animEffect>
+                                  </p:childTnLst>
+                                </p:cTn>
+                              </p:par>
+                              <p:par>
+                                <p:cTn id="11" presetID="10" presetClass="entr" presetSubtype="0" fill="hold" nodeType="withEffect">
+                                  <p:stCondLst>
+                                    <p:cond delay="0"/>
+                                  </p:stCondLst>
+                                  <p:childTnLst>
+                                    <p:set>
+                                      <p:cBhvr>
+                                        <p:cTn id="12" dur="1" fill="hold">
+                                          <p:stCondLst>
+                                            <p:cond delay="0"/>
+                                          </p:stCondLst>
+                                        </p:cTn>
+                                        <p:tgtEl>
+                                          <p:spTgt spid="3">
+                                            <p:txEl>
+                                              <p:pRg st="3" end="3"/>
+                                            </p:txEl>
+                                          </p:spTgt>
+                                        </p:tgtEl>
+                                        <p:attrNameLst>
+                                          <p:attrName>style.visibility</p:attrName>
+                                        </p:attrNameLst>
+                                      </p:cBhvr>
+                                      <p:to>
+                                        <p:strVal val="visible"/>
+                                      </p:to>
+                                    </p:set>
+                                    <p:animEffect transition="in" filter="fade">
+                                      <p:cBhvr>
+                                        <p:cTn id="13" dur="500"/>
+                                        <p:tgtEl>
+                                          <p:spTgt spid="3">
+                                            <p:txEl>
+                                              <p:pRg st="3" end="3"/>
+                                            </p:txEl>
+                                          </p:spTgt>
+                                        </p:tgtEl>
+                                      </p:cBhvr>
+                                    </p:animEffect>
+                                  </p:childTnLst>
+                                </p:cTn>
+                              </p:par>
+                              <p:par>
+                                <p:cTn id="14" presetID="10" presetClass="entr" presetSubtype="0" fill="hold" nodeType="withEffect">
+                                  <p:stCondLst>
+                                    <p:cond delay="0"/>
+                                  </p:stCondLst>
+                                  <p:childTnLst>
+                                    <p:set>
+                                      <p:cBhvr>
+                                        <p:cTn id="15" dur="1" fill="hold">
+                                          <p:stCondLst>
+                                            <p:cond delay="0"/>
+                                          </p:stCondLst>
+                                        </p:cTn>
+                                        <p:tgtEl>
+                                          <p:spTgt spid="3">
+                                            <p:txEl>
+                                              <p:pRg st="4" end="4"/>
+                                            </p:txEl>
+                                          </p:spTgt>
+                                        </p:tgtEl>
+                                        <p:attrNameLst>
+                                          <p:attrName>style.visibility</p:attrName>
+                                        </p:attrNameLst>
+                                      </p:cBhvr>
+                                      <p:to>
+                                        <p:strVal val="visible"/>
+                                      </p:to>
+                                    </p:set>
+                                    <p:animEffect transition="in" filter="fade">
+                                      <p:cBhvr>
+                                        <p:cTn id="16" dur="500"/>
+                                        <p:tgtEl>
+                                          <p:spTgt spid="3">
+                                            <p:txEl>
+                                              <p:pRg st="4" end="4"/>
+                                            </p:txEl>
+                                          </p:spTgt>
+                                        </p:tgtEl>
+                                      </p:cBhvr>
+                                    </p:animEffect>
+                                  </p:childTnLst>
+                                </p:cTn>
+                              </p:par>
+                            </p:childTnLst>
+                          </p:cTn>
+                        </p:par>
+                      </p:childTnLst>
+                    </p:cTn>
+                  </p:par>
+                </p:childTnLst>
+              </p:cTn>
+              <p:prevCondLst>
+                <p:cond evt="onPrev" delay="0">
+                  <p:tgtEl>
+                    <p:sldTgt/>
+                  </p:tgtEl>
+                </p:cond>
+              </p:prevCondLst>
+              <p:nextCondLst>
+                <p:cond evt="onNext" delay="0">
+                  <p:tgtEl>
+                    <p:sldTgt/>
+                  </p:tgtEl>
+                </p:cond>
+              </p:nextCondLst>
+            </p:seq>
+          </p:childTnLst>
+        </p:cTn>
+      </p:par>
+    </p:tnLst>
+  </p:timing>
+</p:sld>
+</file>
+
+<file path=ppt/slides/slide26.xml><?xml version="1.0" encoding="utf-8"?>
+<p:sld xmlns:a="http://schemas.openxmlformats.org/drawingml/2006/main" xmlns:r="http://schemas.openxmlformats.org/officeDocument/2006/relationships" xmlns:p="http://schemas.openxmlformats.org/presentationml/2006/main">
+  <p:cSld>
+    <p:spTree>
+      <p:nvGrpSpPr>
+        <p:cNvPr id="1" name=""/>
+        <p:cNvGrpSpPr/>
+        <p:nvPr/>
+      </p:nvGrpSpPr>
+      <p:grpSpPr>
+        <a:xfrm>
+          <a:off x="0" y="0"/>
+          <a:ext cx="0" cy="0"/>
+          <a:chOff x="0" y="0"/>
+          <a:chExt cx="0" cy="0"/>
+        </a:xfrm>
+      </p:grpSpPr>
+      <p:sp>
+        <p:nvSpPr>
+          <p:cNvPr id="2" name="Titel 1"/>
+          <p:cNvSpPr>
+            <a:spLocks noGrp="1"/>
+          </p:cNvSpPr>
+          <p:nvPr>
+            <p:ph type="title"/>
+          </p:nvPr>
+        </p:nvSpPr>
+        <p:spPr/>
+        <p:txBody>
+          <a:bodyPr>
+            <a:normAutofit fontScale="90000"/>
+          </a:bodyPr>
+          <a:lstStyle/>
+          <a:p>
+            <a:r>
+              <a:rPr lang="de-DE" dirty="0" smtClean="0"/>
+              <a:t>Shadow </a:t>
+            </a:r>
+            <a:r>
+              <a:rPr lang="de-DE" dirty="0" err="1" smtClean="0"/>
+              <a:t>mapping</a:t>
+            </a:r>
+            <a:r>
+              <a:rPr lang="de-DE" dirty="0" smtClean="0"/>
+              <a:t> </a:t>
+            </a:r>
+            <a:r>
+              <a:rPr lang="de-DE" dirty="0" smtClean="0"/>
+              <a:t>– </a:t>
+            </a:r>
+            <a:r>
+              <a:rPr lang="de-DE" dirty="0" err="1" smtClean="0"/>
+              <a:t>Fragmentshader</a:t>
+            </a:r>
+            <a:r>
+              <a:rPr lang="de-DE" dirty="0" smtClean="0"/>
+              <a:t> (Body)</a:t>
+            </a:r>
+            <a:endParaRPr lang="de-DE" dirty="0"/>
+          </a:p>
+        </p:txBody>
+      </p:sp>
+      <p:sp>
+        <p:nvSpPr>
+          <p:cNvPr id="3" name="Inhaltsplatzhalter 2"/>
+          <p:cNvSpPr>
+            <a:spLocks noGrp="1"/>
+          </p:cNvSpPr>
+          <p:nvPr>
+            <p:ph idx="1"/>
+          </p:nvPr>
+        </p:nvSpPr>
+        <p:spPr>
+          <a:xfrm>
+            <a:off x="374904" y="1353312"/>
+            <a:ext cx="12015216" cy="5357690"/>
+          </a:xfrm>
+        </p:spPr>
+        <p:txBody>
+          <a:bodyPr>
+            <a:noAutofit/>
+          </a:bodyPr>
+          <a:lstStyle/>
+          <a:p>
+            <a:r>
+              <a:rPr lang="de-DE" sz="1600" dirty="0" err="1" smtClean="0">
+                <a:solidFill>
+                  <a:srgbClr val="008000"/>
+                </a:solidFill>
+                <a:highlight>
+                  <a:srgbClr val="FFFFFF"/>
+                </a:highlight>
+                <a:latin typeface="Consolas" panose="020B0609020204030204" pitchFamily="49" charset="0"/>
+              </a:rPr>
+              <a:t>void</a:t>
+            </a:r>
+            <a:r>
+              <a:rPr lang="de-DE" sz="1600" dirty="0" smtClean="0">
+                <a:solidFill>
+                  <a:srgbClr val="000000"/>
+                </a:solidFill>
+                <a:highlight>
+                  <a:srgbClr val="FFFFFF"/>
+                </a:highlight>
+                <a:latin typeface="Consolas" panose="020B0609020204030204" pitchFamily="49" charset="0"/>
+              </a:rPr>
+              <a:t> </a:t>
+            </a:r>
+            <a:r>
+              <a:rPr lang="de-DE" sz="1600" dirty="0" err="1">
+                <a:solidFill>
+                  <a:srgbClr val="000000"/>
+                </a:solidFill>
+                <a:highlight>
+                  <a:srgbClr val="FFFFFF"/>
+                </a:highlight>
+                <a:latin typeface="Consolas" panose="020B0609020204030204" pitchFamily="49" charset="0"/>
+              </a:rPr>
+              <a:t>main</a:t>
+            </a:r>
+            <a:r>
+              <a:rPr lang="de-DE" sz="1600" dirty="0">
+                <a:solidFill>
+                  <a:srgbClr val="000000"/>
+                </a:solidFill>
+                <a:highlight>
+                  <a:srgbClr val="FFFFFF"/>
+                </a:highlight>
+                <a:latin typeface="Consolas" panose="020B0609020204030204" pitchFamily="49" charset="0"/>
+              </a:rPr>
+              <a:t>()</a:t>
+            </a:r>
+          </a:p>
+          <a:p>
+            <a:r>
+              <a:rPr lang="de-DE" sz="1600" dirty="0">
+                <a:solidFill>
+                  <a:srgbClr val="000000"/>
+                </a:solidFill>
+                <a:highlight>
+                  <a:srgbClr val="FFFFFF"/>
+                </a:highlight>
+                <a:latin typeface="Consolas" panose="020B0609020204030204" pitchFamily="49" charset="0"/>
+              </a:rPr>
+              <a:t>{</a:t>
+            </a:r>
+          </a:p>
+          <a:p>
+            <a:pPr marL="0" indent="0">
+              <a:buNone/>
+            </a:pPr>
+            <a:r>
+              <a:rPr lang="de-DE" sz="1600" dirty="0">
+                <a:solidFill>
+                  <a:srgbClr val="000000"/>
+                </a:solidFill>
+                <a:highlight>
+                  <a:srgbClr val="FFFFFF"/>
+                </a:highlight>
+                <a:latin typeface="Consolas" panose="020B0609020204030204" pitchFamily="49" charset="0"/>
+              </a:rPr>
+              <a:t>	</a:t>
+            </a:r>
+            <a:r>
+              <a:rPr lang="de-DE" sz="1600" dirty="0" err="1" smtClean="0">
+                <a:solidFill>
+                  <a:srgbClr val="008000"/>
+                </a:solidFill>
+                <a:highlight>
+                  <a:srgbClr val="FFFFFF"/>
+                </a:highlight>
+                <a:latin typeface="Consolas" panose="020B0609020204030204" pitchFamily="49" charset="0"/>
+              </a:rPr>
+              <a:t>float</a:t>
+            </a:r>
+            <a:r>
+              <a:rPr lang="de-DE" sz="1600" dirty="0" smtClean="0">
+                <a:solidFill>
+                  <a:srgbClr val="000000"/>
+                </a:solidFill>
+                <a:highlight>
+                  <a:srgbClr val="FFFFFF"/>
+                </a:highlight>
+                <a:latin typeface="Consolas" panose="020B0609020204030204" pitchFamily="49" charset="0"/>
+              </a:rPr>
+              <a:t> </a:t>
+            </a:r>
+            <a:r>
+              <a:rPr lang="de-DE" sz="1600" dirty="0" err="1">
+                <a:solidFill>
+                  <a:srgbClr val="000000"/>
+                </a:solidFill>
+                <a:highlight>
+                  <a:srgbClr val="FFFFFF"/>
+                </a:highlight>
+                <a:latin typeface="Consolas" panose="020B0609020204030204" pitchFamily="49" charset="0"/>
+              </a:rPr>
+              <a:t>storedDistance</a:t>
+            </a:r>
+            <a:r>
+              <a:rPr lang="de-DE" sz="1600" dirty="0">
+                <a:solidFill>
+                  <a:srgbClr val="000000"/>
+                </a:solidFill>
+                <a:highlight>
+                  <a:srgbClr val="FFFFFF"/>
+                </a:highlight>
+                <a:latin typeface="Consolas" panose="020B0609020204030204" pitchFamily="49" charset="0"/>
+              </a:rPr>
+              <a:t> = </a:t>
+            </a:r>
+            <a:r>
+              <a:rPr lang="de-DE" sz="1600" dirty="0" err="1">
+                <a:solidFill>
+                  <a:srgbClr val="000000"/>
+                </a:solidFill>
+                <a:highlight>
+                  <a:srgbClr val="FFFFFF"/>
+                </a:highlight>
+                <a:latin typeface="Consolas" panose="020B0609020204030204" pitchFamily="49" charset="0"/>
+              </a:rPr>
+              <a:t>texture</a:t>
+            </a:r>
+            <a:r>
+              <a:rPr lang="de-DE" sz="1600" dirty="0">
+                <a:solidFill>
+                  <a:srgbClr val="000000"/>
+                </a:solidFill>
+                <a:highlight>
+                  <a:srgbClr val="FFFFFF"/>
+                </a:highlight>
+                <a:latin typeface="Consolas" panose="020B0609020204030204" pitchFamily="49" charset="0"/>
+              </a:rPr>
+              <a:t>(</a:t>
+            </a:r>
+            <a:r>
+              <a:rPr lang="de-DE" sz="1600" dirty="0" err="1">
+                <a:solidFill>
+                  <a:srgbClr val="000000"/>
+                </a:solidFill>
+                <a:highlight>
+                  <a:srgbClr val="FFFFFF"/>
+                </a:highlight>
+                <a:latin typeface="Consolas" panose="020B0609020204030204" pitchFamily="49" charset="0"/>
+              </a:rPr>
+              <a:t>shadowMap</a:t>
+            </a:r>
+            <a:r>
+              <a:rPr lang="de-DE" sz="1600" dirty="0">
+                <a:solidFill>
+                  <a:srgbClr val="000000"/>
+                </a:solidFill>
+                <a:highlight>
+                  <a:srgbClr val="FFFFFF"/>
+                </a:highlight>
+                <a:latin typeface="Consolas" panose="020B0609020204030204" pitchFamily="49" charset="0"/>
+              </a:rPr>
+              <a:t>, </a:t>
+            </a:r>
+            <a:r>
+              <a:rPr lang="de-DE" sz="1600" dirty="0" err="1">
+                <a:solidFill>
+                  <a:srgbClr val="000000"/>
+                </a:solidFill>
+                <a:highlight>
+                  <a:srgbClr val="FFFFFF"/>
+                </a:highlight>
+                <a:latin typeface="Consolas" panose="020B0609020204030204" pitchFamily="49" charset="0"/>
+              </a:rPr>
+              <a:t>posInLightSpace.xy</a:t>
+            </a:r>
+            <a:r>
+              <a:rPr lang="de-DE" sz="1600" dirty="0">
+                <a:solidFill>
+                  <a:srgbClr val="000000"/>
+                </a:solidFill>
+                <a:highlight>
+                  <a:srgbClr val="FFFFFF"/>
+                </a:highlight>
+                <a:latin typeface="Consolas" panose="020B0609020204030204" pitchFamily="49" charset="0"/>
+              </a:rPr>
+              <a:t> / </a:t>
+            </a:r>
+            <a:r>
+              <a:rPr lang="de-DE" sz="1600" dirty="0" err="1">
+                <a:solidFill>
+                  <a:srgbClr val="000000"/>
+                </a:solidFill>
+                <a:highlight>
+                  <a:srgbClr val="FFFFFF"/>
+                </a:highlight>
+                <a:latin typeface="Consolas" panose="020B0609020204030204" pitchFamily="49" charset="0"/>
+              </a:rPr>
+              <a:t>posInLightSpace.w</a:t>
+            </a:r>
+            <a:r>
+              <a:rPr lang="de-DE" sz="1600" dirty="0">
+                <a:solidFill>
+                  <a:srgbClr val="000000"/>
+                </a:solidFill>
+                <a:highlight>
+                  <a:srgbClr val="FFFFFF"/>
+                </a:highlight>
+                <a:latin typeface="Consolas" panose="020B0609020204030204" pitchFamily="49" charset="0"/>
+              </a:rPr>
+              <a:t> / </a:t>
+            </a:r>
+            <a:r>
+              <a:rPr lang="de-DE" sz="1600" dirty="0">
+                <a:solidFill>
+                  <a:srgbClr val="00FFFF"/>
+                </a:solidFill>
+                <a:highlight>
+                  <a:srgbClr val="FFFFFF"/>
+                </a:highlight>
+                <a:latin typeface="Consolas" panose="020B0609020204030204" pitchFamily="49" charset="0"/>
+              </a:rPr>
+              <a:t>2.0</a:t>
+            </a:r>
+            <a:r>
+              <a:rPr lang="de-DE" sz="1600" dirty="0">
+                <a:solidFill>
+                  <a:srgbClr val="000000"/>
+                </a:solidFill>
+                <a:highlight>
+                  <a:srgbClr val="FFFFFF"/>
+                </a:highlight>
+                <a:latin typeface="Consolas" panose="020B0609020204030204" pitchFamily="49" charset="0"/>
+              </a:rPr>
+              <a:t> + </a:t>
+            </a:r>
+            <a:r>
+              <a:rPr lang="de-DE" sz="1600" dirty="0">
+                <a:solidFill>
+                  <a:srgbClr val="00FFFF"/>
+                </a:solidFill>
+                <a:highlight>
+                  <a:srgbClr val="FFFFFF"/>
+                </a:highlight>
+                <a:latin typeface="Consolas" panose="020B0609020204030204" pitchFamily="49" charset="0"/>
+              </a:rPr>
+              <a:t>0.5</a:t>
+            </a:r>
+            <a:r>
+              <a:rPr lang="de-DE" sz="1600" dirty="0">
+                <a:solidFill>
+                  <a:srgbClr val="000000"/>
+                </a:solidFill>
+                <a:highlight>
+                  <a:srgbClr val="FFFFFF"/>
+                </a:highlight>
+                <a:latin typeface="Consolas" panose="020B0609020204030204" pitchFamily="49" charset="0"/>
+              </a:rPr>
+              <a:t>).x;</a:t>
+            </a:r>
+          </a:p>
+          <a:p>
+            <a:pPr marL="0" indent="0">
+              <a:buNone/>
+            </a:pPr>
+            <a:r>
+              <a:rPr lang="de-DE" sz="1600" dirty="0" smtClean="0">
+                <a:solidFill>
+                  <a:srgbClr val="008000"/>
+                </a:solidFill>
+                <a:highlight>
+                  <a:srgbClr val="FFFFFF"/>
+                </a:highlight>
+                <a:latin typeface="Consolas" panose="020B0609020204030204" pitchFamily="49" charset="0"/>
+              </a:rPr>
+              <a:t>	</a:t>
+            </a:r>
+            <a:r>
+              <a:rPr lang="de-DE" sz="1600" dirty="0" err="1" smtClean="0">
+                <a:solidFill>
+                  <a:srgbClr val="008000"/>
+                </a:solidFill>
+                <a:highlight>
+                  <a:srgbClr val="FFFFFF"/>
+                </a:highlight>
+                <a:latin typeface="Consolas" panose="020B0609020204030204" pitchFamily="49" charset="0"/>
+              </a:rPr>
+              <a:t>float</a:t>
+            </a:r>
+            <a:r>
+              <a:rPr lang="de-DE" sz="1600" dirty="0" smtClean="0">
+                <a:solidFill>
+                  <a:srgbClr val="000000"/>
+                </a:solidFill>
+                <a:highlight>
+                  <a:srgbClr val="FFFFFF"/>
+                </a:highlight>
+                <a:latin typeface="Consolas" panose="020B0609020204030204" pitchFamily="49" charset="0"/>
+              </a:rPr>
+              <a:t> </a:t>
+            </a:r>
+            <a:r>
+              <a:rPr lang="de-DE" sz="1600" dirty="0" err="1">
+                <a:solidFill>
+                  <a:srgbClr val="000000"/>
+                </a:solidFill>
+                <a:highlight>
+                  <a:srgbClr val="FFFFFF"/>
+                </a:highlight>
+                <a:latin typeface="Consolas" panose="020B0609020204030204" pitchFamily="49" charset="0"/>
+              </a:rPr>
+              <a:t>realDistance</a:t>
+            </a:r>
+            <a:r>
+              <a:rPr lang="de-DE" sz="1600" dirty="0">
+                <a:solidFill>
+                  <a:srgbClr val="000000"/>
+                </a:solidFill>
+                <a:highlight>
+                  <a:srgbClr val="FFFFFF"/>
+                </a:highlight>
+                <a:latin typeface="Consolas" panose="020B0609020204030204" pitchFamily="49" charset="0"/>
+              </a:rPr>
+              <a:t> = </a:t>
+            </a:r>
+            <a:r>
+              <a:rPr lang="de-DE" sz="1600" dirty="0" err="1">
+                <a:solidFill>
+                  <a:srgbClr val="000000"/>
+                </a:solidFill>
+                <a:highlight>
+                  <a:srgbClr val="FFFFFF"/>
+                </a:highlight>
+                <a:latin typeface="Consolas" panose="020B0609020204030204" pitchFamily="49" charset="0"/>
+              </a:rPr>
+              <a:t>posInLightSpace.z</a:t>
+            </a:r>
+            <a:r>
+              <a:rPr lang="de-DE" sz="1600" dirty="0">
+                <a:solidFill>
+                  <a:srgbClr val="000000"/>
+                </a:solidFill>
+                <a:highlight>
+                  <a:srgbClr val="FFFFFF"/>
+                </a:highlight>
+                <a:latin typeface="Consolas" panose="020B0609020204030204" pitchFamily="49" charset="0"/>
+              </a:rPr>
+              <a:t> / </a:t>
+            </a:r>
+            <a:r>
+              <a:rPr lang="de-DE" sz="1600" dirty="0">
+                <a:solidFill>
+                  <a:srgbClr val="00FFFF"/>
+                </a:solidFill>
+                <a:highlight>
+                  <a:srgbClr val="FFFFFF"/>
+                </a:highlight>
+                <a:latin typeface="Consolas" panose="020B0609020204030204" pitchFamily="49" charset="0"/>
+              </a:rPr>
+              <a:t>50</a:t>
+            </a:r>
+            <a:r>
+              <a:rPr lang="de-DE" sz="1600" dirty="0">
+                <a:solidFill>
+                  <a:srgbClr val="000000"/>
+                </a:solidFill>
+                <a:highlight>
+                  <a:srgbClr val="FFFFFF"/>
+                </a:highlight>
+                <a:latin typeface="Consolas" panose="020B0609020204030204" pitchFamily="49" charset="0"/>
+              </a:rPr>
+              <a:t>;</a:t>
+            </a:r>
+          </a:p>
+          <a:p>
+            <a:pPr marL="0" indent="0">
+              <a:buNone/>
+            </a:pPr>
+            <a:r>
+              <a:rPr lang="de-DE" sz="1600" dirty="0" smtClean="0">
+                <a:solidFill>
+                  <a:srgbClr val="008000"/>
+                </a:solidFill>
+                <a:highlight>
+                  <a:srgbClr val="FFFFFF"/>
+                </a:highlight>
+                <a:latin typeface="Consolas" panose="020B0609020204030204" pitchFamily="49" charset="0"/>
+              </a:rPr>
+              <a:t>	</a:t>
+            </a:r>
+            <a:r>
+              <a:rPr lang="de-DE" sz="1600" dirty="0" err="1" smtClean="0">
+                <a:solidFill>
+                  <a:srgbClr val="008000"/>
+                </a:solidFill>
+                <a:highlight>
+                  <a:srgbClr val="FFFFFF"/>
+                </a:highlight>
+                <a:latin typeface="Consolas" panose="020B0609020204030204" pitchFamily="49" charset="0"/>
+              </a:rPr>
+              <a:t>float</a:t>
+            </a:r>
+            <a:r>
+              <a:rPr lang="de-DE" sz="1600" dirty="0" smtClean="0">
+                <a:solidFill>
+                  <a:srgbClr val="000000"/>
+                </a:solidFill>
+                <a:highlight>
+                  <a:srgbClr val="FFFFFF"/>
+                </a:highlight>
+                <a:latin typeface="Consolas" panose="020B0609020204030204" pitchFamily="49" charset="0"/>
+              </a:rPr>
+              <a:t> </a:t>
+            </a:r>
+            <a:r>
+              <a:rPr lang="de-DE" sz="1600" dirty="0" err="1">
+                <a:solidFill>
+                  <a:srgbClr val="000000"/>
+                </a:solidFill>
+                <a:highlight>
+                  <a:srgbClr val="FFFFFF"/>
+                </a:highlight>
+                <a:latin typeface="Consolas" panose="020B0609020204030204" pitchFamily="49" charset="0"/>
+              </a:rPr>
+              <a:t>visibility</a:t>
+            </a:r>
+            <a:r>
+              <a:rPr lang="de-DE" sz="1600" dirty="0">
+                <a:solidFill>
+                  <a:srgbClr val="000000"/>
+                </a:solidFill>
+                <a:highlight>
+                  <a:srgbClr val="FFFFFF"/>
+                </a:highlight>
+                <a:latin typeface="Consolas" panose="020B0609020204030204" pitchFamily="49" charset="0"/>
+              </a:rPr>
+              <a:t> = </a:t>
+            </a:r>
+            <a:r>
+              <a:rPr lang="de-DE" sz="1600" dirty="0">
+                <a:solidFill>
+                  <a:srgbClr val="00FFFF"/>
+                </a:solidFill>
+                <a:highlight>
+                  <a:srgbClr val="FFFFFF"/>
+                </a:highlight>
+                <a:latin typeface="Consolas" panose="020B0609020204030204" pitchFamily="49" charset="0"/>
+              </a:rPr>
+              <a:t>1.0</a:t>
+            </a:r>
+            <a:r>
+              <a:rPr lang="de-DE" sz="1600" dirty="0">
+                <a:solidFill>
+                  <a:srgbClr val="000000"/>
+                </a:solidFill>
+                <a:highlight>
+                  <a:srgbClr val="FFFFFF"/>
+                </a:highlight>
+                <a:latin typeface="Consolas" panose="020B0609020204030204" pitchFamily="49" charset="0"/>
+              </a:rPr>
+              <a:t>;</a:t>
+            </a:r>
+          </a:p>
+          <a:p>
+            <a:pPr marL="0" indent="0">
+              <a:buNone/>
+            </a:pPr>
+            <a:r>
+              <a:rPr lang="de-DE" sz="1600" dirty="0" smtClean="0">
+                <a:solidFill>
+                  <a:srgbClr val="008000"/>
+                </a:solidFill>
+                <a:highlight>
+                  <a:srgbClr val="FFFFFF"/>
+                </a:highlight>
+                <a:latin typeface="Consolas" panose="020B0609020204030204" pitchFamily="49" charset="0"/>
+              </a:rPr>
+              <a:t>	</a:t>
+            </a:r>
+            <a:r>
+              <a:rPr lang="de-DE" sz="1600" dirty="0" err="1" smtClean="0">
+                <a:solidFill>
+                  <a:srgbClr val="008000"/>
+                </a:solidFill>
+                <a:highlight>
+                  <a:srgbClr val="FFFFFF"/>
+                </a:highlight>
+                <a:latin typeface="Consolas" panose="020B0609020204030204" pitchFamily="49" charset="0"/>
+              </a:rPr>
+              <a:t>float</a:t>
+            </a:r>
+            <a:r>
+              <a:rPr lang="de-DE" sz="1600" dirty="0" smtClean="0">
+                <a:solidFill>
+                  <a:srgbClr val="000000"/>
+                </a:solidFill>
+                <a:highlight>
+                  <a:srgbClr val="FFFFFF"/>
+                </a:highlight>
+                <a:latin typeface="Consolas" panose="020B0609020204030204" pitchFamily="49" charset="0"/>
+              </a:rPr>
+              <a:t> </a:t>
+            </a:r>
+            <a:r>
+              <a:rPr lang="de-DE" sz="1600" dirty="0" err="1">
+                <a:solidFill>
+                  <a:srgbClr val="000000"/>
+                </a:solidFill>
+                <a:highlight>
+                  <a:srgbClr val="FFFFFF"/>
+                </a:highlight>
+                <a:latin typeface="Consolas" panose="020B0609020204030204" pitchFamily="49" charset="0"/>
+              </a:rPr>
+              <a:t>bias</a:t>
+            </a:r>
+            <a:r>
+              <a:rPr lang="de-DE" sz="1600" dirty="0">
+                <a:solidFill>
+                  <a:srgbClr val="000000"/>
+                </a:solidFill>
+                <a:highlight>
+                  <a:srgbClr val="FFFFFF"/>
+                </a:highlight>
+                <a:latin typeface="Consolas" panose="020B0609020204030204" pitchFamily="49" charset="0"/>
+              </a:rPr>
+              <a:t> = </a:t>
+            </a:r>
+            <a:r>
+              <a:rPr lang="de-DE" sz="1600" dirty="0">
+                <a:solidFill>
+                  <a:srgbClr val="00FFFF"/>
+                </a:solidFill>
+                <a:highlight>
+                  <a:srgbClr val="FFFFFF"/>
+                </a:highlight>
+                <a:latin typeface="Consolas" panose="020B0609020204030204" pitchFamily="49" charset="0"/>
+              </a:rPr>
+              <a:t>0.005</a:t>
+            </a:r>
+            <a:r>
+              <a:rPr lang="de-DE" sz="1600" dirty="0">
+                <a:solidFill>
+                  <a:srgbClr val="000000"/>
+                </a:solidFill>
+                <a:highlight>
+                  <a:srgbClr val="FFFFFF"/>
+                </a:highlight>
+                <a:latin typeface="Consolas" panose="020B0609020204030204" pitchFamily="49" charset="0"/>
+              </a:rPr>
+              <a:t>;</a:t>
+            </a:r>
+          </a:p>
+          <a:p>
+            <a:pPr marL="0" indent="0">
+              <a:buNone/>
+            </a:pPr>
+            <a:r>
+              <a:rPr lang="de-DE" sz="1600" dirty="0" smtClean="0">
+                <a:solidFill>
+                  <a:srgbClr val="1E90FF"/>
+                </a:solidFill>
+                <a:highlight>
+                  <a:srgbClr val="FFFFFF"/>
+                </a:highlight>
+                <a:latin typeface="Consolas" panose="020B0609020204030204" pitchFamily="49" charset="0"/>
+              </a:rPr>
+              <a:t>	</a:t>
+            </a:r>
+            <a:r>
+              <a:rPr lang="de-DE" sz="1600" dirty="0" err="1" smtClean="0">
+                <a:solidFill>
+                  <a:srgbClr val="1E90FF"/>
+                </a:solidFill>
+                <a:highlight>
+                  <a:srgbClr val="FFFFFF"/>
+                </a:highlight>
+                <a:latin typeface="Consolas" panose="020B0609020204030204" pitchFamily="49" charset="0"/>
+              </a:rPr>
+              <a:t>if</a:t>
+            </a:r>
+            <a:r>
+              <a:rPr lang="de-DE" sz="1600" dirty="0" smtClean="0">
+                <a:solidFill>
+                  <a:srgbClr val="000000"/>
+                </a:solidFill>
+                <a:highlight>
+                  <a:srgbClr val="FFFFFF"/>
+                </a:highlight>
+                <a:latin typeface="Consolas" panose="020B0609020204030204" pitchFamily="49" charset="0"/>
+              </a:rPr>
+              <a:t> </a:t>
+            </a:r>
+            <a:r>
+              <a:rPr lang="de-DE" sz="1600" dirty="0">
+                <a:solidFill>
+                  <a:srgbClr val="000000"/>
+                </a:solidFill>
+                <a:highlight>
+                  <a:srgbClr val="FFFFFF"/>
+                </a:highlight>
+                <a:latin typeface="Consolas" panose="020B0609020204030204" pitchFamily="49" charset="0"/>
+              </a:rPr>
+              <a:t>(</a:t>
+            </a:r>
+            <a:r>
+              <a:rPr lang="de-DE" sz="1600" dirty="0" err="1">
+                <a:solidFill>
+                  <a:srgbClr val="000000"/>
+                </a:solidFill>
+                <a:highlight>
+                  <a:srgbClr val="FFFFFF"/>
+                </a:highlight>
+                <a:latin typeface="Consolas" panose="020B0609020204030204" pitchFamily="49" charset="0"/>
+              </a:rPr>
+              <a:t>storedDistance</a:t>
+            </a:r>
+            <a:r>
+              <a:rPr lang="de-DE" sz="1600" dirty="0">
+                <a:solidFill>
+                  <a:srgbClr val="000000"/>
+                </a:solidFill>
+                <a:highlight>
+                  <a:srgbClr val="FFFFFF"/>
+                </a:highlight>
+                <a:latin typeface="Consolas" panose="020B0609020204030204" pitchFamily="49" charset="0"/>
+              </a:rPr>
+              <a:t> &lt; </a:t>
+            </a:r>
+            <a:r>
+              <a:rPr lang="de-DE" sz="1600" dirty="0" err="1">
+                <a:solidFill>
+                  <a:srgbClr val="000000"/>
+                </a:solidFill>
+                <a:highlight>
+                  <a:srgbClr val="FFFFFF"/>
+                </a:highlight>
+                <a:latin typeface="Consolas" panose="020B0609020204030204" pitchFamily="49" charset="0"/>
+              </a:rPr>
+              <a:t>realDistance</a:t>
+            </a:r>
+            <a:r>
+              <a:rPr lang="de-DE" sz="1600" dirty="0">
+                <a:solidFill>
+                  <a:srgbClr val="000000"/>
+                </a:solidFill>
+                <a:highlight>
+                  <a:srgbClr val="FFFFFF"/>
+                </a:highlight>
+                <a:latin typeface="Consolas" panose="020B0609020204030204" pitchFamily="49" charset="0"/>
+              </a:rPr>
+              <a:t> - </a:t>
+            </a:r>
+            <a:r>
+              <a:rPr lang="de-DE" sz="1600" dirty="0" err="1">
+                <a:solidFill>
+                  <a:srgbClr val="000000"/>
+                </a:solidFill>
+                <a:highlight>
+                  <a:srgbClr val="FFFFFF"/>
+                </a:highlight>
+                <a:latin typeface="Consolas" panose="020B0609020204030204" pitchFamily="49" charset="0"/>
+              </a:rPr>
+              <a:t>bias</a:t>
+            </a:r>
+            <a:r>
+              <a:rPr lang="de-DE" sz="1600" dirty="0">
+                <a:solidFill>
+                  <a:srgbClr val="000000"/>
+                </a:solidFill>
+                <a:highlight>
+                  <a:srgbClr val="FFFFFF"/>
+                </a:highlight>
+                <a:latin typeface="Consolas" panose="020B0609020204030204" pitchFamily="49" charset="0"/>
+              </a:rPr>
+              <a:t>)</a:t>
+            </a:r>
+          </a:p>
+          <a:p>
+            <a:pPr marL="0" indent="0">
+              <a:buNone/>
+            </a:pPr>
+            <a:r>
+              <a:rPr lang="de-DE" sz="1600" dirty="0" smtClean="0">
+                <a:solidFill>
+                  <a:srgbClr val="000000"/>
+                </a:solidFill>
+                <a:highlight>
+                  <a:srgbClr val="FFFFFF"/>
+                </a:highlight>
+                <a:latin typeface="Consolas" panose="020B0609020204030204" pitchFamily="49" charset="0"/>
+              </a:rPr>
+              <a:t>		</a:t>
+            </a:r>
+            <a:r>
+              <a:rPr lang="de-DE" sz="1600" dirty="0" err="1" smtClean="0">
+                <a:solidFill>
+                  <a:srgbClr val="000000"/>
+                </a:solidFill>
+                <a:highlight>
+                  <a:srgbClr val="FFFFFF"/>
+                </a:highlight>
+                <a:latin typeface="Consolas" panose="020B0609020204030204" pitchFamily="49" charset="0"/>
+              </a:rPr>
+              <a:t>visibility</a:t>
+            </a:r>
+            <a:r>
+              <a:rPr lang="de-DE" sz="1600" dirty="0" smtClean="0">
+                <a:solidFill>
+                  <a:srgbClr val="000000"/>
+                </a:solidFill>
+                <a:highlight>
+                  <a:srgbClr val="FFFFFF"/>
+                </a:highlight>
+                <a:latin typeface="Consolas" panose="020B0609020204030204" pitchFamily="49" charset="0"/>
+              </a:rPr>
+              <a:t> </a:t>
+            </a:r>
+            <a:r>
+              <a:rPr lang="de-DE" sz="1600" dirty="0">
+                <a:solidFill>
+                  <a:srgbClr val="000000"/>
+                </a:solidFill>
+                <a:highlight>
+                  <a:srgbClr val="FFFFFF"/>
+                </a:highlight>
+                <a:latin typeface="Consolas" panose="020B0609020204030204" pitchFamily="49" charset="0"/>
+              </a:rPr>
+              <a:t>= </a:t>
+            </a:r>
+            <a:r>
+              <a:rPr lang="de-DE" sz="1600" dirty="0">
+                <a:solidFill>
+                  <a:srgbClr val="00FFFF"/>
+                </a:solidFill>
+                <a:highlight>
+                  <a:srgbClr val="FFFFFF"/>
+                </a:highlight>
+                <a:latin typeface="Consolas" panose="020B0609020204030204" pitchFamily="49" charset="0"/>
+              </a:rPr>
+              <a:t>0.4</a:t>
+            </a:r>
+            <a:r>
+              <a:rPr lang="de-DE" sz="1600" dirty="0" smtClean="0">
+                <a:solidFill>
+                  <a:srgbClr val="000000"/>
+                </a:solidFill>
+                <a:highlight>
+                  <a:srgbClr val="FFFFFF"/>
+                </a:highlight>
+                <a:latin typeface="Consolas" panose="020B0609020204030204" pitchFamily="49" charset="0"/>
+              </a:rPr>
+              <a:t>;</a:t>
+            </a:r>
+          </a:p>
+          <a:p>
+            <a:pPr marL="0" indent="0">
+              <a:buNone/>
+            </a:pPr>
+            <a:r>
+              <a:rPr lang="de-DE" sz="1600" dirty="0" smtClean="0">
+                <a:solidFill>
+                  <a:srgbClr val="000000"/>
+                </a:solidFill>
+                <a:highlight>
+                  <a:srgbClr val="FFFFFF"/>
+                </a:highlight>
+                <a:latin typeface="Consolas" panose="020B0609020204030204" pitchFamily="49" charset="0"/>
+              </a:rPr>
+              <a:t> </a:t>
+            </a:r>
+            <a:r>
+              <a:rPr lang="de-DE" sz="1600" dirty="0">
+                <a:solidFill>
+                  <a:srgbClr val="0000CD"/>
+                </a:solidFill>
+                <a:highlight>
+                  <a:srgbClr val="FFFFFF"/>
+                </a:highlight>
+                <a:latin typeface="Consolas" panose="020B0609020204030204" pitchFamily="49" charset="0"/>
+              </a:rPr>
+              <a:t>	</a:t>
+            </a:r>
+            <a:r>
+              <a:rPr lang="de-DE" sz="1600" dirty="0" err="1">
+                <a:solidFill>
+                  <a:srgbClr val="000000"/>
+                </a:solidFill>
+                <a:highlight>
+                  <a:srgbClr val="FFFFFF"/>
+                </a:highlight>
+                <a:latin typeface="Consolas" panose="020B0609020204030204" pitchFamily="49" charset="0"/>
+              </a:rPr>
+              <a:t>Out_Color</a:t>
+            </a:r>
+            <a:r>
+              <a:rPr lang="de-DE" sz="1600" dirty="0">
+                <a:solidFill>
+                  <a:srgbClr val="000000"/>
+                </a:solidFill>
+                <a:highlight>
+                  <a:srgbClr val="FFFFFF"/>
+                </a:highlight>
+                <a:latin typeface="Consolas" panose="020B0609020204030204" pitchFamily="49" charset="0"/>
+              </a:rPr>
+              <a:t> = </a:t>
+            </a:r>
+            <a:r>
+              <a:rPr lang="de-DE" sz="1600" dirty="0" err="1">
+                <a:solidFill>
+                  <a:srgbClr val="800000"/>
+                </a:solidFill>
+                <a:highlight>
+                  <a:srgbClr val="FFFFFF"/>
+                </a:highlight>
+                <a:latin typeface="Consolas" panose="020B0609020204030204" pitchFamily="49" charset="0"/>
+              </a:rPr>
+              <a:t>max</a:t>
+            </a:r>
+            <a:r>
+              <a:rPr lang="de-DE" sz="1600" dirty="0" smtClean="0">
+                <a:solidFill>
+                  <a:srgbClr val="000000"/>
+                </a:solidFill>
+                <a:highlight>
+                  <a:srgbClr val="FFFFFF"/>
+                </a:highlight>
+                <a:latin typeface="Consolas" panose="020B0609020204030204" pitchFamily="49" charset="0"/>
+              </a:rPr>
+              <a:t>(</a:t>
+            </a:r>
+            <a:r>
+              <a:rPr lang="de-DE" sz="1600" dirty="0" smtClean="0">
+                <a:solidFill>
+                  <a:schemeClr val="tx1"/>
+                </a:solidFill>
+                <a:highlight>
+                  <a:srgbClr val="FFFFFF"/>
+                </a:highlight>
+                <a:latin typeface="Consolas" panose="020B0609020204030204" pitchFamily="49" charset="0"/>
+              </a:rPr>
+              <a:t>(...) * </a:t>
+            </a:r>
+            <a:r>
+              <a:rPr lang="de-DE" sz="1600" dirty="0" err="1" smtClean="0">
+                <a:solidFill>
+                  <a:srgbClr val="000000"/>
+                </a:solidFill>
+                <a:highlight>
+                  <a:srgbClr val="FFFFFF"/>
+                </a:highlight>
+                <a:latin typeface="Consolas" panose="020B0609020204030204" pitchFamily="49" charset="0"/>
+              </a:rPr>
+              <a:t>visibility</a:t>
+            </a:r>
+            <a:r>
+              <a:rPr lang="de-DE" sz="1600" dirty="0" smtClean="0">
+                <a:solidFill>
+                  <a:srgbClr val="000000"/>
+                </a:solidFill>
+                <a:highlight>
+                  <a:srgbClr val="FFFFFF"/>
+                </a:highlight>
+                <a:latin typeface="Consolas" panose="020B0609020204030204" pitchFamily="49" charset="0"/>
+              </a:rPr>
+              <a:t>, </a:t>
+            </a:r>
+            <a:r>
+              <a:rPr lang="de-DE" sz="1600" dirty="0" err="1">
+                <a:solidFill>
+                  <a:srgbClr val="000000"/>
+                </a:solidFill>
+                <a:highlight>
+                  <a:srgbClr val="FFFFFF"/>
+                </a:highlight>
+                <a:latin typeface="Consolas" panose="020B0609020204030204" pitchFamily="49" charset="0"/>
+              </a:rPr>
+              <a:t>ambient</a:t>
+            </a:r>
+            <a:r>
+              <a:rPr lang="de-DE" sz="1600" dirty="0">
+                <a:solidFill>
+                  <a:srgbClr val="000000"/>
+                </a:solidFill>
+                <a:highlight>
+                  <a:srgbClr val="FFFFFF"/>
+                </a:highlight>
+                <a:latin typeface="Consolas" panose="020B0609020204030204" pitchFamily="49" charset="0"/>
+              </a:rPr>
+              <a:t>);</a:t>
+            </a:r>
+          </a:p>
+          <a:p>
+            <a:pPr marL="0" indent="0">
+              <a:buNone/>
+            </a:pPr>
+            <a:r>
+              <a:rPr lang="de-DE" sz="1600" dirty="0">
+                <a:solidFill>
+                  <a:srgbClr val="000000"/>
+                </a:solidFill>
+                <a:highlight>
+                  <a:srgbClr val="FFFFFF"/>
+                </a:highlight>
+                <a:latin typeface="Consolas" panose="020B0609020204030204" pitchFamily="49" charset="0"/>
+              </a:rPr>
+              <a:t> }</a:t>
+            </a:r>
+            <a:endParaRPr lang="de-DE" sz="1600" dirty="0"/>
+          </a:p>
+          <a:p>
+            <a:endParaRPr lang="de-DE" sz="1400" dirty="0"/>
+          </a:p>
+        </p:txBody>
+      </p:sp>
+    </p:spTree>
+    <p:extLst>
+      <p:ext uri="{BB962C8B-B14F-4D97-AF65-F5344CB8AC3E}">
+        <p14:creationId xmlns:p14="http://schemas.microsoft.com/office/powerpoint/2010/main" val="708650471"/>
+      </p:ext>
+    </p:extLst>
+  </p:cSld>
+  <p:clrMapOvr>
+    <a:masterClrMapping/>
+  </p:clrMapOvr>
+  <p:transition spd="slow">
+    <p:push/>
+  </p:transition>
+  <p:timing>
+    <p:tnLst>
+      <p:par>
+        <p:cTn id="1" dur="indefinite" restart="never" nodeType="tmRoot">
+          <p:childTnLst>
+            <p:seq concurrent="1" nextAc="seek">
+              <p:cTn id="2" dur="indefinite" nodeType="mainSeq">
+                <p:childTnLst>
+                  <p:par>
+                    <p:cTn id="3" fill="hold">
+                      <p:stCondLst>
+                        <p:cond delay="indefinite"/>
+                      </p:stCondLst>
+                      <p:childTnLst>
+                        <p:par>
+                          <p:cTn id="4" fill="hold">
+                            <p:stCondLst>
+                              <p:cond delay="0"/>
+                            </p:stCondLst>
+                            <p:childTnLst>
+                              <p:par>
+                                <p:cTn id="5" presetID="10" presetClass="entr" presetSubtype="0" fill="hold" nodeType="clickEffect">
+                                  <p:stCondLst>
+                                    <p:cond delay="0"/>
+                                  </p:stCondLst>
+                                  <p:childTnLst>
+                                    <p:set>
+                                      <p:cBhvr>
+                                        <p:cTn id="6" dur="1" fill="hold">
+                                          <p:stCondLst>
+                                            <p:cond delay="0"/>
+                                          </p:stCondLst>
+                                        </p:cTn>
+                                        <p:tgtEl>
+                                          <p:spTgt spid="3">
+                                            <p:txEl>
+                                              <p:pRg st="2" end="2"/>
+                                            </p:txEl>
+                                          </p:spTgt>
+                                        </p:tgtEl>
+                                        <p:attrNameLst>
+                                          <p:attrName>style.visibility</p:attrName>
+                                        </p:attrNameLst>
+                                      </p:cBhvr>
+                                      <p:to>
+                                        <p:strVal val="visible"/>
+                                      </p:to>
+                                    </p:set>
+                                    <p:animEffect transition="in" filter="fade">
+                                      <p:cBhvr>
+                                        <p:cTn id="7" dur="500"/>
+                                        <p:tgtEl>
+                                          <p:spTgt spid="3">
+                                            <p:txEl>
+                                              <p:pRg st="2" end="2"/>
+                                            </p:txEl>
+                                          </p:spTgt>
+                                        </p:tgtEl>
+                                      </p:cBhvr>
+                                    </p:animEffect>
+                                  </p:childTnLst>
+                                </p:cTn>
+                              </p:par>
+                              <p:par>
+                                <p:cTn id="8" presetID="10" presetClass="entr" presetSubtype="0" fill="hold" nodeType="withEffect">
+                                  <p:stCondLst>
+                                    <p:cond delay="0"/>
+                                  </p:stCondLst>
+                                  <p:childTnLst>
+                                    <p:set>
+                                      <p:cBhvr>
+                                        <p:cTn id="9" dur="1" fill="hold">
+                                          <p:stCondLst>
+                                            <p:cond delay="0"/>
+                                          </p:stCondLst>
+                                        </p:cTn>
+                                        <p:tgtEl>
+                                          <p:spTgt spid="3">
+                                            <p:txEl>
+                                              <p:pRg st="3" end="3"/>
+                                            </p:txEl>
+                                          </p:spTgt>
+                                        </p:tgtEl>
+                                        <p:attrNameLst>
+                                          <p:attrName>style.visibility</p:attrName>
+                                        </p:attrNameLst>
+                                      </p:cBhvr>
+                                      <p:to>
+                                        <p:strVal val="visible"/>
+                                      </p:to>
+                                    </p:set>
+                                    <p:animEffect transition="in" filter="fade">
+                                      <p:cBhvr>
+                                        <p:cTn id="10" dur="500"/>
+                                        <p:tgtEl>
+                                          <p:spTgt spid="3">
+                                            <p:txEl>
+                                              <p:pRg st="3" end="3"/>
+                                            </p:txEl>
+                                          </p:spTgt>
+                                        </p:tgtEl>
+                                      </p:cBhvr>
+                                    </p:animEffect>
+                                  </p:childTnLst>
+                                </p:cTn>
+                              </p:par>
+                              <p:par>
+                                <p:cTn id="11" presetID="10" presetClass="entr" presetSubtype="0" fill="hold" nodeType="withEffect">
+                                  <p:stCondLst>
+                                    <p:cond delay="0"/>
+                                  </p:stCondLst>
+                                  <p:childTnLst>
+                                    <p:set>
+                                      <p:cBhvr>
+                                        <p:cTn id="12" dur="1" fill="hold">
+                                          <p:stCondLst>
+                                            <p:cond delay="0"/>
+                                          </p:stCondLst>
+                                        </p:cTn>
+                                        <p:tgtEl>
+                                          <p:spTgt spid="3">
+                                            <p:txEl>
+                                              <p:pRg st="4" end="4"/>
+                                            </p:txEl>
+                                          </p:spTgt>
+                                        </p:tgtEl>
+                                        <p:attrNameLst>
+                                          <p:attrName>style.visibility</p:attrName>
+                                        </p:attrNameLst>
+                                      </p:cBhvr>
+                                      <p:to>
+                                        <p:strVal val="visible"/>
+                                      </p:to>
+                                    </p:set>
+                                    <p:animEffect transition="in" filter="fade">
+                                      <p:cBhvr>
+                                        <p:cTn id="13" dur="500"/>
+                                        <p:tgtEl>
+                                          <p:spTgt spid="3">
+                                            <p:txEl>
+                                              <p:pRg st="4" end="4"/>
+                                            </p:txEl>
+                                          </p:spTgt>
+                                        </p:tgtEl>
+                                      </p:cBhvr>
+                                    </p:animEffect>
+                                  </p:childTnLst>
+                                </p:cTn>
+                              </p:par>
+                              <p:par>
+                                <p:cTn id="14" presetID="10" presetClass="entr" presetSubtype="0" fill="hold" nodeType="withEffect">
+                                  <p:stCondLst>
+                                    <p:cond delay="0"/>
+                                  </p:stCondLst>
+                                  <p:childTnLst>
+                                    <p:set>
+                                      <p:cBhvr>
+                                        <p:cTn id="15" dur="1" fill="hold">
+                                          <p:stCondLst>
+                                            <p:cond delay="0"/>
+                                          </p:stCondLst>
+                                        </p:cTn>
+                                        <p:tgtEl>
+                                          <p:spTgt spid="3">
+                                            <p:txEl>
+                                              <p:pRg st="5" end="5"/>
+                                            </p:txEl>
+                                          </p:spTgt>
+                                        </p:tgtEl>
+                                        <p:attrNameLst>
+                                          <p:attrName>style.visibility</p:attrName>
+                                        </p:attrNameLst>
+                                      </p:cBhvr>
+                                      <p:to>
+                                        <p:strVal val="visible"/>
+                                      </p:to>
+                                    </p:set>
+                                    <p:animEffect transition="in" filter="fade">
+                                      <p:cBhvr>
+                                        <p:cTn id="16" dur="500"/>
+                                        <p:tgtEl>
+                                          <p:spTgt spid="3">
+                                            <p:txEl>
+                                              <p:pRg st="5" end="5"/>
+                                            </p:txEl>
+                                          </p:spTgt>
+                                        </p:tgtEl>
+                                      </p:cBhvr>
+                                    </p:animEffect>
+                                  </p:childTnLst>
+                                </p:cTn>
+                              </p:par>
+                              <p:par>
+                                <p:cTn id="17" presetID="10" presetClass="entr" presetSubtype="0" fill="hold" nodeType="withEffect">
+                                  <p:stCondLst>
+                                    <p:cond delay="0"/>
+                                  </p:stCondLst>
+                                  <p:childTnLst>
+                                    <p:set>
+                                      <p:cBhvr>
+                                        <p:cTn id="18" dur="1" fill="hold">
+                                          <p:stCondLst>
+                                            <p:cond delay="0"/>
+                                          </p:stCondLst>
+                                        </p:cTn>
+                                        <p:tgtEl>
+                                          <p:spTgt spid="3">
+                                            <p:txEl>
+                                              <p:pRg st="6" end="6"/>
+                                            </p:txEl>
+                                          </p:spTgt>
+                                        </p:tgtEl>
+                                        <p:attrNameLst>
+                                          <p:attrName>style.visibility</p:attrName>
+                                        </p:attrNameLst>
+                                      </p:cBhvr>
+                                      <p:to>
+                                        <p:strVal val="visible"/>
+                                      </p:to>
+                                    </p:set>
+                                    <p:animEffect transition="in" filter="fade">
+                                      <p:cBhvr>
+                                        <p:cTn id="19" dur="500"/>
+                                        <p:tgtEl>
+                                          <p:spTgt spid="3">
+                                            <p:txEl>
+                                              <p:pRg st="6" end="6"/>
+                                            </p:txEl>
+                                          </p:spTgt>
+                                        </p:tgtEl>
+                                      </p:cBhvr>
+                                    </p:animEffect>
+                                  </p:childTnLst>
+                                </p:cTn>
+                              </p:par>
+                              <p:par>
+                                <p:cTn id="20" presetID="10" presetClass="entr" presetSubtype="0" fill="hold" nodeType="withEffect">
+                                  <p:stCondLst>
+                                    <p:cond delay="0"/>
+                                  </p:stCondLst>
+                                  <p:childTnLst>
+                                    <p:set>
+                                      <p:cBhvr>
+                                        <p:cTn id="21" dur="1" fill="hold">
+                                          <p:stCondLst>
+                                            <p:cond delay="0"/>
+                                          </p:stCondLst>
+                                        </p:cTn>
+                                        <p:tgtEl>
+                                          <p:spTgt spid="3">
+                                            <p:txEl>
+                                              <p:pRg st="7" end="7"/>
+                                            </p:txEl>
+                                          </p:spTgt>
+                                        </p:tgtEl>
+                                        <p:attrNameLst>
+                                          <p:attrName>style.visibility</p:attrName>
+                                        </p:attrNameLst>
+                                      </p:cBhvr>
+                                      <p:to>
+                                        <p:strVal val="visible"/>
+                                      </p:to>
+                                    </p:set>
+                                    <p:animEffect transition="in" filter="fade">
+                                      <p:cBhvr>
+                                        <p:cTn id="22" dur="500"/>
+                                        <p:tgtEl>
+                                          <p:spTgt spid="3">
+                                            <p:txEl>
+                                              <p:pRg st="7" end="7"/>
+                                            </p:txEl>
+                                          </p:spTgt>
+                                        </p:tgtEl>
+                                      </p:cBhvr>
+                                    </p:animEffect>
+                                  </p:childTnLst>
+                                </p:cTn>
+                              </p:par>
+                              <p:par>
+                                <p:cTn id="23" presetID="10" presetClass="entr" presetSubtype="0" fill="hold" nodeType="withEffect">
+                                  <p:stCondLst>
+                                    <p:cond delay="0"/>
+                                  </p:stCondLst>
+                                  <p:childTnLst>
+                                    <p:set>
+                                      <p:cBhvr>
+                                        <p:cTn id="24" dur="1" fill="hold">
+                                          <p:stCondLst>
+                                            <p:cond delay="0"/>
+                                          </p:stCondLst>
+                                        </p:cTn>
+                                        <p:tgtEl>
+                                          <p:spTgt spid="3">
+                                            <p:txEl>
+                                              <p:pRg st="8" end="8"/>
+                                            </p:txEl>
+                                          </p:spTgt>
+                                        </p:tgtEl>
+                                        <p:attrNameLst>
+                                          <p:attrName>style.visibility</p:attrName>
+                                        </p:attrNameLst>
+                                      </p:cBhvr>
+                                      <p:to>
+                                        <p:strVal val="visible"/>
+                                      </p:to>
+                                    </p:set>
+                                    <p:animEffect transition="in" filter="fade">
+                                      <p:cBhvr>
+                                        <p:cTn id="25" dur="500"/>
+                                        <p:tgtEl>
+                                          <p:spTgt spid="3">
+                                            <p:txEl>
+                                              <p:pRg st="8" end="8"/>
+                                            </p:txEl>
+                                          </p:spTgt>
+                                        </p:tgtEl>
+                                      </p:cBhvr>
+                                    </p:animEffect>
+                                  </p:childTnLst>
+                                </p:cTn>
+                              </p:par>
+                            </p:childTnLst>
+                          </p:cTn>
+                        </p:par>
+                      </p:childTnLst>
+                    </p:cTn>
+                  </p:par>
+                </p:childTnLst>
+              </p:cTn>
+              <p:prevCondLst>
+                <p:cond evt="onPrev" delay="0">
+                  <p:tgtEl>
+                    <p:sldTgt/>
+                  </p:tgtEl>
+                </p:cond>
+              </p:prevCondLst>
+              <p:nextCondLst>
+                <p:cond evt="onNext" delay="0">
+                  <p:tgtEl>
+                    <p:sldTgt/>
+                  </p:tgtEl>
+                </p:cond>
+              </p:nextCondLst>
+            </p:seq>
+          </p:childTnLst>
+        </p:cTn>
       </p:par>
     </p:tnLst>
   </p:timing>
@@ -16758,144 +21457,129 @@
           </a:p>
         </p:txBody>
       </p:sp>
-      <p:grpSp>
-        <p:nvGrpSpPr>
-          <p:cNvPr id="18" name="Gruppieren 17"/>
-          <p:cNvGrpSpPr/>
-          <p:nvPr/>
-        </p:nvGrpSpPr>
-        <p:grpSpPr>
-          <a:xfrm>
-            <a:off x="1998860" y="1124425"/>
-            <a:ext cx="4066273" cy="5183778"/>
-            <a:chOff x="1998861" y="1124425"/>
-            <a:chExt cx="3247558" cy="4228090"/>
-          </a:xfrm>
-        </p:grpSpPr>
-        <p:pic>
-          <p:nvPicPr>
-            <p:cNvPr id="14" name="Grafik 13"/>
-            <p:cNvPicPr>
-              <a:picLocks noChangeAspect="1"/>
-            </p:cNvPicPr>
-            <p:nvPr/>
-          </p:nvPicPr>
-          <p:blipFill>
-            <a:blip r:embed="rId2">
-              <a:extLst>
-                <a:ext uri="{28A0092B-C50C-407E-A947-70E740481C1C}">
-                  <a14:useLocalDpi xmlns:a14="http://schemas.microsoft.com/office/drawing/2010/main" val="0"/>
-                </a:ext>
-              </a:extLst>
-            </a:blip>
-            <a:stretch>
-              <a:fillRect/>
-            </a:stretch>
-          </p:blipFill>
-          <p:spPr>
-            <a:xfrm>
-              <a:off x="1998861" y="1961381"/>
-              <a:ext cx="1791424" cy="1276866"/>
-            </a:xfrm>
-            <a:prstGeom prst="rect">
-              <a:avLst/>
-            </a:prstGeom>
-          </p:spPr>
-        </p:pic>
-        <p:pic>
-          <p:nvPicPr>
-            <p:cNvPr id="15" name="Grafik 14"/>
-            <p:cNvPicPr>
-              <a:picLocks noChangeAspect="1"/>
-            </p:cNvPicPr>
-            <p:nvPr/>
-          </p:nvPicPr>
-          <p:blipFill>
-            <a:blip r:embed="rId3">
-              <a:extLst>
-                <a:ext uri="{28A0092B-C50C-407E-A947-70E740481C1C}">
-                  <a14:useLocalDpi xmlns:a14="http://schemas.microsoft.com/office/drawing/2010/main" val="0"/>
-                </a:ext>
-              </a:extLst>
-            </a:blip>
-            <a:stretch>
-              <a:fillRect/>
-            </a:stretch>
-          </p:blipFill>
-          <p:spPr>
-            <a:xfrm>
-              <a:off x="2063485" y="1124425"/>
-              <a:ext cx="2249404" cy="991263"/>
-            </a:xfrm>
-            <a:prstGeom prst="rect">
-              <a:avLst/>
-            </a:prstGeom>
-          </p:spPr>
-        </p:pic>
-        <p:pic>
-          <p:nvPicPr>
-            <p:cNvPr id="16" name="Grafik 15"/>
-            <p:cNvPicPr>
-              <a:picLocks noChangeAspect="1"/>
-            </p:cNvPicPr>
-            <p:nvPr/>
-          </p:nvPicPr>
-          <p:blipFill>
-            <a:blip r:embed="rId4">
-              <a:extLst>
-                <a:ext uri="{28A0092B-C50C-407E-A947-70E740481C1C}">
-                  <a14:useLocalDpi xmlns:a14="http://schemas.microsoft.com/office/drawing/2010/main" val="0"/>
-                </a:ext>
-              </a:extLst>
-            </a:blip>
-            <a:stretch>
-              <a:fillRect/>
-            </a:stretch>
-          </p:blipFill>
-          <p:spPr>
-            <a:xfrm>
-              <a:off x="2654571" y="3961303"/>
-              <a:ext cx="2591848" cy="1391212"/>
-            </a:xfrm>
-            <a:prstGeom prst="rect">
-              <a:avLst/>
-            </a:prstGeom>
-          </p:spPr>
-        </p:pic>
-        <p:pic>
-          <p:nvPicPr>
-            <p:cNvPr id="17" name="Grafik 16"/>
-            <p:cNvPicPr>
-              <a:picLocks noChangeAspect="1"/>
-            </p:cNvPicPr>
-            <p:nvPr/>
-          </p:nvPicPr>
-          <p:blipFill>
-            <a:blip r:embed="rId5">
-              <a:extLst>
-                <a:ext uri="{28A0092B-C50C-407E-A947-70E740481C1C}">
-                  <a14:useLocalDpi xmlns:a14="http://schemas.microsoft.com/office/drawing/2010/main" val="0"/>
-                </a:ext>
-              </a:extLst>
-            </a:blip>
-            <a:stretch>
-              <a:fillRect/>
-            </a:stretch>
-          </p:blipFill>
-          <p:spPr>
-            <a:xfrm>
-              <a:off x="2425879" y="3238247"/>
-              <a:ext cx="1524616" cy="781366"/>
-            </a:xfrm>
-            <a:prstGeom prst="rect">
-              <a:avLst/>
-            </a:prstGeom>
-          </p:spPr>
-        </p:pic>
-      </p:grpSp>
       <p:pic>
         <p:nvPicPr>
-          <p:cNvPr id="22" name="Inhaltsplatzhalter 21"/>
+          <p:cNvPr id="14" name="Grafik 13"/>
+          <p:cNvPicPr>
+            <a:picLocks noChangeAspect="1"/>
+          </p:cNvPicPr>
+          <p:nvPr/>
+        </p:nvPicPr>
+        <p:blipFill>
+          <a:blip r:embed="rId2">
+            <a:extLst>
+              <a:ext uri="{28A0092B-C50C-407E-A947-70E740481C1C}">
+                <a14:useLocalDpi xmlns:a14="http://schemas.microsoft.com/office/drawing/2010/main" val="0"/>
+              </a:ext>
+            </a:extLst>
+          </a:blip>
+          <a:stretch>
+            <a:fillRect/>
+          </a:stretch>
+        </p:blipFill>
+        <p:spPr>
+          <a:xfrm>
+            <a:off x="1998860" y="2150561"/>
+            <a:ext cx="2243045" cy="1565480"/>
+          </a:xfrm>
+          <a:prstGeom prst="rect">
+            <a:avLst/>
+          </a:prstGeom>
+        </p:spPr>
+      </p:pic>
+      <p:pic>
+        <p:nvPicPr>
+          <p:cNvPr id="15" name="Grafik 14"/>
+          <p:cNvPicPr>
+            <a:picLocks noChangeAspect="1"/>
+          </p:cNvPicPr>
+          <p:nvPr/>
+        </p:nvPicPr>
+        <p:blipFill>
+          <a:blip r:embed="rId3">
+            <a:extLst>
+              <a:ext uri="{28A0092B-C50C-407E-A947-70E740481C1C}">
+                <a14:useLocalDpi xmlns:a14="http://schemas.microsoft.com/office/drawing/2010/main" val="0"/>
+              </a:ext>
+            </a:extLst>
+          </a:blip>
+          <a:stretch>
+            <a:fillRect/>
+          </a:stretch>
+        </p:blipFill>
+        <p:spPr>
+          <a:xfrm>
+            <a:off x="2079776" y="1124425"/>
+            <a:ext cx="2816483" cy="1215321"/>
+          </a:xfrm>
+          <a:prstGeom prst="rect">
+            <a:avLst/>
+          </a:prstGeom>
+        </p:spPr>
+      </p:pic>
+      <p:pic>
+        <p:nvPicPr>
+          <p:cNvPr id="16" name="Grafik 15"/>
+          <p:cNvPicPr>
+            <a:picLocks noChangeAspect="1"/>
+          </p:cNvPicPr>
+          <p:nvPr/>
+        </p:nvPicPr>
+        <p:blipFill>
+          <a:blip r:embed="rId4">
+            <a:extLst>
+              <a:ext uri="{28A0092B-C50C-407E-A947-70E740481C1C}">
+                <a14:useLocalDpi xmlns:a14="http://schemas.microsoft.com/office/drawing/2010/main" val="0"/>
+              </a:ext>
+            </a:extLst>
+          </a:blip>
+          <a:stretch>
+            <a:fillRect/>
+          </a:stretch>
+        </p:blipFill>
+        <p:spPr>
+          <a:xfrm>
+            <a:off x="2819876" y="4602531"/>
+            <a:ext cx="3245257" cy="1705672"/>
+          </a:xfrm>
+          <a:prstGeom prst="rect">
+            <a:avLst/>
+          </a:prstGeom>
+        </p:spPr>
+      </p:pic>
+      <p:pic>
+        <p:nvPicPr>
+          <p:cNvPr id="17" name="Grafik 16"/>
+          <p:cNvPicPr>
+            <a:picLocks noChangeAspect="1"/>
+          </p:cNvPicPr>
+          <p:nvPr/>
+        </p:nvPicPr>
+        <p:blipFill>
+          <a:blip r:embed="rId5">
+            <a:extLst>
+              <a:ext uri="{28A0092B-C50C-407E-A947-70E740481C1C}">
+                <a14:useLocalDpi xmlns:a14="http://schemas.microsoft.com/office/drawing/2010/main" val="0"/>
+              </a:ext>
+            </a:extLst>
+          </a:blip>
+          <a:stretch>
+            <a:fillRect/>
+          </a:stretch>
+        </p:blipFill>
+        <p:spPr>
+          <a:xfrm>
+            <a:off x="2533530" y="3716041"/>
+            <a:ext cx="1908974" cy="957981"/>
+          </a:xfrm>
+          <a:prstGeom prst="rect">
+            <a:avLst/>
+          </a:prstGeom>
+        </p:spPr>
+      </p:pic>
+      <p:pic>
+        <p:nvPicPr>
+          <p:cNvPr id="4" name="Inhaltsplatzhalter 3"/>
           <p:cNvPicPr>
             <a:picLocks noGrp="1" noChangeAspect="1"/>
           </p:cNvPicPr>
@@ -16917,9 +21601,99 @@
         </p:blipFill>
         <p:spPr>
           <a:xfrm>
-            <a:off x="7812970" y="1124425"/>
-            <a:ext cx="1990788" cy="5623694"/>
+            <a:off x="7492443" y="763447"/>
+            <a:ext cx="2153308" cy="1569360"/>
           </a:xfrm>
+        </p:spPr>
+      </p:pic>
+      <p:pic>
+        <p:nvPicPr>
+          <p:cNvPr id="5" name="Grafik 4"/>
+          <p:cNvPicPr>
+            <a:picLocks noChangeAspect="1"/>
+          </p:cNvPicPr>
+          <p:nvPr/>
+        </p:nvPicPr>
+        <p:blipFill>
+          <a:blip r:embed="rId7">
+            <a:extLst>
+              <a:ext uri="{28A0092B-C50C-407E-A947-70E740481C1C}">
+                <a14:useLocalDpi xmlns:a14="http://schemas.microsoft.com/office/drawing/2010/main" val="0"/>
+              </a:ext>
+            </a:extLst>
+          </a:blip>
+          <a:stretch>
+            <a:fillRect/>
+          </a:stretch>
+        </p:blipFill>
+        <p:spPr>
+          <a:xfrm>
+            <a:off x="7492441" y="2268336"/>
+            <a:ext cx="2153307" cy="1447705"/>
+          </a:xfrm>
+          <a:prstGeom prst="rect">
+            <a:avLst/>
+          </a:prstGeom>
+        </p:spPr>
+      </p:pic>
+      <p:pic>
+        <p:nvPicPr>
+          <p:cNvPr id="6" name="Grafik 5"/>
+          <p:cNvPicPr>
+            <a:picLocks noChangeAspect="1"/>
+          </p:cNvPicPr>
+          <p:nvPr/>
+        </p:nvPicPr>
+        <p:blipFill>
+          <a:blip r:embed="rId8">
+            <a:extLst>
+              <a:ext uri="{28A0092B-C50C-407E-A947-70E740481C1C}">
+                <a14:useLocalDpi xmlns:a14="http://schemas.microsoft.com/office/drawing/2010/main" val="0"/>
+              </a:ext>
+            </a:extLst>
+          </a:blip>
+          <a:stretch>
+            <a:fillRect/>
+          </a:stretch>
+        </p:blipFill>
+        <p:spPr>
+          <a:xfrm>
+            <a:off x="7492441" y="3692156"/>
+            <a:ext cx="2153307" cy="1192227"/>
+          </a:xfrm>
+          <a:prstGeom prst="rect">
+            <a:avLst/>
+          </a:prstGeom>
+        </p:spPr>
+      </p:pic>
+      <p:pic>
+        <p:nvPicPr>
+          <p:cNvPr id="7" name="Grafik 6"/>
+          <p:cNvPicPr>
+            <a:picLocks noChangeAspect="1"/>
+          </p:cNvPicPr>
+          <p:nvPr/>
+        </p:nvPicPr>
+        <p:blipFill>
+          <a:blip r:embed="rId9">
+            <a:extLst>
+              <a:ext uri="{28A0092B-C50C-407E-A947-70E740481C1C}">
+                <a14:useLocalDpi xmlns:a14="http://schemas.microsoft.com/office/drawing/2010/main" val="0"/>
+              </a:ext>
+            </a:extLst>
+          </a:blip>
+          <a:stretch>
+            <a:fillRect/>
+          </a:stretch>
+        </p:blipFill>
+        <p:spPr>
+          <a:xfrm>
+            <a:off x="7492441" y="4860498"/>
+            <a:ext cx="2153307" cy="1447705"/>
+          </a:xfrm>
+          <a:prstGeom prst="rect">
+            <a:avLst/>
+          </a:prstGeom>
         </p:spPr>
       </p:pic>
     </p:spTree>
@@ -16932,10 +21706,388 @@
   <p:clrMapOvr>
     <a:masterClrMapping/>
   </p:clrMapOvr>
+  <p:transition spd="slow">
+    <p:push/>
+  </p:transition>
   <p:timing>
     <p:tnLst>
       <p:par>
-        <p:cTn id="1" dur="indefinite" restart="never" nodeType="tmRoot"/>
+        <p:cTn id="1" dur="indefinite" restart="never" nodeType="tmRoot">
+          <p:childTnLst>
+            <p:seq concurrent="1" nextAc="seek">
+              <p:cTn id="2" dur="indefinite" nodeType="mainSeq">
+                <p:childTnLst>
+                  <p:par>
+                    <p:cTn id="3" fill="hold">
+                      <p:stCondLst>
+                        <p:cond delay="indefinite"/>
+                      </p:stCondLst>
+                      <p:childTnLst>
+                        <p:par>
+                          <p:cTn id="4" fill="hold">
+                            <p:stCondLst>
+                              <p:cond delay="0"/>
+                            </p:stCondLst>
+                            <p:childTnLst>
+                              <p:par>
+                                <p:cTn id="5" presetID="10" presetClass="entr" presetSubtype="0" fill="hold" nodeType="clickEffect">
+                                  <p:stCondLst>
+                                    <p:cond delay="0"/>
+                                  </p:stCondLst>
+                                  <p:childTnLst>
+                                    <p:set>
+                                      <p:cBhvr>
+                                        <p:cTn id="6" dur="1" fill="hold">
+                                          <p:stCondLst>
+                                            <p:cond delay="0"/>
+                                          </p:stCondLst>
+                                        </p:cTn>
+                                        <p:tgtEl>
+                                          <p:spTgt spid="15"/>
+                                        </p:tgtEl>
+                                        <p:attrNameLst>
+                                          <p:attrName>style.visibility</p:attrName>
+                                        </p:attrNameLst>
+                                      </p:cBhvr>
+                                      <p:to>
+                                        <p:strVal val="visible"/>
+                                      </p:to>
+                                    </p:set>
+                                    <p:animEffect transition="in" filter="fade">
+                                      <p:cBhvr>
+                                        <p:cTn id="7" dur="500"/>
+                                        <p:tgtEl>
+                                          <p:spTgt spid="15"/>
+                                        </p:tgtEl>
+                                      </p:cBhvr>
+                                    </p:animEffect>
+                                  </p:childTnLst>
+                                </p:cTn>
+                              </p:par>
+                              <p:par>
+                                <p:cTn id="8" presetID="10" presetClass="entr" presetSubtype="0" fill="hold" nodeType="withEffect">
+                                  <p:stCondLst>
+                                    <p:cond delay="0"/>
+                                  </p:stCondLst>
+                                  <p:childTnLst>
+                                    <p:set>
+                                      <p:cBhvr>
+                                        <p:cTn id="9" dur="1" fill="hold">
+                                          <p:stCondLst>
+                                            <p:cond delay="0"/>
+                                          </p:stCondLst>
+                                        </p:cTn>
+                                        <p:tgtEl>
+                                          <p:spTgt spid="4"/>
+                                        </p:tgtEl>
+                                        <p:attrNameLst>
+                                          <p:attrName>style.visibility</p:attrName>
+                                        </p:attrNameLst>
+                                      </p:cBhvr>
+                                      <p:to>
+                                        <p:strVal val="visible"/>
+                                      </p:to>
+                                    </p:set>
+                                    <p:animEffect transition="in" filter="fade">
+                                      <p:cBhvr>
+                                        <p:cTn id="10" dur="500"/>
+                                        <p:tgtEl>
+                                          <p:spTgt spid="4"/>
+                                        </p:tgtEl>
+                                      </p:cBhvr>
+                                    </p:animEffect>
+                                  </p:childTnLst>
+                                </p:cTn>
+                              </p:par>
+                            </p:childTnLst>
+                          </p:cTn>
+                        </p:par>
+                      </p:childTnLst>
+                    </p:cTn>
+                  </p:par>
+                  <p:par>
+                    <p:cTn id="11" fill="hold">
+                      <p:stCondLst>
+                        <p:cond delay="indefinite"/>
+                      </p:stCondLst>
+                      <p:childTnLst>
+                        <p:par>
+                          <p:cTn id="12" fill="hold">
+                            <p:stCondLst>
+                              <p:cond delay="0"/>
+                            </p:stCondLst>
+                            <p:childTnLst>
+                              <p:par>
+                                <p:cTn id="13" presetID="10" presetClass="entr" presetSubtype="0" fill="hold" nodeType="clickEffect">
+                                  <p:stCondLst>
+                                    <p:cond delay="0"/>
+                                  </p:stCondLst>
+                                  <p:childTnLst>
+                                    <p:set>
+                                      <p:cBhvr>
+                                        <p:cTn id="14" dur="1" fill="hold">
+                                          <p:stCondLst>
+                                            <p:cond delay="0"/>
+                                          </p:stCondLst>
+                                        </p:cTn>
+                                        <p:tgtEl>
+                                          <p:spTgt spid="14"/>
+                                        </p:tgtEl>
+                                        <p:attrNameLst>
+                                          <p:attrName>style.visibility</p:attrName>
+                                        </p:attrNameLst>
+                                      </p:cBhvr>
+                                      <p:to>
+                                        <p:strVal val="visible"/>
+                                      </p:to>
+                                    </p:set>
+                                    <p:animEffect transition="in" filter="fade">
+                                      <p:cBhvr>
+                                        <p:cTn id="15" dur="500"/>
+                                        <p:tgtEl>
+                                          <p:spTgt spid="14"/>
+                                        </p:tgtEl>
+                                      </p:cBhvr>
+                                    </p:animEffect>
+                                  </p:childTnLst>
+                                </p:cTn>
+                              </p:par>
+                              <p:par>
+                                <p:cTn id="16" presetID="10" presetClass="entr" presetSubtype="0" fill="hold" nodeType="withEffect">
+                                  <p:stCondLst>
+                                    <p:cond delay="0"/>
+                                  </p:stCondLst>
+                                  <p:childTnLst>
+                                    <p:set>
+                                      <p:cBhvr>
+                                        <p:cTn id="17" dur="1" fill="hold">
+                                          <p:stCondLst>
+                                            <p:cond delay="0"/>
+                                          </p:stCondLst>
+                                        </p:cTn>
+                                        <p:tgtEl>
+                                          <p:spTgt spid="5"/>
+                                        </p:tgtEl>
+                                        <p:attrNameLst>
+                                          <p:attrName>style.visibility</p:attrName>
+                                        </p:attrNameLst>
+                                      </p:cBhvr>
+                                      <p:to>
+                                        <p:strVal val="visible"/>
+                                      </p:to>
+                                    </p:set>
+                                    <p:animEffect transition="in" filter="fade">
+                                      <p:cBhvr>
+                                        <p:cTn id="18" dur="500"/>
+                                        <p:tgtEl>
+                                          <p:spTgt spid="5"/>
+                                        </p:tgtEl>
+                                      </p:cBhvr>
+                                    </p:animEffect>
+                                  </p:childTnLst>
+                                </p:cTn>
+                              </p:par>
+                            </p:childTnLst>
+                          </p:cTn>
+                        </p:par>
+                      </p:childTnLst>
+                    </p:cTn>
+                  </p:par>
+                  <p:par>
+                    <p:cTn id="19" fill="hold">
+                      <p:stCondLst>
+                        <p:cond delay="indefinite"/>
+                      </p:stCondLst>
+                      <p:childTnLst>
+                        <p:par>
+                          <p:cTn id="20" fill="hold">
+                            <p:stCondLst>
+                              <p:cond delay="0"/>
+                            </p:stCondLst>
+                            <p:childTnLst>
+                              <p:par>
+                                <p:cTn id="21" presetID="10" presetClass="entr" presetSubtype="0" fill="hold" nodeType="clickEffect">
+                                  <p:stCondLst>
+                                    <p:cond delay="0"/>
+                                  </p:stCondLst>
+                                  <p:childTnLst>
+                                    <p:set>
+                                      <p:cBhvr>
+                                        <p:cTn id="22" dur="1" fill="hold">
+                                          <p:stCondLst>
+                                            <p:cond delay="0"/>
+                                          </p:stCondLst>
+                                        </p:cTn>
+                                        <p:tgtEl>
+                                          <p:spTgt spid="17"/>
+                                        </p:tgtEl>
+                                        <p:attrNameLst>
+                                          <p:attrName>style.visibility</p:attrName>
+                                        </p:attrNameLst>
+                                      </p:cBhvr>
+                                      <p:to>
+                                        <p:strVal val="visible"/>
+                                      </p:to>
+                                    </p:set>
+                                    <p:animEffect transition="in" filter="fade">
+                                      <p:cBhvr>
+                                        <p:cTn id="23" dur="500"/>
+                                        <p:tgtEl>
+                                          <p:spTgt spid="17"/>
+                                        </p:tgtEl>
+                                      </p:cBhvr>
+                                    </p:animEffect>
+                                  </p:childTnLst>
+                                </p:cTn>
+                              </p:par>
+                              <p:par>
+                                <p:cTn id="24" presetID="10" presetClass="entr" presetSubtype="0" fill="hold" nodeType="withEffect">
+                                  <p:stCondLst>
+                                    <p:cond delay="0"/>
+                                  </p:stCondLst>
+                                  <p:childTnLst>
+                                    <p:set>
+                                      <p:cBhvr>
+                                        <p:cTn id="25" dur="1" fill="hold">
+                                          <p:stCondLst>
+                                            <p:cond delay="0"/>
+                                          </p:stCondLst>
+                                        </p:cTn>
+                                        <p:tgtEl>
+                                          <p:spTgt spid="6"/>
+                                        </p:tgtEl>
+                                        <p:attrNameLst>
+                                          <p:attrName>style.visibility</p:attrName>
+                                        </p:attrNameLst>
+                                      </p:cBhvr>
+                                      <p:to>
+                                        <p:strVal val="visible"/>
+                                      </p:to>
+                                    </p:set>
+                                    <p:animEffect transition="in" filter="fade">
+                                      <p:cBhvr>
+                                        <p:cTn id="26" dur="500"/>
+                                        <p:tgtEl>
+                                          <p:spTgt spid="6"/>
+                                        </p:tgtEl>
+                                      </p:cBhvr>
+                                    </p:animEffect>
+                                  </p:childTnLst>
+                                </p:cTn>
+                              </p:par>
+                            </p:childTnLst>
+                          </p:cTn>
+                        </p:par>
+                      </p:childTnLst>
+                    </p:cTn>
+                  </p:par>
+                  <p:par>
+                    <p:cTn id="27" fill="hold">
+                      <p:stCondLst>
+                        <p:cond delay="indefinite"/>
+                      </p:stCondLst>
+                      <p:childTnLst>
+                        <p:par>
+                          <p:cTn id="28" fill="hold">
+                            <p:stCondLst>
+                              <p:cond delay="0"/>
+                            </p:stCondLst>
+                            <p:childTnLst>
+                              <p:par>
+                                <p:cTn id="29" presetID="10" presetClass="entr" presetSubtype="0" fill="hold" nodeType="clickEffect">
+                                  <p:stCondLst>
+                                    <p:cond delay="0"/>
+                                  </p:stCondLst>
+                                  <p:childTnLst>
+                                    <p:set>
+                                      <p:cBhvr>
+                                        <p:cTn id="30" dur="1" fill="hold">
+                                          <p:stCondLst>
+                                            <p:cond delay="0"/>
+                                          </p:stCondLst>
+                                        </p:cTn>
+                                        <p:tgtEl>
+                                          <p:spTgt spid="16"/>
+                                        </p:tgtEl>
+                                        <p:attrNameLst>
+                                          <p:attrName>style.visibility</p:attrName>
+                                        </p:attrNameLst>
+                                      </p:cBhvr>
+                                      <p:to>
+                                        <p:strVal val="visible"/>
+                                      </p:to>
+                                    </p:set>
+                                    <p:animEffect transition="in" filter="fade">
+                                      <p:cBhvr>
+                                        <p:cTn id="31" dur="500"/>
+                                        <p:tgtEl>
+                                          <p:spTgt spid="16"/>
+                                        </p:tgtEl>
+                                      </p:cBhvr>
+                                    </p:animEffect>
+                                  </p:childTnLst>
+                                </p:cTn>
+                              </p:par>
+                              <p:par>
+                                <p:cTn id="32" presetID="10" presetClass="entr" presetSubtype="0" fill="hold" nodeType="withEffect">
+                                  <p:stCondLst>
+                                    <p:cond delay="0"/>
+                                  </p:stCondLst>
+                                  <p:childTnLst>
+                                    <p:set>
+                                      <p:cBhvr>
+                                        <p:cTn id="33" dur="1" fill="hold">
+                                          <p:stCondLst>
+                                            <p:cond delay="0"/>
+                                          </p:stCondLst>
+                                        </p:cTn>
+                                        <p:tgtEl>
+                                          <p:spTgt spid="7"/>
+                                        </p:tgtEl>
+                                        <p:attrNameLst>
+                                          <p:attrName>style.visibility</p:attrName>
+                                        </p:attrNameLst>
+                                      </p:cBhvr>
+                                      <p:to>
+                                        <p:strVal val="visible"/>
+                                      </p:to>
+                                    </p:set>
+                                    <p:animEffect transition="in" filter="fade">
+                                      <p:cBhvr>
+                                        <p:cTn id="34" dur="500"/>
+                                        <p:tgtEl>
+                                          <p:spTgt spid="7"/>
+                                        </p:tgtEl>
+                                      </p:cBhvr>
+                                    </p:animEffect>
+                                  </p:childTnLst>
+                                </p:cTn>
+                              </p:par>
+                            </p:childTnLst>
+                          </p:cTn>
+                        </p:par>
+                      </p:childTnLst>
+                    </p:cTn>
+                  </p:par>
+                </p:childTnLst>
+              </p:cTn>
+              <p:prevCondLst>
+                <p:cond evt="onPrev" delay="0">
+                  <p:tgtEl>
+                    <p:sldTgt/>
+                  </p:tgtEl>
+                </p:cond>
+              </p:prevCondLst>
+              <p:nextCondLst>
+                <p:cond evt="onNext" delay="0">
+                  <p:tgtEl>
+                    <p:sldTgt/>
+                  </p:tgtEl>
+                </p:cond>
+              </p:nextCondLst>
+            </p:seq>
+          </p:childTnLst>
+        </p:cTn>
       </p:par>
     </p:tnLst>
   </p:timing>
@@ -16972,7 +22124,7 @@
         <p:spPr/>
         <p:txBody>
           <a:bodyPr>
-            <a:normAutofit fontScale="90000"/>
+            <a:normAutofit/>
           </a:bodyPr>
           <a:lstStyle/>
           <a:p>
@@ -17268,10 +22420,305 @@
   <p:clrMapOvr>
     <a:masterClrMapping/>
   </p:clrMapOvr>
+  <p:transition spd="slow">
+    <p:push/>
+  </p:transition>
   <p:timing>
     <p:tnLst>
       <p:par>
-        <p:cTn id="1" dur="indefinite" restart="never" nodeType="tmRoot"/>
+        <p:cTn id="1" dur="indefinite" restart="never" nodeType="tmRoot">
+          <p:childTnLst>
+            <p:seq concurrent="1" nextAc="seek">
+              <p:cTn id="2" dur="indefinite" nodeType="mainSeq">
+                <p:childTnLst>
+                  <p:par>
+                    <p:cTn id="3" fill="hold">
+                      <p:stCondLst>
+                        <p:cond delay="indefinite"/>
+                      </p:stCondLst>
+                      <p:childTnLst>
+                        <p:par>
+                          <p:cTn id="4" fill="hold">
+                            <p:stCondLst>
+                              <p:cond delay="0"/>
+                            </p:stCondLst>
+                            <p:childTnLst>
+                              <p:par>
+                                <p:cTn id="5" presetID="10" presetClass="entr" presetSubtype="0" fill="hold" nodeType="clickEffect">
+                                  <p:stCondLst>
+                                    <p:cond delay="0"/>
+                                  </p:stCondLst>
+                                  <p:childTnLst>
+                                    <p:set>
+                                      <p:cBhvr>
+                                        <p:cTn id="6" dur="1" fill="hold">
+                                          <p:stCondLst>
+                                            <p:cond delay="0"/>
+                                          </p:stCondLst>
+                                        </p:cTn>
+                                        <p:tgtEl>
+                                          <p:spTgt spid="3">
+                                            <p:txEl>
+                                              <p:pRg st="0" end="0"/>
+                                            </p:txEl>
+                                          </p:spTgt>
+                                        </p:tgtEl>
+                                        <p:attrNameLst>
+                                          <p:attrName>style.visibility</p:attrName>
+                                        </p:attrNameLst>
+                                      </p:cBhvr>
+                                      <p:to>
+                                        <p:strVal val="visible"/>
+                                      </p:to>
+                                    </p:set>
+                                    <p:animEffect transition="in" filter="fade">
+                                      <p:cBhvr>
+                                        <p:cTn id="7" dur="500"/>
+                                        <p:tgtEl>
+                                          <p:spTgt spid="3">
+                                            <p:txEl>
+                                              <p:pRg st="0" end="0"/>
+                                            </p:txEl>
+                                          </p:spTgt>
+                                        </p:tgtEl>
+                                      </p:cBhvr>
+                                    </p:animEffect>
+                                  </p:childTnLst>
+                                </p:cTn>
+                              </p:par>
+                            </p:childTnLst>
+                          </p:cTn>
+                        </p:par>
+                      </p:childTnLst>
+                    </p:cTn>
+                  </p:par>
+                  <p:par>
+                    <p:cTn id="8" fill="hold">
+                      <p:stCondLst>
+                        <p:cond delay="indefinite"/>
+                      </p:stCondLst>
+                      <p:childTnLst>
+                        <p:par>
+                          <p:cTn id="9" fill="hold">
+                            <p:stCondLst>
+                              <p:cond delay="0"/>
+                            </p:stCondLst>
+                            <p:childTnLst>
+                              <p:par>
+                                <p:cTn id="10" presetID="10" presetClass="entr" presetSubtype="0" fill="hold" nodeType="clickEffect">
+                                  <p:stCondLst>
+                                    <p:cond delay="0"/>
+                                  </p:stCondLst>
+                                  <p:childTnLst>
+                                    <p:set>
+                                      <p:cBhvr>
+                                        <p:cTn id="11" dur="1" fill="hold">
+                                          <p:stCondLst>
+                                            <p:cond delay="0"/>
+                                          </p:stCondLst>
+                                        </p:cTn>
+                                        <p:tgtEl>
+                                          <p:spTgt spid="3">
+                                            <p:txEl>
+                                              <p:pRg st="5" end="5"/>
+                                            </p:txEl>
+                                          </p:spTgt>
+                                        </p:tgtEl>
+                                        <p:attrNameLst>
+                                          <p:attrName>style.visibility</p:attrName>
+                                        </p:attrNameLst>
+                                      </p:cBhvr>
+                                      <p:to>
+                                        <p:strVal val="visible"/>
+                                      </p:to>
+                                    </p:set>
+                                    <p:animEffect transition="in" filter="fade">
+                                      <p:cBhvr>
+                                        <p:cTn id="12" dur="500"/>
+                                        <p:tgtEl>
+                                          <p:spTgt spid="3">
+                                            <p:txEl>
+                                              <p:pRg st="5" end="5"/>
+                                            </p:txEl>
+                                          </p:spTgt>
+                                        </p:tgtEl>
+                                      </p:cBhvr>
+                                    </p:animEffect>
+                                  </p:childTnLst>
+                                </p:cTn>
+                              </p:par>
+                              <p:par>
+                                <p:cTn id="13" presetID="10" presetClass="entr" presetSubtype="0" fill="hold" nodeType="withEffect">
+                                  <p:stCondLst>
+                                    <p:cond delay="0"/>
+                                  </p:stCondLst>
+                                  <p:childTnLst>
+                                    <p:set>
+                                      <p:cBhvr>
+                                        <p:cTn id="14" dur="1" fill="hold">
+                                          <p:stCondLst>
+                                            <p:cond delay="0"/>
+                                          </p:stCondLst>
+                                        </p:cTn>
+                                        <p:tgtEl>
+                                          <p:spTgt spid="3">
+                                            <p:txEl>
+                                              <p:pRg st="6" end="6"/>
+                                            </p:txEl>
+                                          </p:spTgt>
+                                        </p:tgtEl>
+                                        <p:attrNameLst>
+                                          <p:attrName>style.visibility</p:attrName>
+                                        </p:attrNameLst>
+                                      </p:cBhvr>
+                                      <p:to>
+                                        <p:strVal val="visible"/>
+                                      </p:to>
+                                    </p:set>
+                                    <p:animEffect transition="in" filter="fade">
+                                      <p:cBhvr>
+                                        <p:cTn id="15" dur="500"/>
+                                        <p:tgtEl>
+                                          <p:spTgt spid="3">
+                                            <p:txEl>
+                                              <p:pRg st="6" end="6"/>
+                                            </p:txEl>
+                                          </p:spTgt>
+                                        </p:tgtEl>
+                                      </p:cBhvr>
+                                    </p:animEffect>
+                                  </p:childTnLst>
+                                </p:cTn>
+                              </p:par>
+                              <p:par>
+                                <p:cTn id="16" presetID="10" presetClass="entr" presetSubtype="0" fill="hold" nodeType="withEffect">
+                                  <p:stCondLst>
+                                    <p:cond delay="0"/>
+                                  </p:stCondLst>
+                                  <p:childTnLst>
+                                    <p:set>
+                                      <p:cBhvr>
+                                        <p:cTn id="17" dur="1" fill="hold">
+                                          <p:stCondLst>
+                                            <p:cond delay="0"/>
+                                          </p:stCondLst>
+                                        </p:cTn>
+                                        <p:tgtEl>
+                                          <p:spTgt spid="3">
+                                            <p:txEl>
+                                              <p:pRg st="8" end="8"/>
+                                            </p:txEl>
+                                          </p:spTgt>
+                                        </p:tgtEl>
+                                        <p:attrNameLst>
+                                          <p:attrName>style.visibility</p:attrName>
+                                        </p:attrNameLst>
+                                      </p:cBhvr>
+                                      <p:to>
+                                        <p:strVal val="visible"/>
+                                      </p:to>
+                                    </p:set>
+                                    <p:animEffect transition="in" filter="fade">
+                                      <p:cBhvr>
+                                        <p:cTn id="18" dur="500"/>
+                                        <p:tgtEl>
+                                          <p:spTgt spid="3">
+                                            <p:txEl>
+                                              <p:pRg st="8" end="8"/>
+                                            </p:txEl>
+                                          </p:spTgt>
+                                        </p:tgtEl>
+                                      </p:cBhvr>
+                                    </p:animEffect>
+                                  </p:childTnLst>
+                                </p:cTn>
+                              </p:par>
+                            </p:childTnLst>
+                          </p:cTn>
+                        </p:par>
+                      </p:childTnLst>
+                    </p:cTn>
+                  </p:par>
+                  <p:par>
+                    <p:cTn id="19" fill="hold">
+                      <p:stCondLst>
+                        <p:cond delay="indefinite"/>
+                      </p:stCondLst>
+                      <p:childTnLst>
+                        <p:par>
+                          <p:cTn id="20" fill="hold">
+                            <p:stCondLst>
+                              <p:cond delay="0"/>
+                            </p:stCondLst>
+                            <p:childTnLst>
+                              <p:par>
+                                <p:cTn id="21" presetID="10" presetClass="entr" presetSubtype="0" fill="hold" nodeType="clickEffect">
+                                  <p:stCondLst>
+                                    <p:cond delay="0"/>
+                                  </p:stCondLst>
+                                  <p:childTnLst>
+                                    <p:set>
+                                      <p:cBhvr>
+                                        <p:cTn id="22" dur="1" fill="hold">
+                                          <p:stCondLst>
+                                            <p:cond delay="0"/>
+                                          </p:stCondLst>
+                                        </p:cTn>
+                                        <p:tgtEl>
+                                          <p:spTgt spid="3">
+                                            <p:txEl>
+                                              <p:pRg st="1" end="1"/>
+                                            </p:txEl>
+                                          </p:spTgt>
+                                        </p:tgtEl>
+                                        <p:attrNameLst>
+                                          <p:attrName>style.visibility</p:attrName>
+                                        </p:attrNameLst>
+                                      </p:cBhvr>
+                                      <p:to>
+                                        <p:strVal val="visible"/>
+                                      </p:to>
+                                    </p:set>
+                                    <p:animEffect transition="in" filter="fade">
+                                      <p:cBhvr>
+                                        <p:cTn id="23" dur="500"/>
+                                        <p:tgtEl>
+                                          <p:spTgt spid="3">
+                                            <p:txEl>
+                                              <p:pRg st="1" end="1"/>
+                                            </p:txEl>
+                                          </p:spTgt>
+                                        </p:tgtEl>
+                                      </p:cBhvr>
+                                    </p:animEffect>
+                                  </p:childTnLst>
+                                </p:cTn>
+                              </p:par>
+                            </p:childTnLst>
+                          </p:cTn>
+                        </p:par>
+                      </p:childTnLst>
+                    </p:cTn>
+                  </p:par>
+                </p:childTnLst>
+              </p:cTn>
+              <p:prevCondLst>
+                <p:cond evt="onPrev" delay="0">
+                  <p:tgtEl>
+                    <p:sldTgt/>
+                  </p:tgtEl>
+                </p:cond>
+              </p:prevCondLst>
+              <p:nextCondLst>
+                <p:cond evt="onNext" delay="0">
+                  <p:tgtEl>
+                    <p:sldTgt/>
+                  </p:tgtEl>
+                </p:cond>
+              </p:nextCondLst>
+            </p:seq>
+          </p:childTnLst>
+        </p:cTn>
       </p:par>
     </p:tnLst>
   </p:timing>
@@ -17563,13 +23010,13 @@
           <p:nvPr>
             <p:extLst>
               <p:ext uri="{D42A27DB-BD31-4B8C-83A1-F6EECF244321}">
-                <p14:modId xmlns:p14="http://schemas.microsoft.com/office/powerpoint/2010/main" val="3819560252"/>
+                <p14:modId xmlns:p14="http://schemas.microsoft.com/office/powerpoint/2010/main" val="2197569194"/>
               </p:ext>
             </p:extLst>
           </p:nvPr>
         </p:nvGraphicFramePr>
         <p:xfrm>
-          <a:off x="1858380" y="2503240"/>
+          <a:off x="1858380" y="2502167"/>
           <a:ext cx="8128000" cy="1584960"/>
         </p:xfrm>
         <a:graphic>
@@ -17749,13 +23196,13 @@
           <p:nvPr>
             <p:extLst>
               <p:ext uri="{D42A27DB-BD31-4B8C-83A1-F6EECF244321}">
-                <p14:modId xmlns:p14="http://schemas.microsoft.com/office/powerpoint/2010/main" val="1041472450"/>
+                <p14:modId xmlns:p14="http://schemas.microsoft.com/office/powerpoint/2010/main" val="97456441"/>
               </p:ext>
             </p:extLst>
           </p:nvPr>
         </p:nvGraphicFramePr>
         <p:xfrm>
-          <a:off x="1858380" y="2498139"/>
+          <a:off x="1858380" y="2492782"/>
           <a:ext cx="8128000" cy="1981200"/>
         </p:xfrm>
         <a:graphic>
@@ -18002,10 +23449,490 @@
   <p:clrMapOvr>
     <a:masterClrMapping/>
   </p:clrMapOvr>
+  <p:transition spd="slow">
+    <p:push/>
+  </p:transition>
   <p:timing>
     <p:tnLst>
       <p:par>
-        <p:cTn id="1" dur="indefinite" restart="never" nodeType="tmRoot"/>
+        <p:cTn id="1" dur="indefinite" restart="never" nodeType="tmRoot">
+          <p:childTnLst>
+            <p:seq concurrent="1" nextAc="seek">
+              <p:cTn id="2" dur="indefinite" nodeType="mainSeq">
+                <p:childTnLst>
+                  <p:par>
+                    <p:cTn id="3" fill="hold">
+                      <p:stCondLst>
+                        <p:cond delay="indefinite"/>
+                      </p:stCondLst>
+                      <p:childTnLst>
+                        <p:par>
+                          <p:cTn id="4" fill="hold">
+                            <p:stCondLst>
+                              <p:cond delay="0"/>
+                            </p:stCondLst>
+                            <p:childTnLst>
+                              <p:par>
+                                <p:cTn id="5" presetID="10" presetClass="entr" presetSubtype="0" fill="hold" nodeType="clickEffect">
+                                  <p:stCondLst>
+                                    <p:cond delay="0"/>
+                                  </p:stCondLst>
+                                  <p:childTnLst>
+                                    <p:set>
+                                      <p:cBhvr>
+                                        <p:cTn id="6" dur="1" fill="hold">
+                                          <p:stCondLst>
+                                            <p:cond delay="0"/>
+                                          </p:stCondLst>
+                                        </p:cTn>
+                                        <p:tgtEl>
+                                          <p:spTgt spid="3">
+                                            <p:txEl>
+                                              <p:pRg st="0" end="0"/>
+                                            </p:txEl>
+                                          </p:spTgt>
+                                        </p:tgtEl>
+                                        <p:attrNameLst>
+                                          <p:attrName>style.visibility</p:attrName>
+                                        </p:attrNameLst>
+                                      </p:cBhvr>
+                                      <p:to>
+                                        <p:strVal val="visible"/>
+                                      </p:to>
+                                    </p:set>
+                                    <p:animEffect transition="in" filter="fade">
+                                      <p:cBhvr>
+                                        <p:cTn id="7" dur="500"/>
+                                        <p:tgtEl>
+                                          <p:spTgt spid="3">
+                                            <p:txEl>
+                                              <p:pRg st="0" end="0"/>
+                                            </p:txEl>
+                                          </p:spTgt>
+                                        </p:tgtEl>
+                                      </p:cBhvr>
+                                    </p:animEffect>
+                                  </p:childTnLst>
+                                </p:cTn>
+                              </p:par>
+                              <p:par>
+                                <p:cTn id="8" presetID="10" presetClass="entr" presetSubtype="0" fill="hold" nodeType="withEffect">
+                                  <p:stCondLst>
+                                    <p:cond delay="0"/>
+                                  </p:stCondLst>
+                                  <p:childTnLst>
+                                    <p:set>
+                                      <p:cBhvr>
+                                        <p:cTn id="9" dur="1" fill="hold">
+                                          <p:stCondLst>
+                                            <p:cond delay="0"/>
+                                          </p:stCondLst>
+                                        </p:cTn>
+                                        <p:tgtEl>
+                                          <p:spTgt spid="3">
+                                            <p:txEl>
+                                              <p:pRg st="1" end="1"/>
+                                            </p:txEl>
+                                          </p:spTgt>
+                                        </p:tgtEl>
+                                        <p:attrNameLst>
+                                          <p:attrName>style.visibility</p:attrName>
+                                        </p:attrNameLst>
+                                      </p:cBhvr>
+                                      <p:to>
+                                        <p:strVal val="visible"/>
+                                      </p:to>
+                                    </p:set>
+                                    <p:animEffect transition="in" filter="fade">
+                                      <p:cBhvr>
+                                        <p:cTn id="10" dur="500"/>
+                                        <p:tgtEl>
+                                          <p:spTgt spid="3">
+                                            <p:txEl>
+                                              <p:pRg st="1" end="1"/>
+                                            </p:txEl>
+                                          </p:spTgt>
+                                        </p:tgtEl>
+                                      </p:cBhvr>
+                                    </p:animEffect>
+                                  </p:childTnLst>
+                                </p:cTn>
+                              </p:par>
+                            </p:childTnLst>
+                          </p:cTn>
+                        </p:par>
+                      </p:childTnLst>
+                    </p:cTn>
+                  </p:par>
+                  <p:par>
+                    <p:cTn id="11" fill="hold">
+                      <p:stCondLst>
+                        <p:cond delay="indefinite"/>
+                      </p:stCondLst>
+                      <p:childTnLst>
+                        <p:par>
+                          <p:cTn id="12" fill="hold">
+                            <p:stCondLst>
+                              <p:cond delay="0"/>
+                            </p:stCondLst>
+                            <p:childTnLst>
+                              <p:par>
+                                <p:cTn id="13" presetID="10" presetClass="entr" presetSubtype="0" fill="hold" nodeType="clickEffect">
+                                  <p:stCondLst>
+                                    <p:cond delay="0"/>
+                                  </p:stCondLst>
+                                  <p:childTnLst>
+                                    <p:set>
+                                      <p:cBhvr>
+                                        <p:cTn id="14" dur="1" fill="hold">
+                                          <p:stCondLst>
+                                            <p:cond delay="0"/>
+                                          </p:stCondLst>
+                                        </p:cTn>
+                                        <p:tgtEl>
+                                          <p:spTgt spid="3">
+                                            <p:txEl>
+                                              <p:pRg st="2" end="2"/>
+                                            </p:txEl>
+                                          </p:spTgt>
+                                        </p:tgtEl>
+                                        <p:attrNameLst>
+                                          <p:attrName>style.visibility</p:attrName>
+                                        </p:attrNameLst>
+                                      </p:cBhvr>
+                                      <p:to>
+                                        <p:strVal val="visible"/>
+                                      </p:to>
+                                    </p:set>
+                                    <p:animEffect transition="in" filter="fade">
+                                      <p:cBhvr>
+                                        <p:cTn id="15" dur="500"/>
+                                        <p:tgtEl>
+                                          <p:spTgt spid="3">
+                                            <p:txEl>
+                                              <p:pRg st="2" end="2"/>
+                                            </p:txEl>
+                                          </p:spTgt>
+                                        </p:tgtEl>
+                                      </p:cBhvr>
+                                    </p:animEffect>
+                                  </p:childTnLst>
+                                </p:cTn>
+                              </p:par>
+                              <p:par>
+                                <p:cTn id="16" presetID="10" presetClass="entr" presetSubtype="0" fill="hold" nodeType="withEffect">
+                                  <p:stCondLst>
+                                    <p:cond delay="0"/>
+                                  </p:stCondLst>
+                                  <p:childTnLst>
+                                    <p:set>
+                                      <p:cBhvr>
+                                        <p:cTn id="17" dur="1" fill="hold">
+                                          <p:stCondLst>
+                                            <p:cond delay="0"/>
+                                          </p:stCondLst>
+                                        </p:cTn>
+                                        <p:tgtEl>
+                                          <p:spTgt spid="4"/>
+                                        </p:tgtEl>
+                                        <p:attrNameLst>
+                                          <p:attrName>style.visibility</p:attrName>
+                                        </p:attrNameLst>
+                                      </p:cBhvr>
+                                      <p:to>
+                                        <p:strVal val="visible"/>
+                                      </p:to>
+                                    </p:set>
+                                    <p:animEffect transition="in" filter="fade">
+                                      <p:cBhvr>
+                                        <p:cTn id="18" dur="500"/>
+                                        <p:tgtEl>
+                                          <p:spTgt spid="4"/>
+                                        </p:tgtEl>
+                                      </p:cBhvr>
+                                    </p:animEffect>
+                                  </p:childTnLst>
+                                </p:cTn>
+                              </p:par>
+                            </p:childTnLst>
+                          </p:cTn>
+                        </p:par>
+                      </p:childTnLst>
+                    </p:cTn>
+                  </p:par>
+                  <p:par>
+                    <p:cTn id="19" fill="hold">
+                      <p:stCondLst>
+                        <p:cond delay="indefinite"/>
+                      </p:stCondLst>
+                      <p:childTnLst>
+                        <p:par>
+                          <p:cTn id="20" fill="hold">
+                            <p:stCondLst>
+                              <p:cond delay="0"/>
+                            </p:stCondLst>
+                            <p:childTnLst>
+                              <p:par>
+                                <p:cTn id="21" presetID="18" presetClass="entr" presetSubtype="12" fill="hold" nodeType="clickEffect">
+                                  <p:stCondLst>
+                                    <p:cond delay="0"/>
+                                  </p:stCondLst>
+                                  <p:childTnLst>
+                                    <p:set>
+                                      <p:cBhvr>
+                                        <p:cTn id="22" dur="1" fill="hold">
+                                          <p:stCondLst>
+                                            <p:cond delay="0"/>
+                                          </p:stCondLst>
+                                        </p:cTn>
+                                        <p:tgtEl>
+                                          <p:spTgt spid="5"/>
+                                        </p:tgtEl>
+                                        <p:attrNameLst>
+                                          <p:attrName>style.visibility</p:attrName>
+                                        </p:attrNameLst>
+                                      </p:cBhvr>
+                                      <p:to>
+                                        <p:strVal val="visible"/>
+                                      </p:to>
+                                    </p:set>
+                                    <p:animEffect transition="in" filter="strips(downLeft)">
+                                      <p:cBhvr>
+                                        <p:cTn id="23" dur="500"/>
+                                        <p:tgtEl>
+                                          <p:spTgt spid="5"/>
+                                        </p:tgtEl>
+                                      </p:cBhvr>
+                                    </p:animEffect>
+                                  </p:childTnLst>
+                                </p:cTn>
+                              </p:par>
+                            </p:childTnLst>
+                          </p:cTn>
+                        </p:par>
+                      </p:childTnLst>
+                    </p:cTn>
+                  </p:par>
+                  <p:par>
+                    <p:cTn id="24" fill="hold">
+                      <p:stCondLst>
+                        <p:cond delay="indefinite"/>
+                      </p:stCondLst>
+                      <p:childTnLst>
+                        <p:par>
+                          <p:cTn id="25" fill="hold">
+                            <p:stCondLst>
+                              <p:cond delay="0"/>
+                            </p:stCondLst>
+                            <p:childTnLst>
+                              <p:par>
+                                <p:cTn id="26" presetID="18" presetClass="exit" presetSubtype="12" fill="hold" nodeType="clickEffect">
+                                  <p:stCondLst>
+                                    <p:cond delay="0"/>
+                                  </p:stCondLst>
+                                  <p:childTnLst>
+                                    <p:animEffect transition="out" filter="strips(downLeft)">
+                                      <p:cBhvr>
+                                        <p:cTn id="27" dur="500"/>
+                                        <p:tgtEl>
+                                          <p:spTgt spid="5"/>
+                                        </p:tgtEl>
+                                      </p:cBhvr>
+                                    </p:animEffect>
+                                    <p:set>
+                                      <p:cBhvr>
+                                        <p:cTn id="28" dur="1" fill="hold">
+                                          <p:stCondLst>
+                                            <p:cond delay="499"/>
+                                          </p:stCondLst>
+                                        </p:cTn>
+                                        <p:tgtEl>
+                                          <p:spTgt spid="5"/>
+                                        </p:tgtEl>
+                                        <p:attrNameLst>
+                                          <p:attrName>style.visibility</p:attrName>
+                                        </p:attrNameLst>
+                                      </p:cBhvr>
+                                      <p:to>
+                                        <p:strVal val="hidden"/>
+                                      </p:to>
+                                    </p:set>
+                                  </p:childTnLst>
+                                </p:cTn>
+                              </p:par>
+                            </p:childTnLst>
+                          </p:cTn>
+                        </p:par>
+                        <p:par>
+                          <p:cTn id="29" fill="hold">
+                            <p:stCondLst>
+                              <p:cond delay="500"/>
+                            </p:stCondLst>
+                            <p:childTnLst>
+                              <p:par>
+                                <p:cTn id="30" presetID="18" presetClass="entr" presetSubtype="12" fill="hold" nodeType="afterEffect">
+                                  <p:stCondLst>
+                                    <p:cond delay="0"/>
+                                  </p:stCondLst>
+                                  <p:childTnLst>
+                                    <p:set>
+                                      <p:cBhvr>
+                                        <p:cTn id="31" dur="1" fill="hold">
+                                          <p:stCondLst>
+                                            <p:cond delay="0"/>
+                                          </p:stCondLst>
+                                        </p:cTn>
+                                        <p:tgtEl>
+                                          <p:spTgt spid="6"/>
+                                        </p:tgtEl>
+                                        <p:attrNameLst>
+                                          <p:attrName>style.visibility</p:attrName>
+                                        </p:attrNameLst>
+                                      </p:cBhvr>
+                                      <p:to>
+                                        <p:strVal val="visible"/>
+                                      </p:to>
+                                    </p:set>
+                                    <p:animEffect transition="in" filter="strips(downLeft)">
+                                      <p:cBhvr>
+                                        <p:cTn id="32" dur="500"/>
+                                        <p:tgtEl>
+                                          <p:spTgt spid="6"/>
+                                        </p:tgtEl>
+                                      </p:cBhvr>
+                                    </p:animEffect>
+                                  </p:childTnLst>
+                                </p:cTn>
+                              </p:par>
+                            </p:childTnLst>
+                          </p:cTn>
+                        </p:par>
+                      </p:childTnLst>
+                    </p:cTn>
+                  </p:par>
+                  <p:par>
+                    <p:cTn id="33" fill="hold">
+                      <p:stCondLst>
+                        <p:cond delay="indefinite"/>
+                      </p:stCondLst>
+                      <p:childTnLst>
+                        <p:par>
+                          <p:cTn id="34" fill="hold">
+                            <p:stCondLst>
+                              <p:cond delay="0"/>
+                            </p:stCondLst>
+                            <p:childTnLst>
+                              <p:par>
+                                <p:cTn id="35" presetID="10" presetClass="entr" presetSubtype="0" fill="hold" nodeType="clickEffect">
+                                  <p:stCondLst>
+                                    <p:cond delay="0"/>
+                                  </p:stCondLst>
+                                  <p:childTnLst>
+                                    <p:set>
+                                      <p:cBhvr>
+                                        <p:cTn id="36" dur="1" fill="hold">
+                                          <p:stCondLst>
+                                            <p:cond delay="0"/>
+                                          </p:stCondLst>
+                                        </p:cTn>
+                                        <p:tgtEl>
+                                          <p:spTgt spid="3">
+                                            <p:txEl>
+                                              <p:pRg st="7" end="7"/>
+                                            </p:txEl>
+                                          </p:spTgt>
+                                        </p:tgtEl>
+                                        <p:attrNameLst>
+                                          <p:attrName>style.visibility</p:attrName>
+                                        </p:attrNameLst>
+                                      </p:cBhvr>
+                                      <p:to>
+                                        <p:strVal val="visible"/>
+                                      </p:to>
+                                    </p:set>
+                                    <p:animEffect transition="in" filter="fade">
+                                      <p:cBhvr>
+                                        <p:cTn id="37" dur="500"/>
+                                        <p:tgtEl>
+                                          <p:spTgt spid="3">
+                                            <p:txEl>
+                                              <p:pRg st="7" end="7"/>
+                                            </p:txEl>
+                                          </p:spTgt>
+                                        </p:tgtEl>
+                                      </p:cBhvr>
+                                    </p:animEffect>
+                                  </p:childTnLst>
+                                </p:cTn>
+                              </p:par>
+                              <p:par>
+                                <p:cTn id="38" presetID="10" presetClass="entr" presetSubtype="0" fill="hold" nodeType="withEffect">
+                                  <p:stCondLst>
+                                    <p:cond delay="0"/>
+                                  </p:stCondLst>
+                                  <p:childTnLst>
+                                    <p:set>
+                                      <p:cBhvr>
+                                        <p:cTn id="39" dur="1" fill="hold">
+                                          <p:stCondLst>
+                                            <p:cond delay="0"/>
+                                          </p:stCondLst>
+                                        </p:cTn>
+                                        <p:tgtEl>
+                                          <p:spTgt spid="3">
+                                            <p:txEl>
+                                              <p:pRg st="8" end="8"/>
+                                            </p:txEl>
+                                          </p:spTgt>
+                                        </p:tgtEl>
+                                        <p:attrNameLst>
+                                          <p:attrName>style.visibility</p:attrName>
+                                        </p:attrNameLst>
+                                      </p:cBhvr>
+                                      <p:to>
+                                        <p:strVal val="visible"/>
+                                      </p:to>
+                                    </p:set>
+                                    <p:animEffect transition="in" filter="fade">
+                                      <p:cBhvr>
+                                        <p:cTn id="40" dur="500"/>
+                                        <p:tgtEl>
+                                          <p:spTgt spid="3">
+                                            <p:txEl>
+                                              <p:pRg st="8" end="8"/>
+                                            </p:txEl>
+                                          </p:spTgt>
+                                        </p:tgtEl>
+                                      </p:cBhvr>
+                                    </p:animEffect>
+                                  </p:childTnLst>
+                                </p:cTn>
+                              </p:par>
+                            </p:childTnLst>
+                          </p:cTn>
+                        </p:par>
+                      </p:childTnLst>
+                    </p:cTn>
+                  </p:par>
+                </p:childTnLst>
+              </p:cTn>
+              <p:prevCondLst>
+                <p:cond evt="onPrev" delay="0">
+                  <p:tgtEl>
+                    <p:sldTgt/>
+                  </p:tgtEl>
+                </p:cond>
+              </p:prevCondLst>
+              <p:nextCondLst>
+                <p:cond evt="onNext" delay="0">
+                  <p:tgtEl>
+                    <p:sldTgt/>
+                  </p:tgtEl>
+                </p:cond>
+              </p:nextCondLst>
+            </p:seq>
+          </p:childTnLst>
+        </p:cTn>
       </p:par>
     </p:tnLst>
   </p:timing>
@@ -18466,10 +24393,463 @@
   <p:clrMapOvr>
     <a:masterClrMapping/>
   </p:clrMapOvr>
+  <p:transition spd="slow">
+    <p:push/>
+  </p:transition>
   <p:timing>
     <p:tnLst>
       <p:par>
-        <p:cTn id="1" dur="indefinite" restart="never" nodeType="tmRoot"/>
+        <p:cTn id="1" dur="indefinite" restart="never" nodeType="tmRoot">
+          <p:childTnLst>
+            <p:seq concurrent="1" nextAc="seek">
+              <p:cTn id="2" dur="indefinite" nodeType="mainSeq">
+                <p:childTnLst>
+                  <p:par>
+                    <p:cTn id="3" fill="hold">
+                      <p:stCondLst>
+                        <p:cond delay="indefinite"/>
+                      </p:stCondLst>
+                      <p:childTnLst>
+                        <p:par>
+                          <p:cTn id="4" fill="hold">
+                            <p:stCondLst>
+                              <p:cond delay="0"/>
+                            </p:stCondLst>
+                            <p:childTnLst>
+                              <p:par>
+                                <p:cTn id="5" presetID="10" presetClass="entr" presetSubtype="0" fill="hold" nodeType="clickEffect">
+                                  <p:stCondLst>
+                                    <p:cond delay="0"/>
+                                  </p:stCondLst>
+                                  <p:childTnLst>
+                                    <p:set>
+                                      <p:cBhvr>
+                                        <p:cTn id="6" dur="1" fill="hold">
+                                          <p:stCondLst>
+                                            <p:cond delay="0"/>
+                                          </p:stCondLst>
+                                        </p:cTn>
+                                        <p:tgtEl>
+                                          <p:spTgt spid="3">
+                                            <p:txEl>
+                                              <p:pRg st="0" end="0"/>
+                                            </p:txEl>
+                                          </p:spTgt>
+                                        </p:tgtEl>
+                                        <p:attrNameLst>
+                                          <p:attrName>style.visibility</p:attrName>
+                                        </p:attrNameLst>
+                                      </p:cBhvr>
+                                      <p:to>
+                                        <p:strVal val="visible"/>
+                                      </p:to>
+                                    </p:set>
+                                    <p:animEffect transition="in" filter="fade">
+                                      <p:cBhvr>
+                                        <p:cTn id="7" dur="500"/>
+                                        <p:tgtEl>
+                                          <p:spTgt spid="3">
+                                            <p:txEl>
+                                              <p:pRg st="0" end="0"/>
+                                            </p:txEl>
+                                          </p:spTgt>
+                                        </p:tgtEl>
+                                      </p:cBhvr>
+                                    </p:animEffect>
+                                  </p:childTnLst>
+                                </p:cTn>
+                              </p:par>
+                            </p:childTnLst>
+                          </p:cTn>
+                        </p:par>
+                      </p:childTnLst>
+                    </p:cTn>
+                  </p:par>
+                  <p:par>
+                    <p:cTn id="8" fill="hold">
+                      <p:stCondLst>
+                        <p:cond delay="indefinite"/>
+                      </p:stCondLst>
+                      <p:childTnLst>
+                        <p:par>
+                          <p:cTn id="9" fill="hold">
+                            <p:stCondLst>
+                              <p:cond delay="0"/>
+                            </p:stCondLst>
+                            <p:childTnLst>
+                              <p:par>
+                                <p:cTn id="10" presetID="10" presetClass="entr" presetSubtype="0" fill="hold" nodeType="clickEffect">
+                                  <p:stCondLst>
+                                    <p:cond delay="0"/>
+                                  </p:stCondLst>
+                                  <p:childTnLst>
+                                    <p:set>
+                                      <p:cBhvr>
+                                        <p:cTn id="11" dur="1" fill="hold">
+                                          <p:stCondLst>
+                                            <p:cond delay="0"/>
+                                          </p:stCondLst>
+                                        </p:cTn>
+                                        <p:tgtEl>
+                                          <p:spTgt spid="3">
+                                            <p:txEl>
+                                              <p:pRg st="1" end="1"/>
+                                            </p:txEl>
+                                          </p:spTgt>
+                                        </p:tgtEl>
+                                        <p:attrNameLst>
+                                          <p:attrName>style.visibility</p:attrName>
+                                        </p:attrNameLst>
+                                      </p:cBhvr>
+                                      <p:to>
+                                        <p:strVal val="visible"/>
+                                      </p:to>
+                                    </p:set>
+                                    <p:animEffect transition="in" filter="fade">
+                                      <p:cBhvr>
+                                        <p:cTn id="12" dur="500"/>
+                                        <p:tgtEl>
+                                          <p:spTgt spid="3">
+                                            <p:txEl>
+                                              <p:pRg st="1" end="1"/>
+                                            </p:txEl>
+                                          </p:spTgt>
+                                        </p:tgtEl>
+                                      </p:cBhvr>
+                                    </p:animEffect>
+                                  </p:childTnLst>
+                                </p:cTn>
+                              </p:par>
+                            </p:childTnLst>
+                          </p:cTn>
+                        </p:par>
+                      </p:childTnLst>
+                    </p:cTn>
+                  </p:par>
+                  <p:par>
+                    <p:cTn id="13" fill="hold">
+                      <p:stCondLst>
+                        <p:cond delay="indefinite"/>
+                      </p:stCondLst>
+                      <p:childTnLst>
+                        <p:par>
+                          <p:cTn id="14" fill="hold">
+                            <p:stCondLst>
+                              <p:cond delay="0"/>
+                            </p:stCondLst>
+                            <p:childTnLst>
+                              <p:par>
+                                <p:cTn id="15" presetID="10" presetClass="entr" presetSubtype="0" fill="hold" nodeType="clickEffect">
+                                  <p:stCondLst>
+                                    <p:cond delay="0"/>
+                                  </p:stCondLst>
+                                  <p:childTnLst>
+                                    <p:set>
+                                      <p:cBhvr>
+                                        <p:cTn id="16" dur="1" fill="hold">
+                                          <p:stCondLst>
+                                            <p:cond delay="0"/>
+                                          </p:stCondLst>
+                                        </p:cTn>
+                                        <p:tgtEl>
+                                          <p:spTgt spid="3">
+                                            <p:txEl>
+                                              <p:pRg st="2" end="2"/>
+                                            </p:txEl>
+                                          </p:spTgt>
+                                        </p:tgtEl>
+                                        <p:attrNameLst>
+                                          <p:attrName>style.visibility</p:attrName>
+                                        </p:attrNameLst>
+                                      </p:cBhvr>
+                                      <p:to>
+                                        <p:strVal val="visible"/>
+                                      </p:to>
+                                    </p:set>
+                                    <p:animEffect transition="in" filter="fade">
+                                      <p:cBhvr>
+                                        <p:cTn id="17" dur="500"/>
+                                        <p:tgtEl>
+                                          <p:spTgt spid="3">
+                                            <p:txEl>
+                                              <p:pRg st="2" end="2"/>
+                                            </p:txEl>
+                                          </p:spTgt>
+                                        </p:tgtEl>
+                                      </p:cBhvr>
+                                    </p:animEffect>
+                                  </p:childTnLst>
+                                </p:cTn>
+                              </p:par>
+                            </p:childTnLst>
+                          </p:cTn>
+                        </p:par>
+                      </p:childTnLst>
+                    </p:cTn>
+                  </p:par>
+                  <p:par>
+                    <p:cTn id="18" fill="hold">
+                      <p:stCondLst>
+                        <p:cond delay="indefinite"/>
+                      </p:stCondLst>
+                      <p:childTnLst>
+                        <p:par>
+                          <p:cTn id="19" fill="hold">
+                            <p:stCondLst>
+                              <p:cond delay="0"/>
+                            </p:stCondLst>
+                            <p:childTnLst>
+                              <p:par>
+                                <p:cTn id="20" presetID="10" presetClass="entr" presetSubtype="0" fill="hold" nodeType="clickEffect">
+                                  <p:stCondLst>
+                                    <p:cond delay="0"/>
+                                  </p:stCondLst>
+                                  <p:childTnLst>
+                                    <p:set>
+                                      <p:cBhvr>
+                                        <p:cTn id="21" dur="1" fill="hold">
+                                          <p:stCondLst>
+                                            <p:cond delay="0"/>
+                                          </p:stCondLst>
+                                        </p:cTn>
+                                        <p:tgtEl>
+                                          <p:spTgt spid="3">
+                                            <p:txEl>
+                                              <p:pRg st="3" end="3"/>
+                                            </p:txEl>
+                                          </p:spTgt>
+                                        </p:tgtEl>
+                                        <p:attrNameLst>
+                                          <p:attrName>style.visibility</p:attrName>
+                                        </p:attrNameLst>
+                                      </p:cBhvr>
+                                      <p:to>
+                                        <p:strVal val="visible"/>
+                                      </p:to>
+                                    </p:set>
+                                    <p:animEffect transition="in" filter="fade">
+                                      <p:cBhvr>
+                                        <p:cTn id="22" dur="500"/>
+                                        <p:tgtEl>
+                                          <p:spTgt spid="3">
+                                            <p:txEl>
+                                              <p:pRg st="3" end="3"/>
+                                            </p:txEl>
+                                          </p:spTgt>
+                                        </p:tgtEl>
+                                      </p:cBhvr>
+                                    </p:animEffect>
+                                  </p:childTnLst>
+                                </p:cTn>
+                              </p:par>
+                            </p:childTnLst>
+                          </p:cTn>
+                        </p:par>
+                      </p:childTnLst>
+                    </p:cTn>
+                  </p:par>
+                  <p:par>
+                    <p:cTn id="23" fill="hold">
+                      <p:stCondLst>
+                        <p:cond delay="indefinite"/>
+                      </p:stCondLst>
+                      <p:childTnLst>
+                        <p:par>
+                          <p:cTn id="24" fill="hold">
+                            <p:stCondLst>
+                              <p:cond delay="0"/>
+                            </p:stCondLst>
+                            <p:childTnLst>
+                              <p:par>
+                                <p:cTn id="25" presetID="10" presetClass="entr" presetSubtype="0" fill="hold" nodeType="clickEffect">
+                                  <p:stCondLst>
+                                    <p:cond delay="0"/>
+                                  </p:stCondLst>
+                                  <p:childTnLst>
+                                    <p:set>
+                                      <p:cBhvr>
+                                        <p:cTn id="26" dur="1" fill="hold">
+                                          <p:stCondLst>
+                                            <p:cond delay="0"/>
+                                          </p:stCondLst>
+                                        </p:cTn>
+                                        <p:tgtEl>
+                                          <p:spTgt spid="3">
+                                            <p:txEl>
+                                              <p:pRg st="4" end="4"/>
+                                            </p:txEl>
+                                          </p:spTgt>
+                                        </p:tgtEl>
+                                        <p:attrNameLst>
+                                          <p:attrName>style.visibility</p:attrName>
+                                        </p:attrNameLst>
+                                      </p:cBhvr>
+                                      <p:to>
+                                        <p:strVal val="visible"/>
+                                      </p:to>
+                                    </p:set>
+                                    <p:animEffect transition="in" filter="fade">
+                                      <p:cBhvr>
+                                        <p:cTn id="27" dur="500"/>
+                                        <p:tgtEl>
+                                          <p:spTgt spid="3">
+                                            <p:txEl>
+                                              <p:pRg st="4" end="4"/>
+                                            </p:txEl>
+                                          </p:spTgt>
+                                        </p:tgtEl>
+                                      </p:cBhvr>
+                                    </p:animEffect>
+                                  </p:childTnLst>
+                                </p:cTn>
+                              </p:par>
+                            </p:childTnLst>
+                          </p:cTn>
+                        </p:par>
+                      </p:childTnLst>
+                    </p:cTn>
+                  </p:par>
+                  <p:par>
+                    <p:cTn id="28" fill="hold">
+                      <p:stCondLst>
+                        <p:cond delay="indefinite"/>
+                      </p:stCondLst>
+                      <p:childTnLst>
+                        <p:par>
+                          <p:cTn id="29" fill="hold">
+                            <p:stCondLst>
+                              <p:cond delay="0"/>
+                            </p:stCondLst>
+                            <p:childTnLst>
+                              <p:par>
+                                <p:cTn id="30" presetID="10" presetClass="entr" presetSubtype="0" fill="hold" nodeType="clickEffect">
+                                  <p:stCondLst>
+                                    <p:cond delay="0"/>
+                                  </p:stCondLst>
+                                  <p:childTnLst>
+                                    <p:set>
+                                      <p:cBhvr>
+                                        <p:cTn id="31" dur="1" fill="hold">
+                                          <p:stCondLst>
+                                            <p:cond delay="0"/>
+                                          </p:stCondLst>
+                                        </p:cTn>
+                                        <p:tgtEl>
+                                          <p:spTgt spid="3">
+                                            <p:txEl>
+                                              <p:pRg st="5" end="5"/>
+                                            </p:txEl>
+                                          </p:spTgt>
+                                        </p:tgtEl>
+                                        <p:attrNameLst>
+                                          <p:attrName>style.visibility</p:attrName>
+                                        </p:attrNameLst>
+                                      </p:cBhvr>
+                                      <p:to>
+                                        <p:strVal val="visible"/>
+                                      </p:to>
+                                    </p:set>
+                                    <p:animEffect transition="in" filter="fade">
+                                      <p:cBhvr>
+                                        <p:cTn id="32" dur="500"/>
+                                        <p:tgtEl>
+                                          <p:spTgt spid="3">
+                                            <p:txEl>
+                                              <p:pRg st="5" end="5"/>
+                                            </p:txEl>
+                                          </p:spTgt>
+                                        </p:tgtEl>
+                                      </p:cBhvr>
+                                    </p:animEffect>
+                                  </p:childTnLst>
+                                </p:cTn>
+                              </p:par>
+                            </p:childTnLst>
+                          </p:cTn>
+                        </p:par>
+                      </p:childTnLst>
+                    </p:cTn>
+                  </p:par>
+                  <p:par>
+                    <p:cTn id="33" fill="hold">
+                      <p:stCondLst>
+                        <p:cond delay="indefinite"/>
+                      </p:stCondLst>
+                      <p:childTnLst>
+                        <p:par>
+                          <p:cTn id="34" fill="hold">
+                            <p:stCondLst>
+                              <p:cond delay="0"/>
+                            </p:stCondLst>
+                            <p:childTnLst>
+                              <p:par>
+                                <p:cTn id="35" presetID="10" presetClass="entr" presetSubtype="0" fill="hold" nodeType="clickEffect">
+                                  <p:stCondLst>
+                                    <p:cond delay="0"/>
+                                  </p:stCondLst>
+                                  <p:childTnLst>
+                                    <p:set>
+                                      <p:cBhvr>
+                                        <p:cTn id="36" dur="1" fill="hold">
+                                          <p:stCondLst>
+                                            <p:cond delay="0"/>
+                                          </p:stCondLst>
+                                        </p:cTn>
+                                        <p:tgtEl>
+                                          <p:spTgt spid="3">
+                                            <p:txEl>
+                                              <p:pRg st="6" end="6"/>
+                                            </p:txEl>
+                                          </p:spTgt>
+                                        </p:tgtEl>
+                                        <p:attrNameLst>
+                                          <p:attrName>style.visibility</p:attrName>
+                                        </p:attrNameLst>
+                                      </p:cBhvr>
+                                      <p:to>
+                                        <p:strVal val="visible"/>
+                                      </p:to>
+                                    </p:set>
+                                    <p:animEffect transition="in" filter="fade">
+                                      <p:cBhvr>
+                                        <p:cTn id="37" dur="500"/>
+                                        <p:tgtEl>
+                                          <p:spTgt spid="3">
+                                            <p:txEl>
+                                              <p:pRg st="6" end="6"/>
+                                            </p:txEl>
+                                          </p:spTgt>
+                                        </p:tgtEl>
+                                      </p:cBhvr>
+                                    </p:animEffect>
+                                  </p:childTnLst>
+                                </p:cTn>
+                              </p:par>
+                            </p:childTnLst>
+                          </p:cTn>
+                        </p:par>
+                      </p:childTnLst>
+                    </p:cTn>
+                  </p:par>
+                </p:childTnLst>
+              </p:cTn>
+              <p:prevCondLst>
+                <p:cond evt="onPrev" delay="0">
+                  <p:tgtEl>
+                    <p:sldTgt/>
+                  </p:tgtEl>
+                </p:cond>
+              </p:prevCondLst>
+              <p:nextCondLst>
+                <p:cond evt="onNext" delay="0">
+                  <p:tgtEl>
+                    <p:sldTgt/>
+                  </p:tgtEl>
+                </p:cond>
+              </p:nextCondLst>
+            </p:seq>
+          </p:childTnLst>
+        </p:cTn>
       </p:par>
     </p:tnLst>
   </p:timing>
@@ -19122,10 +25502,305 @@
   <p:clrMapOvr>
     <a:masterClrMapping/>
   </p:clrMapOvr>
+  <p:transition spd="slow">
+    <p:push/>
+  </p:transition>
   <p:timing>
     <p:tnLst>
       <p:par>
-        <p:cTn id="1" dur="indefinite" restart="never" nodeType="tmRoot"/>
+        <p:cTn id="1" dur="indefinite" restart="never" nodeType="tmRoot">
+          <p:childTnLst>
+            <p:seq concurrent="1" nextAc="seek">
+              <p:cTn id="2" dur="indefinite" nodeType="mainSeq">
+                <p:childTnLst>
+                  <p:par>
+                    <p:cTn id="3" fill="hold">
+                      <p:stCondLst>
+                        <p:cond delay="indefinite"/>
+                      </p:stCondLst>
+                      <p:childTnLst>
+                        <p:par>
+                          <p:cTn id="4" fill="hold">
+                            <p:stCondLst>
+                              <p:cond delay="0"/>
+                            </p:stCondLst>
+                            <p:childTnLst>
+                              <p:par>
+                                <p:cTn id="5" presetID="10" presetClass="entr" presetSubtype="0" fill="hold" nodeType="clickEffect">
+                                  <p:stCondLst>
+                                    <p:cond delay="0"/>
+                                  </p:stCondLst>
+                                  <p:childTnLst>
+                                    <p:set>
+                                      <p:cBhvr>
+                                        <p:cTn id="6" dur="1" fill="hold">
+                                          <p:stCondLst>
+                                            <p:cond delay="0"/>
+                                          </p:stCondLst>
+                                        </p:cTn>
+                                        <p:tgtEl>
+                                          <p:spTgt spid="3">
+                                            <p:txEl>
+                                              <p:pRg st="2" end="2"/>
+                                            </p:txEl>
+                                          </p:spTgt>
+                                        </p:tgtEl>
+                                        <p:attrNameLst>
+                                          <p:attrName>style.visibility</p:attrName>
+                                        </p:attrNameLst>
+                                      </p:cBhvr>
+                                      <p:to>
+                                        <p:strVal val="visible"/>
+                                      </p:to>
+                                    </p:set>
+                                    <p:animEffect transition="in" filter="fade">
+                                      <p:cBhvr>
+                                        <p:cTn id="7" dur="500"/>
+                                        <p:tgtEl>
+                                          <p:spTgt spid="3">
+                                            <p:txEl>
+                                              <p:pRg st="2" end="2"/>
+                                            </p:txEl>
+                                          </p:spTgt>
+                                        </p:tgtEl>
+                                      </p:cBhvr>
+                                    </p:animEffect>
+                                  </p:childTnLst>
+                                </p:cTn>
+                              </p:par>
+                            </p:childTnLst>
+                          </p:cTn>
+                        </p:par>
+                      </p:childTnLst>
+                    </p:cTn>
+                  </p:par>
+                  <p:par>
+                    <p:cTn id="8" fill="hold">
+                      <p:stCondLst>
+                        <p:cond delay="indefinite"/>
+                      </p:stCondLst>
+                      <p:childTnLst>
+                        <p:par>
+                          <p:cTn id="9" fill="hold">
+                            <p:stCondLst>
+                              <p:cond delay="0"/>
+                            </p:stCondLst>
+                            <p:childTnLst>
+                              <p:par>
+                                <p:cTn id="10" presetID="10" presetClass="entr" presetSubtype="0" fill="hold" nodeType="clickEffect">
+                                  <p:stCondLst>
+                                    <p:cond delay="0"/>
+                                  </p:stCondLst>
+                                  <p:childTnLst>
+                                    <p:set>
+                                      <p:cBhvr>
+                                        <p:cTn id="11" dur="1" fill="hold">
+                                          <p:stCondLst>
+                                            <p:cond delay="0"/>
+                                          </p:stCondLst>
+                                        </p:cTn>
+                                        <p:tgtEl>
+                                          <p:spTgt spid="3">
+                                            <p:txEl>
+                                              <p:pRg st="3" end="3"/>
+                                            </p:txEl>
+                                          </p:spTgt>
+                                        </p:tgtEl>
+                                        <p:attrNameLst>
+                                          <p:attrName>style.visibility</p:attrName>
+                                        </p:attrNameLst>
+                                      </p:cBhvr>
+                                      <p:to>
+                                        <p:strVal val="visible"/>
+                                      </p:to>
+                                    </p:set>
+                                    <p:animEffect transition="in" filter="fade">
+                                      <p:cBhvr>
+                                        <p:cTn id="12" dur="500"/>
+                                        <p:tgtEl>
+                                          <p:spTgt spid="3">
+                                            <p:txEl>
+                                              <p:pRg st="3" end="3"/>
+                                            </p:txEl>
+                                          </p:spTgt>
+                                        </p:tgtEl>
+                                      </p:cBhvr>
+                                    </p:animEffect>
+                                  </p:childTnLst>
+                                </p:cTn>
+                              </p:par>
+                            </p:childTnLst>
+                          </p:cTn>
+                        </p:par>
+                      </p:childTnLst>
+                    </p:cTn>
+                  </p:par>
+                  <p:par>
+                    <p:cTn id="13" fill="hold">
+                      <p:stCondLst>
+                        <p:cond delay="indefinite"/>
+                      </p:stCondLst>
+                      <p:childTnLst>
+                        <p:par>
+                          <p:cTn id="14" fill="hold">
+                            <p:stCondLst>
+                              <p:cond delay="0"/>
+                            </p:stCondLst>
+                            <p:childTnLst>
+                              <p:par>
+                                <p:cTn id="15" presetID="10" presetClass="entr" presetSubtype="0" fill="hold" nodeType="clickEffect">
+                                  <p:stCondLst>
+                                    <p:cond delay="0"/>
+                                  </p:stCondLst>
+                                  <p:childTnLst>
+                                    <p:set>
+                                      <p:cBhvr>
+                                        <p:cTn id="16" dur="1" fill="hold">
+                                          <p:stCondLst>
+                                            <p:cond delay="0"/>
+                                          </p:stCondLst>
+                                        </p:cTn>
+                                        <p:tgtEl>
+                                          <p:spTgt spid="3">
+                                            <p:txEl>
+                                              <p:pRg st="6" end="6"/>
+                                            </p:txEl>
+                                          </p:spTgt>
+                                        </p:tgtEl>
+                                        <p:attrNameLst>
+                                          <p:attrName>style.visibility</p:attrName>
+                                        </p:attrNameLst>
+                                      </p:cBhvr>
+                                      <p:to>
+                                        <p:strVal val="visible"/>
+                                      </p:to>
+                                    </p:set>
+                                    <p:animEffect transition="in" filter="fade">
+                                      <p:cBhvr>
+                                        <p:cTn id="17" dur="500"/>
+                                        <p:tgtEl>
+                                          <p:spTgt spid="3">
+                                            <p:txEl>
+                                              <p:pRg st="6" end="6"/>
+                                            </p:txEl>
+                                          </p:spTgt>
+                                        </p:tgtEl>
+                                      </p:cBhvr>
+                                    </p:animEffect>
+                                  </p:childTnLst>
+                                </p:cTn>
+                              </p:par>
+                              <p:par>
+                                <p:cTn id="18" presetID="10" presetClass="entr" presetSubtype="0" fill="hold" nodeType="withEffect">
+                                  <p:stCondLst>
+                                    <p:cond delay="0"/>
+                                  </p:stCondLst>
+                                  <p:childTnLst>
+                                    <p:set>
+                                      <p:cBhvr>
+                                        <p:cTn id="19" dur="1" fill="hold">
+                                          <p:stCondLst>
+                                            <p:cond delay="0"/>
+                                          </p:stCondLst>
+                                        </p:cTn>
+                                        <p:tgtEl>
+                                          <p:spTgt spid="3">
+                                            <p:txEl>
+                                              <p:pRg st="7" end="7"/>
+                                            </p:txEl>
+                                          </p:spTgt>
+                                        </p:tgtEl>
+                                        <p:attrNameLst>
+                                          <p:attrName>style.visibility</p:attrName>
+                                        </p:attrNameLst>
+                                      </p:cBhvr>
+                                      <p:to>
+                                        <p:strVal val="visible"/>
+                                      </p:to>
+                                    </p:set>
+                                    <p:animEffect transition="in" filter="fade">
+                                      <p:cBhvr>
+                                        <p:cTn id="20" dur="500"/>
+                                        <p:tgtEl>
+                                          <p:spTgt spid="3">
+                                            <p:txEl>
+                                              <p:pRg st="7" end="7"/>
+                                            </p:txEl>
+                                          </p:spTgt>
+                                        </p:tgtEl>
+                                      </p:cBhvr>
+                                    </p:animEffect>
+                                  </p:childTnLst>
+                                </p:cTn>
+                              </p:par>
+                              <p:par>
+                                <p:cTn id="21" presetID="10" presetClass="entr" presetSubtype="0" fill="hold" nodeType="withEffect">
+                                  <p:stCondLst>
+                                    <p:cond delay="0"/>
+                                  </p:stCondLst>
+                                  <p:childTnLst>
+                                    <p:set>
+                                      <p:cBhvr>
+                                        <p:cTn id="22" dur="1" fill="hold">
+                                          <p:stCondLst>
+                                            <p:cond delay="0"/>
+                                          </p:stCondLst>
+                                        </p:cTn>
+                                        <p:tgtEl>
+                                          <p:spTgt spid="3">
+                                            <p:txEl>
+                                              <p:pRg st="8" end="8"/>
+                                            </p:txEl>
+                                          </p:spTgt>
+                                        </p:tgtEl>
+                                        <p:attrNameLst>
+                                          <p:attrName>style.visibility</p:attrName>
+                                        </p:attrNameLst>
+                                      </p:cBhvr>
+                                      <p:to>
+                                        <p:strVal val="visible"/>
+                                      </p:to>
+                                    </p:set>
+                                    <p:animEffect transition="in" filter="fade">
+                                      <p:cBhvr>
+                                        <p:cTn id="23" dur="500"/>
+                                        <p:tgtEl>
+                                          <p:spTgt spid="3">
+                                            <p:txEl>
+                                              <p:pRg st="8" end="8"/>
+                                            </p:txEl>
+                                          </p:spTgt>
+                                        </p:tgtEl>
+                                      </p:cBhvr>
+                                    </p:animEffect>
+                                  </p:childTnLst>
+                                </p:cTn>
+                              </p:par>
+                            </p:childTnLst>
+                          </p:cTn>
+                        </p:par>
+                      </p:childTnLst>
+                    </p:cTn>
+                  </p:par>
+                </p:childTnLst>
+              </p:cTn>
+              <p:prevCondLst>
+                <p:cond evt="onPrev" delay="0">
+                  <p:tgtEl>
+                    <p:sldTgt/>
+                  </p:tgtEl>
+                </p:cond>
+              </p:prevCondLst>
+              <p:nextCondLst>
+                <p:cond evt="onNext" delay="0">
+                  <p:tgtEl>
+                    <p:sldTgt/>
+                  </p:tgtEl>
+                </p:cond>
+              </p:nextCondLst>
+            </p:seq>
+          </p:childTnLst>
+        </p:cTn>
       </p:par>
     </p:tnLst>
   </p:timing>
@@ -19162,7 +25837,7 @@
         <p:spPr/>
         <p:txBody>
           <a:bodyPr>
-            <a:normAutofit fontScale="90000"/>
+            <a:normAutofit/>
           </a:bodyPr>
           <a:lstStyle/>
           <a:p>
@@ -19597,10 +26272,287 @@
   <p:clrMapOvr>
     <a:masterClrMapping/>
   </p:clrMapOvr>
+  <p:transition spd="slow">
+    <p:push/>
+  </p:transition>
   <p:timing>
     <p:tnLst>
       <p:par>
-        <p:cTn id="1" dur="indefinite" restart="never" nodeType="tmRoot"/>
+        <p:cTn id="1" dur="indefinite" restart="never" nodeType="tmRoot">
+          <p:childTnLst>
+            <p:seq concurrent="1" nextAc="seek">
+              <p:cTn id="2" dur="indefinite" nodeType="mainSeq">
+                <p:childTnLst>
+                  <p:par>
+                    <p:cTn id="3" fill="hold">
+                      <p:stCondLst>
+                        <p:cond delay="indefinite"/>
+                      </p:stCondLst>
+                      <p:childTnLst>
+                        <p:par>
+                          <p:cTn id="4" fill="hold">
+                            <p:stCondLst>
+                              <p:cond delay="0"/>
+                            </p:stCondLst>
+                            <p:childTnLst>
+                              <p:par>
+                                <p:cTn id="5" presetID="10" presetClass="entr" presetSubtype="0" fill="hold" nodeType="clickEffect">
+                                  <p:stCondLst>
+                                    <p:cond delay="0"/>
+                                  </p:stCondLst>
+                                  <p:childTnLst>
+                                    <p:set>
+                                      <p:cBhvr>
+                                        <p:cTn id="6" dur="1" fill="hold">
+                                          <p:stCondLst>
+                                            <p:cond delay="0"/>
+                                          </p:stCondLst>
+                                        </p:cTn>
+                                        <p:tgtEl>
+                                          <p:spTgt spid="3">
+                                            <p:txEl>
+                                              <p:pRg st="1" end="1"/>
+                                            </p:txEl>
+                                          </p:spTgt>
+                                        </p:tgtEl>
+                                        <p:attrNameLst>
+                                          <p:attrName>style.visibility</p:attrName>
+                                        </p:attrNameLst>
+                                      </p:cBhvr>
+                                      <p:to>
+                                        <p:strVal val="visible"/>
+                                      </p:to>
+                                    </p:set>
+                                    <p:animEffect transition="in" filter="fade">
+                                      <p:cBhvr>
+                                        <p:cTn id="7" dur="500"/>
+                                        <p:tgtEl>
+                                          <p:spTgt spid="3">
+                                            <p:txEl>
+                                              <p:pRg st="1" end="1"/>
+                                            </p:txEl>
+                                          </p:spTgt>
+                                        </p:tgtEl>
+                                      </p:cBhvr>
+                                    </p:animEffect>
+                                  </p:childTnLst>
+                                </p:cTn>
+                              </p:par>
+                              <p:par>
+                                <p:cTn id="8" presetID="10" presetClass="entr" presetSubtype="0" fill="hold" nodeType="withEffect">
+                                  <p:stCondLst>
+                                    <p:cond delay="0"/>
+                                  </p:stCondLst>
+                                  <p:childTnLst>
+                                    <p:set>
+                                      <p:cBhvr>
+                                        <p:cTn id="9" dur="1" fill="hold">
+                                          <p:stCondLst>
+                                            <p:cond delay="0"/>
+                                          </p:stCondLst>
+                                        </p:cTn>
+                                        <p:tgtEl>
+                                          <p:spTgt spid="3">
+                                            <p:txEl>
+                                              <p:pRg st="2" end="2"/>
+                                            </p:txEl>
+                                          </p:spTgt>
+                                        </p:tgtEl>
+                                        <p:attrNameLst>
+                                          <p:attrName>style.visibility</p:attrName>
+                                        </p:attrNameLst>
+                                      </p:cBhvr>
+                                      <p:to>
+                                        <p:strVal val="visible"/>
+                                      </p:to>
+                                    </p:set>
+                                    <p:animEffect transition="in" filter="fade">
+                                      <p:cBhvr>
+                                        <p:cTn id="10" dur="500"/>
+                                        <p:tgtEl>
+                                          <p:spTgt spid="3">
+                                            <p:txEl>
+                                              <p:pRg st="2" end="2"/>
+                                            </p:txEl>
+                                          </p:spTgt>
+                                        </p:tgtEl>
+                                      </p:cBhvr>
+                                    </p:animEffect>
+                                  </p:childTnLst>
+                                </p:cTn>
+                              </p:par>
+                              <p:par>
+                                <p:cTn id="11" presetID="10" presetClass="entr" presetSubtype="0" fill="hold" nodeType="withEffect">
+                                  <p:stCondLst>
+                                    <p:cond delay="0"/>
+                                  </p:stCondLst>
+                                  <p:childTnLst>
+                                    <p:set>
+                                      <p:cBhvr>
+                                        <p:cTn id="12" dur="1" fill="hold">
+                                          <p:stCondLst>
+                                            <p:cond delay="0"/>
+                                          </p:stCondLst>
+                                        </p:cTn>
+                                        <p:tgtEl>
+                                          <p:spTgt spid="3">
+                                            <p:txEl>
+                                              <p:pRg st="3" end="3"/>
+                                            </p:txEl>
+                                          </p:spTgt>
+                                        </p:tgtEl>
+                                        <p:attrNameLst>
+                                          <p:attrName>style.visibility</p:attrName>
+                                        </p:attrNameLst>
+                                      </p:cBhvr>
+                                      <p:to>
+                                        <p:strVal val="visible"/>
+                                      </p:to>
+                                    </p:set>
+                                    <p:animEffect transition="in" filter="fade">
+                                      <p:cBhvr>
+                                        <p:cTn id="13" dur="500"/>
+                                        <p:tgtEl>
+                                          <p:spTgt spid="3">
+                                            <p:txEl>
+                                              <p:pRg st="3" end="3"/>
+                                            </p:txEl>
+                                          </p:spTgt>
+                                        </p:tgtEl>
+                                      </p:cBhvr>
+                                    </p:animEffect>
+                                  </p:childTnLst>
+                                </p:cTn>
+                              </p:par>
+                              <p:par>
+                                <p:cTn id="14" presetID="10" presetClass="entr" presetSubtype="0" fill="hold" nodeType="withEffect">
+                                  <p:stCondLst>
+                                    <p:cond delay="0"/>
+                                  </p:stCondLst>
+                                  <p:childTnLst>
+                                    <p:set>
+                                      <p:cBhvr>
+                                        <p:cTn id="15" dur="1" fill="hold">
+                                          <p:stCondLst>
+                                            <p:cond delay="0"/>
+                                          </p:stCondLst>
+                                        </p:cTn>
+                                        <p:tgtEl>
+                                          <p:spTgt spid="3">
+                                            <p:txEl>
+                                              <p:pRg st="4" end="4"/>
+                                            </p:txEl>
+                                          </p:spTgt>
+                                        </p:tgtEl>
+                                        <p:attrNameLst>
+                                          <p:attrName>style.visibility</p:attrName>
+                                        </p:attrNameLst>
+                                      </p:cBhvr>
+                                      <p:to>
+                                        <p:strVal val="visible"/>
+                                      </p:to>
+                                    </p:set>
+                                    <p:animEffect transition="in" filter="fade">
+                                      <p:cBhvr>
+                                        <p:cTn id="16" dur="500"/>
+                                        <p:tgtEl>
+                                          <p:spTgt spid="3">
+                                            <p:txEl>
+                                              <p:pRg st="4" end="4"/>
+                                            </p:txEl>
+                                          </p:spTgt>
+                                        </p:tgtEl>
+                                      </p:cBhvr>
+                                    </p:animEffect>
+                                  </p:childTnLst>
+                                </p:cTn>
+                              </p:par>
+                            </p:childTnLst>
+                          </p:cTn>
+                        </p:par>
+                      </p:childTnLst>
+                    </p:cTn>
+                  </p:par>
+                  <p:par>
+                    <p:cTn id="17" fill="hold">
+                      <p:stCondLst>
+                        <p:cond delay="indefinite"/>
+                      </p:stCondLst>
+                      <p:childTnLst>
+                        <p:par>
+                          <p:cTn id="18" fill="hold">
+                            <p:stCondLst>
+                              <p:cond delay="0"/>
+                            </p:stCondLst>
+                            <p:childTnLst>
+                              <p:par>
+                                <p:cTn id="19" presetID="10" presetClass="entr" presetSubtype="0" fill="hold" nodeType="clickEffect">
+                                  <p:stCondLst>
+                                    <p:cond delay="0"/>
+                                  </p:stCondLst>
+                                  <p:childTnLst>
+                                    <p:set>
+                                      <p:cBhvr>
+                                        <p:cTn id="20" dur="1" fill="hold">
+                                          <p:stCondLst>
+                                            <p:cond delay="0"/>
+                                          </p:stCondLst>
+                                        </p:cTn>
+                                        <p:tgtEl>
+                                          <p:spTgt spid="3">
+                                            <p:txEl>
+                                              <p:pRg st="7" end="7"/>
+                                            </p:txEl>
+                                          </p:spTgt>
+                                        </p:tgtEl>
+                                        <p:attrNameLst>
+                                          <p:attrName>style.visibility</p:attrName>
+                                        </p:attrNameLst>
+                                      </p:cBhvr>
+                                      <p:to>
+                                        <p:strVal val="visible"/>
+                                      </p:to>
+                                    </p:set>
+                                    <p:animEffect transition="in" filter="fade">
+                                      <p:cBhvr>
+                                        <p:cTn id="21" dur="500"/>
+                                        <p:tgtEl>
+                                          <p:spTgt spid="3">
+                                            <p:txEl>
+                                              <p:pRg st="7" end="7"/>
+                                            </p:txEl>
+                                          </p:spTgt>
+                                        </p:tgtEl>
+                                      </p:cBhvr>
+                                    </p:animEffect>
+                                  </p:childTnLst>
+                                </p:cTn>
+                              </p:par>
+                            </p:childTnLst>
+                          </p:cTn>
+                        </p:par>
+                      </p:childTnLst>
+                    </p:cTn>
+                  </p:par>
+                </p:childTnLst>
+              </p:cTn>
+              <p:prevCondLst>
+                <p:cond evt="onPrev" delay="0">
+                  <p:tgtEl>
+                    <p:sldTgt/>
+                  </p:tgtEl>
+                </p:cond>
+              </p:prevCondLst>
+              <p:nextCondLst>
+                <p:cond evt="onNext" delay="0">
+                  <p:tgtEl>
+                    <p:sldTgt/>
+                  </p:tgtEl>
+                </p:cond>
+              </p:nextCondLst>
+            </p:seq>
+          </p:childTnLst>
+        </p:cTn>
       </p:par>
     </p:tnLst>
   </p:timing>
@@ -19637,7 +26589,7 @@
         <p:spPr/>
         <p:txBody>
           <a:bodyPr>
-            <a:normAutofit fontScale="90000"/>
+            <a:normAutofit/>
           </a:bodyPr>
           <a:lstStyle/>
           <a:p>
@@ -19688,6 +26640,9 @@
   <p:clrMapOvr>
     <a:masterClrMapping/>
   </p:clrMapOvr>
+  <p:transition spd="slow">
+    <p:push/>
+  </p:transition>
   <p:timing>
     <p:tnLst>
       <p:par>

--- a/Talk/Shading & Lightning.pptx
+++ b/Talk/Shading & Lightning.pptx
@@ -1398,682 +1398,6 @@
       <dsp:cNvGrpSpPr/>
     </dsp:nvGrpSpPr>
     <dsp:grpSpPr/>
-    <dsp:sp modelId="{52FC016A-B4AE-4347-AA88-D89D3DCA07AD}">
-      <dsp:nvSpPr>
-        <dsp:cNvPr id="0" name=""/>
-        <dsp:cNvSpPr/>
-      </dsp:nvSpPr>
-      <dsp:spPr>
-        <a:xfrm>
-          <a:off x="380202" y="1866"/>
-          <a:ext cx="4344857" cy="1086214"/>
-        </a:xfrm>
-        <a:prstGeom prst="roundRect">
-          <a:avLst>
-            <a:gd name="adj" fmla="val 10000"/>
-          </a:avLst>
-        </a:prstGeom>
-        <a:solidFill>
-          <a:schemeClr val="accent1">
-            <a:hueOff val="0"/>
-            <a:satOff val="0"/>
-            <a:lumOff val="0"/>
-            <a:alphaOff val="0"/>
-          </a:schemeClr>
-        </a:solidFill>
-        <a:ln w="15875" cap="flat" cmpd="sng" algn="ctr">
-          <a:solidFill>
-            <a:schemeClr val="lt1">
-              <a:hueOff val="0"/>
-              <a:satOff val="0"/>
-              <a:lumOff val="0"/>
-              <a:alphaOff val="0"/>
-            </a:schemeClr>
-          </a:solidFill>
-          <a:prstDash val="solid"/>
-        </a:ln>
-        <a:effectLst/>
-      </dsp:spPr>
-      <dsp:style>
-        <a:lnRef idx="2">
-          <a:scrgbClr r="0" g="0" b="0"/>
-        </a:lnRef>
-        <a:fillRef idx="1">
-          <a:scrgbClr r="0" g="0" b="0"/>
-        </a:fillRef>
-        <a:effectRef idx="0">
-          <a:scrgbClr r="0" g="0" b="0"/>
-        </a:effectRef>
-        <a:fontRef idx="minor">
-          <a:schemeClr val="lt1"/>
-        </a:fontRef>
-      </dsp:style>
-      <dsp:txBody>
-        <a:bodyPr spcFirstLastPara="0" vert="horz" wrap="square" lIns="78740" tIns="78740" rIns="78740" bIns="78740" numCol="1" spcCol="1270" anchor="ctr" anchorCtr="0">
-          <a:noAutofit/>
-        </a:bodyPr>
-        <a:lstStyle/>
-        <a:p>
-          <a:pPr lvl="0" algn="ctr" defTabSz="2755900">
-            <a:lnSpc>
-              <a:spcPct val="90000"/>
-            </a:lnSpc>
-            <a:spcBef>
-              <a:spcPct val="0"/>
-            </a:spcBef>
-            <a:spcAft>
-              <a:spcPct val="35000"/>
-            </a:spcAft>
-          </a:pPr>
-          <a:r>
-            <a:rPr lang="de-DE" sz="6200" kern="1200" dirty="0" smtClean="0"/>
-            <a:t>OpenGL</a:t>
-          </a:r>
-          <a:endParaRPr lang="de-DE" sz="6200" kern="1200" dirty="0"/>
-        </a:p>
-      </dsp:txBody>
-      <dsp:txXfrm>
-        <a:off x="412016" y="33680"/>
-        <a:ext cx="4281229" cy="1022586"/>
-      </dsp:txXfrm>
-    </dsp:sp>
-    <dsp:sp modelId="{A37C163D-F833-4A20-B744-E085315ED804}">
-      <dsp:nvSpPr>
-        <dsp:cNvPr id="0" name=""/>
-        <dsp:cNvSpPr/>
-      </dsp:nvSpPr>
-      <dsp:spPr>
-        <a:xfrm rot="5400000">
-          <a:off x="2457587" y="1183124"/>
-          <a:ext cx="190087" cy="190087"/>
-        </a:xfrm>
-        <a:prstGeom prst="rightArrow">
-          <a:avLst>
-            <a:gd name="adj1" fmla="val 66700"/>
-            <a:gd name="adj2" fmla="val 50000"/>
-          </a:avLst>
-        </a:prstGeom>
-        <a:noFill/>
-        <a:ln>
-          <a:noFill/>
-        </a:ln>
-        <a:effectLst/>
-      </dsp:spPr>
-      <dsp:style>
-        <a:lnRef idx="0">
-          <a:scrgbClr r="0" g="0" b="0"/>
-        </a:lnRef>
-        <a:fillRef idx="1">
-          <a:scrgbClr r="0" g="0" b="0"/>
-        </a:fillRef>
-        <a:effectRef idx="0">
-          <a:scrgbClr r="0" g="0" b="0"/>
-        </a:effectRef>
-        <a:fontRef idx="minor">
-          <a:schemeClr val="lt1"/>
-        </a:fontRef>
-      </dsp:style>
-    </dsp:sp>
-    <dsp:sp modelId="{3B1A675A-0B2B-4156-8C44-79E68A2A3893}">
-      <dsp:nvSpPr>
-        <dsp:cNvPr id="0" name=""/>
-        <dsp:cNvSpPr/>
-      </dsp:nvSpPr>
-      <dsp:spPr>
-        <a:xfrm>
-          <a:off x="380202" y="1468255"/>
-          <a:ext cx="4344857" cy="1086214"/>
-        </a:xfrm>
-        <a:prstGeom prst="roundRect">
-          <a:avLst>
-            <a:gd name="adj" fmla="val 10000"/>
-          </a:avLst>
-        </a:prstGeom>
-        <a:solidFill>
-          <a:schemeClr val="accent1">
-            <a:alpha val="90000"/>
-            <a:tint val="40000"/>
-            <a:hueOff val="0"/>
-            <a:satOff val="0"/>
-            <a:lumOff val="0"/>
-            <a:alphaOff val="0"/>
-          </a:schemeClr>
-        </a:solidFill>
-        <a:ln w="15875" cap="flat" cmpd="sng" algn="ctr">
-          <a:solidFill>
-            <a:schemeClr val="accent1">
-              <a:alpha val="90000"/>
-              <a:tint val="40000"/>
-              <a:hueOff val="0"/>
-              <a:satOff val="0"/>
-              <a:lumOff val="0"/>
-              <a:alphaOff val="0"/>
-            </a:schemeClr>
-          </a:solidFill>
-          <a:prstDash val="solid"/>
-        </a:ln>
-        <a:effectLst/>
-      </dsp:spPr>
-      <dsp:style>
-        <a:lnRef idx="2">
-          <a:scrgbClr r="0" g="0" b="0"/>
-        </a:lnRef>
-        <a:fillRef idx="1">
-          <a:scrgbClr r="0" g="0" b="0"/>
-        </a:fillRef>
-        <a:effectRef idx="0">
-          <a:scrgbClr r="0" g="0" b="0"/>
-        </a:effectRef>
-        <a:fontRef idx="minor"/>
-      </dsp:style>
-      <dsp:txBody>
-        <a:bodyPr spcFirstLastPara="0" vert="horz" wrap="square" lIns="41910" tIns="41910" rIns="41910" bIns="41910" numCol="1" spcCol="1270" anchor="ctr" anchorCtr="0">
-          <a:noAutofit/>
-        </a:bodyPr>
-        <a:lstStyle/>
-        <a:p>
-          <a:pPr lvl="0" algn="ctr" defTabSz="1466850">
-            <a:lnSpc>
-              <a:spcPct val="90000"/>
-            </a:lnSpc>
-            <a:spcBef>
-              <a:spcPct val="0"/>
-            </a:spcBef>
-            <a:spcAft>
-              <a:spcPct val="35000"/>
-            </a:spcAft>
-          </a:pPr>
-          <a:r>
-            <a:rPr lang="de-DE" sz="3300" kern="1200" dirty="0" smtClean="0"/>
-            <a:t>GLSL</a:t>
-          </a:r>
-          <a:endParaRPr lang="de-DE" sz="3300" kern="1200" dirty="0"/>
-        </a:p>
-      </dsp:txBody>
-      <dsp:txXfrm>
-        <a:off x="412016" y="1500069"/>
-        <a:ext cx="4281229" cy="1022586"/>
-      </dsp:txXfrm>
-    </dsp:sp>
-    <dsp:sp modelId="{938331B0-C459-49AE-A25A-C7A20F8CC49C}">
-      <dsp:nvSpPr>
-        <dsp:cNvPr id="0" name=""/>
-        <dsp:cNvSpPr/>
-      </dsp:nvSpPr>
-      <dsp:spPr>
-        <a:xfrm rot="5400000">
-          <a:off x="2457587" y="2649513"/>
-          <a:ext cx="190087" cy="190087"/>
-        </a:xfrm>
-        <a:prstGeom prst="rightArrow">
-          <a:avLst>
-            <a:gd name="adj1" fmla="val 66700"/>
-            <a:gd name="adj2" fmla="val 50000"/>
-          </a:avLst>
-        </a:prstGeom>
-        <a:solidFill>
-          <a:schemeClr val="accent1">
-            <a:tint val="60000"/>
-            <a:hueOff val="0"/>
-            <a:satOff val="0"/>
-            <a:lumOff val="0"/>
-            <a:alphaOff val="0"/>
-          </a:schemeClr>
-        </a:solidFill>
-        <a:ln>
-          <a:noFill/>
-        </a:ln>
-        <a:effectLst/>
-      </dsp:spPr>
-      <dsp:style>
-        <a:lnRef idx="0">
-          <a:scrgbClr r="0" g="0" b="0"/>
-        </a:lnRef>
-        <a:fillRef idx="1">
-          <a:scrgbClr r="0" g="0" b="0"/>
-        </a:fillRef>
-        <a:effectRef idx="0">
-          <a:scrgbClr r="0" g="0" b="0"/>
-        </a:effectRef>
-        <a:fontRef idx="minor">
-          <a:schemeClr val="lt1"/>
-        </a:fontRef>
-      </dsp:style>
-    </dsp:sp>
-    <dsp:sp modelId="{ADE13DD1-9DD7-4843-B322-ED18E53A868A}">
-      <dsp:nvSpPr>
-        <dsp:cNvPr id="0" name=""/>
-        <dsp:cNvSpPr/>
-      </dsp:nvSpPr>
-      <dsp:spPr>
-        <a:xfrm>
-          <a:off x="380202" y="2934644"/>
-          <a:ext cx="4344857" cy="1086214"/>
-        </a:xfrm>
-        <a:prstGeom prst="roundRect">
-          <a:avLst>
-            <a:gd name="adj" fmla="val 10000"/>
-          </a:avLst>
-        </a:prstGeom>
-        <a:solidFill>
-          <a:schemeClr val="accent1">
-            <a:alpha val="90000"/>
-            <a:tint val="40000"/>
-            <a:hueOff val="0"/>
-            <a:satOff val="0"/>
-            <a:lumOff val="0"/>
-            <a:alphaOff val="0"/>
-          </a:schemeClr>
-        </a:solidFill>
-        <a:ln w="15875" cap="flat" cmpd="sng" algn="ctr">
-          <a:solidFill>
-            <a:schemeClr val="accent1">
-              <a:alpha val="90000"/>
-              <a:tint val="40000"/>
-              <a:hueOff val="0"/>
-              <a:satOff val="0"/>
-              <a:lumOff val="0"/>
-              <a:alphaOff val="0"/>
-            </a:schemeClr>
-          </a:solidFill>
-          <a:prstDash val="solid"/>
-        </a:ln>
-        <a:effectLst/>
-      </dsp:spPr>
-      <dsp:style>
-        <a:lnRef idx="2">
-          <a:scrgbClr r="0" g="0" b="0"/>
-        </a:lnRef>
-        <a:fillRef idx="1">
-          <a:scrgbClr r="0" g="0" b="0"/>
-        </a:fillRef>
-        <a:effectRef idx="0">
-          <a:scrgbClr r="0" g="0" b="0"/>
-        </a:effectRef>
-        <a:fontRef idx="minor"/>
-      </dsp:style>
-      <dsp:txBody>
-        <a:bodyPr spcFirstLastPara="0" vert="horz" wrap="square" lIns="41910" tIns="41910" rIns="41910" bIns="41910" numCol="1" spcCol="1270" anchor="ctr" anchorCtr="0">
-          <a:noAutofit/>
-        </a:bodyPr>
-        <a:lstStyle/>
-        <a:p>
-          <a:pPr lvl="0" algn="ctr" defTabSz="1466850">
-            <a:lnSpc>
-              <a:spcPct val="90000"/>
-            </a:lnSpc>
-            <a:spcBef>
-              <a:spcPct val="0"/>
-            </a:spcBef>
-            <a:spcAft>
-              <a:spcPct val="35000"/>
-            </a:spcAft>
-          </a:pPr>
-          <a:r>
-            <a:rPr lang="de-DE" sz="3300" kern="1200" dirty="0" smtClean="0"/>
-            <a:t>ARB </a:t>
-          </a:r>
-          <a:r>
-            <a:rPr lang="de-DE" sz="3300" kern="1200" dirty="0" err="1" smtClean="0"/>
-            <a:t>assembly</a:t>
-          </a:r>
-          <a:r>
-            <a:rPr lang="de-DE" sz="3300" kern="1200" dirty="0" smtClean="0"/>
-            <a:t> </a:t>
-          </a:r>
-          <a:r>
-            <a:rPr lang="de-DE" sz="3300" kern="1200" dirty="0" err="1" smtClean="0"/>
-            <a:t>language</a:t>
-          </a:r>
-          <a:endParaRPr lang="de-DE" sz="3300" kern="1200" dirty="0"/>
-        </a:p>
-      </dsp:txBody>
-      <dsp:txXfrm>
-        <a:off x="412016" y="2966458"/>
-        <a:ext cx="4281229" cy="1022586"/>
-      </dsp:txXfrm>
-    </dsp:sp>
-    <dsp:sp modelId="{F77F33D4-3C44-4DEA-B4D2-AEF98CA47908}">
-      <dsp:nvSpPr>
-        <dsp:cNvPr id="0" name=""/>
-        <dsp:cNvSpPr/>
-      </dsp:nvSpPr>
-      <dsp:spPr>
-        <a:xfrm>
-          <a:off x="5333340" y="1866"/>
-          <a:ext cx="4344857" cy="1086214"/>
-        </a:xfrm>
-        <a:prstGeom prst="roundRect">
-          <a:avLst>
-            <a:gd name="adj" fmla="val 10000"/>
-          </a:avLst>
-        </a:prstGeom>
-        <a:solidFill>
-          <a:schemeClr val="accent1">
-            <a:hueOff val="0"/>
-            <a:satOff val="0"/>
-            <a:lumOff val="0"/>
-            <a:alphaOff val="0"/>
-          </a:schemeClr>
-        </a:solidFill>
-        <a:ln w="15875" cap="flat" cmpd="sng" algn="ctr">
-          <a:solidFill>
-            <a:schemeClr val="lt1">
-              <a:hueOff val="0"/>
-              <a:satOff val="0"/>
-              <a:lumOff val="0"/>
-              <a:alphaOff val="0"/>
-            </a:schemeClr>
-          </a:solidFill>
-          <a:prstDash val="solid"/>
-        </a:ln>
-        <a:effectLst/>
-      </dsp:spPr>
-      <dsp:style>
-        <a:lnRef idx="2">
-          <a:scrgbClr r="0" g="0" b="0"/>
-        </a:lnRef>
-        <a:fillRef idx="1">
-          <a:scrgbClr r="0" g="0" b="0"/>
-        </a:fillRef>
-        <a:effectRef idx="0">
-          <a:scrgbClr r="0" g="0" b="0"/>
-        </a:effectRef>
-        <a:fontRef idx="minor">
-          <a:schemeClr val="lt1"/>
-        </a:fontRef>
-      </dsp:style>
-      <dsp:txBody>
-        <a:bodyPr spcFirstLastPara="0" vert="horz" wrap="square" lIns="78740" tIns="78740" rIns="78740" bIns="78740" numCol="1" spcCol="1270" anchor="ctr" anchorCtr="0">
-          <a:noAutofit/>
-        </a:bodyPr>
-        <a:lstStyle/>
-        <a:p>
-          <a:pPr lvl="0" algn="ctr" defTabSz="2755900">
-            <a:lnSpc>
-              <a:spcPct val="90000"/>
-            </a:lnSpc>
-            <a:spcBef>
-              <a:spcPct val="0"/>
-            </a:spcBef>
-            <a:spcAft>
-              <a:spcPct val="35000"/>
-            </a:spcAft>
-          </a:pPr>
-          <a:r>
-            <a:rPr lang="de-DE" sz="6200" kern="1200" dirty="0" smtClean="0"/>
-            <a:t>DirectX</a:t>
-          </a:r>
-          <a:endParaRPr lang="de-DE" sz="6200" kern="1200" dirty="0"/>
-        </a:p>
-      </dsp:txBody>
-      <dsp:txXfrm>
-        <a:off x="5365154" y="33680"/>
-        <a:ext cx="4281229" cy="1022586"/>
-      </dsp:txXfrm>
-    </dsp:sp>
-    <dsp:sp modelId="{2867A9FE-FF8A-4E27-A8E5-CB1A0A56F081}">
-      <dsp:nvSpPr>
-        <dsp:cNvPr id="0" name=""/>
-        <dsp:cNvSpPr/>
-      </dsp:nvSpPr>
-      <dsp:spPr>
-        <a:xfrm rot="5400000">
-          <a:off x="7410724" y="1183124"/>
-          <a:ext cx="190087" cy="190087"/>
-        </a:xfrm>
-        <a:prstGeom prst="rightArrow">
-          <a:avLst>
-            <a:gd name="adj1" fmla="val 66700"/>
-            <a:gd name="adj2" fmla="val 50000"/>
-          </a:avLst>
-        </a:prstGeom>
-        <a:solidFill>
-          <a:schemeClr val="bg1"/>
-        </a:solidFill>
-        <a:ln>
-          <a:noFill/>
-        </a:ln>
-        <a:effectLst/>
-      </dsp:spPr>
-      <dsp:style>
-        <a:lnRef idx="0">
-          <a:scrgbClr r="0" g="0" b="0"/>
-        </a:lnRef>
-        <a:fillRef idx="1">
-          <a:scrgbClr r="0" g="0" b="0"/>
-        </a:fillRef>
-        <a:effectRef idx="0">
-          <a:scrgbClr r="0" g="0" b="0"/>
-        </a:effectRef>
-        <a:fontRef idx="minor">
-          <a:schemeClr val="lt1"/>
-        </a:fontRef>
-      </dsp:style>
-    </dsp:sp>
-    <dsp:sp modelId="{6F36FF42-2D98-4874-8148-53F0648E31CA}">
-      <dsp:nvSpPr>
-        <dsp:cNvPr id="0" name=""/>
-        <dsp:cNvSpPr/>
-      </dsp:nvSpPr>
-      <dsp:spPr>
-        <a:xfrm>
-          <a:off x="5333340" y="1468255"/>
-          <a:ext cx="4344857" cy="1086214"/>
-        </a:xfrm>
-        <a:prstGeom prst="roundRect">
-          <a:avLst>
-            <a:gd name="adj" fmla="val 10000"/>
-          </a:avLst>
-        </a:prstGeom>
-        <a:solidFill>
-          <a:schemeClr val="accent1">
-            <a:alpha val="90000"/>
-            <a:tint val="40000"/>
-            <a:hueOff val="0"/>
-            <a:satOff val="0"/>
-            <a:lumOff val="0"/>
-            <a:alphaOff val="0"/>
-          </a:schemeClr>
-        </a:solidFill>
-        <a:ln w="15875" cap="flat" cmpd="sng" algn="ctr">
-          <a:solidFill>
-            <a:schemeClr val="accent1">
-              <a:alpha val="90000"/>
-              <a:tint val="40000"/>
-              <a:hueOff val="0"/>
-              <a:satOff val="0"/>
-              <a:lumOff val="0"/>
-              <a:alphaOff val="0"/>
-            </a:schemeClr>
-          </a:solidFill>
-          <a:prstDash val="solid"/>
-        </a:ln>
-        <a:effectLst/>
-      </dsp:spPr>
-      <dsp:style>
-        <a:lnRef idx="2">
-          <a:scrgbClr r="0" g="0" b="0"/>
-        </a:lnRef>
-        <a:fillRef idx="1">
-          <a:scrgbClr r="0" g="0" b="0"/>
-        </a:fillRef>
-        <a:effectRef idx="0">
-          <a:scrgbClr r="0" g="0" b="0"/>
-        </a:effectRef>
-        <a:fontRef idx="minor"/>
-      </dsp:style>
-      <dsp:txBody>
-        <a:bodyPr spcFirstLastPara="0" vert="horz" wrap="square" lIns="41910" tIns="41910" rIns="41910" bIns="41910" numCol="1" spcCol="1270" anchor="ctr" anchorCtr="0">
-          <a:noAutofit/>
-        </a:bodyPr>
-        <a:lstStyle/>
-        <a:p>
-          <a:pPr lvl="0" algn="ctr" defTabSz="1466850">
-            <a:lnSpc>
-              <a:spcPct val="90000"/>
-            </a:lnSpc>
-            <a:spcBef>
-              <a:spcPct val="0"/>
-            </a:spcBef>
-            <a:spcAft>
-              <a:spcPct val="35000"/>
-            </a:spcAft>
-          </a:pPr>
-          <a:r>
-            <a:rPr lang="de-DE" sz="3300" kern="1200" dirty="0" smtClean="0"/>
-            <a:t>HLSL</a:t>
-          </a:r>
-          <a:endParaRPr lang="de-DE" sz="3300" kern="1200" dirty="0"/>
-        </a:p>
-      </dsp:txBody>
-      <dsp:txXfrm>
-        <a:off x="5365154" y="1500069"/>
-        <a:ext cx="4281229" cy="1022586"/>
-      </dsp:txXfrm>
-    </dsp:sp>
-    <dsp:sp modelId="{19559425-F742-4927-AC69-6CB1E3345327}">
-      <dsp:nvSpPr>
-        <dsp:cNvPr id="0" name=""/>
-        <dsp:cNvSpPr/>
-      </dsp:nvSpPr>
-      <dsp:spPr>
-        <a:xfrm rot="5400000">
-          <a:off x="7410724" y="2649513"/>
-          <a:ext cx="190087" cy="190087"/>
-        </a:xfrm>
-        <a:prstGeom prst="rightArrow">
-          <a:avLst>
-            <a:gd name="adj1" fmla="val 66700"/>
-            <a:gd name="adj2" fmla="val 50000"/>
-          </a:avLst>
-        </a:prstGeom>
-        <a:solidFill>
-          <a:schemeClr val="accent1">
-            <a:tint val="60000"/>
-            <a:hueOff val="0"/>
-            <a:satOff val="0"/>
-            <a:lumOff val="0"/>
-            <a:alphaOff val="0"/>
-          </a:schemeClr>
-        </a:solidFill>
-        <a:ln>
-          <a:noFill/>
-        </a:ln>
-        <a:effectLst/>
-      </dsp:spPr>
-      <dsp:style>
-        <a:lnRef idx="0">
-          <a:scrgbClr r="0" g="0" b="0"/>
-        </a:lnRef>
-        <a:fillRef idx="1">
-          <a:scrgbClr r="0" g="0" b="0"/>
-        </a:fillRef>
-        <a:effectRef idx="0">
-          <a:scrgbClr r="0" g="0" b="0"/>
-        </a:effectRef>
-        <a:fontRef idx="minor">
-          <a:schemeClr val="lt1"/>
-        </a:fontRef>
-      </dsp:style>
-    </dsp:sp>
-    <dsp:sp modelId="{DC9E1B48-B852-4A26-A78A-0476CCBCB922}">
-      <dsp:nvSpPr>
-        <dsp:cNvPr id="0" name=""/>
-        <dsp:cNvSpPr/>
-      </dsp:nvSpPr>
-      <dsp:spPr>
-        <a:xfrm>
-          <a:off x="5333340" y="2934644"/>
-          <a:ext cx="4344857" cy="1086214"/>
-        </a:xfrm>
-        <a:prstGeom prst="roundRect">
-          <a:avLst>
-            <a:gd name="adj" fmla="val 10000"/>
-          </a:avLst>
-        </a:prstGeom>
-        <a:solidFill>
-          <a:schemeClr val="accent1">
-            <a:alpha val="90000"/>
-            <a:tint val="40000"/>
-            <a:hueOff val="0"/>
-            <a:satOff val="0"/>
-            <a:lumOff val="0"/>
-            <a:alphaOff val="0"/>
-          </a:schemeClr>
-        </a:solidFill>
-        <a:ln w="15875" cap="flat" cmpd="sng" algn="ctr">
-          <a:solidFill>
-            <a:schemeClr val="accent1">
-              <a:alpha val="90000"/>
-              <a:tint val="40000"/>
-              <a:hueOff val="0"/>
-              <a:satOff val="0"/>
-              <a:lumOff val="0"/>
-              <a:alphaOff val="0"/>
-            </a:schemeClr>
-          </a:solidFill>
-          <a:prstDash val="solid"/>
-        </a:ln>
-        <a:effectLst/>
-      </dsp:spPr>
-      <dsp:style>
-        <a:lnRef idx="2">
-          <a:scrgbClr r="0" g="0" b="0"/>
-        </a:lnRef>
-        <a:fillRef idx="1">
-          <a:scrgbClr r="0" g="0" b="0"/>
-        </a:fillRef>
-        <a:effectRef idx="0">
-          <a:scrgbClr r="0" g="0" b="0"/>
-        </a:effectRef>
-        <a:fontRef idx="minor"/>
-      </dsp:style>
-      <dsp:txBody>
-        <a:bodyPr spcFirstLastPara="0" vert="horz" wrap="square" lIns="41910" tIns="41910" rIns="41910" bIns="41910" numCol="1" spcCol="1270" anchor="ctr" anchorCtr="0">
-          <a:noAutofit/>
-        </a:bodyPr>
-        <a:lstStyle/>
-        <a:p>
-          <a:pPr lvl="0" algn="ctr" defTabSz="1466850">
-            <a:lnSpc>
-              <a:spcPct val="90000"/>
-            </a:lnSpc>
-            <a:spcBef>
-              <a:spcPct val="0"/>
-            </a:spcBef>
-            <a:spcAft>
-              <a:spcPct val="35000"/>
-            </a:spcAft>
-          </a:pPr>
-          <a:r>
-            <a:rPr lang="de-DE" sz="3300" kern="1200" dirty="0" smtClean="0"/>
-            <a:t>DirectX </a:t>
-          </a:r>
-          <a:r>
-            <a:rPr lang="de-DE" sz="3300" kern="1200" dirty="0" err="1" smtClean="0"/>
-            <a:t>Shader</a:t>
-          </a:r>
-          <a:r>
-            <a:rPr lang="de-DE" sz="3300" kern="1200" dirty="0" smtClean="0"/>
-            <a:t> </a:t>
-          </a:r>
-          <a:r>
-            <a:rPr lang="de-DE" sz="3300" kern="1200" dirty="0" err="1" smtClean="0"/>
-            <a:t>Assembly</a:t>
-          </a:r>
-          <a:r>
-            <a:rPr lang="de-DE" sz="3300" kern="1200" dirty="0" smtClean="0"/>
-            <a:t> Language</a:t>
-          </a:r>
-          <a:endParaRPr lang="de-DE" sz="3300" kern="1200" dirty="0"/>
-        </a:p>
-      </dsp:txBody>
-      <dsp:txXfrm>
-        <a:off x="5365154" y="2966458"/>
-        <a:ext cx="4281229" cy="1022586"/>
-      </dsp:txXfrm>
-    </dsp:sp>
   </dsp:spTree>
 </dsp:drawing>
 </file>
@@ -3600,7 +2924,7 @@
           <a:p>
             <a:fld id="{28C1DA9B-C2C1-4415-8F90-1515AC91E8D9}" type="datetimeFigureOut">
               <a:rPr lang="de-DE" smtClean="0"/>
-              <a:t>23.05.2016</a:t>
+              <a:t>24.05.2016</a:t>
             </a:fld>
             <a:endParaRPr lang="de-DE"/>
           </a:p>
@@ -3818,7 +3142,7 @@
           <a:p>
             <a:fld id="{28C1DA9B-C2C1-4415-8F90-1515AC91E8D9}" type="datetimeFigureOut">
               <a:rPr lang="de-DE" smtClean="0"/>
-              <a:t>23.05.2016</a:t>
+              <a:t>24.05.2016</a:t>
             </a:fld>
             <a:endParaRPr lang="de-DE"/>
           </a:p>
@@ -4084,7 +3408,7 @@
           <a:p>
             <a:fld id="{28C1DA9B-C2C1-4415-8F90-1515AC91E8D9}" type="datetimeFigureOut">
               <a:rPr lang="de-DE" smtClean="0"/>
-              <a:t>23.05.2016</a:t>
+              <a:t>24.05.2016</a:t>
             </a:fld>
             <a:endParaRPr lang="de-DE"/>
           </a:p>
@@ -4279,7 +3603,7 @@
           <a:p>
             <a:fld id="{28C1DA9B-C2C1-4415-8F90-1515AC91E8D9}" type="datetimeFigureOut">
               <a:rPr lang="de-DE" smtClean="0"/>
-              <a:t>23.05.2016</a:t>
+              <a:t>24.05.2016</a:t>
             </a:fld>
             <a:endParaRPr lang="de-DE"/>
           </a:p>
@@ -4710,7 +4034,7 @@
           <a:p>
             <a:fld id="{28C1DA9B-C2C1-4415-8F90-1515AC91E8D9}" type="datetimeFigureOut">
               <a:rPr lang="de-DE" smtClean="0"/>
-              <a:t>23.05.2016</a:t>
+              <a:t>24.05.2016</a:t>
             </a:fld>
             <a:endParaRPr lang="de-DE"/>
           </a:p>
@@ -4995,7 +4319,7 @@
           <a:p>
             <a:fld id="{28C1DA9B-C2C1-4415-8F90-1515AC91E8D9}" type="datetimeFigureOut">
               <a:rPr lang="de-DE" smtClean="0"/>
-              <a:t>23.05.2016</a:t>
+              <a:t>24.05.2016</a:t>
             </a:fld>
             <a:endParaRPr lang="de-DE"/>
           </a:p>
@@ -5384,7 +4708,7 @@
           <a:p>
             <a:fld id="{28C1DA9B-C2C1-4415-8F90-1515AC91E8D9}" type="datetimeFigureOut">
               <a:rPr lang="de-DE" smtClean="0"/>
-              <a:t>23.05.2016</a:t>
+              <a:t>24.05.2016</a:t>
             </a:fld>
             <a:endParaRPr lang="de-DE"/>
           </a:p>
@@ -5512,7 +4836,7 @@
           <a:p>
             <a:fld id="{28C1DA9B-C2C1-4415-8F90-1515AC91E8D9}" type="datetimeFigureOut">
               <a:rPr lang="de-DE" smtClean="0"/>
-              <a:t>23.05.2016</a:t>
+              <a:t>24.05.2016</a:t>
             </a:fld>
             <a:endParaRPr lang="de-DE"/>
           </a:p>
@@ -5693,7 +5017,7 @@
           <a:p>
             <a:fld id="{28C1DA9B-C2C1-4415-8F90-1515AC91E8D9}" type="datetimeFigureOut">
               <a:rPr lang="de-DE" smtClean="0"/>
-              <a:t>23.05.2016</a:t>
+              <a:t>24.05.2016</a:t>
             </a:fld>
             <a:endParaRPr lang="de-DE"/>
           </a:p>
@@ -6050,7 +5374,7 @@
           <a:p>
             <a:fld id="{28C1DA9B-C2C1-4415-8F90-1515AC91E8D9}" type="datetimeFigureOut">
               <a:rPr lang="de-DE" smtClean="0"/>
-              <a:t>23.05.2016</a:t>
+              <a:t>24.05.2016</a:t>
             </a:fld>
             <a:endParaRPr lang="de-DE"/>
           </a:p>
@@ -6435,7 +5759,7 @@
           <a:p>
             <a:fld id="{28C1DA9B-C2C1-4415-8F90-1515AC91E8D9}" type="datetimeFigureOut">
               <a:rPr lang="de-DE" smtClean="0"/>
-              <a:t>23.05.2016</a:t>
+              <a:t>24.05.2016</a:t>
             </a:fld>
             <a:endParaRPr lang="de-DE"/>
           </a:p>
@@ -6725,7 +6049,7 @@
           <a:p>
             <a:fld id="{28C1DA9B-C2C1-4415-8F90-1515AC91E8D9}" type="datetimeFigureOut">
               <a:rPr lang="de-DE" smtClean="0"/>
-              <a:t>23.05.2016</a:t>
+              <a:t>24.05.2016</a:t>
             </a:fld>
             <a:endParaRPr lang="de-DE"/>
           </a:p>
@@ -15915,16 +15239,317 @@
         </p:nvSpPr>
         <p:spPr>
           <a:xfrm>
-            <a:off x="1097280" y="1158857"/>
-            <a:ext cx="10732047" cy="4698661"/>
+            <a:off x="172529" y="1158857"/>
+            <a:ext cx="11846943" cy="5043535"/>
           </a:xfrm>
         </p:spPr>
         <p:txBody>
-          <a:bodyPr/>
+          <a:bodyPr>
+            <a:normAutofit/>
+          </a:bodyPr>
           <a:lstStyle/>
           <a:p>
             <a:r>
               <a:rPr lang="de-DE" sz="1800" dirty="0">
+                <a:solidFill>
+                  <a:srgbClr val="006400"/>
+                </a:solidFill>
+                <a:highlight>
+                  <a:srgbClr val="FFFFFF"/>
+                </a:highlight>
+                <a:latin typeface="Consolas" panose="020B0609020204030204" pitchFamily="49" charset="0"/>
+              </a:rPr>
+              <a:t>// </a:t>
+            </a:r>
+            <a:r>
+              <a:rPr lang="de-DE" sz="1800" dirty="0" err="1">
+                <a:solidFill>
+                  <a:srgbClr val="006400"/>
+                </a:solidFill>
+                <a:highlight>
+                  <a:srgbClr val="FFFFFF"/>
+                </a:highlight>
+                <a:latin typeface="Consolas" panose="020B0609020204030204" pitchFamily="49" charset="0"/>
+              </a:rPr>
+              <a:t>Const</a:t>
+            </a:r>
+            <a:r>
+              <a:rPr lang="de-DE" sz="1800" dirty="0">
+                <a:solidFill>
+                  <a:srgbClr val="006400"/>
+                </a:solidFill>
+                <a:highlight>
+                  <a:srgbClr val="FFFFFF"/>
+                </a:highlight>
+                <a:latin typeface="Consolas" panose="020B0609020204030204" pitchFamily="49" charset="0"/>
+              </a:rPr>
+              <a:t> </a:t>
+            </a:r>
+            <a:r>
+              <a:rPr lang="de-DE" sz="1800" dirty="0" err="1" smtClean="0">
+                <a:solidFill>
+                  <a:srgbClr val="006400"/>
+                </a:solidFill>
+                <a:highlight>
+                  <a:srgbClr val="FFFFFF"/>
+                </a:highlight>
+                <a:latin typeface="Consolas" panose="020B0609020204030204" pitchFamily="49" charset="0"/>
+              </a:rPr>
+              <a:t>inputs</a:t>
+            </a:r>
+            <a:endParaRPr lang="de-DE" sz="1800" dirty="0" smtClean="0">
+              <a:solidFill>
+                <a:srgbClr val="006400"/>
+              </a:solidFill>
+              <a:highlight>
+                <a:srgbClr val="FFFFFF"/>
+              </a:highlight>
+              <a:latin typeface="Consolas" panose="020B0609020204030204" pitchFamily="49" charset="0"/>
+            </a:endParaRPr>
+          </a:p>
+          <a:p>
+            <a:r>
+              <a:rPr lang="de-DE" sz="1800" dirty="0">
+                <a:solidFill>
+                  <a:srgbClr val="1E90FF"/>
+                </a:solidFill>
+                <a:highlight>
+                  <a:srgbClr val="FFFFFF"/>
+                </a:highlight>
+                <a:latin typeface="Consolas" panose="020B0609020204030204" pitchFamily="49" charset="0"/>
+              </a:rPr>
+              <a:t>uniform</a:t>
+            </a:r>
+            <a:r>
+              <a:rPr lang="de-DE" sz="1800" dirty="0">
+                <a:solidFill>
+                  <a:srgbClr val="000000"/>
+                </a:solidFill>
+                <a:highlight>
+                  <a:srgbClr val="FFFFFF"/>
+                </a:highlight>
+                <a:latin typeface="Consolas" panose="020B0609020204030204" pitchFamily="49" charset="0"/>
+              </a:rPr>
+              <a:t> </a:t>
+            </a:r>
+            <a:r>
+              <a:rPr lang="de-DE" sz="1800" dirty="0">
+                <a:solidFill>
+                  <a:srgbClr val="008000"/>
+                </a:solidFill>
+                <a:highlight>
+                  <a:srgbClr val="FFFFFF"/>
+                </a:highlight>
+                <a:latin typeface="Consolas" panose="020B0609020204030204" pitchFamily="49" charset="0"/>
+              </a:rPr>
+              <a:t>vec4</a:t>
+            </a:r>
+            <a:r>
+              <a:rPr lang="de-DE" sz="1800" dirty="0">
+                <a:solidFill>
+                  <a:srgbClr val="000000"/>
+                </a:solidFill>
+                <a:highlight>
+                  <a:srgbClr val="FFFFFF"/>
+                </a:highlight>
+                <a:latin typeface="Consolas" panose="020B0609020204030204" pitchFamily="49" charset="0"/>
+              </a:rPr>
+              <a:t> </a:t>
+            </a:r>
+            <a:r>
+              <a:rPr lang="de-DE" sz="1800" dirty="0" err="1">
+                <a:solidFill>
+                  <a:srgbClr val="000000"/>
+                </a:solidFill>
+                <a:highlight>
+                  <a:srgbClr val="FFFFFF"/>
+                </a:highlight>
+                <a:latin typeface="Consolas" panose="020B0609020204030204" pitchFamily="49" charset="0"/>
+              </a:rPr>
+              <a:t>camera</a:t>
+            </a:r>
+            <a:r>
+              <a:rPr lang="de-DE" sz="1800" dirty="0">
+                <a:solidFill>
+                  <a:srgbClr val="000000"/>
+                </a:solidFill>
+                <a:highlight>
+                  <a:srgbClr val="FFFFFF"/>
+                </a:highlight>
+                <a:latin typeface="Consolas" panose="020B0609020204030204" pitchFamily="49" charset="0"/>
+              </a:rPr>
+              <a:t>;</a:t>
+            </a:r>
+            <a:endParaRPr lang="de-DE" sz="1800" dirty="0" smtClean="0">
+              <a:solidFill>
+                <a:srgbClr val="1E90FF"/>
+              </a:solidFill>
+              <a:highlight>
+                <a:srgbClr val="FFFFFF"/>
+              </a:highlight>
+              <a:latin typeface="Consolas" panose="020B0609020204030204" pitchFamily="49" charset="0"/>
+            </a:endParaRPr>
+          </a:p>
+          <a:p>
+            <a:r>
+              <a:rPr lang="de-DE" sz="1800" dirty="0" smtClean="0">
+                <a:solidFill>
+                  <a:srgbClr val="1E90FF"/>
+                </a:solidFill>
+                <a:highlight>
+                  <a:srgbClr val="FFFFFF"/>
+                </a:highlight>
+                <a:latin typeface="Consolas" panose="020B0609020204030204" pitchFamily="49" charset="0"/>
+              </a:rPr>
+              <a:t>uniform</a:t>
+            </a:r>
+            <a:r>
+              <a:rPr lang="de-DE" sz="1800" dirty="0" smtClean="0">
+                <a:solidFill>
+                  <a:srgbClr val="000000"/>
+                </a:solidFill>
+                <a:highlight>
+                  <a:srgbClr val="FFFFFF"/>
+                </a:highlight>
+                <a:latin typeface="Consolas" panose="020B0609020204030204" pitchFamily="49" charset="0"/>
+              </a:rPr>
+              <a:t> </a:t>
+            </a:r>
+            <a:r>
+              <a:rPr lang="de-DE" sz="1800" dirty="0" err="1">
+                <a:solidFill>
+                  <a:srgbClr val="008000"/>
+                </a:solidFill>
+                <a:highlight>
+                  <a:srgbClr val="FFFFFF"/>
+                </a:highlight>
+                <a:latin typeface="Consolas" panose="020B0609020204030204" pitchFamily="49" charset="0"/>
+              </a:rPr>
+              <a:t>float</a:t>
+            </a:r>
+            <a:r>
+              <a:rPr lang="de-DE" sz="1800" dirty="0">
+                <a:solidFill>
+                  <a:srgbClr val="000000"/>
+                </a:solidFill>
+                <a:highlight>
+                  <a:srgbClr val="FFFFFF"/>
+                </a:highlight>
+                <a:latin typeface="Consolas" panose="020B0609020204030204" pitchFamily="49" charset="0"/>
+              </a:rPr>
+              <a:t> </a:t>
+            </a:r>
+            <a:r>
+              <a:rPr lang="de-DE" sz="1800" dirty="0" err="1">
+                <a:solidFill>
+                  <a:srgbClr val="000000"/>
+                </a:solidFill>
+                <a:highlight>
+                  <a:srgbClr val="FFFFFF"/>
+                </a:highlight>
+                <a:latin typeface="Consolas" panose="020B0609020204030204" pitchFamily="49" charset="0"/>
+              </a:rPr>
+              <a:t>materialSpecular</a:t>
+            </a:r>
+            <a:r>
+              <a:rPr lang="de-DE" sz="1800" dirty="0">
+                <a:solidFill>
+                  <a:srgbClr val="000000"/>
+                </a:solidFill>
+                <a:highlight>
+                  <a:srgbClr val="FFFFFF"/>
+                </a:highlight>
+                <a:latin typeface="Consolas" panose="020B0609020204030204" pitchFamily="49" charset="0"/>
+              </a:rPr>
+              <a:t>;</a:t>
+            </a:r>
+          </a:p>
+          <a:p>
+            <a:r>
+              <a:rPr lang="de-DE" sz="1800" dirty="0">
+                <a:solidFill>
+                  <a:srgbClr val="1E90FF"/>
+                </a:solidFill>
+                <a:highlight>
+                  <a:srgbClr val="FFFFFF"/>
+                </a:highlight>
+                <a:latin typeface="Consolas" panose="020B0609020204030204" pitchFamily="49" charset="0"/>
+              </a:rPr>
+              <a:t>uniform</a:t>
+            </a:r>
+            <a:r>
+              <a:rPr lang="de-DE" sz="1800" dirty="0">
+                <a:solidFill>
+                  <a:srgbClr val="000000"/>
+                </a:solidFill>
+                <a:highlight>
+                  <a:srgbClr val="FFFFFF"/>
+                </a:highlight>
+                <a:latin typeface="Consolas" panose="020B0609020204030204" pitchFamily="49" charset="0"/>
+              </a:rPr>
+              <a:t> </a:t>
+            </a:r>
+            <a:r>
+              <a:rPr lang="de-DE" sz="1800" dirty="0" err="1">
+                <a:solidFill>
+                  <a:srgbClr val="008000"/>
+                </a:solidFill>
+                <a:highlight>
+                  <a:srgbClr val="FFFFFF"/>
+                </a:highlight>
+                <a:latin typeface="Consolas" panose="020B0609020204030204" pitchFamily="49" charset="0"/>
+              </a:rPr>
+              <a:t>float</a:t>
+            </a:r>
+            <a:r>
+              <a:rPr lang="de-DE" sz="1800" dirty="0">
+                <a:solidFill>
+                  <a:srgbClr val="000000"/>
+                </a:solidFill>
+                <a:highlight>
+                  <a:srgbClr val="FFFFFF"/>
+                </a:highlight>
+                <a:latin typeface="Consolas" panose="020B0609020204030204" pitchFamily="49" charset="0"/>
+              </a:rPr>
+              <a:t> </a:t>
+            </a:r>
+            <a:r>
+              <a:rPr lang="de-DE" sz="1800" dirty="0" err="1">
+                <a:solidFill>
+                  <a:srgbClr val="000000"/>
+                </a:solidFill>
+                <a:highlight>
+                  <a:srgbClr val="FFFFFF"/>
+                </a:highlight>
+                <a:latin typeface="Consolas" panose="020B0609020204030204" pitchFamily="49" charset="0"/>
+              </a:rPr>
+              <a:t>materialShininess</a:t>
+            </a:r>
+            <a:r>
+              <a:rPr lang="de-DE" sz="1800" dirty="0">
+                <a:solidFill>
+                  <a:srgbClr val="000000"/>
+                </a:solidFill>
+                <a:highlight>
+                  <a:srgbClr val="FFFFFF"/>
+                </a:highlight>
+                <a:latin typeface="Consolas" panose="020B0609020204030204" pitchFamily="49" charset="0"/>
+              </a:rPr>
+              <a:t>;</a:t>
+            </a:r>
+            <a:endParaRPr lang="de-DE" sz="1800" dirty="0" smtClean="0">
+              <a:solidFill>
+                <a:srgbClr val="696969"/>
+              </a:solidFill>
+              <a:highlight>
+                <a:srgbClr val="FFFFFF"/>
+              </a:highlight>
+              <a:latin typeface="Consolas" panose="020B0609020204030204" pitchFamily="49" charset="0"/>
+            </a:endParaRPr>
+          </a:p>
+          <a:p>
+            <a:r>
+              <a:rPr lang="de-DE" sz="1800" dirty="0" smtClean="0">
                 <a:solidFill>
                   <a:srgbClr val="696969"/>
                 </a:solidFill>
@@ -16049,6 +15674,18 @@
           </a:p>
           <a:p>
             <a:r>
+              <a:rPr lang="de-DE" sz="1800" dirty="0" smtClean="0">
+                <a:solidFill>
+                  <a:srgbClr val="008000"/>
+                </a:solidFill>
+                <a:highlight>
+                  <a:srgbClr val="FFFFFF"/>
+                </a:highlight>
+                <a:latin typeface="Consolas" panose="020B0609020204030204" pitchFamily="49" charset="0"/>
+              </a:rPr>
+              <a:t>	</a:t>
+            </a:r>
+            <a:r>
               <a:rPr lang="de-DE" sz="1800" dirty="0">
                 <a:solidFill>
                   <a:srgbClr val="008000"/>
@@ -16058,7 +15695,7 @@
                 </a:highlight>
                 <a:latin typeface="Consolas" panose="020B0609020204030204" pitchFamily="49" charset="0"/>
               </a:rPr>
-              <a:t>	vec4</a:t>
+              <a:t>vec4</a:t>
             </a:r>
             <a:r>
               <a:rPr lang="de-DE" sz="1800" dirty="0">
@@ -16070,7 +15707,7 @@
                 </a:highlight>
                 <a:latin typeface="Consolas" panose="020B0609020204030204" pitchFamily="49" charset="0"/>
               </a:rPr>
-              <a:t> H = </a:t>
+              <a:t> R = </a:t>
             </a:r>
             <a:r>
               <a:rPr lang="de-DE" sz="1800" b="1" dirty="0" err="1">
@@ -16082,7 +15719,7 @@
                 </a:highlight>
                 <a:latin typeface="Consolas" panose="020B0609020204030204" pitchFamily="49" charset="0"/>
               </a:rPr>
-              <a:t>normalize</a:t>
+              <a:t>reflect</a:t>
             </a:r>
             <a:r>
               <a:rPr lang="de-DE" sz="1800" dirty="0">
@@ -16106,7 +15743,7 @@
                 </a:highlight>
                 <a:latin typeface="Consolas" panose="020B0609020204030204" pitchFamily="49" charset="0"/>
               </a:rPr>
-              <a:t>eye</a:t>
+              <a:t>normLightDir</a:t>
             </a:r>
             <a:r>
               <a:rPr lang="de-DE" sz="1800" dirty="0">
@@ -16118,22 +15755,10 @@
                 </a:highlight>
                 <a:latin typeface="Consolas" panose="020B0609020204030204" pitchFamily="49" charset="0"/>
               </a:rPr>
-              <a:t> - </a:t>
-            </a:r>
-            <a:r>
-              <a:rPr lang="de-DE" sz="1800" dirty="0" err="1">
-                <a:solidFill>
-                  <a:srgbClr val="000000"/>
-                </a:solidFill>
-                <a:highlight>
-                  <a:srgbClr val="FFFFFF"/>
-                </a:highlight>
-                <a:latin typeface="Consolas" panose="020B0609020204030204" pitchFamily="49" charset="0"/>
-              </a:rPr>
-              <a:t>normLightDir</a:t>
-            </a:r>
-            <a:r>
-              <a:rPr lang="de-DE" sz="1800" dirty="0">
+              <a:t>, n</a:t>
+            </a:r>
+            <a:r>
+              <a:rPr lang="de-DE" sz="1800" dirty="0" smtClean="0">
                 <a:solidFill>
                   <a:srgbClr val="000000"/>
                 </a:solidFill>
@@ -16144,22 +15769,381 @@
               </a:rPr>
               <a:t>);</a:t>
             </a:r>
+            <a:endParaRPr lang="de-DE" sz="1800" dirty="0" smtClean="0">
+              <a:solidFill>
+                <a:srgbClr val="000000"/>
+              </a:solidFill>
+              <a:highlight>
+                <a:srgbClr val="FFFFFF"/>
+              </a:highlight>
+              <a:latin typeface="Consolas" panose="020B0609020204030204" pitchFamily="49" charset="0"/>
+            </a:endParaRPr>
           </a:p>
           <a:p>
             <a:pPr marL="0" indent="0">
               <a:buNone/>
             </a:pPr>
             <a:r>
+              <a:rPr lang="de-DE" sz="1800" dirty="0">
+                <a:solidFill>
+                  <a:srgbClr val="000000"/>
+                </a:solidFill>
+                <a:highlight>
+                  <a:srgbClr val="FFFFFF"/>
+                </a:highlight>
+                <a:latin typeface="Consolas" panose="020B0609020204030204" pitchFamily="49" charset="0"/>
+              </a:rPr>
+              <a:t>	</a:t>
+            </a:r>
+            <a:r>
+              <a:rPr lang="en-US" sz="1800" dirty="0" smtClean="0">
+                <a:solidFill>
+                  <a:srgbClr val="008000"/>
+                </a:solidFill>
+                <a:highlight>
+                  <a:srgbClr val="FFFFFF"/>
+                </a:highlight>
+                <a:latin typeface="Consolas" panose="020B0609020204030204" pitchFamily="49" charset="0"/>
+              </a:rPr>
+              <a:t>float</a:t>
+            </a:r>
+            <a:r>
+              <a:rPr lang="en-US" sz="1800" dirty="0" smtClean="0">
+                <a:solidFill>
+                  <a:srgbClr val="000000"/>
+                </a:solidFill>
+                <a:highlight>
+                  <a:srgbClr val="FFFFFF"/>
+                </a:highlight>
+                <a:latin typeface="Consolas" panose="020B0609020204030204" pitchFamily="49" charset="0"/>
+              </a:rPr>
+              <a:t> </a:t>
+            </a:r>
+            <a:r>
+              <a:rPr lang="en-US" sz="1800" dirty="0">
+                <a:solidFill>
+                  <a:srgbClr val="000000"/>
+                </a:solidFill>
+                <a:highlight>
+                  <a:srgbClr val="FFFFFF"/>
+                </a:highlight>
+                <a:latin typeface="Consolas" panose="020B0609020204030204" pitchFamily="49" charset="0"/>
+              </a:rPr>
+              <a:t>specular = </a:t>
+            </a:r>
+            <a:r>
+              <a:rPr lang="en-US" sz="1800" b="1" dirty="0">
+                <a:solidFill>
+                  <a:srgbClr val="800000"/>
+                </a:solidFill>
+                <a:highlight>
+                  <a:srgbClr val="FFFFFF"/>
+                </a:highlight>
+                <a:latin typeface="Consolas" panose="020B0609020204030204" pitchFamily="49" charset="0"/>
+              </a:rPr>
+              <a:t>max</a:t>
+            </a:r>
+            <a:r>
+              <a:rPr lang="en-US" sz="1800" dirty="0">
+                <a:solidFill>
+                  <a:srgbClr val="000000"/>
+                </a:solidFill>
+                <a:highlight>
+                  <a:srgbClr val="FFFFFF"/>
+                </a:highlight>
+                <a:latin typeface="Consolas" panose="020B0609020204030204" pitchFamily="49" charset="0"/>
+              </a:rPr>
+              <a:t>(</a:t>
+            </a:r>
+            <a:r>
+              <a:rPr lang="en-US" sz="1800" b="1" dirty="0">
+                <a:solidFill>
+                  <a:srgbClr val="800000"/>
+                </a:solidFill>
+                <a:highlight>
+                  <a:srgbClr val="FFFFFF"/>
+                </a:highlight>
+                <a:latin typeface="Consolas" panose="020B0609020204030204" pitchFamily="49" charset="0"/>
+              </a:rPr>
+              <a:t>pow</a:t>
+            </a:r>
+            <a:r>
+              <a:rPr lang="en-US" sz="1800" dirty="0" smtClean="0">
+                <a:solidFill>
+                  <a:srgbClr val="000000"/>
+                </a:solidFill>
+                <a:highlight>
+                  <a:srgbClr val="FFFFFF"/>
+                </a:highlight>
+                <a:latin typeface="Consolas" panose="020B0609020204030204" pitchFamily="49" charset="0"/>
+              </a:rPr>
+              <a:t>(-1 * </a:t>
+            </a:r>
+            <a:r>
+              <a:rPr lang="en-US" sz="1800" b="1" dirty="0" smtClean="0">
+                <a:solidFill>
+                  <a:srgbClr val="800000"/>
+                </a:solidFill>
+                <a:highlight>
+                  <a:srgbClr val="FFFFFF"/>
+                </a:highlight>
+                <a:latin typeface="Consolas" panose="020B0609020204030204" pitchFamily="49" charset="0"/>
+              </a:rPr>
+              <a:t>dot</a:t>
+            </a:r>
+            <a:r>
+              <a:rPr lang="en-US" sz="1800" dirty="0" smtClean="0">
+                <a:solidFill>
+                  <a:srgbClr val="000000"/>
+                </a:solidFill>
+                <a:highlight>
+                  <a:srgbClr val="FFFFFF"/>
+                </a:highlight>
+                <a:latin typeface="Consolas" panose="020B0609020204030204" pitchFamily="49" charset="0"/>
+              </a:rPr>
+              <a:t>(R</a:t>
+            </a:r>
+            <a:r>
+              <a:rPr lang="en-US" sz="1800" dirty="0">
+                <a:solidFill>
+                  <a:srgbClr val="000000"/>
+                </a:solidFill>
+                <a:highlight>
+                  <a:srgbClr val="FFFFFF"/>
+                </a:highlight>
+                <a:latin typeface="Consolas" panose="020B0609020204030204" pitchFamily="49" charset="0"/>
+              </a:rPr>
+              <a:t>, </a:t>
+            </a:r>
+            <a:r>
+              <a:rPr lang="de-DE" sz="1800" dirty="0" err="1" smtClean="0">
+                <a:solidFill>
+                  <a:srgbClr val="000000"/>
+                </a:solidFill>
+                <a:highlight>
+                  <a:srgbClr val="FFFFFF"/>
+                </a:highlight>
+                <a:latin typeface="Consolas" panose="020B0609020204030204" pitchFamily="49" charset="0"/>
+              </a:rPr>
+              <a:t>normC</a:t>
+            </a:r>
+            <a:r>
+              <a:rPr lang="en-US" sz="1800" dirty="0" smtClean="0">
+                <a:solidFill>
+                  <a:srgbClr val="000000"/>
+                </a:solidFill>
+                <a:highlight>
+                  <a:srgbClr val="FFFFFF"/>
+                </a:highlight>
+                <a:latin typeface="Consolas" panose="020B0609020204030204" pitchFamily="49" charset="0"/>
+              </a:rPr>
+              <a:t>), </a:t>
+            </a:r>
+            <a:r>
+              <a:rPr lang="en-US" sz="1800" dirty="0" err="1">
+                <a:solidFill>
+                  <a:srgbClr val="000000"/>
+                </a:solidFill>
+                <a:highlight>
+                  <a:srgbClr val="FFFFFF"/>
+                </a:highlight>
+                <a:latin typeface="Consolas" panose="020B0609020204030204" pitchFamily="49" charset="0"/>
+              </a:rPr>
+              <a:t>materialShininess</a:t>
+            </a:r>
+            <a:r>
+              <a:rPr lang="en-US" sz="1800" dirty="0">
+                <a:solidFill>
+                  <a:srgbClr val="000000"/>
+                </a:solidFill>
+                <a:highlight>
+                  <a:srgbClr val="FFFFFF"/>
+                </a:highlight>
+                <a:latin typeface="Consolas" panose="020B0609020204030204" pitchFamily="49" charset="0"/>
+              </a:rPr>
+              <a:t>), </a:t>
+            </a:r>
+            <a:r>
+              <a:rPr lang="en-US" sz="1800" dirty="0">
+                <a:solidFill>
+                  <a:srgbClr val="00FFFF"/>
+                </a:solidFill>
+                <a:highlight>
+                  <a:srgbClr val="FFFFFF"/>
+                </a:highlight>
+                <a:latin typeface="Consolas" panose="020B0609020204030204" pitchFamily="49" charset="0"/>
+              </a:rPr>
+              <a:t>0</a:t>
+            </a:r>
+            <a:r>
+              <a:rPr lang="en-US" sz="1800" dirty="0">
+                <a:solidFill>
+                  <a:srgbClr val="000000"/>
+                </a:solidFill>
+                <a:highlight>
+                  <a:srgbClr val="FFFFFF"/>
+                </a:highlight>
+                <a:latin typeface="Consolas" panose="020B0609020204030204" pitchFamily="49" charset="0"/>
+              </a:rPr>
+              <a:t>) * </a:t>
+            </a:r>
+            <a:r>
+              <a:rPr lang="en-US" sz="1800" dirty="0" err="1">
+                <a:solidFill>
+                  <a:srgbClr val="000000"/>
+                </a:solidFill>
+                <a:highlight>
+                  <a:srgbClr val="FFFFFF"/>
+                </a:highlight>
+                <a:latin typeface="Consolas" panose="020B0609020204030204" pitchFamily="49" charset="0"/>
+              </a:rPr>
+              <a:t>materialSpecular</a:t>
+            </a:r>
+            <a:r>
+              <a:rPr lang="en-US" sz="1800" dirty="0" smtClean="0">
+                <a:solidFill>
+                  <a:srgbClr val="000000"/>
+                </a:solidFill>
+                <a:highlight>
+                  <a:srgbClr val="FFFFFF"/>
+                </a:highlight>
+                <a:latin typeface="Consolas" panose="020B0609020204030204" pitchFamily="49" charset="0"/>
+              </a:rPr>
+              <a:t>;</a:t>
+            </a:r>
+          </a:p>
+          <a:p>
+            <a:r>
               <a:rPr lang="pt-BR" sz="1800" dirty="0" smtClean="0">
                 <a:solidFill>
-                  <a:srgbClr val="008000"/>
-                </a:solidFill>
-                <a:highlight>
-                  <a:srgbClr val="FFFFFF"/>
-                </a:highlight>
-                <a:latin typeface="Consolas" panose="020B0609020204030204" pitchFamily="49" charset="0"/>
-              </a:rPr>
-              <a:t>	float</a:t>
+                  <a:srgbClr val="000000"/>
+                </a:solidFill>
+                <a:highlight>
+                  <a:srgbClr val="FFFFFF"/>
+                </a:highlight>
+                <a:latin typeface="Consolas" panose="020B0609020204030204" pitchFamily="49" charset="0"/>
+              </a:rPr>
+              <a:t>	</a:t>
+            </a:r>
+            <a:r>
+              <a:rPr lang="de-DE" sz="1800" dirty="0" err="1" smtClean="0">
+                <a:solidFill>
+                  <a:srgbClr val="000000"/>
+                </a:solidFill>
+                <a:highlight>
+                  <a:srgbClr val="FFFFFF"/>
+                </a:highlight>
+                <a:latin typeface="Consolas" panose="020B0609020204030204" pitchFamily="49" charset="0"/>
+              </a:rPr>
+              <a:t>Out_Color</a:t>
+            </a:r>
+            <a:r>
+              <a:rPr lang="de-DE" sz="1800" dirty="0" smtClean="0">
+                <a:solidFill>
+                  <a:srgbClr val="000000"/>
+                </a:solidFill>
+                <a:highlight>
+                  <a:srgbClr val="FFFFFF"/>
+                </a:highlight>
+                <a:latin typeface="Consolas" panose="020B0609020204030204" pitchFamily="49" charset="0"/>
+              </a:rPr>
+              <a:t> = </a:t>
+            </a:r>
+            <a:r>
+              <a:rPr lang="de-DE" sz="1800" dirty="0" err="1" smtClean="0">
+                <a:solidFill>
+                  <a:srgbClr val="800000"/>
+                </a:solidFill>
+                <a:highlight>
+                  <a:srgbClr val="FFFFFF"/>
+                </a:highlight>
+                <a:latin typeface="Consolas" panose="020B0609020204030204" pitchFamily="49" charset="0"/>
+              </a:rPr>
+              <a:t>max</a:t>
+            </a:r>
+            <a:r>
+              <a:rPr lang="de-DE" sz="1800" dirty="0" smtClean="0">
+                <a:solidFill>
+                  <a:srgbClr val="000000"/>
+                </a:solidFill>
+                <a:highlight>
+                  <a:srgbClr val="FFFFFF"/>
+                </a:highlight>
+                <a:latin typeface="Consolas" panose="020B0609020204030204" pitchFamily="49" charset="0"/>
+              </a:rPr>
+              <a:t>(</a:t>
+            </a:r>
+            <a:r>
+              <a:rPr lang="de-DE" sz="1800" dirty="0" err="1" smtClean="0">
+                <a:solidFill>
+                  <a:srgbClr val="800000"/>
+                </a:solidFill>
+                <a:highlight>
+                  <a:srgbClr val="FFFFFF"/>
+                </a:highlight>
+                <a:latin typeface="Consolas" panose="020B0609020204030204" pitchFamily="49" charset="0"/>
+              </a:rPr>
+              <a:t>texture</a:t>
+            </a:r>
+            <a:r>
+              <a:rPr lang="de-DE" sz="1800" dirty="0" smtClean="0">
+                <a:solidFill>
+                  <a:srgbClr val="000000"/>
+                </a:solidFill>
+                <a:highlight>
+                  <a:srgbClr val="FFFFFF"/>
+                </a:highlight>
+                <a:latin typeface="Consolas" panose="020B0609020204030204" pitchFamily="49" charset="0"/>
+              </a:rPr>
+              <a:t>(tex0, </a:t>
+            </a:r>
+            <a:r>
+              <a:rPr lang="de-DE" sz="1800" dirty="0" err="1" smtClean="0">
+                <a:solidFill>
+                  <a:srgbClr val="000000"/>
+                </a:solidFill>
+                <a:highlight>
+                  <a:srgbClr val="FFFFFF"/>
+                </a:highlight>
+                <a:latin typeface="Consolas" panose="020B0609020204030204" pitchFamily="49" charset="0"/>
+              </a:rPr>
+              <a:t>texCoord</a:t>
+            </a:r>
+            <a:r>
+              <a:rPr lang="de-DE" sz="1800" dirty="0" smtClean="0">
+                <a:solidFill>
+                  <a:srgbClr val="000000"/>
+                </a:solidFill>
+                <a:highlight>
+                  <a:srgbClr val="FFFFFF"/>
+                </a:highlight>
+                <a:latin typeface="Consolas" panose="020B0609020204030204" pitchFamily="49" charset="0"/>
+              </a:rPr>
+              <a:t>) * </a:t>
+            </a:r>
+            <a:r>
+              <a:rPr lang="de-DE" sz="1800" dirty="0" err="1" smtClean="0">
+                <a:solidFill>
+                  <a:srgbClr val="000000"/>
+                </a:solidFill>
+                <a:highlight>
+                  <a:srgbClr val="FFFFFF"/>
+                </a:highlight>
+                <a:latin typeface="Consolas" panose="020B0609020204030204" pitchFamily="49" charset="0"/>
+              </a:rPr>
+              <a:t>intensity</a:t>
+            </a:r>
+            <a:r>
+              <a:rPr lang="de-DE" sz="1800" dirty="0" smtClean="0">
+                <a:solidFill>
+                  <a:srgbClr val="000000"/>
+                </a:solidFill>
+                <a:highlight>
+                  <a:srgbClr val="FFFFFF"/>
+                </a:highlight>
+                <a:latin typeface="Consolas" panose="020B0609020204030204" pitchFamily="49" charset="0"/>
+              </a:rPr>
+              <a:t> + </a:t>
             </a:r>
             <a:r>
               <a:rPr lang="pt-BR" sz="1800" dirty="0" smtClean="0">
@@ -16171,327 +16155,22 @@
                 </a:highlight>
                 <a:latin typeface="Consolas" panose="020B0609020204030204" pitchFamily="49" charset="0"/>
               </a:rPr>
-              <a:t> </a:t>
-            </a:r>
-            <a:r>
-              <a:rPr lang="pt-BR" sz="1800" dirty="0">
-                <a:solidFill>
-                  <a:srgbClr val="000000"/>
-                </a:solidFill>
-                <a:highlight>
-                  <a:srgbClr val="FFFFFF"/>
-                </a:highlight>
-                <a:latin typeface="Consolas" panose="020B0609020204030204" pitchFamily="49" charset="0"/>
-              </a:rPr>
-              <a:t>specular = </a:t>
-            </a:r>
-            <a:r>
-              <a:rPr lang="pt-BR" sz="1800" b="1" dirty="0">
-                <a:solidFill>
-                  <a:srgbClr val="800000"/>
-                </a:solidFill>
-                <a:highlight>
-                  <a:srgbClr val="FFFFFF"/>
-                </a:highlight>
-                <a:latin typeface="Consolas" panose="020B0609020204030204" pitchFamily="49" charset="0"/>
-              </a:rPr>
-              <a:t>max</a:t>
-            </a:r>
-            <a:r>
-              <a:rPr lang="pt-BR" sz="1800" dirty="0">
-                <a:solidFill>
-                  <a:srgbClr val="000000"/>
-                </a:solidFill>
-                <a:highlight>
-                  <a:srgbClr val="FFFFFF"/>
-                </a:highlight>
-                <a:latin typeface="Consolas" panose="020B0609020204030204" pitchFamily="49" charset="0"/>
-              </a:rPr>
-              <a:t>(</a:t>
-            </a:r>
-            <a:r>
-              <a:rPr lang="pt-BR" sz="1800" b="1" dirty="0">
-                <a:solidFill>
-                  <a:srgbClr val="800000"/>
-                </a:solidFill>
-                <a:highlight>
-                  <a:srgbClr val="FFFFFF"/>
-                </a:highlight>
-                <a:latin typeface="Consolas" panose="020B0609020204030204" pitchFamily="49" charset="0"/>
-              </a:rPr>
-              <a:t>pow</a:t>
-            </a:r>
-            <a:r>
-              <a:rPr lang="pt-BR" sz="1800" dirty="0">
-                <a:solidFill>
-                  <a:srgbClr val="000000"/>
-                </a:solidFill>
-                <a:highlight>
-                  <a:srgbClr val="FFFFFF"/>
-                </a:highlight>
-                <a:latin typeface="Consolas" panose="020B0609020204030204" pitchFamily="49" charset="0"/>
-              </a:rPr>
-              <a:t>(</a:t>
-            </a:r>
-            <a:r>
-              <a:rPr lang="pt-BR" sz="1800" b="1" dirty="0">
-                <a:solidFill>
-                  <a:srgbClr val="800000"/>
-                </a:solidFill>
-                <a:highlight>
-                  <a:srgbClr val="FFFFFF"/>
-                </a:highlight>
-                <a:latin typeface="Consolas" panose="020B0609020204030204" pitchFamily="49" charset="0"/>
-              </a:rPr>
-              <a:t>dot</a:t>
-            </a:r>
-            <a:r>
-              <a:rPr lang="pt-BR" sz="1800" dirty="0">
-                <a:solidFill>
-                  <a:srgbClr val="000000"/>
-                </a:solidFill>
-                <a:highlight>
-                  <a:srgbClr val="FFFFFF"/>
-                </a:highlight>
-                <a:latin typeface="Consolas" panose="020B0609020204030204" pitchFamily="49" charset="0"/>
-              </a:rPr>
-              <a:t>(H, n), </a:t>
-            </a:r>
-            <a:r>
-              <a:rPr lang="pt-BR" sz="1800" dirty="0">
-                <a:solidFill>
-                  <a:srgbClr val="00FFFF"/>
-                </a:solidFill>
-                <a:highlight>
-                  <a:srgbClr val="FFFFFF"/>
-                </a:highlight>
-                <a:latin typeface="Consolas" panose="020B0609020204030204" pitchFamily="49" charset="0"/>
-              </a:rPr>
-              <a:t>200</a:t>
-            </a:r>
-            <a:r>
-              <a:rPr lang="pt-BR" sz="1800" dirty="0">
-                <a:solidFill>
-                  <a:srgbClr val="000000"/>
-                </a:solidFill>
-                <a:highlight>
-                  <a:srgbClr val="FFFFFF"/>
-                </a:highlight>
-                <a:latin typeface="Consolas" panose="020B0609020204030204" pitchFamily="49" charset="0"/>
-              </a:rPr>
-              <a:t>), </a:t>
-            </a:r>
-            <a:r>
-              <a:rPr lang="pt-BR" sz="1800" dirty="0">
-                <a:solidFill>
-                  <a:srgbClr val="00FFFF"/>
-                </a:solidFill>
-                <a:highlight>
-                  <a:srgbClr val="FFFFFF"/>
-                </a:highlight>
-                <a:latin typeface="Consolas" panose="020B0609020204030204" pitchFamily="49" charset="0"/>
-              </a:rPr>
-              <a:t>0</a:t>
-            </a:r>
-            <a:r>
-              <a:rPr lang="pt-BR" sz="1800" dirty="0">
-                <a:solidFill>
-                  <a:srgbClr val="000000"/>
-                </a:solidFill>
-                <a:highlight>
-                  <a:srgbClr val="FFFFFF"/>
-                </a:highlight>
-                <a:latin typeface="Consolas" panose="020B0609020204030204" pitchFamily="49" charset="0"/>
-              </a:rPr>
-              <a:t>) * </a:t>
-            </a:r>
-            <a:r>
-              <a:rPr lang="pt-BR" sz="1800" dirty="0">
-                <a:solidFill>
-                  <a:srgbClr val="00FFFF"/>
-                </a:solidFill>
-                <a:highlight>
-                  <a:srgbClr val="FFFFFF"/>
-                </a:highlight>
-                <a:latin typeface="Consolas" panose="020B0609020204030204" pitchFamily="49" charset="0"/>
-              </a:rPr>
-              <a:t>0.2</a:t>
-            </a:r>
-            <a:r>
-              <a:rPr lang="pt-BR" sz="1800" dirty="0" smtClean="0">
-                <a:solidFill>
-                  <a:srgbClr val="000000"/>
-                </a:solidFill>
-                <a:highlight>
-                  <a:srgbClr val="FFFFFF"/>
-                </a:highlight>
-                <a:latin typeface="Consolas" panose="020B0609020204030204" pitchFamily="49" charset="0"/>
-              </a:rPr>
-              <a:t>;</a:t>
-            </a:r>
-          </a:p>
-          <a:p>
-            <a:pPr marL="0" indent="0">
-              <a:buNone/>
-            </a:pPr>
-            <a:r>
-              <a:rPr lang="pt-BR" sz="1800" dirty="0">
-                <a:solidFill>
-                  <a:srgbClr val="000000"/>
-                </a:solidFill>
-                <a:highlight>
-                  <a:srgbClr val="FFFFFF"/>
-                </a:highlight>
-                <a:latin typeface="Consolas" panose="020B0609020204030204" pitchFamily="49" charset="0"/>
-              </a:rPr>
-              <a:t>	</a:t>
-            </a:r>
-            <a:r>
-              <a:rPr lang="de-DE" sz="1800" dirty="0" err="1">
-                <a:solidFill>
-                  <a:srgbClr val="000000"/>
-                </a:solidFill>
-                <a:highlight>
-                  <a:srgbClr val="FFFFFF"/>
-                </a:highlight>
-                <a:latin typeface="Consolas" panose="020B0609020204030204" pitchFamily="49" charset="0"/>
-              </a:rPr>
-              <a:t>Out_Color</a:t>
-            </a:r>
-            <a:r>
-              <a:rPr lang="de-DE" sz="1800" dirty="0">
-                <a:solidFill>
-                  <a:srgbClr val="000000"/>
-                </a:solidFill>
-                <a:highlight>
-                  <a:srgbClr val="FFFFFF"/>
-                </a:highlight>
-                <a:latin typeface="Consolas" panose="020B0609020204030204" pitchFamily="49" charset="0"/>
-              </a:rPr>
-              <a:t> = </a:t>
-            </a:r>
-            <a:r>
-              <a:rPr lang="de-DE" sz="1800" dirty="0" err="1">
-                <a:solidFill>
-                  <a:srgbClr val="800000"/>
-                </a:solidFill>
-                <a:highlight>
-                  <a:srgbClr val="FFFFFF"/>
-                </a:highlight>
-                <a:latin typeface="Consolas" panose="020B0609020204030204" pitchFamily="49" charset="0"/>
-              </a:rPr>
-              <a:t>max</a:t>
-            </a:r>
-            <a:r>
-              <a:rPr lang="de-DE" sz="1800" dirty="0">
-                <a:solidFill>
-                  <a:srgbClr val="000000"/>
-                </a:solidFill>
-                <a:highlight>
-                  <a:srgbClr val="FFFFFF"/>
-                </a:highlight>
-                <a:latin typeface="Consolas" panose="020B0609020204030204" pitchFamily="49" charset="0"/>
-              </a:rPr>
-              <a:t>(</a:t>
-            </a:r>
-            <a:r>
-              <a:rPr lang="de-DE" sz="1800" dirty="0" err="1">
-                <a:solidFill>
-                  <a:srgbClr val="800000"/>
-                </a:solidFill>
-                <a:highlight>
-                  <a:srgbClr val="FFFFFF"/>
-                </a:highlight>
-                <a:latin typeface="Consolas" panose="020B0609020204030204" pitchFamily="49" charset="0"/>
-              </a:rPr>
-              <a:t>texture</a:t>
-            </a:r>
-            <a:r>
-              <a:rPr lang="de-DE" sz="1800" dirty="0">
-                <a:solidFill>
-                  <a:srgbClr val="000000"/>
-                </a:solidFill>
-                <a:highlight>
-                  <a:srgbClr val="FFFFFF"/>
-                </a:highlight>
-                <a:latin typeface="Consolas" panose="020B0609020204030204" pitchFamily="49" charset="0"/>
-              </a:rPr>
-              <a:t>(tex0, </a:t>
-            </a:r>
-            <a:r>
-              <a:rPr lang="de-DE" sz="1800" dirty="0" err="1">
-                <a:solidFill>
-                  <a:srgbClr val="000000"/>
-                </a:solidFill>
-                <a:highlight>
-                  <a:srgbClr val="FFFFFF"/>
-                </a:highlight>
-                <a:latin typeface="Consolas" panose="020B0609020204030204" pitchFamily="49" charset="0"/>
-              </a:rPr>
-              <a:t>texCoord</a:t>
-            </a:r>
-            <a:r>
-              <a:rPr lang="de-DE" sz="1800" dirty="0">
-                <a:solidFill>
-                  <a:srgbClr val="000000"/>
-                </a:solidFill>
-                <a:highlight>
-                  <a:srgbClr val="FFFFFF"/>
-                </a:highlight>
-                <a:latin typeface="Consolas" panose="020B0609020204030204" pitchFamily="49" charset="0"/>
-              </a:rPr>
-              <a:t>) * </a:t>
+              <a:t>specular</a:t>
+            </a:r>
+            <a:r>
+              <a:rPr lang="de-DE" sz="1800" dirty="0" smtClean="0">
+                <a:solidFill>
+                  <a:srgbClr val="000000"/>
+                </a:solidFill>
+                <a:highlight>
+                  <a:srgbClr val="FFFFFF"/>
+                </a:highlight>
+                <a:latin typeface="Consolas" panose="020B0609020204030204" pitchFamily="49" charset="0"/>
+              </a:rPr>
+              <a:t>, </a:t>
             </a:r>
             <a:r>
               <a:rPr lang="de-DE" sz="1800" dirty="0" err="1" smtClean="0">
-                <a:solidFill>
-                  <a:srgbClr val="000000"/>
-                </a:solidFill>
-                <a:highlight>
-                  <a:srgbClr val="FFFFFF"/>
-                </a:highlight>
-                <a:latin typeface="Consolas" panose="020B0609020204030204" pitchFamily="49" charset="0"/>
-              </a:rPr>
-              <a:t>intensity</a:t>
-            </a:r>
-            <a:r>
-              <a:rPr lang="de-DE" sz="1800" dirty="0" smtClean="0">
-                <a:solidFill>
-                  <a:srgbClr val="000000"/>
-                </a:solidFill>
-                <a:highlight>
-                  <a:srgbClr val="FFFFFF"/>
-                </a:highlight>
-                <a:latin typeface="Consolas" panose="020B0609020204030204" pitchFamily="49" charset="0"/>
-              </a:rPr>
-              <a:t> + </a:t>
-            </a:r>
-            <a:r>
-              <a:rPr lang="pt-BR" sz="1800" dirty="0" smtClean="0">
-                <a:solidFill>
-                  <a:srgbClr val="000000"/>
-                </a:solidFill>
-                <a:highlight>
-                  <a:srgbClr val="FFFFFF"/>
-                </a:highlight>
-                <a:latin typeface="Consolas" panose="020B0609020204030204" pitchFamily="49" charset="0"/>
-              </a:rPr>
-              <a:t>specular</a:t>
-            </a:r>
-            <a:r>
-              <a:rPr lang="de-DE" sz="1800" dirty="0" smtClean="0">
-                <a:solidFill>
-                  <a:srgbClr val="000000"/>
-                </a:solidFill>
-                <a:highlight>
-                  <a:srgbClr val="FFFFFF"/>
-                </a:highlight>
-                <a:latin typeface="Consolas" panose="020B0609020204030204" pitchFamily="49" charset="0"/>
-              </a:rPr>
-              <a:t>, </a:t>
-            </a:r>
-            <a:r>
-              <a:rPr lang="de-DE" sz="1800" dirty="0" err="1">
                 <a:solidFill>
                   <a:srgbClr val="000000"/>
                 </a:solidFill>
@@ -16593,7 +16272,7 @@
                                         <p:tgtEl>
                                           <p:spTgt spid="3">
                                             <p:txEl>
-                                              <p:pRg st="4" end="4"/>
+                                              <p:pRg st="0" end="0"/>
                                             </p:txEl>
                                           </p:spTgt>
                                         </p:tgtEl>
@@ -16611,7 +16290,7 @@
                                         <p:tgtEl>
                                           <p:spTgt spid="3">
                                             <p:txEl>
-                                              <p:pRg st="4" end="4"/>
+                                              <p:pRg st="0" end="0"/>
                                             </p:txEl>
                                           </p:spTgt>
                                         </p:tgtEl>
@@ -16636,7 +16315,7 @@
                                         <p:tgtEl>
                                           <p:spTgt spid="3">
                                             <p:txEl>
-                                              <p:pRg st="5" end="5"/>
+                                              <p:pRg st="1" end="1"/>
                                             </p:txEl>
                                           </p:spTgt>
                                         </p:tgtEl>
@@ -16654,7 +16333,93 @@
                                         <p:tgtEl>
                                           <p:spTgt spid="3">
                                             <p:txEl>
-                                              <p:pRg st="5" end="5"/>
+                                              <p:pRg st="1" end="1"/>
+                                            </p:txEl>
+                                          </p:spTgt>
+                                        </p:tgtEl>
+                                      </p:cBhvr>
+                                    </p:animEffect>
+                                  </p:childTnLst>
+                                </p:cTn>
+                              </p:par>
+                              <p:par>
+                                <p:cTn id="11" presetID="10" presetClass="entr" presetSubtype="0" fill="hold" nodeType="withEffect">
+                                  <p:stCondLst>
+                                    <p:cond delay="0"/>
+                                  </p:stCondLst>
+                                  <p:childTnLst>
+                                    <p:set>
+                                      <p:cBhvr>
+                                        <p:cTn id="12" dur="1" fill="hold">
+                                          <p:stCondLst>
+                                            <p:cond delay="0"/>
+                                          </p:stCondLst>
+                                        </p:cTn>
+                                        <p:tgtEl>
+                                          <p:spTgt spid="3">
+                                            <p:txEl>
+                                              <p:pRg st="2" end="2"/>
+                                            </p:txEl>
+                                          </p:spTgt>
+                                        </p:tgtEl>
+                                        <p:attrNameLst>
+                                          <p:attrName>style.visibility</p:attrName>
+                                        </p:attrNameLst>
+                                      </p:cBhvr>
+                                      <p:to>
+                                        <p:strVal val="visible"/>
+                                      </p:to>
+                                    </p:set>
+                                    <p:animEffect transition="in" filter="fade">
+                                      <p:cBhvr>
+                                        <p:cTn id="13" dur="500"/>
+                                        <p:tgtEl>
+                                          <p:spTgt spid="3">
+                                            <p:txEl>
+                                              <p:pRg st="2" end="2"/>
+                                            </p:txEl>
+                                          </p:spTgt>
+                                        </p:tgtEl>
+                                      </p:cBhvr>
+                                    </p:animEffect>
+                                  </p:childTnLst>
+                                </p:cTn>
+                              </p:par>
+                              <p:par>
+                                <p:cTn id="14" presetID="10" presetClass="entr" presetSubtype="0" fill="hold" nodeType="withEffect">
+                                  <p:stCondLst>
+                                    <p:cond delay="0"/>
+                                  </p:stCondLst>
+                                  <p:childTnLst>
+                                    <p:set>
+                                      <p:cBhvr>
+                                        <p:cTn id="15" dur="1" fill="hold">
+                                          <p:stCondLst>
+                                            <p:cond delay="0"/>
+                                          </p:stCondLst>
+                                        </p:cTn>
+                                        <p:tgtEl>
+                                          <p:spTgt spid="3">
+                                            <p:txEl>
+                                              <p:pRg st="3" end="3"/>
+                                            </p:txEl>
+                                          </p:spTgt>
+                                        </p:tgtEl>
+                                        <p:attrNameLst>
+                                          <p:attrName>style.visibility</p:attrName>
+                                        </p:attrNameLst>
+                                      </p:cBhvr>
+                                      <p:to>
+                                        <p:strVal val="visible"/>
+                                      </p:to>
+                                    </p:set>
+                                    <p:animEffect transition="in" filter="fade">
+                                      <p:cBhvr>
+                                        <p:cTn id="16" dur="500"/>
+                                        <p:tgtEl>
+                                          <p:spTgt spid="3">
+                                            <p:txEl>
+                                              <p:pRg st="3" end="3"/>
                                             </p:txEl>
                                           </p:spTgt>
                                         </p:tgtEl>
@@ -16670,26 +16435,26 @@
                     </p:cTn>
                   </p:par>
                   <p:par>
-                    <p:cTn id="11" fill="hold">
+                    <p:cTn id="17" fill="hold">
                       <p:stCondLst>
                         <p:cond delay="indefinite"/>
                       </p:stCondLst>
                       <p:childTnLst>
                         <p:par>
-                          <p:cTn id="12" fill="hold">
+                          <p:cTn id="18" fill="hold">
                             <p:stCondLst>
                               <p:cond delay="0"/>
                             </p:stCondLst>
                             <p:childTnLst>
                               <p:par>
-                                <p:cTn id="13" presetID="10" presetClass="entr" presetSubtype="0" fill="hold" nodeType="clickEffect">
+                                <p:cTn id="19" presetID="10" presetClass="entr" presetSubtype="0" fill="hold" nodeType="clickEffect">
                                   <p:stCondLst>
                                     <p:cond delay="0"/>
                                   </p:stCondLst>
                                   <p:childTnLst>
                                     <p:set>
                                       <p:cBhvr>
-                                        <p:cTn id="14" dur="1" fill="hold">
+                                        <p:cTn id="20" dur="1" fill="hold">
                                           <p:stCondLst>
                                             <p:cond delay="0"/>
                                           </p:stCondLst>
@@ -16697,7 +16462,7 @@
                                         <p:tgtEl>
                                           <p:spTgt spid="3">
                                             <p:txEl>
-                                              <p:pRg st="6" end="6"/>
+                                              <p:pRg st="8" end="8"/>
                                             </p:txEl>
                                           </p:spTgt>
                                         </p:tgtEl>
@@ -16711,11 +16476,133 @@
                                     </p:set>
                                     <p:animEffect transition="in" filter="fade">
                                       <p:cBhvr>
-                                        <p:cTn id="15" dur="500"/>
+                                        <p:cTn id="21" dur="500"/>
                                         <p:tgtEl>
                                           <p:spTgt spid="3">
                                             <p:txEl>
-                                              <p:pRg st="6" end="6"/>
+                                              <p:pRg st="8" end="8"/>
+                                            </p:txEl>
+                                          </p:spTgt>
+                                        </p:tgtEl>
+                                      </p:cBhvr>
+                                    </p:animEffect>
+                                  </p:childTnLst>
+                                </p:cTn>
+                              </p:par>
+                            </p:childTnLst>
+                          </p:cTn>
+                        </p:par>
+                      </p:childTnLst>
+                    </p:cTn>
+                  </p:par>
+                  <p:par>
+                    <p:cTn id="22" fill="hold">
+                      <p:stCondLst>
+                        <p:cond delay="indefinite"/>
+                      </p:stCondLst>
+                      <p:childTnLst>
+                        <p:par>
+                          <p:cTn id="23" fill="hold">
+                            <p:stCondLst>
+                              <p:cond delay="0"/>
+                            </p:stCondLst>
+                            <p:childTnLst>
+                              <p:par>
+                                <p:cTn id="24" presetID="10" presetClass="entr" presetSubtype="0" fill="hold" nodeType="clickEffect">
+                                  <p:stCondLst>
+                                    <p:cond delay="0"/>
+                                  </p:stCondLst>
+                                  <p:childTnLst>
+                                    <p:set>
+                                      <p:cBhvr>
+                                        <p:cTn id="25" dur="1" fill="hold">
+                                          <p:stCondLst>
+                                            <p:cond delay="0"/>
+                                          </p:stCondLst>
+                                        </p:cTn>
+                                        <p:tgtEl>
+                                          <p:spTgt spid="3">
+                                            <p:txEl>
+                                              <p:pRg st="9" end="9"/>
+                                            </p:txEl>
+                                          </p:spTgt>
+                                        </p:tgtEl>
+                                        <p:attrNameLst>
+                                          <p:attrName>style.visibility</p:attrName>
+                                        </p:attrNameLst>
+                                      </p:cBhvr>
+                                      <p:to>
+                                        <p:strVal val="visible"/>
+                                      </p:to>
+                                    </p:set>
+                                    <p:animEffect transition="in" filter="fade">
+                                      <p:cBhvr>
+                                        <p:cTn id="26" dur="500"/>
+                                        <p:tgtEl>
+                                          <p:spTgt spid="3">
+                                            <p:txEl>
+                                              <p:pRg st="9" end="9"/>
+                                            </p:txEl>
+                                          </p:spTgt>
+                                        </p:tgtEl>
+                                      </p:cBhvr>
+                                    </p:animEffect>
+                                  </p:childTnLst>
+                                </p:cTn>
+                              </p:par>
+                            </p:childTnLst>
+                          </p:cTn>
+                        </p:par>
+                      </p:childTnLst>
+                    </p:cTn>
+                  </p:par>
+                  <p:par>
+                    <p:cTn id="27" fill="hold">
+                      <p:stCondLst>
+                        <p:cond delay="indefinite"/>
+                      </p:stCondLst>
+                      <p:childTnLst>
+                        <p:par>
+                          <p:cTn id="28" fill="hold">
+                            <p:stCondLst>
+                              <p:cond delay="0"/>
+                            </p:stCondLst>
+                            <p:childTnLst>
+                              <p:par>
+                                <p:cTn id="29" presetID="10" presetClass="entr" presetSubtype="0" fill="hold" nodeType="clickEffect">
+                                  <p:stCondLst>
+                                    <p:cond delay="0"/>
+                                  </p:stCondLst>
+                                  <p:childTnLst>
+                                    <p:set>
+                                      <p:cBhvr>
+                                        <p:cTn id="30" dur="1" fill="hold">
+                                          <p:stCondLst>
+                                            <p:cond delay="0"/>
+                                          </p:stCondLst>
+                                        </p:cTn>
+                                        <p:tgtEl>
+                                          <p:spTgt spid="3">
+                                            <p:txEl>
+                                              <p:pRg st="10" end="10"/>
+                                            </p:txEl>
+                                          </p:spTgt>
+                                        </p:tgtEl>
+                                        <p:attrNameLst>
+                                          <p:attrName>style.visibility</p:attrName>
+                                        </p:attrNameLst>
+                                      </p:cBhvr>
+                                      <p:to>
+                                        <p:strVal val="visible"/>
+                                      </p:to>
+                                    </p:set>
+                                    <p:animEffect transition="in" filter="fade">
+                                      <p:cBhvr>
+                                        <p:cTn id="31" dur="500"/>
+                                        <p:tgtEl>
+                                          <p:spTgt spid="3">
+                                            <p:txEl>
+                                              <p:pRg st="10" end="10"/>
                                             </p:txEl>
                                           </p:spTgt>
                                         </p:tgtEl>
@@ -19503,11 +19390,7 @@
             </a:r>
             <a:r>
               <a:rPr lang="de-DE" dirty="0" smtClean="0"/>
-              <a:t> </a:t>
-            </a:r>
-            <a:r>
-              <a:rPr lang="de-DE" dirty="0" smtClean="0"/>
-              <a:t>– </a:t>
+              <a:t> – </a:t>
             </a:r>
             <a:r>
               <a:rPr lang="de-DE" dirty="0" err="1" smtClean="0"/>
@@ -20081,11 +19964,7 @@
             </a:r>
             <a:r>
               <a:rPr lang="de-DE" dirty="0" smtClean="0"/>
-              <a:t> </a:t>
-            </a:r>
-            <a:r>
-              <a:rPr lang="de-DE" dirty="0" smtClean="0"/>
-              <a:t>– </a:t>
+              <a:t> – </a:t>
             </a:r>
             <a:r>
               <a:rPr lang="de-DE" dirty="0" err="1" smtClean="0"/>

--- a/Talk/Shading & Lightning.pptx
+++ b/Talk/Shading & Lightning.pptx
@@ -13304,6 +13304,68 @@
               <a:t>1</a:t>
             </a:r>
             <a:r>
+              <a:rPr lang="de-DE" sz="1700" dirty="0" smtClean="0">
+                <a:solidFill>
+                  <a:srgbClr val="000000"/>
+                </a:solidFill>
+                <a:highlight>
+                  <a:srgbClr val="FFFFFF"/>
+                </a:highlight>
+                <a:latin typeface="Consolas" panose="020B0609020204030204" pitchFamily="49" charset="0"/>
+              </a:rPr>
+              <a:t>);</a:t>
+            </a:r>
+          </a:p>
+          <a:p>
+            <a:r>
+              <a:rPr lang="de-DE" sz="1700" dirty="0" smtClean="0">
+                <a:solidFill>
+                  <a:srgbClr val="000000"/>
+                </a:solidFill>
+                <a:highlight>
+                  <a:srgbClr val="FFFFFF"/>
+                </a:highlight>
+                <a:latin typeface="Consolas" panose="020B0609020204030204" pitchFamily="49" charset="0"/>
+              </a:rPr>
+              <a:t> </a:t>
+            </a:r>
+            <a:r>
+              <a:rPr lang="de-DE" sz="1700" dirty="0" smtClean="0">
+                <a:solidFill>
+                  <a:srgbClr val="000000"/>
+                </a:solidFill>
+                <a:highlight>
+                  <a:srgbClr val="FFFFFF"/>
+                </a:highlight>
+                <a:latin typeface="Consolas" panose="020B0609020204030204" pitchFamily="49" charset="0"/>
+              </a:rPr>
+              <a:t>	</a:t>
+            </a:r>
+            <a:r>
+              <a:rPr lang="de-DE" sz="1700" dirty="0" smtClean="0">
+                <a:solidFill>
+                  <a:srgbClr val="008000"/>
+                </a:solidFill>
+                <a:highlight>
+                  <a:srgbClr val="FFFFFF"/>
+                </a:highlight>
+                <a:latin typeface="Consolas" panose="020B0609020204030204" pitchFamily="49" charset="0"/>
+              </a:rPr>
+              <a:t>vec4 </a:t>
+            </a:r>
+            <a:r>
+              <a:rPr lang="de-DE" sz="1700" dirty="0" smtClean="0">
+                <a:solidFill>
+                  <a:srgbClr val="000000"/>
+                </a:solidFill>
+                <a:highlight>
+                  <a:srgbClr val="FFFFFF"/>
+                </a:highlight>
+                <a:latin typeface="Consolas" panose="020B0609020204030204" pitchFamily="49" charset="0"/>
+              </a:rPr>
+              <a:t>n </a:t>
+            </a:r>
+            <a:r>
               <a:rPr lang="de-DE" sz="1700" dirty="0">
                 <a:solidFill>
                   <a:srgbClr val="000000"/>
@@ -13313,27 +13375,70 @@
                 </a:highlight>
                 <a:latin typeface="Consolas" panose="020B0609020204030204" pitchFamily="49" charset="0"/>
               </a:rPr>
-              <a:t>);</a:t>
-            </a:r>
-          </a:p>
-          <a:p>
-            <a:pPr marL="0" indent="0">
-              <a:buNone/>
-            </a:pPr>
-            <a:r>
-              <a:rPr lang="de-DE" sz="1700" dirty="0" smtClean="0">
-                <a:solidFill>
-                  <a:srgbClr val="008000"/>
-                </a:solidFill>
-                <a:highlight>
-                  <a:srgbClr val="FFFFFF"/>
-                </a:highlight>
-                <a:latin typeface="Consolas" panose="020B0609020204030204" pitchFamily="49" charset="0"/>
-              </a:rPr>
-              <a:t>	mat4</a:t>
-            </a:r>
-            <a:r>
-              <a:rPr lang="de-DE" sz="1700" dirty="0" smtClean="0">
+              <a:t>= </a:t>
+            </a:r>
+            <a:r>
+              <a:rPr lang="de-DE" sz="1800" b="1" dirty="0" err="1">
+                <a:solidFill>
+                  <a:srgbClr val="800000"/>
+                </a:solidFill>
+                <a:highlight>
+                  <a:srgbClr val="FFFFFF"/>
+                </a:highlight>
+                <a:latin typeface="Consolas" panose="020B0609020204030204" pitchFamily="49" charset="0"/>
+              </a:rPr>
+              <a:t>normalize</a:t>
+            </a:r>
+            <a:r>
+              <a:rPr lang="de-DE" sz="1800" dirty="0">
+                <a:solidFill>
+                  <a:srgbClr val="000000"/>
+                </a:solidFill>
+                <a:highlight>
+                  <a:srgbClr val="FFFFFF"/>
+                </a:highlight>
+                <a:latin typeface="Consolas" panose="020B0609020204030204" pitchFamily="49" charset="0"/>
+              </a:rPr>
+              <a:t>(</a:t>
+            </a:r>
+            <a:r>
+              <a:rPr lang="de-DE" sz="1800" dirty="0" err="1">
+                <a:solidFill>
+                  <a:srgbClr val="000000"/>
+                </a:solidFill>
+                <a:highlight>
+                  <a:srgbClr val="FFFFFF"/>
+                </a:highlight>
+                <a:latin typeface="Consolas" panose="020B0609020204030204" pitchFamily="49" charset="0"/>
+              </a:rPr>
+              <a:t>tangent</a:t>
+            </a:r>
+            <a:r>
+              <a:rPr lang="de-DE" sz="1800" dirty="0">
+                <a:solidFill>
+                  <a:srgbClr val="000000"/>
+                </a:solidFill>
+                <a:highlight>
+                  <a:srgbClr val="FFFFFF"/>
+                </a:highlight>
+                <a:latin typeface="Consolas" panose="020B0609020204030204" pitchFamily="49" charset="0"/>
+              </a:rPr>
+              <a:t>) * </a:t>
+            </a:r>
+            <a:r>
+              <a:rPr lang="de-DE" sz="1800" dirty="0" err="1" smtClean="0">
+                <a:solidFill>
+                  <a:srgbClr val="000000"/>
+                </a:solidFill>
+                <a:highlight>
+                  <a:srgbClr val="FFFFFF"/>
+                </a:highlight>
+                <a:latin typeface="Consolas" panose="020B0609020204030204" pitchFamily="49" charset="0"/>
+              </a:rPr>
+              <a:t>bump.r</a:t>
+            </a:r>
+            <a:r>
+              <a:rPr lang="de-DE" sz="1800" dirty="0" smtClean="0">
                 <a:solidFill>
                   <a:srgbClr val="000000"/>
                 </a:solidFill>
@@ -13345,162 +13450,18 @@
               <a:t> </a:t>
             </a:r>
             <a:r>
-              <a:rPr lang="de-DE" sz="1700" dirty="0">
-                <a:solidFill>
-                  <a:srgbClr val="000000"/>
-                </a:solidFill>
-                <a:highlight>
-                  <a:srgbClr val="FFFFFF"/>
-                </a:highlight>
-                <a:latin typeface="Consolas" panose="020B0609020204030204" pitchFamily="49" charset="0"/>
-              </a:rPr>
-              <a:t>TBN = </a:t>
-            </a:r>
-            <a:r>
-              <a:rPr lang="de-DE" sz="1700" dirty="0" smtClean="0">
-                <a:solidFill>
-                  <a:srgbClr val="008000"/>
-                </a:solidFill>
-                <a:highlight>
-                  <a:srgbClr val="FFFFFF"/>
-                </a:highlight>
-                <a:latin typeface="Consolas" panose="020B0609020204030204" pitchFamily="49" charset="0"/>
-              </a:rPr>
-              <a:t>mat4</a:t>
-            </a:r>
-            <a:r>
-              <a:rPr lang="de-DE" sz="1700" dirty="0" smtClean="0">
-                <a:solidFill>
-                  <a:srgbClr val="000000"/>
-                </a:solidFill>
-                <a:highlight>
-                  <a:srgbClr val="FFFFFF"/>
-                </a:highlight>
-                <a:latin typeface="Consolas" panose="020B0609020204030204" pitchFamily="49" charset="0"/>
-              </a:rPr>
-              <a:t>(</a:t>
-            </a:r>
-            <a:r>
-              <a:rPr lang="de-DE" sz="1700" b="1" dirty="0" err="1" smtClean="0">
-                <a:solidFill>
-                  <a:srgbClr val="800000"/>
-                </a:solidFill>
-                <a:highlight>
-                  <a:srgbClr val="FFFFFF"/>
-                </a:highlight>
-                <a:latin typeface="Consolas" panose="020B0609020204030204" pitchFamily="49" charset="0"/>
-              </a:rPr>
-              <a:t>normalize</a:t>
-            </a:r>
-            <a:r>
-              <a:rPr lang="de-DE" sz="1700" dirty="0" smtClean="0">
-                <a:solidFill>
-                  <a:srgbClr val="000000"/>
-                </a:solidFill>
-                <a:highlight>
-                  <a:srgbClr val="FFFFFF"/>
-                </a:highlight>
-                <a:latin typeface="Consolas" panose="020B0609020204030204" pitchFamily="49" charset="0"/>
-              </a:rPr>
-              <a:t>(</a:t>
-            </a:r>
-            <a:r>
-              <a:rPr lang="de-DE" sz="1700" dirty="0" err="1" smtClean="0">
-                <a:solidFill>
-                  <a:srgbClr val="000000"/>
-                </a:solidFill>
-                <a:highlight>
-                  <a:srgbClr val="FFFFFF"/>
-                </a:highlight>
-                <a:latin typeface="Consolas" panose="020B0609020204030204" pitchFamily="49" charset="0"/>
-              </a:rPr>
-              <a:t>tangent</a:t>
-            </a:r>
-            <a:r>
-              <a:rPr lang="de-DE" sz="1700" dirty="0">
-                <a:solidFill>
-                  <a:srgbClr val="000000"/>
-                </a:solidFill>
-                <a:highlight>
-                  <a:srgbClr val="FFFFFF"/>
-                </a:highlight>
-                <a:latin typeface="Consolas" panose="020B0609020204030204" pitchFamily="49" charset="0"/>
-              </a:rPr>
-              <a:t>), </a:t>
-            </a:r>
-            <a:r>
-              <a:rPr lang="de-DE" sz="1700" b="1" dirty="0" err="1">
-                <a:solidFill>
-                  <a:srgbClr val="800000"/>
-                </a:solidFill>
-                <a:highlight>
-                  <a:srgbClr val="FFFFFF"/>
-                </a:highlight>
-                <a:latin typeface="Consolas" panose="020B0609020204030204" pitchFamily="49" charset="0"/>
-              </a:rPr>
-              <a:t>normalize</a:t>
-            </a:r>
-            <a:r>
-              <a:rPr lang="de-DE" sz="1700" dirty="0">
-                <a:solidFill>
-                  <a:srgbClr val="000000"/>
-                </a:solidFill>
-                <a:highlight>
-                  <a:srgbClr val="FFFFFF"/>
-                </a:highlight>
-                <a:latin typeface="Consolas" panose="020B0609020204030204" pitchFamily="49" charset="0"/>
-              </a:rPr>
-              <a:t>(</a:t>
-            </a:r>
-            <a:r>
-              <a:rPr lang="de-DE" sz="1700" dirty="0" err="1">
-                <a:solidFill>
-                  <a:srgbClr val="000000"/>
-                </a:solidFill>
-                <a:highlight>
-                  <a:srgbClr val="FFFFFF"/>
-                </a:highlight>
-                <a:latin typeface="Consolas" panose="020B0609020204030204" pitchFamily="49" charset="0"/>
-              </a:rPr>
-              <a:t>bitangent</a:t>
-            </a:r>
-            <a:r>
-              <a:rPr lang="de-DE" sz="1700" dirty="0" smtClean="0">
-                <a:solidFill>
-                  <a:srgbClr val="000000"/>
-                </a:solidFill>
-                <a:highlight>
-                  <a:srgbClr val="FFFFFF"/>
-                </a:highlight>
-                <a:latin typeface="Consolas" panose="020B0609020204030204" pitchFamily="49" charset="0"/>
-              </a:rPr>
-              <a:t>), </a:t>
-            </a:r>
-            <a:r>
-              <a:rPr lang="de-DE" sz="1700" b="1" dirty="0" err="1" smtClean="0">
-                <a:solidFill>
-                  <a:srgbClr val="800000"/>
-                </a:solidFill>
-                <a:highlight>
-                  <a:srgbClr val="FFFFFF"/>
-                </a:highlight>
-                <a:latin typeface="Consolas" panose="020B0609020204030204" pitchFamily="49" charset="0"/>
-              </a:rPr>
-              <a:t>normalize</a:t>
-            </a:r>
-            <a:r>
-              <a:rPr lang="de-DE" sz="1700" dirty="0" smtClean="0">
-                <a:solidFill>
-                  <a:srgbClr val="000000"/>
-                </a:solidFill>
-                <a:highlight>
-                  <a:srgbClr val="FFFFFF"/>
-                </a:highlight>
-                <a:latin typeface="Consolas" panose="020B0609020204030204" pitchFamily="49" charset="0"/>
-              </a:rPr>
-              <a:t>(normal));</a:t>
-            </a:r>
-            <a:endParaRPr lang="de-DE" sz="1700" dirty="0">
+              <a:rPr lang="de-DE" sz="1800" dirty="0">
+                <a:solidFill>
+                  <a:srgbClr val="000000"/>
+                </a:solidFill>
+                <a:highlight>
+                  <a:srgbClr val="FFFFFF"/>
+                </a:highlight>
+                <a:latin typeface="Consolas" panose="020B0609020204030204" pitchFamily="49" charset="0"/>
+              </a:rPr>
+              <a:t>+ </a:t>
+            </a:r>
+            <a:endParaRPr lang="de-DE" sz="1800" dirty="0" smtClean="0">
               <a:solidFill>
                 <a:srgbClr val="000000"/>
               </a:solidFill>
@@ -13515,6 +13476,188 @@
               <a:buNone/>
             </a:pPr>
             <a:r>
+              <a:rPr lang="de-DE" sz="1800" b="1" dirty="0" smtClean="0">
+                <a:solidFill>
+                  <a:srgbClr val="800000"/>
+                </a:solidFill>
+                <a:highlight>
+                  <a:srgbClr val="FFFFFF"/>
+                </a:highlight>
+                <a:latin typeface="Consolas" panose="020B0609020204030204" pitchFamily="49" charset="0"/>
+              </a:rPr>
+              <a:t>		 </a:t>
+            </a:r>
+            <a:r>
+              <a:rPr lang="de-DE" sz="1800" b="1" dirty="0" err="1" smtClean="0">
+                <a:solidFill>
+                  <a:srgbClr val="800000"/>
+                </a:solidFill>
+                <a:highlight>
+                  <a:srgbClr val="FFFFFF"/>
+                </a:highlight>
+                <a:latin typeface="Consolas" panose="020B0609020204030204" pitchFamily="49" charset="0"/>
+              </a:rPr>
+              <a:t>normalize</a:t>
+            </a:r>
+            <a:r>
+              <a:rPr lang="de-DE" sz="1800" dirty="0" smtClean="0">
+                <a:solidFill>
+                  <a:srgbClr val="000000"/>
+                </a:solidFill>
+                <a:highlight>
+                  <a:srgbClr val="FFFFFF"/>
+                </a:highlight>
+                <a:latin typeface="Consolas" panose="020B0609020204030204" pitchFamily="49" charset="0"/>
+              </a:rPr>
+              <a:t>(</a:t>
+            </a:r>
+            <a:r>
+              <a:rPr lang="de-DE" sz="1800" dirty="0" err="1" smtClean="0">
+                <a:solidFill>
+                  <a:srgbClr val="000000"/>
+                </a:solidFill>
+                <a:highlight>
+                  <a:srgbClr val="FFFFFF"/>
+                </a:highlight>
+                <a:latin typeface="Consolas" panose="020B0609020204030204" pitchFamily="49" charset="0"/>
+              </a:rPr>
+              <a:t>bitangent</a:t>
+            </a:r>
+            <a:r>
+              <a:rPr lang="de-DE" sz="1800" dirty="0">
+                <a:solidFill>
+                  <a:srgbClr val="000000"/>
+                </a:solidFill>
+                <a:highlight>
+                  <a:srgbClr val="FFFFFF"/>
+                </a:highlight>
+                <a:latin typeface="Consolas" panose="020B0609020204030204" pitchFamily="49" charset="0"/>
+              </a:rPr>
+              <a:t>) * </a:t>
+            </a:r>
+            <a:r>
+              <a:rPr lang="de-DE" sz="1800" dirty="0" err="1" smtClean="0">
+                <a:solidFill>
+                  <a:srgbClr val="000000"/>
+                </a:solidFill>
+                <a:highlight>
+                  <a:srgbClr val="FFFFFF"/>
+                </a:highlight>
+                <a:latin typeface="Consolas" panose="020B0609020204030204" pitchFamily="49" charset="0"/>
+              </a:rPr>
+              <a:t>bump.g</a:t>
+            </a:r>
+            <a:r>
+              <a:rPr lang="de-DE" sz="1800" dirty="0" smtClean="0">
+                <a:solidFill>
+                  <a:srgbClr val="000000"/>
+                </a:solidFill>
+                <a:highlight>
+                  <a:srgbClr val="FFFFFF"/>
+                </a:highlight>
+                <a:latin typeface="Consolas" panose="020B0609020204030204" pitchFamily="49" charset="0"/>
+              </a:rPr>
+              <a:t> </a:t>
+            </a:r>
+            <a:r>
+              <a:rPr lang="de-DE" sz="1800" dirty="0">
+                <a:solidFill>
+                  <a:srgbClr val="000000"/>
+                </a:solidFill>
+                <a:highlight>
+                  <a:srgbClr val="FFFFFF"/>
+                </a:highlight>
+                <a:latin typeface="Consolas" panose="020B0609020204030204" pitchFamily="49" charset="0"/>
+              </a:rPr>
+              <a:t>+ </a:t>
+            </a:r>
+            <a:endParaRPr lang="de-DE" sz="1800" dirty="0" smtClean="0">
+              <a:solidFill>
+                <a:srgbClr val="000000"/>
+              </a:solidFill>
+              <a:highlight>
+                <a:srgbClr val="FFFFFF"/>
+              </a:highlight>
+              <a:latin typeface="Consolas" panose="020B0609020204030204" pitchFamily="49" charset="0"/>
+            </a:endParaRPr>
+          </a:p>
+          <a:p>
+            <a:pPr marL="0" indent="0">
+              <a:buNone/>
+            </a:pPr>
+            <a:r>
+              <a:rPr lang="de-DE" sz="1800" b="1" dirty="0">
+                <a:solidFill>
+                  <a:srgbClr val="000000"/>
+                </a:solidFill>
+                <a:highlight>
+                  <a:srgbClr val="FFFFFF"/>
+                </a:highlight>
+                <a:latin typeface="Consolas" panose="020B0609020204030204" pitchFamily="49" charset="0"/>
+              </a:rPr>
+              <a:t>	</a:t>
+            </a:r>
+            <a:r>
+              <a:rPr lang="de-DE" sz="1800" b="1" dirty="0" smtClean="0">
+                <a:solidFill>
+                  <a:srgbClr val="000000"/>
+                </a:solidFill>
+                <a:highlight>
+                  <a:srgbClr val="FFFFFF"/>
+                </a:highlight>
+                <a:latin typeface="Consolas" panose="020B0609020204030204" pitchFamily="49" charset="0"/>
+              </a:rPr>
+              <a:t>	 </a:t>
+            </a:r>
+            <a:r>
+              <a:rPr lang="de-DE" sz="1800" b="1" dirty="0" err="1" smtClean="0">
+                <a:solidFill>
+                  <a:srgbClr val="800000"/>
+                </a:solidFill>
+                <a:highlight>
+                  <a:srgbClr val="FFFFFF"/>
+                </a:highlight>
+                <a:latin typeface="Consolas" panose="020B0609020204030204" pitchFamily="49" charset="0"/>
+              </a:rPr>
+              <a:t>normalize</a:t>
+            </a:r>
+            <a:r>
+              <a:rPr lang="de-DE" sz="1800" dirty="0" smtClean="0">
+                <a:solidFill>
+                  <a:srgbClr val="000000"/>
+                </a:solidFill>
+                <a:highlight>
+                  <a:srgbClr val="FFFFFF"/>
+                </a:highlight>
+                <a:latin typeface="Consolas" panose="020B0609020204030204" pitchFamily="49" charset="0"/>
+              </a:rPr>
+              <a:t>(normal) </a:t>
+            </a:r>
+            <a:r>
+              <a:rPr lang="de-DE" sz="1800" dirty="0">
+                <a:solidFill>
+                  <a:srgbClr val="000000"/>
+                </a:solidFill>
+                <a:highlight>
+                  <a:srgbClr val="FFFFFF"/>
+                </a:highlight>
+                <a:latin typeface="Consolas" panose="020B0609020204030204" pitchFamily="49" charset="0"/>
+              </a:rPr>
+              <a:t>* </a:t>
+            </a:r>
+            <a:r>
+              <a:rPr lang="de-DE" sz="1800" dirty="0" err="1" smtClean="0">
+                <a:solidFill>
+                  <a:srgbClr val="000000"/>
+                </a:solidFill>
+                <a:highlight>
+                  <a:srgbClr val="FFFFFF"/>
+                </a:highlight>
+                <a:latin typeface="Consolas" panose="020B0609020204030204" pitchFamily="49" charset="0"/>
+              </a:rPr>
+              <a:t>bump.b</a:t>
+            </a:r>
+            <a:r>
               <a:rPr lang="de-DE" sz="1700" dirty="0" smtClean="0">
                 <a:solidFill>
                   <a:srgbClr val="000000"/>
@@ -13524,46 +13667,39 @@
                 </a:highlight>
                 <a:latin typeface="Consolas" panose="020B0609020204030204" pitchFamily="49" charset="0"/>
               </a:rPr>
+              <a:t>;</a:t>
+            </a:r>
+          </a:p>
+          <a:p>
+            <a:pPr marL="0" indent="0">
+              <a:buNone/>
+            </a:pPr>
+            <a:r>
+              <a:rPr lang="de-DE" sz="1700" dirty="0">
+                <a:solidFill>
+                  <a:srgbClr val="000000"/>
+                </a:solidFill>
+                <a:highlight>
+                  <a:srgbClr val="FFFFFF"/>
+                </a:highlight>
+                <a:latin typeface="Consolas" panose="020B0609020204030204" pitchFamily="49" charset="0"/>
+              </a:rPr>
               <a:t>	</a:t>
             </a:r>
             <a:r>
-              <a:rPr lang="de-DE" sz="1700" dirty="0" smtClean="0">
-                <a:solidFill>
-                  <a:srgbClr val="008000"/>
-                </a:solidFill>
-                <a:highlight>
-                  <a:srgbClr val="FFFFFF"/>
-                </a:highlight>
-                <a:latin typeface="Consolas" panose="020B0609020204030204" pitchFamily="49" charset="0"/>
-              </a:rPr>
-              <a:t>vec4 </a:t>
-            </a:r>
-            <a:r>
-              <a:rPr lang="de-DE" sz="1700" dirty="0" smtClean="0">
-                <a:solidFill>
-                  <a:srgbClr val="000000"/>
-                </a:solidFill>
-                <a:highlight>
-                  <a:srgbClr val="FFFFFF"/>
-                </a:highlight>
-                <a:latin typeface="Consolas" panose="020B0609020204030204" pitchFamily="49" charset="0"/>
-              </a:rPr>
-              <a:t>n </a:t>
-            </a:r>
-            <a:r>
-              <a:rPr lang="de-DE" sz="1700" dirty="0">
-                <a:solidFill>
-                  <a:srgbClr val="000000"/>
-                </a:solidFill>
-                <a:highlight>
-                  <a:srgbClr val="FFFFFF"/>
-                </a:highlight>
-                <a:latin typeface="Consolas" panose="020B0609020204030204" pitchFamily="49" charset="0"/>
-              </a:rPr>
-              <a:t>= </a:t>
-            </a:r>
-            <a:r>
-              <a:rPr lang="de-DE" sz="1700" b="1" dirty="0" err="1" smtClean="0">
+              <a:rPr lang="de-DE" sz="1600" dirty="0">
+                <a:solidFill>
+                  <a:srgbClr val="000000"/>
+                </a:solidFill>
+                <a:highlight>
+                  <a:srgbClr val="FFFFFF"/>
+                </a:highlight>
+                <a:latin typeface="Consolas" panose="020B0609020204030204" pitchFamily="49" charset="0"/>
+              </a:rPr>
+              <a:t>n = </a:t>
+            </a:r>
+            <a:r>
+              <a:rPr lang="de-DE" sz="1600" b="1" dirty="0" err="1" smtClean="0">
                 <a:solidFill>
                   <a:srgbClr val="800000"/>
                 </a:solidFill>
@@ -13575,41 +13711,26 @@
               <a:t>normalize</a:t>
             </a:r>
             <a:r>
-              <a:rPr lang="de-DE" sz="1700" dirty="0" smtClean="0">
-                <a:solidFill>
-                  <a:srgbClr val="000000"/>
-                </a:solidFill>
-                <a:highlight>
-                  <a:srgbClr val="FFFFFF"/>
-                </a:highlight>
-                <a:latin typeface="Consolas" panose="020B0609020204030204" pitchFamily="49" charset="0"/>
-              </a:rPr>
-              <a:t>(TBN * </a:t>
-            </a:r>
-            <a:r>
-              <a:rPr lang="de-DE" sz="1700" dirty="0" err="1" smtClean="0">
-                <a:solidFill>
-                  <a:srgbClr val="000000"/>
-                </a:solidFill>
-                <a:highlight>
-                  <a:srgbClr val="FFFFFF"/>
-                </a:highlight>
-                <a:latin typeface="Consolas" panose="020B0609020204030204" pitchFamily="49" charset="0"/>
-              </a:rPr>
-              <a:t>bump</a:t>
-            </a:r>
-            <a:r>
-              <a:rPr lang="de-DE" sz="1700" dirty="0" smtClean="0">
-                <a:solidFill>
-                  <a:srgbClr val="000000"/>
-                </a:solidFill>
-                <a:highlight>
-                  <a:srgbClr val="FFFFFF"/>
-                </a:highlight>
-                <a:latin typeface="Consolas" panose="020B0609020204030204" pitchFamily="49" charset="0"/>
-              </a:rPr>
-              <a:t>);</a:t>
-            </a:r>
+              <a:rPr lang="de-DE" sz="1600" dirty="0" smtClean="0">
+                <a:solidFill>
+                  <a:srgbClr val="000000"/>
+                </a:solidFill>
+                <a:highlight>
+                  <a:srgbClr val="FFFFFF"/>
+                </a:highlight>
+                <a:latin typeface="Consolas" panose="020B0609020204030204" pitchFamily="49" charset="0"/>
+              </a:rPr>
+              <a:t>(n);</a:t>
+            </a:r>
+            <a:endParaRPr lang="de-DE" sz="1500" dirty="0" smtClean="0">
+              <a:solidFill>
+                <a:srgbClr val="000000"/>
+              </a:solidFill>
+              <a:highlight>
+                <a:srgbClr val="FFFFFF"/>
+              </a:highlight>
+              <a:latin typeface="Consolas" panose="020B0609020204030204" pitchFamily="49" charset="0"/>
+            </a:endParaRPr>
           </a:p>
           <a:p>
             <a:pPr marL="0" indent="0">
@@ -13751,15 +13872,33 @@
                                   </p:childTnLst>
                                 </p:cTn>
                               </p:par>
+                            </p:childTnLst>
+                          </p:cTn>
+                        </p:par>
+                      </p:childTnLst>
+                    </p:cTn>
+                  </p:par>
+                  <p:par>
+                    <p:cTn id="8" fill="hold">
+                      <p:stCondLst>
+                        <p:cond delay="indefinite"/>
+                      </p:stCondLst>
+                      <p:childTnLst>
+                        <p:par>
+                          <p:cTn id="9" fill="hold">
+                            <p:stCondLst>
+                              <p:cond delay="0"/>
+                            </p:stCondLst>
+                            <p:childTnLst>
                               <p:par>
-                                <p:cTn id="8" presetID="10" presetClass="entr" presetSubtype="0" fill="hold" nodeType="withEffect">
+                                <p:cTn id="10" presetID="10" presetClass="entr" presetSubtype="0" fill="hold" nodeType="clickEffect">
                                   <p:stCondLst>
                                     <p:cond delay="0"/>
                                   </p:stCondLst>
                                   <p:childTnLst>
                                     <p:set>
                                       <p:cBhvr>
-                                        <p:cTn id="9" dur="1" fill="hold">
+                                        <p:cTn id="11" dur="1" fill="hold">
                                           <p:stCondLst>
                                             <p:cond delay="0"/>
                                           </p:stCondLst>
@@ -13781,7 +13920,7 @@
                                     </p:set>
                                     <p:animEffect transition="in" filter="fade">
                                       <p:cBhvr>
-                                        <p:cTn id="10" dur="500"/>
+                                        <p:cTn id="12" dur="500"/>
                                         <p:tgtEl>
                                           <p:spTgt spid="3">
                                             <p:txEl>
@@ -13794,15 +13933,33 @@
                                   </p:childTnLst>
                                 </p:cTn>
                               </p:par>
+                            </p:childTnLst>
+                          </p:cTn>
+                        </p:par>
+                      </p:childTnLst>
+                    </p:cTn>
+                  </p:par>
+                  <p:par>
+                    <p:cTn id="13" fill="hold">
+                      <p:stCondLst>
+                        <p:cond delay="indefinite"/>
+                      </p:stCondLst>
+                      <p:childTnLst>
+                        <p:par>
+                          <p:cTn id="14" fill="hold">
+                            <p:stCondLst>
+                              <p:cond delay="0"/>
+                            </p:stCondLst>
+                            <p:childTnLst>
                               <p:par>
-                                <p:cTn id="11" presetID="10" presetClass="entr" presetSubtype="0" fill="hold" nodeType="withEffect">
+                                <p:cTn id="15" presetID="10" presetClass="entr" presetSubtype="0" fill="hold" nodeType="clickEffect">
                                   <p:stCondLst>
                                     <p:cond delay="0"/>
                                   </p:stCondLst>
                                   <p:childTnLst>
                                     <p:set>
                                       <p:cBhvr>
-                                        <p:cTn id="12" dur="1" fill="hold">
+                                        <p:cTn id="16" dur="1" fill="hold">
                                           <p:stCondLst>
                                             <p:cond delay="0"/>
                                           </p:stCondLst>
@@ -13824,11 +13981,133 @@
                                     </p:set>
                                     <p:animEffect transition="in" filter="fade">
                                       <p:cBhvr>
-                                        <p:cTn id="13" dur="500"/>
+                                        <p:cTn id="17" dur="500"/>
                                         <p:tgtEl>
                                           <p:spTgt spid="3">
                                             <p:txEl>
                                               <p:pRg st="5" end="5"/>
+                                            </p:txEl>
+                                          </p:spTgt>
+                                        </p:tgtEl>
+                                      </p:cBhvr>
+                                    </p:animEffect>
+                                  </p:childTnLst>
+                                </p:cTn>
+                              </p:par>
+                            </p:childTnLst>
+                          </p:cTn>
+                        </p:par>
+                      </p:childTnLst>
+                    </p:cTn>
+                  </p:par>
+                  <p:par>
+                    <p:cTn id="18" fill="hold">
+                      <p:stCondLst>
+                        <p:cond delay="indefinite"/>
+                      </p:stCondLst>
+                      <p:childTnLst>
+                        <p:par>
+                          <p:cTn id="19" fill="hold">
+                            <p:stCondLst>
+                              <p:cond delay="0"/>
+                            </p:stCondLst>
+                            <p:childTnLst>
+                              <p:par>
+                                <p:cTn id="20" presetID="10" presetClass="entr" presetSubtype="0" fill="hold" nodeType="clickEffect">
+                                  <p:stCondLst>
+                                    <p:cond delay="0"/>
+                                  </p:stCondLst>
+                                  <p:childTnLst>
+                                    <p:set>
+                                      <p:cBhvr>
+                                        <p:cTn id="21" dur="1" fill="hold">
+                                          <p:stCondLst>
+                                            <p:cond delay="0"/>
+                                          </p:stCondLst>
+                                        </p:cTn>
+                                        <p:tgtEl>
+                                          <p:spTgt spid="3">
+                                            <p:txEl>
+                                              <p:pRg st="6" end="6"/>
+                                            </p:txEl>
+                                          </p:spTgt>
+                                        </p:tgtEl>
+                                        <p:attrNameLst>
+                                          <p:attrName>style.visibility</p:attrName>
+                                        </p:attrNameLst>
+                                      </p:cBhvr>
+                                      <p:to>
+                                        <p:strVal val="visible"/>
+                                      </p:to>
+                                    </p:set>
+                                    <p:animEffect transition="in" filter="fade">
+                                      <p:cBhvr>
+                                        <p:cTn id="22" dur="500"/>
+                                        <p:tgtEl>
+                                          <p:spTgt spid="3">
+                                            <p:txEl>
+                                              <p:pRg st="6" end="6"/>
+                                            </p:txEl>
+                                          </p:spTgt>
+                                        </p:tgtEl>
+                                      </p:cBhvr>
+                                    </p:animEffect>
+                                  </p:childTnLst>
+                                </p:cTn>
+                              </p:par>
+                            </p:childTnLst>
+                          </p:cTn>
+                        </p:par>
+                      </p:childTnLst>
+                    </p:cTn>
+                  </p:par>
+                  <p:par>
+                    <p:cTn id="23" fill="hold">
+                      <p:stCondLst>
+                        <p:cond delay="indefinite"/>
+                      </p:stCondLst>
+                      <p:childTnLst>
+                        <p:par>
+                          <p:cTn id="24" fill="hold">
+                            <p:stCondLst>
+                              <p:cond delay="0"/>
+                            </p:stCondLst>
+                            <p:childTnLst>
+                              <p:par>
+                                <p:cTn id="25" presetID="10" presetClass="entr" presetSubtype="0" fill="hold" nodeType="clickEffect">
+                                  <p:stCondLst>
+                                    <p:cond delay="0"/>
+                                  </p:stCondLst>
+                                  <p:childTnLst>
+                                    <p:set>
+                                      <p:cBhvr>
+                                        <p:cTn id="26" dur="1" fill="hold">
+                                          <p:stCondLst>
+                                            <p:cond delay="0"/>
+                                          </p:stCondLst>
+                                        </p:cTn>
+                                        <p:tgtEl>
+                                          <p:spTgt spid="3">
+                                            <p:txEl>
+                                              <p:pRg st="7" end="7"/>
+                                            </p:txEl>
+                                          </p:spTgt>
+                                        </p:tgtEl>
+                                        <p:attrNameLst>
+                                          <p:attrName>style.visibility</p:attrName>
+                                        </p:attrNameLst>
+                                      </p:cBhvr>
+                                      <p:to>
+                                        <p:strVal val="visible"/>
+                                      </p:to>
+                                    </p:set>
+                                    <p:animEffect transition="in" filter="fade">
+                                      <p:cBhvr>
+                                        <p:cTn id="27" dur="500"/>
+                                        <p:tgtEl>
+                                          <p:spTgt spid="3">
+                                            <p:txEl>
+                                              <p:pRg st="7" end="7"/>
                                             </p:txEl>
                                           </p:spTgt>
                                         </p:tgtEl>
@@ -15769,15 +16048,6 @@
               </a:rPr>
               <a:t>);</a:t>
             </a:r>
-            <a:endParaRPr lang="de-DE" sz="1800" dirty="0" smtClean="0">
-              <a:solidFill>
-                <a:srgbClr val="000000"/>
-              </a:solidFill>
-              <a:highlight>
-                <a:srgbClr val="FFFFFF"/>
-              </a:highlight>
-              <a:latin typeface="Consolas" panose="020B0609020204030204" pitchFamily="49" charset="0"/>
-            </a:endParaRPr>
           </a:p>
           <a:p>
             <a:pPr marL="0" indent="0">
